--- a/powerpoints/ITU Academy Slides AM4-04.pptx
+++ b/powerpoints/ITU Academy Slides AM4-04.pptx
@@ -4081,8 +4081,8 @@
         </p:nvSpPr>
         <p:spPr>
           <a:xfrm>
-            <a:off x="524812" y="5961380"/>
-            <a:ext cx="5097176" cy="370840"/>
+            <a:off x="524812" y="5961379"/>
+            <a:ext cx="5097176" cy="370841"/>
           </a:xfrm>
           <a:prstGeom prst="rect">
             <a:avLst/>

--- a/powerpoints/ITU Academy Slides AM4-04.pptx
+++ b/powerpoints/ITU Academy Slides AM4-04.pptx
@@ -16,6 +16,14 @@
     <p:sldId id="261" r:id="rId13"/>
     <p:sldId id="262" r:id="rId14"/>
     <p:sldId id="263" r:id="rId15"/>
+    <p:sldId id="264" r:id="rId16"/>
+    <p:sldId id="265" r:id="rId17"/>
+    <p:sldId id="266" r:id="rId18"/>
+    <p:sldId id="267" r:id="rId19"/>
+    <p:sldId id="268" r:id="rId20"/>
+    <p:sldId id="269" r:id="rId21"/>
+    <p:sldId id="270" r:id="rId22"/>
+    <p:sldId id="271" r:id="rId23"/>
   </p:sldIdLst>
   <p:sldSz cx="9144000" cy="6858000"/>
   <p:notesSz cx="6858000" cy="9144000"/>
@@ -469,6 +477,875 @@
     </a:lvl9pPr>
   </p:notesStyle>
 </p:notesMaster>
+</file>
+
+<file path=ppt/notesSlides/notesSlide1.xml><?xml version="1.0" encoding="utf-8"?>
+<p:notes xmlns:a="http://schemas.openxmlformats.org/drawingml/2006/main" xmlns:r="http://schemas.openxmlformats.org/officeDocument/2006/relationships" xmlns:p="http://schemas.openxmlformats.org/presentationml/2006/main" showMasterSp="1" showMasterPhAnim="1">
+  <p:cSld>
+    <p:spTree>
+      <p:nvGrpSpPr>
+        <p:cNvPr id="1" name=""/>
+        <p:cNvGrpSpPr/>
+        <p:nvPr/>
+      </p:nvGrpSpPr>
+      <p:grpSpPr>
+        <a:xfrm>
+          <a:off x="0" y="0"/>
+          <a:ext cx="0" cy="0"/>
+          <a:chOff x="0" y="0"/>
+          <a:chExt cx="0" cy="0"/>
+        </a:xfrm>
+      </p:grpSpPr>
+      <p:sp>
+        <p:nvSpPr>
+          <p:cNvPr id="141" name="Shape 141"/>
+          <p:cNvSpPr/>
+          <p:nvPr>
+            <p:ph type="sldImg"/>
+          </p:nvPr>
+        </p:nvSpPr>
+        <p:spPr>
+          <a:prstGeom prst="rect">
+            <a:avLst/>
+          </a:prstGeom>
+        </p:spPr>
+        <p:txBody>
+          <a:bodyPr/>
+          <a:lstStyle/>
+          <a:p>
+            <a:pPr/>
+          </a:p>
+        </p:txBody>
+      </p:sp>
+      <p:sp>
+        <p:nvSpPr>
+          <p:cNvPr id="142" name="Shape 142"/>
+          <p:cNvSpPr/>
+          <p:nvPr>
+            <p:ph type="body" sz="quarter" idx="1"/>
+          </p:nvPr>
+        </p:nvSpPr>
+        <p:spPr>
+          <a:prstGeom prst="rect">
+            <a:avLst/>
+          </a:prstGeom>
+        </p:spPr>
+        <p:txBody>
+          <a:bodyPr/>
+          <a:lstStyle/>
+          <a:p>
+            <a:pPr/>
+            <a:r>
+              <a:t>Go to Thingspeak, search for Channel 135, what info can we obtain?</a:t>
+            </a:r>
+          </a:p>
+        </p:txBody>
+      </p:sp>
+    </p:spTree>
+  </p:cSld>
+  <p:clrMapOvr>
+    <a:masterClrMapping/>
+  </p:clrMapOvr>
+</p:notes>
+</file>
+
+<file path=ppt/notesSlides/notesSlide10.xml><?xml version="1.0" encoding="utf-8"?>
+<p:notes xmlns:a="http://schemas.openxmlformats.org/drawingml/2006/main" xmlns:r="http://schemas.openxmlformats.org/officeDocument/2006/relationships" xmlns:p="http://schemas.openxmlformats.org/presentationml/2006/main" showMasterSp="1" showMasterPhAnim="1">
+  <p:cSld>
+    <p:spTree>
+      <p:nvGrpSpPr>
+        <p:cNvPr id="1" name=""/>
+        <p:cNvGrpSpPr/>
+        <p:nvPr/>
+      </p:nvGrpSpPr>
+      <p:grpSpPr>
+        <a:xfrm>
+          <a:off x="0" y="0"/>
+          <a:ext cx="0" cy="0"/>
+          <a:chOff x="0" y="0"/>
+          <a:chExt cx="0" cy="0"/>
+        </a:xfrm>
+      </p:grpSpPr>
+      <p:sp>
+        <p:nvSpPr>
+          <p:cNvPr id="195" name="Shape 195"/>
+          <p:cNvSpPr/>
+          <p:nvPr>
+            <p:ph type="sldImg"/>
+          </p:nvPr>
+        </p:nvSpPr>
+        <p:spPr>
+          <a:prstGeom prst="rect">
+            <a:avLst/>
+          </a:prstGeom>
+        </p:spPr>
+        <p:txBody>
+          <a:bodyPr/>
+          <a:lstStyle/>
+          <a:p>
+            <a:pPr/>
+          </a:p>
+        </p:txBody>
+      </p:sp>
+      <p:sp>
+        <p:nvSpPr>
+          <p:cNvPr id="196" name="Shape 196"/>
+          <p:cNvSpPr/>
+          <p:nvPr>
+            <p:ph type="body" sz="quarter" idx="1"/>
+          </p:nvPr>
+        </p:nvSpPr>
+        <p:spPr>
+          <a:prstGeom prst="rect">
+            <a:avLst/>
+          </a:prstGeom>
+        </p:spPr>
+        <p:txBody>
+          <a:bodyPr/>
+          <a:lstStyle/>
+          <a:p>
+            <a:pPr/>
+            <a:r>
+              <a:t>The predicted coming year resembles the previous ones, obviously.</a:t>
+            </a:r>
+          </a:p>
+          <a:p>
+            <a:pPr/>
+            <a:r>
+              <a:t>But there seems to be a year-by-year decreasing trend.</a:t>
+            </a:r>
+          </a:p>
+        </p:txBody>
+      </p:sp>
+    </p:spTree>
+  </p:cSld>
+  <p:clrMapOvr>
+    <a:masterClrMapping/>
+  </p:clrMapOvr>
+</p:notes>
+</file>
+
+<file path=ppt/notesSlides/notesSlide11.xml><?xml version="1.0" encoding="utf-8"?>
+<p:notes xmlns:a="http://schemas.openxmlformats.org/drawingml/2006/main" xmlns:r="http://schemas.openxmlformats.org/officeDocument/2006/relationships" xmlns:p="http://schemas.openxmlformats.org/presentationml/2006/main" showMasterSp="1" showMasterPhAnim="1">
+  <p:cSld>
+    <p:spTree>
+      <p:nvGrpSpPr>
+        <p:cNvPr id="1" name=""/>
+        <p:cNvGrpSpPr/>
+        <p:nvPr/>
+      </p:nvGrpSpPr>
+      <p:grpSpPr>
+        <a:xfrm>
+          <a:off x="0" y="0"/>
+          <a:ext cx="0" cy="0"/>
+          <a:chOff x="0" y="0"/>
+          <a:chExt cx="0" cy="0"/>
+        </a:xfrm>
+      </p:grpSpPr>
+      <p:sp>
+        <p:nvSpPr>
+          <p:cNvPr id="201" name="Shape 201"/>
+          <p:cNvSpPr/>
+          <p:nvPr>
+            <p:ph type="sldImg"/>
+          </p:nvPr>
+        </p:nvSpPr>
+        <p:spPr>
+          <a:prstGeom prst="rect">
+            <a:avLst/>
+          </a:prstGeom>
+        </p:spPr>
+        <p:txBody>
+          <a:bodyPr/>
+          <a:lstStyle/>
+          <a:p>
+            <a:pPr/>
+          </a:p>
+        </p:txBody>
+      </p:sp>
+      <p:sp>
+        <p:nvSpPr>
+          <p:cNvPr id="202" name="Shape 202"/>
+          <p:cNvSpPr/>
+          <p:nvPr>
+            <p:ph type="body" sz="quarter" idx="1"/>
+          </p:nvPr>
+        </p:nvSpPr>
+        <p:spPr>
+          <a:prstGeom prst="rect">
+            <a:avLst/>
+          </a:prstGeom>
+        </p:spPr>
+        <p:txBody>
+          <a:bodyPr/>
+          <a:lstStyle/>
+          <a:p>
+            <a:pPr/>
+            <a:r>
+              <a:t>Without smoothing, direct visual comparison is difficult.</a:t>
+            </a:r>
+          </a:p>
+          <a:p>
+            <a:pPr/>
+            <a:r>
+              <a:t>However, it seems the predicted general cooling was valid.</a:t>
+            </a:r>
+          </a:p>
+          <a:p>
+            <a:pPr/>
+            <a:r>
+              <a:t>(Of course this does not mean that Global Warming is false, only a short-time, local trend)</a:t>
+            </a:r>
+          </a:p>
+        </p:txBody>
+      </p:sp>
+    </p:spTree>
+  </p:cSld>
+  <p:clrMapOvr>
+    <a:masterClrMapping/>
+  </p:clrMapOvr>
+</p:notes>
+</file>
+
+<file path=ppt/notesSlides/notesSlide2.xml><?xml version="1.0" encoding="utf-8"?>
+<p:notes xmlns:a="http://schemas.openxmlformats.org/drawingml/2006/main" xmlns:r="http://schemas.openxmlformats.org/officeDocument/2006/relationships" xmlns:p="http://schemas.openxmlformats.org/presentationml/2006/main" showMasterSp="1" showMasterPhAnim="1">
+  <p:cSld>
+    <p:spTree>
+      <p:nvGrpSpPr>
+        <p:cNvPr id="1" name=""/>
+        <p:cNvGrpSpPr/>
+        <p:nvPr/>
+      </p:nvGrpSpPr>
+      <p:grpSpPr>
+        <a:xfrm>
+          <a:off x="0" y="0"/>
+          <a:ext cx="0" cy="0"/>
+          <a:chOff x="0" y="0"/>
+          <a:chExt cx="0" cy="0"/>
+        </a:xfrm>
+      </p:grpSpPr>
+      <p:sp>
+        <p:nvSpPr>
+          <p:cNvPr id="147" name="Shape 147"/>
+          <p:cNvSpPr/>
+          <p:nvPr>
+            <p:ph type="sldImg"/>
+          </p:nvPr>
+        </p:nvSpPr>
+        <p:spPr>
+          <a:prstGeom prst="rect">
+            <a:avLst/>
+          </a:prstGeom>
+        </p:spPr>
+        <p:txBody>
+          <a:bodyPr/>
+          <a:lstStyle/>
+          <a:p>
+            <a:pPr/>
+          </a:p>
+        </p:txBody>
+      </p:sp>
+      <p:sp>
+        <p:nvSpPr>
+          <p:cNvPr id="148" name="Shape 148"/>
+          <p:cNvSpPr/>
+          <p:nvPr>
+            <p:ph type="body" sz="quarter" idx="1"/>
+          </p:nvPr>
+        </p:nvSpPr>
+        <p:spPr>
+          <a:prstGeom prst="rect">
+            <a:avLst/>
+          </a:prstGeom>
+        </p:spPr>
+        <p:txBody>
+          <a:bodyPr/>
+          <a:lstStyle/>
+          <a:p>
+            <a:pPr/>
+            <a:r>
+              <a:t>Consider Prophet’s design specifications from the point of view of IoT</a:t>
+            </a:r>
+          </a:p>
+          <a:p>
+            <a:pPr/>
+            <a:r>
+              <a:t>If we have only a few days of data, can we still fit it into the Prophet model?</a:t>
+            </a:r>
+          </a:p>
+          <a:p>
+            <a:pPr/>
+            <a:r>
+              <a:t>Sensory data: when does it have daily, weekly, monthly, yearly seasonality?</a:t>
+            </a:r>
+          </a:p>
+          <a:p>
+            <a:pPr/>
+            <a:r>
+              <a:t>What if sensors are picking up human activities (driving, power use, etc.)?</a:t>
+            </a:r>
+          </a:p>
+          <a:p>
+            <a:pPr/>
+            <a:r>
+              <a:t>What Prophet strengths apply to IoT? Which do not?</a:t>
+            </a:r>
+          </a:p>
+        </p:txBody>
+      </p:sp>
+    </p:spTree>
+  </p:cSld>
+  <p:clrMapOvr>
+    <a:masterClrMapping/>
+  </p:clrMapOvr>
+</p:notes>
+</file>
+
+<file path=ppt/notesSlides/notesSlide3.xml><?xml version="1.0" encoding="utf-8"?>
+<p:notes xmlns:a="http://schemas.openxmlformats.org/drawingml/2006/main" xmlns:r="http://schemas.openxmlformats.org/officeDocument/2006/relationships" xmlns:p="http://schemas.openxmlformats.org/presentationml/2006/main" showMasterSp="1" showMasterPhAnim="1">
+  <p:cSld>
+    <p:spTree>
+      <p:nvGrpSpPr>
+        <p:cNvPr id="1" name=""/>
+        <p:cNvGrpSpPr/>
+        <p:nvPr/>
+      </p:nvGrpSpPr>
+      <p:grpSpPr>
+        <a:xfrm>
+          <a:off x="0" y="0"/>
+          <a:ext cx="0" cy="0"/>
+          <a:chOff x="0" y="0"/>
+          <a:chExt cx="0" cy="0"/>
+        </a:xfrm>
+      </p:grpSpPr>
+      <p:sp>
+        <p:nvSpPr>
+          <p:cNvPr id="152" name="Shape 152"/>
+          <p:cNvSpPr/>
+          <p:nvPr>
+            <p:ph type="sldImg"/>
+          </p:nvPr>
+        </p:nvSpPr>
+        <p:spPr>
+          <a:prstGeom prst="rect">
+            <a:avLst/>
+          </a:prstGeom>
+        </p:spPr>
+        <p:txBody>
+          <a:bodyPr/>
+          <a:lstStyle/>
+          <a:p>
+            <a:pPr/>
+          </a:p>
+        </p:txBody>
+      </p:sp>
+      <p:sp>
+        <p:nvSpPr>
+          <p:cNvPr id="153" name="Shape 153"/>
+          <p:cNvSpPr/>
+          <p:nvPr>
+            <p:ph type="body" sz="quarter" idx="1"/>
+          </p:nvPr>
+        </p:nvSpPr>
+        <p:spPr>
+          <a:prstGeom prst="rect">
+            <a:avLst/>
+          </a:prstGeom>
+        </p:spPr>
+        <p:txBody>
+          <a:bodyPr/>
+          <a:lstStyle/>
+          <a:p>
+            <a:pPr/>
+            <a:r>
+              <a:t>Introduce the accompanying Jupyter notebook.</a:t>
+            </a:r>
+          </a:p>
+          <a:p>
+            <a:pPr/>
+          </a:p>
+          <a:p>
+            <a:pPr/>
+            <a:r>
+              <a:t>We restrict the “training data” to Jan.1, 2014 - Dec.31, 2016, so we can compare forecasts with historical data from 2017.</a:t>
+            </a:r>
+          </a:p>
+        </p:txBody>
+      </p:sp>
+    </p:spTree>
+  </p:cSld>
+  <p:clrMapOvr>
+    <a:masterClrMapping/>
+  </p:clrMapOvr>
+</p:notes>
+</file>
+
+<file path=ppt/notesSlides/notesSlide4.xml><?xml version="1.0" encoding="utf-8"?>
+<p:notes xmlns:a="http://schemas.openxmlformats.org/drawingml/2006/main" xmlns:r="http://schemas.openxmlformats.org/officeDocument/2006/relationships" xmlns:p="http://schemas.openxmlformats.org/presentationml/2006/main" showMasterSp="1" showMasterPhAnim="1">
+  <p:cSld>
+    <p:spTree>
+      <p:nvGrpSpPr>
+        <p:cNvPr id="1" name=""/>
+        <p:cNvGrpSpPr/>
+        <p:nvPr/>
+      </p:nvGrpSpPr>
+      <p:grpSpPr>
+        <a:xfrm>
+          <a:off x="0" y="0"/>
+          <a:ext cx="0" cy="0"/>
+          <a:chOff x="0" y="0"/>
+          <a:chExt cx="0" cy="0"/>
+        </a:xfrm>
+      </p:grpSpPr>
+      <p:sp>
+        <p:nvSpPr>
+          <p:cNvPr id="158" name="Shape 158"/>
+          <p:cNvSpPr/>
+          <p:nvPr>
+            <p:ph type="sldImg"/>
+          </p:nvPr>
+        </p:nvSpPr>
+        <p:spPr>
+          <a:prstGeom prst="rect">
+            <a:avLst/>
+          </a:prstGeom>
+        </p:spPr>
+        <p:txBody>
+          <a:bodyPr/>
+          <a:lstStyle/>
+          <a:p>
+            <a:pPr/>
+          </a:p>
+        </p:txBody>
+      </p:sp>
+      <p:sp>
+        <p:nvSpPr>
+          <p:cNvPr id="159" name="Shape 159"/>
+          <p:cNvSpPr/>
+          <p:nvPr>
+            <p:ph type="body" sz="quarter" idx="1"/>
+          </p:nvPr>
+        </p:nvSpPr>
+        <p:spPr>
+          <a:prstGeom prst="rect">
+            <a:avLst/>
+          </a:prstGeom>
+        </p:spPr>
+        <p:txBody>
+          <a:bodyPr/>
+          <a:lstStyle/>
+          <a:p>
+            <a:pPr/>
+            <a:r>
+              <a:t>Small tricks with Jupyter and matplotlib: need the directive to actually see the plot!</a:t>
+            </a:r>
+          </a:p>
+          <a:p>
+            <a:pPr/>
+          </a:p>
+          <a:p>
+            <a:pPr/>
+            <a:r>
+              <a:t>Notice: we are plotting against “created_at” time stamps</a:t>
+            </a:r>
+          </a:p>
+        </p:txBody>
+      </p:sp>
+    </p:spTree>
+  </p:cSld>
+  <p:clrMapOvr>
+    <a:masterClrMapping/>
+  </p:clrMapOvr>
+</p:notes>
+</file>
+
+<file path=ppt/notesSlides/notesSlide5.xml><?xml version="1.0" encoding="utf-8"?>
+<p:notes xmlns:a="http://schemas.openxmlformats.org/drawingml/2006/main" xmlns:r="http://schemas.openxmlformats.org/officeDocument/2006/relationships" xmlns:p="http://schemas.openxmlformats.org/presentationml/2006/main" showMasterSp="1" showMasterPhAnim="1">
+  <p:cSld>
+    <p:spTree>
+      <p:nvGrpSpPr>
+        <p:cNvPr id="1" name=""/>
+        <p:cNvGrpSpPr/>
+        <p:nvPr/>
+      </p:nvGrpSpPr>
+      <p:grpSpPr>
+        <a:xfrm>
+          <a:off x="0" y="0"/>
+          <a:ext cx="0" cy="0"/>
+          <a:chOff x="0" y="0"/>
+          <a:chExt cx="0" cy="0"/>
+        </a:xfrm>
+      </p:grpSpPr>
+      <p:sp>
+        <p:nvSpPr>
+          <p:cNvPr id="165" name="Shape 165"/>
+          <p:cNvSpPr/>
+          <p:nvPr>
+            <p:ph type="sldImg"/>
+          </p:nvPr>
+        </p:nvSpPr>
+        <p:spPr>
+          <a:prstGeom prst="rect">
+            <a:avLst/>
+          </a:prstGeom>
+        </p:spPr>
+        <p:txBody>
+          <a:bodyPr/>
+          <a:lstStyle/>
+          <a:p>
+            <a:pPr/>
+          </a:p>
+        </p:txBody>
+      </p:sp>
+      <p:sp>
+        <p:nvSpPr>
+          <p:cNvPr id="166" name="Shape 166"/>
+          <p:cNvSpPr/>
+          <p:nvPr>
+            <p:ph type="body" sz="quarter" idx="1"/>
+          </p:nvPr>
+        </p:nvSpPr>
+        <p:spPr>
+          <a:prstGeom prst="rect">
+            <a:avLst/>
+          </a:prstGeom>
+        </p:spPr>
+        <p:txBody>
+          <a:bodyPr/>
+          <a:lstStyle/>
+          <a:p>
+            <a:pPr/>
+            <a:r>
+              <a:t>The model is directed to have only yearly seasonality. </a:t>
+            </a:r>
+          </a:p>
+          <a:p>
+            <a:pPr/>
+            <a:r>
+              <a:t>Weekdays will have only slight effect on outside temperature (maybe less traffic on Sundays?)</a:t>
+            </a:r>
+          </a:p>
+          <a:p>
+            <a:pPr/>
+            <a:r>
+              <a:t>There should be a daily rhythm, but it does not seem to appear in the data.</a:t>
+            </a:r>
+          </a:p>
+          <a:p>
+            <a:pPr/>
+            <a:r>
+              <a:t>So we keep only yearly cycles.</a:t>
+            </a:r>
+          </a:p>
+          <a:p>
+            <a:pPr/>
+          </a:p>
+          <a:p>
+            <a:pPr/>
+            <a:r>
+              <a:t>First create now a new dataframe for one week into the future.</a:t>
+            </a:r>
+          </a:p>
+          <a:p>
+            <a:pPr/>
+            <a:r>
+              <a:t>Check the contents (last few records): the last hours of Jan.7</a:t>
+            </a:r>
+          </a:p>
+        </p:txBody>
+      </p:sp>
+    </p:spTree>
+  </p:cSld>
+  <p:clrMapOvr>
+    <a:masterClrMapping/>
+  </p:clrMapOvr>
+</p:notes>
+</file>
+
+<file path=ppt/notesSlides/notesSlide6.xml><?xml version="1.0" encoding="utf-8"?>
+<p:notes xmlns:a="http://schemas.openxmlformats.org/drawingml/2006/main" xmlns:r="http://schemas.openxmlformats.org/officeDocument/2006/relationships" xmlns:p="http://schemas.openxmlformats.org/presentationml/2006/main" showMasterSp="1" showMasterPhAnim="1">
+  <p:cSld>
+    <p:spTree>
+      <p:nvGrpSpPr>
+        <p:cNvPr id="1" name=""/>
+        <p:cNvGrpSpPr/>
+        <p:nvPr/>
+      </p:nvGrpSpPr>
+      <p:grpSpPr>
+        <a:xfrm>
+          <a:off x="0" y="0"/>
+          <a:ext cx="0" cy="0"/>
+          <a:chOff x="0" y="0"/>
+          <a:chExt cx="0" cy="0"/>
+        </a:xfrm>
+      </p:grpSpPr>
+      <p:sp>
+        <p:nvSpPr>
+          <p:cNvPr id="171" name="Shape 171"/>
+          <p:cNvSpPr/>
+          <p:nvPr>
+            <p:ph type="sldImg"/>
+          </p:nvPr>
+        </p:nvSpPr>
+        <p:spPr>
+          <a:prstGeom prst="rect">
+            <a:avLst/>
+          </a:prstGeom>
+        </p:spPr>
+        <p:txBody>
+          <a:bodyPr/>
+          <a:lstStyle/>
+          <a:p>
+            <a:pPr/>
+          </a:p>
+        </p:txBody>
+      </p:sp>
+      <p:sp>
+        <p:nvSpPr>
+          <p:cNvPr id="172" name="Shape 172"/>
+          <p:cNvSpPr/>
+          <p:nvPr>
+            <p:ph type="body" sz="quarter" idx="1"/>
+          </p:nvPr>
+        </p:nvSpPr>
+        <p:spPr>
+          <a:prstGeom prst="rect">
+            <a:avLst/>
+          </a:prstGeom>
+        </p:spPr>
+        <p:txBody>
+          <a:bodyPr/>
+          <a:lstStyle/>
+          <a:p>
+            <a:pPr/>
+            <a:r>
+              <a:t>The model (training + forecast data) is plotted as the mean and actual data.</a:t>
+            </a:r>
+          </a:p>
+        </p:txBody>
+      </p:sp>
+    </p:spTree>
+  </p:cSld>
+  <p:clrMapOvr>
+    <a:masterClrMapping/>
+  </p:clrMapOvr>
+</p:notes>
+</file>
+
+<file path=ppt/notesSlides/notesSlide7.xml><?xml version="1.0" encoding="utf-8"?>
+<p:notes xmlns:a="http://schemas.openxmlformats.org/drawingml/2006/main" xmlns:r="http://schemas.openxmlformats.org/officeDocument/2006/relationships" xmlns:p="http://schemas.openxmlformats.org/presentationml/2006/main" showMasterSp="1" showMasterPhAnim="1">
+  <p:cSld>
+    <p:spTree>
+      <p:nvGrpSpPr>
+        <p:cNvPr id="1" name=""/>
+        <p:cNvGrpSpPr/>
+        <p:nvPr/>
+      </p:nvGrpSpPr>
+      <p:grpSpPr>
+        <a:xfrm>
+          <a:off x="0" y="0"/>
+          <a:ext cx="0" cy="0"/>
+          <a:chOff x="0" y="0"/>
+          <a:chExt cx="0" cy="0"/>
+        </a:xfrm>
+      </p:grpSpPr>
+      <p:sp>
+        <p:nvSpPr>
+          <p:cNvPr id="177" name="Shape 177"/>
+          <p:cNvSpPr/>
+          <p:nvPr>
+            <p:ph type="sldImg"/>
+          </p:nvPr>
+        </p:nvSpPr>
+        <p:spPr>
+          <a:prstGeom prst="rect">
+            <a:avLst/>
+          </a:prstGeom>
+        </p:spPr>
+        <p:txBody>
+          <a:bodyPr/>
+          <a:lstStyle/>
+          <a:p>
+            <a:pPr/>
+          </a:p>
+        </p:txBody>
+      </p:sp>
+      <p:sp>
+        <p:nvSpPr>
+          <p:cNvPr id="178" name="Shape 178"/>
+          <p:cNvSpPr/>
+          <p:nvPr>
+            <p:ph type="body" sz="quarter" idx="1"/>
+          </p:nvPr>
+        </p:nvSpPr>
+        <p:spPr>
+          <a:prstGeom prst="rect">
+            <a:avLst/>
+          </a:prstGeom>
+        </p:spPr>
+        <p:txBody>
+          <a:bodyPr/>
+          <a:lstStyle/>
+          <a:p>
+            <a:pPr/>
+            <a:r>
+              <a:t>The measured temperature fluctuates first around about 4 C, then goes down to around 0 C.</a:t>
+            </a:r>
+          </a:p>
+        </p:txBody>
+      </p:sp>
+    </p:spTree>
+  </p:cSld>
+  <p:clrMapOvr>
+    <a:masterClrMapping/>
+  </p:clrMapOvr>
+</p:notes>
+</file>
+
+<file path=ppt/notesSlides/notesSlide8.xml><?xml version="1.0" encoding="utf-8"?>
+<p:notes xmlns:a="http://schemas.openxmlformats.org/drawingml/2006/main" xmlns:r="http://schemas.openxmlformats.org/officeDocument/2006/relationships" xmlns:p="http://schemas.openxmlformats.org/presentationml/2006/main" showMasterSp="1" showMasterPhAnim="1">
+  <p:cSld>
+    <p:spTree>
+      <p:nvGrpSpPr>
+        <p:cNvPr id="1" name=""/>
+        <p:cNvGrpSpPr/>
+        <p:nvPr/>
+      </p:nvGrpSpPr>
+      <p:grpSpPr>
+        <a:xfrm>
+          <a:off x="0" y="0"/>
+          <a:ext cx="0" cy="0"/>
+          <a:chOff x="0" y="0"/>
+          <a:chExt cx="0" cy="0"/>
+        </a:xfrm>
+      </p:grpSpPr>
+      <p:sp>
+        <p:nvSpPr>
+          <p:cNvPr id="183" name="Shape 183"/>
+          <p:cNvSpPr/>
+          <p:nvPr>
+            <p:ph type="sldImg"/>
+          </p:nvPr>
+        </p:nvSpPr>
+        <p:spPr>
+          <a:prstGeom prst="rect">
+            <a:avLst/>
+          </a:prstGeom>
+        </p:spPr>
+        <p:txBody>
+          <a:bodyPr/>
+          <a:lstStyle/>
+          <a:p>
+            <a:pPr/>
+          </a:p>
+        </p:txBody>
+      </p:sp>
+      <p:sp>
+        <p:nvSpPr>
+          <p:cNvPr id="184" name="Shape 184"/>
+          <p:cNvSpPr/>
+          <p:nvPr>
+            <p:ph type="body" sz="quarter" idx="1"/>
+          </p:nvPr>
+        </p:nvSpPr>
+        <p:spPr>
+          <a:prstGeom prst="rect">
+            <a:avLst/>
+          </a:prstGeom>
+        </p:spPr>
+        <p:txBody>
+          <a:bodyPr/>
+          <a:lstStyle/>
+          <a:p>
+            <a:pPr/>
+            <a:r>
+              <a:t>The forecast says the temperature will go down from 2.4 C to 1.0 C in a week.</a:t>
+            </a:r>
+          </a:p>
+          <a:p>
+            <a:pPr/>
+            <a:r>
+              <a:t>This is different from what we saw in the previous figure, but perhaps acceptable.</a:t>
+            </a:r>
+          </a:p>
+        </p:txBody>
+      </p:sp>
+    </p:spTree>
+  </p:cSld>
+  <p:clrMapOvr>
+    <a:masterClrMapping/>
+  </p:clrMapOvr>
+</p:notes>
+</file>
+
+<file path=ppt/notesSlides/notesSlide9.xml><?xml version="1.0" encoding="utf-8"?>
+<p:notes xmlns:a="http://schemas.openxmlformats.org/drawingml/2006/main" xmlns:r="http://schemas.openxmlformats.org/officeDocument/2006/relationships" xmlns:p="http://schemas.openxmlformats.org/presentationml/2006/main" showMasterSp="1" showMasterPhAnim="1">
+  <p:cSld>
+    <p:spTree>
+      <p:nvGrpSpPr>
+        <p:cNvPr id="1" name=""/>
+        <p:cNvGrpSpPr/>
+        <p:nvPr/>
+      </p:nvGrpSpPr>
+      <p:grpSpPr>
+        <a:xfrm>
+          <a:off x="0" y="0"/>
+          <a:ext cx="0" cy="0"/>
+          <a:chOff x="0" y="0"/>
+          <a:chExt cx="0" cy="0"/>
+        </a:xfrm>
+      </p:grpSpPr>
+      <p:sp>
+        <p:nvSpPr>
+          <p:cNvPr id="189" name="Shape 189"/>
+          <p:cNvSpPr/>
+          <p:nvPr>
+            <p:ph type="sldImg"/>
+          </p:nvPr>
+        </p:nvSpPr>
+        <p:spPr>
+          <a:prstGeom prst="rect">
+            <a:avLst/>
+          </a:prstGeom>
+        </p:spPr>
+        <p:txBody>
+          <a:bodyPr/>
+          <a:lstStyle/>
+          <a:p>
+            <a:pPr/>
+          </a:p>
+        </p:txBody>
+      </p:sp>
+      <p:sp>
+        <p:nvSpPr>
+          <p:cNvPr id="190" name="Shape 190"/>
+          <p:cNvSpPr/>
+          <p:nvPr>
+            <p:ph type="body" sz="quarter" idx="1"/>
+          </p:nvPr>
+        </p:nvSpPr>
+        <p:spPr>
+          <a:prstGeom prst="rect">
+            <a:avLst/>
+          </a:prstGeom>
+        </p:spPr>
+        <p:txBody>
+          <a:bodyPr/>
+          <a:lstStyle/>
+          <a:p>
+            <a:pPr/>
+            <a:r>
+              <a:t>Notice the last few time stamps: the last 5 days of December. The time is arbitrary.</a:t>
+            </a:r>
+          </a:p>
+        </p:txBody>
+      </p:sp>
+    </p:spTree>
+  </p:cSld>
+  <p:clrMapOvr>
+    <a:masterClrMapping/>
+  </p:clrMapOvr>
+</p:notes>
 </file>
 
 <file path=ppt/slideLayouts/slideLayout1.xml><?xml version="1.0" encoding="utf-8"?>
@@ -3360,6 +4237,1596 @@
 </p:sld>
 </file>
 
+<file path=ppt/slides/slide10.xml><?xml version="1.0" encoding="utf-8"?>
+<p:sld xmlns:a="http://schemas.openxmlformats.org/drawingml/2006/main" xmlns:r="http://schemas.openxmlformats.org/officeDocument/2006/relationships" xmlns:p="http://schemas.openxmlformats.org/presentationml/2006/main" showMasterSp="1" showMasterPhAnim="1">
+  <p:cSld>
+    <p:spTree>
+      <p:nvGrpSpPr>
+        <p:cNvPr id="1" name=""/>
+        <p:cNvGrpSpPr/>
+        <p:nvPr/>
+      </p:nvGrpSpPr>
+      <p:grpSpPr>
+        <a:xfrm>
+          <a:off x="0" y="0"/>
+          <a:ext cx="0" cy="0"/>
+          <a:chOff x="0" y="0"/>
+          <a:chExt cx="0" cy="0"/>
+        </a:xfrm>
+      </p:grpSpPr>
+      <p:sp>
+        <p:nvSpPr>
+          <p:cNvPr id="161" name="Create and run a Prophet model"/>
+          <p:cNvSpPr txBox="1"/>
+          <p:nvPr>
+            <p:ph type="title"/>
+          </p:nvPr>
+        </p:nvSpPr>
+        <p:spPr>
+          <a:prstGeom prst="rect">
+            <a:avLst/>
+          </a:prstGeom>
+        </p:spPr>
+        <p:txBody>
+          <a:bodyPr/>
+          <a:lstStyle/>
+          <a:p>
+            <a:pPr/>
+            <a:r>
+              <a:t>Create and run a Prophet model</a:t>
+            </a:r>
+          </a:p>
+        </p:txBody>
+      </p:sp>
+      <p:sp>
+        <p:nvSpPr>
+          <p:cNvPr id="162" name="# Create a Prophet model, fit to the data…"/>
+          <p:cNvSpPr txBox="1"/>
+          <p:nvPr/>
+        </p:nvSpPr>
+        <p:spPr>
+          <a:xfrm>
+            <a:off x="1665665" y="1592309"/>
+            <a:ext cx="5812670" cy="1488441"/>
+          </a:xfrm>
+          <a:prstGeom prst="rect">
+            <a:avLst/>
+          </a:prstGeom>
+          <a:ln w="12700">
+            <a:miter lim="400000"/>
+          </a:ln>
+          <a:extLst>
+            <a:ext uri="{C572A759-6A51-4108-AA02-DFA0A04FC94B}">
+              <ma14:wrappingTextBoxFlag xmlns:ma14="http://schemas.microsoft.com/office/mac/drawingml/2011/main" val="1"/>
+            </a:ext>
+          </a:extLst>
+        </p:spPr>
+        <p:txBody>
+          <a:bodyPr lIns="45719" rIns="45719">
+            <a:spAutoFit/>
+          </a:bodyPr>
+          <a:lstStyle/>
+          <a:p>
+            <a:pPr/>
+            <a:r>
+              <a:t># Create a Prophet model, fit to the data</a:t>
+            </a:r>
+          </a:p>
+          <a:p>
+            <a:pPr/>
+            <a:r>
+              <a:t>model=Prophet(yearly_seasonality=True,\</a:t>
+            </a:r>
+          </a:p>
+          <a:p>
+            <a:pPr/>
+            <a:r>
+              <a:t>             weekly_seasonality=False,daily_seasonality=False )</a:t>
+            </a:r>
+          </a:p>
+          <a:p>
+            <a:pPr/>
+            <a:r>
+              <a:t>model.fit(df)</a:t>
+            </a:r>
+          </a:p>
+        </p:txBody>
+      </p:sp>
+      <p:sp>
+        <p:nvSpPr>
+          <p:cNvPr id="163" name="# Set the prediction period to 7 days = 7*24 houra…"/>
+          <p:cNvSpPr txBox="1"/>
+          <p:nvPr/>
+        </p:nvSpPr>
+        <p:spPr>
+          <a:xfrm>
+            <a:off x="1589262" y="2964180"/>
+            <a:ext cx="5965476" cy="929640"/>
+          </a:xfrm>
+          <a:prstGeom prst="rect">
+            <a:avLst/>
+          </a:prstGeom>
+          <a:ln w="12700">
+            <a:miter lim="400000"/>
+          </a:ln>
+          <a:extLst>
+            <a:ext uri="{C572A759-6A51-4108-AA02-DFA0A04FC94B}">
+              <ma14:wrappingTextBoxFlag xmlns:ma14="http://schemas.microsoft.com/office/mac/drawingml/2011/main" val="1"/>
+            </a:ext>
+          </a:extLst>
+        </p:spPr>
+        <p:txBody>
+          <a:bodyPr wrap="none" lIns="45719" rIns="45719">
+            <a:spAutoFit/>
+          </a:bodyPr>
+          <a:lstStyle/>
+          <a:p>
+            <a:pPr/>
+            <a:r>
+              <a:t># Set the prediction period to 7 days = 7*24 houra</a:t>
+            </a:r>
+          </a:p>
+          <a:p>
+            <a:pPr/>
+            <a:r>
+              <a:t>future=model.make_future_dataframe(periods=7*24,freq='H')</a:t>
+            </a:r>
+          </a:p>
+          <a:p>
+            <a:pPr/>
+            <a:r>
+              <a:t>future.tail()</a:t>
+            </a:r>
+          </a:p>
+        </p:txBody>
+      </p:sp>
+      <p:graphicFrame>
+        <p:nvGraphicFramePr>
+          <p:cNvPr id="164" name="Table 1"/>
+          <p:cNvGraphicFramePr/>
+          <p:nvPr/>
+        </p:nvGraphicFramePr>
+        <p:xfrm>
+          <a:off x="3244849" y="4148576"/>
+          <a:ext cx="1270001" cy="1674318"/>
+        </p:xfrm>
+        <a:graphic xmlns:a="http://schemas.openxmlformats.org/drawingml/2006/main">
+          <a:graphicData uri="http://schemas.openxmlformats.org/drawingml/2006/table">
+            <a:tbl>
+              <a:tblPr firstCol="1" firstRow="1" lastCol="0" lastRow="0" bandCol="0" bandRow="1" rtl="0">
+                <a:tableStyleId>{4C3C2611-4C71-4FC5-86AE-919BDF0F9419}</a:tableStyleId>
+              </a:tblPr>
+              <a:tblGrid>
+                <a:gridCol w="647700"/>
+                <a:gridCol w="2006600"/>
+              </a:tblGrid>
+              <a:tr h="279400">
+                <a:tc gridSpan="2">
+                  <a:txBody>
+                    <a:bodyPr/>
+                    <a:lstStyle/>
+                    <a:p>
+                      <a:pPr algn="l">
+                        <a:defRPr b="0" sz="1800">
+                          <a:solidFill>
+                            <a:srgbClr val="000000"/>
+                          </a:solidFill>
+                        </a:defRPr>
+                      </a:pPr>
+                      <a:r>
+                        <a:t>Table 1</a:t>
+                      </a:r>
+                    </a:p>
+                  </a:txBody>
+                  <a:tcPr marL="0" marR="0" marT="0" marB="0" anchor="t" anchorCtr="0" horzOverflow="overflow">
+                    <a:lnL/>
+                    <a:lnR/>
+                    <a:lnT/>
+                    <a:lnB w="12700">
+                      <a:solidFill>
+                        <a:srgbClr val="FFFFFF"/>
+                      </a:solidFill>
+                    </a:lnB>
+                    <a:solidFill>
+                      <a:srgbClr val="000000">
+                        <a:alpha val="0"/>
+                      </a:srgbClr>
+                    </a:solidFill>
+                  </a:tcPr>
+                </a:tc>
+                <a:tc hMerge="1">
+                  <a:tcPr/>
+                </a:tc>
+              </a:tr>
+              <a:tr h="279052">
+                <a:tc>
+                  <a:txBody>
+                    <a:bodyPr/>
+                    <a:lstStyle/>
+                    <a:p>
+                      <a:pPr algn="l">
+                        <a:defRPr sz="1800"/>
+                      </a:pPr>
+                    </a:p>
+                  </a:txBody>
+                  <a:tcPr marL="0" marR="0" marT="0" marB="0" anchor="t" anchorCtr="0" horzOverflow="overflow">
+                    <a:lnT w="12700">
+                      <a:solidFill>
+                        <a:srgbClr val="FFFFFF"/>
+                      </a:solidFill>
+                    </a:lnT>
+                    <a:lnB w="38100">
+                      <a:solidFill>
+                        <a:srgbClr val="FFFFFF"/>
+                      </a:solidFill>
+                    </a:lnB>
+                  </a:tcPr>
+                </a:tc>
+                <a:tc>
+                  <a:txBody>
+                    <a:bodyPr/>
+                    <a:lstStyle/>
+                    <a:p>
+                      <a:pPr algn="l">
+                        <a:defRPr sz="1800"/>
+                      </a:pPr>
+                      <a:r>
+                        <a:rPr b="1">
+                          <a:solidFill>
+                            <a:srgbClr val="FFFFFF"/>
+                          </a:solidFill>
+                        </a:rPr>
+                        <a:t>ds</a:t>
+                      </a:r>
+                    </a:p>
+                  </a:txBody>
+                  <a:tcPr marL="0" marR="0" marT="0" marB="0" anchor="t" anchorCtr="0" horzOverflow="overflow">
+                    <a:lnT w="12700">
+                      <a:solidFill>
+                        <a:srgbClr val="FFFFFF"/>
+                      </a:solidFill>
+                    </a:lnT>
+                    <a:lnB w="38100">
+                      <a:solidFill>
+                        <a:srgbClr val="FFFFFF"/>
+                      </a:solidFill>
+                    </a:lnB>
+                    <a:solidFill>
+                      <a:schemeClr val="accent1"/>
+                    </a:solidFill>
+                  </a:tcPr>
+                </a:tc>
+              </a:tr>
+              <a:tr h="279052">
+                <a:tc>
+                  <a:txBody>
+                    <a:bodyPr/>
+                    <a:lstStyle/>
+                    <a:p>
+                      <a:pPr algn="l">
+                        <a:defRPr b="0" sz="1800">
+                          <a:solidFill>
+                            <a:srgbClr val="000000"/>
+                          </a:solidFill>
+                        </a:defRPr>
+                      </a:pPr>
+                      <a:r>
+                        <a:rPr b="1">
+                          <a:solidFill>
+                            <a:srgbClr val="FFFFFF"/>
+                          </a:solidFill>
+                        </a:rPr>
+                        <a:t>26467</a:t>
+                      </a:r>
+                    </a:p>
+                  </a:txBody>
+                  <a:tcPr marL="0" marR="0" marT="0" marB="0" anchor="t" anchorCtr="0" horzOverflow="overflow">
+                    <a:lnT w="38100">
+                      <a:solidFill>
+                        <a:srgbClr val="FFFFFF"/>
+                      </a:solidFill>
+                    </a:lnT>
+                  </a:tcPr>
+                </a:tc>
+                <a:tc>
+                  <a:txBody>
+                    <a:bodyPr/>
+                    <a:lstStyle/>
+                    <a:p>
+                      <a:pPr algn="l">
+                        <a:defRPr sz="1800"/>
+                      </a:pPr>
+                      <a:r>
+                        <a:t>2017-01-07 19:00:00</a:t>
+                      </a:r>
+                    </a:p>
+                  </a:txBody>
+                  <a:tcPr marL="0" marR="0" marT="0" marB="0" anchor="t" anchorCtr="0" horzOverflow="overflow">
+                    <a:lnT w="38100">
+                      <a:solidFill>
+                        <a:srgbClr val="FFFFFF"/>
+                      </a:solidFill>
+                    </a:lnT>
+                    <a:solidFill>
+                      <a:srgbClr val="CFD7E7"/>
+                    </a:solidFill>
+                  </a:tcPr>
+                </a:tc>
+              </a:tr>
+              <a:tr h="279052">
+                <a:tc>
+                  <a:txBody>
+                    <a:bodyPr/>
+                    <a:lstStyle/>
+                    <a:p>
+                      <a:pPr algn="l">
+                        <a:defRPr b="0" sz="1800">
+                          <a:solidFill>
+                            <a:srgbClr val="000000"/>
+                          </a:solidFill>
+                        </a:defRPr>
+                      </a:pPr>
+                      <a:r>
+                        <a:rPr b="1">
+                          <a:solidFill>
+                            <a:srgbClr val="FFFFFF"/>
+                          </a:solidFill>
+                        </a:rPr>
+                        <a:t>26468</a:t>
+                      </a:r>
+                    </a:p>
+                  </a:txBody>
+                  <a:tcPr marL="0" marR="0" marT="0" marB="0" anchor="t" anchorCtr="0" horzOverflow="overflow"/>
+                </a:tc>
+                <a:tc>
+                  <a:txBody>
+                    <a:bodyPr/>
+                    <a:lstStyle/>
+                    <a:p>
+                      <a:pPr algn="l">
+                        <a:defRPr sz="1800"/>
+                      </a:pPr>
+                      <a:r>
+                        <a:t>2017-01-07 20:00:00</a:t>
+                      </a:r>
+                    </a:p>
+                  </a:txBody>
+                  <a:tcPr marL="0" marR="0" marT="0" marB="0" anchor="t" anchorCtr="0" horzOverflow="overflow">
+                    <a:solidFill>
+                      <a:srgbClr val="E8ECF4"/>
+                    </a:solidFill>
+                  </a:tcPr>
+                </a:tc>
+              </a:tr>
+              <a:tr h="279052">
+                <a:tc>
+                  <a:txBody>
+                    <a:bodyPr/>
+                    <a:lstStyle/>
+                    <a:p>
+                      <a:pPr algn="l">
+                        <a:defRPr b="0" sz="1800">
+                          <a:solidFill>
+                            <a:srgbClr val="000000"/>
+                          </a:solidFill>
+                        </a:defRPr>
+                      </a:pPr>
+                      <a:r>
+                        <a:rPr b="1">
+                          <a:solidFill>
+                            <a:srgbClr val="FFFFFF"/>
+                          </a:solidFill>
+                        </a:rPr>
+                        <a:t>26469</a:t>
+                      </a:r>
+                    </a:p>
+                  </a:txBody>
+                  <a:tcPr marL="0" marR="0" marT="0" marB="0" anchor="t" anchorCtr="0" horzOverflow="overflow"/>
+                </a:tc>
+                <a:tc>
+                  <a:txBody>
+                    <a:bodyPr/>
+                    <a:lstStyle/>
+                    <a:p>
+                      <a:pPr algn="l">
+                        <a:defRPr sz="1800"/>
+                      </a:pPr>
+                      <a:r>
+                        <a:t>2017-01-07 21:00:00</a:t>
+                      </a:r>
+                    </a:p>
+                  </a:txBody>
+                  <a:tcPr marL="0" marR="0" marT="0" marB="0" anchor="t" anchorCtr="0" horzOverflow="overflow">
+                    <a:solidFill>
+                      <a:srgbClr val="CFD7E7"/>
+                    </a:solidFill>
+                  </a:tcPr>
+                </a:tc>
+              </a:tr>
+              <a:tr h="279052">
+                <a:tc>
+                  <a:txBody>
+                    <a:bodyPr/>
+                    <a:lstStyle/>
+                    <a:p>
+                      <a:pPr algn="l">
+                        <a:defRPr b="0" sz="1800">
+                          <a:solidFill>
+                            <a:srgbClr val="000000"/>
+                          </a:solidFill>
+                        </a:defRPr>
+                      </a:pPr>
+                      <a:r>
+                        <a:rPr b="1">
+                          <a:solidFill>
+                            <a:srgbClr val="FFFFFF"/>
+                          </a:solidFill>
+                        </a:rPr>
+                        <a:t>26470</a:t>
+                      </a:r>
+                    </a:p>
+                  </a:txBody>
+                  <a:tcPr marL="0" marR="0" marT="0" marB="0" anchor="t" anchorCtr="0" horzOverflow="overflow"/>
+                </a:tc>
+                <a:tc>
+                  <a:txBody>
+                    <a:bodyPr/>
+                    <a:lstStyle/>
+                    <a:p>
+                      <a:pPr algn="l">
+                        <a:defRPr sz="1800"/>
+                      </a:pPr>
+                      <a:r>
+                        <a:t>2017-01-07 22:00:00</a:t>
+                      </a:r>
+                    </a:p>
+                  </a:txBody>
+                  <a:tcPr marL="0" marR="0" marT="0" marB="0" anchor="t" anchorCtr="0" horzOverflow="overflow">
+                    <a:solidFill>
+                      <a:srgbClr val="E8ECF4"/>
+                    </a:solidFill>
+                  </a:tcPr>
+                </a:tc>
+              </a:tr>
+              <a:tr h="279052">
+                <a:tc>
+                  <a:txBody>
+                    <a:bodyPr/>
+                    <a:lstStyle/>
+                    <a:p>
+                      <a:pPr algn="l">
+                        <a:defRPr b="0" sz="1800">
+                          <a:solidFill>
+                            <a:srgbClr val="000000"/>
+                          </a:solidFill>
+                        </a:defRPr>
+                      </a:pPr>
+                      <a:r>
+                        <a:rPr b="1">
+                          <a:solidFill>
+                            <a:srgbClr val="FFFFFF"/>
+                          </a:solidFill>
+                        </a:rPr>
+                        <a:t>26471</a:t>
+                      </a:r>
+                    </a:p>
+                  </a:txBody>
+                  <a:tcPr marL="0" marR="0" marT="0" marB="0" anchor="t" anchorCtr="0" horzOverflow="overflow"/>
+                </a:tc>
+                <a:tc>
+                  <a:txBody>
+                    <a:bodyPr/>
+                    <a:lstStyle/>
+                    <a:p>
+                      <a:pPr algn="l">
+                        <a:defRPr sz="1800"/>
+                      </a:pPr>
+                      <a:r>
+                        <a:t>2017-01-07 23:00:00</a:t>
+                      </a:r>
+                    </a:p>
+                  </a:txBody>
+                  <a:tcPr marL="0" marR="0" marT="0" marB="0" anchor="t" anchorCtr="0" horzOverflow="overflow">
+                    <a:solidFill>
+                      <a:srgbClr val="CFD7E7"/>
+                    </a:solidFill>
+                  </a:tcPr>
+                </a:tc>
+              </a:tr>
+            </a:tbl>
+          </a:graphicData>
+        </a:graphic>
+      </p:graphicFrame>
+    </p:spTree>
+  </p:cSld>
+  <p:clrMapOvr>
+    <a:masterClrMapping/>
+  </p:clrMapOvr>
+  <p:transition xmlns:p14="http://schemas.microsoft.com/office/powerpoint/2010/main" spd="med" advClick="1"/>
+</p:sld>
+</file>
+
+<file path=ppt/slides/slide11.xml><?xml version="1.0" encoding="utf-8"?>
+<p:sld xmlns:a="http://schemas.openxmlformats.org/drawingml/2006/main" xmlns:r="http://schemas.openxmlformats.org/officeDocument/2006/relationships" xmlns:p="http://schemas.openxmlformats.org/presentationml/2006/main" showMasterSp="1" showMasterPhAnim="1">
+  <p:cSld>
+    <p:spTree>
+      <p:nvGrpSpPr>
+        <p:cNvPr id="1" name=""/>
+        <p:cNvGrpSpPr/>
+        <p:nvPr/>
+      </p:nvGrpSpPr>
+      <p:grpSpPr>
+        <a:xfrm>
+          <a:off x="0" y="0"/>
+          <a:ext cx="0" cy="0"/>
+          <a:chOff x="0" y="0"/>
+          <a:chExt cx="0" cy="0"/>
+        </a:xfrm>
+      </p:grpSpPr>
+      <p:sp>
+        <p:nvSpPr>
+          <p:cNvPr id="168" name="Let’s see a forecast!"/>
+          <p:cNvSpPr txBox="1"/>
+          <p:nvPr>
+            <p:ph type="title"/>
+          </p:nvPr>
+        </p:nvSpPr>
+        <p:spPr>
+          <a:prstGeom prst="rect">
+            <a:avLst/>
+          </a:prstGeom>
+        </p:spPr>
+        <p:txBody>
+          <a:bodyPr/>
+          <a:lstStyle/>
+          <a:p>
+            <a:pPr/>
+            <a:r>
+              <a:t>Let’s see a forecast!</a:t>
+            </a:r>
+          </a:p>
+        </p:txBody>
+      </p:sp>
+      <p:sp>
+        <p:nvSpPr>
+          <p:cNvPr id="169" name="forecast=model.predict(future)…"/>
+          <p:cNvSpPr txBox="1"/>
+          <p:nvPr/>
+        </p:nvSpPr>
+        <p:spPr>
+          <a:xfrm>
+            <a:off x="3055796" y="1725794"/>
+            <a:ext cx="3032408" cy="650241"/>
+          </a:xfrm>
+          <a:prstGeom prst="rect">
+            <a:avLst/>
+          </a:prstGeom>
+          <a:ln w="12700">
+            <a:miter lim="400000"/>
+          </a:ln>
+          <a:extLst>
+            <a:ext uri="{C572A759-6A51-4108-AA02-DFA0A04FC94B}">
+              <ma14:wrappingTextBoxFlag xmlns:ma14="http://schemas.microsoft.com/office/mac/drawingml/2011/main" val="1"/>
+            </a:ext>
+          </a:extLst>
+        </p:spPr>
+        <p:txBody>
+          <a:bodyPr wrap="none" lIns="45719" rIns="45719">
+            <a:spAutoFit/>
+          </a:bodyPr>
+          <a:lstStyle/>
+          <a:p>
+            <a:pPr/>
+            <a:r>
+              <a:t>forecast=model.predict(future)</a:t>
+            </a:r>
+          </a:p>
+          <a:p>
+            <a:pPr/>
+            <a:r>
+              <a:t>model.plot(forecast)</a:t>
+            </a:r>
+          </a:p>
+        </p:txBody>
+      </p:sp>
+      <p:pic>
+        <p:nvPicPr>
+          <p:cNvPr id="170" name="Image" descr="Image"/>
+          <p:cNvPicPr>
+            <a:picLocks noChangeAspect="1"/>
+          </p:cNvPicPr>
+          <p:nvPr/>
+        </p:nvPicPr>
+        <p:blipFill>
+          <a:blip r:embed="rId3">
+            <a:extLst/>
+          </a:blip>
+          <a:stretch>
+            <a:fillRect/>
+          </a:stretch>
+        </p:blipFill>
+        <p:spPr>
+          <a:xfrm>
+            <a:off x="1340098" y="2547786"/>
+            <a:ext cx="6463804" cy="3849232"/>
+          </a:xfrm>
+          <a:prstGeom prst="rect">
+            <a:avLst/>
+          </a:prstGeom>
+          <a:ln w="12700">
+            <a:miter lim="400000"/>
+          </a:ln>
+        </p:spPr>
+      </p:pic>
+    </p:spTree>
+  </p:cSld>
+  <p:clrMapOvr>
+    <a:masterClrMapping/>
+  </p:clrMapOvr>
+  <p:transition xmlns:p14="http://schemas.microsoft.com/office/powerpoint/2010/main" spd="med" advClick="1"/>
+</p:sld>
+</file>
+
+<file path=ppt/slides/slide12.xml><?xml version="1.0" encoding="utf-8"?>
+<p:sld xmlns:a="http://schemas.openxmlformats.org/drawingml/2006/main" xmlns:r="http://schemas.openxmlformats.org/officeDocument/2006/relationships" xmlns:p="http://schemas.openxmlformats.org/presentationml/2006/main" showMasterSp="1" showMasterPhAnim="1">
+  <p:cSld>
+    <p:spTree>
+      <p:nvGrpSpPr>
+        <p:cNvPr id="1" name=""/>
+        <p:cNvGrpSpPr/>
+        <p:nvPr/>
+      </p:nvGrpSpPr>
+      <p:grpSpPr>
+        <a:xfrm>
+          <a:off x="0" y="0"/>
+          <a:ext cx="0" cy="0"/>
+          <a:chOff x="0" y="0"/>
+          <a:chExt cx="0" cy="0"/>
+        </a:xfrm>
+      </p:grpSpPr>
+      <p:sp>
+        <p:nvSpPr>
+          <p:cNvPr id="174" name="Compare forecast and reality"/>
+          <p:cNvSpPr txBox="1"/>
+          <p:nvPr>
+            <p:ph type="title"/>
+          </p:nvPr>
+        </p:nvSpPr>
+        <p:spPr>
+          <a:prstGeom prst="rect">
+            <a:avLst/>
+          </a:prstGeom>
+        </p:spPr>
+        <p:txBody>
+          <a:bodyPr/>
+          <a:lstStyle/>
+          <a:p>
+            <a:pPr/>
+            <a:r>
+              <a:t>Compare forecast and reality</a:t>
+            </a:r>
+          </a:p>
+        </p:txBody>
+      </p:sp>
+      <p:sp>
+        <p:nvSpPr>
+          <p:cNvPr id="175" name="# Plot the actual measured temperature for the predicted week…"/>
+          <p:cNvSpPr txBox="1"/>
+          <p:nvPr/>
+        </p:nvSpPr>
+        <p:spPr>
+          <a:xfrm>
+            <a:off x="903573" y="1614737"/>
+            <a:ext cx="7336854" cy="1488441"/>
+          </a:xfrm>
+          <a:prstGeom prst="rect">
+            <a:avLst/>
+          </a:prstGeom>
+          <a:ln w="12700">
+            <a:miter lim="400000"/>
+          </a:ln>
+          <a:extLst>
+            <a:ext uri="{C572A759-6A51-4108-AA02-DFA0A04FC94B}">
+              <ma14:wrappingTextBoxFlag xmlns:ma14="http://schemas.microsoft.com/office/mac/drawingml/2011/main" val="1"/>
+            </a:ext>
+          </a:extLst>
+        </p:spPr>
+        <p:txBody>
+          <a:bodyPr wrap="none" lIns="45719" rIns="45719">
+            <a:spAutoFit/>
+          </a:bodyPr>
+          <a:lstStyle/>
+          <a:p>
+            <a:pPr/>
+            <a:r>
+              <a:t># Plot the actual measured temperature for the predicted week</a:t>
+            </a:r>
+          </a:p>
+          <a:p>
+            <a:pPr/>
+          </a:p>
+          <a:p>
+            <a:pPr/>
+            <a:r>
+              <a:t>tmp=total[datetime(2016, 12, 31, 23, 59, 59):datetime(2017, 1, 7, 23, 59, 59)]</a:t>
+            </a:r>
+          </a:p>
+          <a:p>
+            <a:pPr/>
+            <a:r>
+              <a:t>tmp=tmp.resample('H').median()</a:t>
+            </a:r>
+          </a:p>
+          <a:p>
+            <a:pPr/>
+            <a:r>
+              <a:t>tmp.plot(grid=True)</a:t>
+            </a:r>
+          </a:p>
+        </p:txBody>
+      </p:sp>
+      <p:pic>
+        <p:nvPicPr>
+          <p:cNvPr id="176" name="Image" descr="Image"/>
+          <p:cNvPicPr>
+            <a:picLocks noChangeAspect="1"/>
+          </p:cNvPicPr>
+          <p:nvPr/>
+        </p:nvPicPr>
+        <p:blipFill>
+          <a:blip r:embed="rId3">
+            <a:extLst/>
+          </a:blip>
+          <a:stretch>
+            <a:fillRect/>
+          </a:stretch>
+        </p:blipFill>
+        <p:spPr>
+          <a:xfrm>
+            <a:off x="2197099" y="3176351"/>
+            <a:ext cx="4749801" cy="3683001"/>
+          </a:xfrm>
+          <a:prstGeom prst="rect">
+            <a:avLst/>
+          </a:prstGeom>
+          <a:ln w="12700">
+            <a:miter lim="400000"/>
+          </a:ln>
+        </p:spPr>
+      </p:pic>
+    </p:spTree>
+  </p:cSld>
+  <p:clrMapOvr>
+    <a:masterClrMapping/>
+  </p:clrMapOvr>
+  <p:transition xmlns:p14="http://schemas.microsoft.com/office/powerpoint/2010/main" spd="med" advClick="1"/>
+</p:sld>
+</file>
+
+<file path=ppt/slides/slide13.xml><?xml version="1.0" encoding="utf-8"?>
+<p:sld xmlns:a="http://schemas.openxmlformats.org/drawingml/2006/main" xmlns:r="http://schemas.openxmlformats.org/officeDocument/2006/relationships" xmlns:p="http://schemas.openxmlformats.org/presentationml/2006/main" showMasterSp="1" showMasterPhAnim="1">
+  <p:cSld>
+    <p:spTree>
+      <p:nvGrpSpPr>
+        <p:cNvPr id="1" name=""/>
+        <p:cNvGrpSpPr/>
+        <p:nvPr/>
+      </p:nvGrpSpPr>
+      <p:grpSpPr>
+        <a:xfrm>
+          <a:off x="0" y="0"/>
+          <a:ext cx="0" cy="0"/>
+          <a:chOff x="0" y="0"/>
+          <a:chExt cx="0" cy="0"/>
+        </a:xfrm>
+      </p:grpSpPr>
+      <p:sp>
+        <p:nvSpPr>
+          <p:cNvPr id="180" name="Compare forecast and reality"/>
+          <p:cNvSpPr txBox="1"/>
+          <p:nvPr>
+            <p:ph type="title"/>
+          </p:nvPr>
+        </p:nvSpPr>
+        <p:spPr>
+          <a:prstGeom prst="rect">
+            <a:avLst/>
+          </a:prstGeom>
+        </p:spPr>
+        <p:txBody>
+          <a:bodyPr/>
+          <a:lstStyle/>
+          <a:p>
+            <a:pPr/>
+            <a:r>
+              <a:t>Compare forecast and reality</a:t>
+            </a:r>
+          </a:p>
+        </p:txBody>
+      </p:sp>
+      <p:sp>
+        <p:nvSpPr>
+          <p:cNvPr id="181" name="# Plot the predicted temperature for that week…"/>
+          <p:cNvSpPr txBox="1"/>
+          <p:nvPr/>
+        </p:nvSpPr>
+        <p:spPr>
+          <a:xfrm>
+            <a:off x="2317143" y="1586094"/>
+            <a:ext cx="4509714" cy="929641"/>
+          </a:xfrm>
+          <a:prstGeom prst="rect">
+            <a:avLst/>
+          </a:prstGeom>
+          <a:ln w="12700">
+            <a:miter lim="400000"/>
+          </a:ln>
+          <a:extLst>
+            <a:ext uri="{C572A759-6A51-4108-AA02-DFA0A04FC94B}">
+              <ma14:wrappingTextBoxFlag xmlns:ma14="http://schemas.microsoft.com/office/mac/drawingml/2011/main" val="1"/>
+            </a:ext>
+          </a:extLst>
+        </p:spPr>
+        <p:txBody>
+          <a:bodyPr wrap="none" lIns="45719" rIns="45719">
+            <a:spAutoFit/>
+          </a:bodyPr>
+          <a:lstStyle/>
+          <a:p>
+            <a:pPr/>
+            <a:r>
+              <a:t># Plot the predicted temperature for that week</a:t>
+            </a:r>
+          </a:p>
+          <a:p>
+            <a:pPr/>
+          </a:p>
+          <a:p>
+            <a:pPr/>
+            <a:r>
+              <a:t>forecast['yhat'][-7*24:].plot(grid=True)</a:t>
+            </a:r>
+          </a:p>
+        </p:txBody>
+      </p:sp>
+      <p:pic>
+        <p:nvPicPr>
+          <p:cNvPr id="182" name="Image" descr="Image"/>
+          <p:cNvPicPr>
+            <a:picLocks noChangeAspect="1"/>
+          </p:cNvPicPr>
+          <p:nvPr/>
+        </p:nvPicPr>
+        <p:blipFill>
+          <a:blip r:embed="rId3">
+            <a:extLst/>
+          </a:blip>
+          <a:stretch>
+            <a:fillRect/>
+          </a:stretch>
+        </p:blipFill>
+        <p:spPr>
+          <a:xfrm>
+            <a:off x="2190749" y="2850204"/>
+            <a:ext cx="4762501" cy="3200401"/>
+          </a:xfrm>
+          <a:prstGeom prst="rect">
+            <a:avLst/>
+          </a:prstGeom>
+          <a:ln w="12700">
+            <a:miter lim="400000"/>
+          </a:ln>
+        </p:spPr>
+      </p:pic>
+    </p:spTree>
+  </p:cSld>
+  <p:clrMapOvr>
+    <a:masterClrMapping/>
+  </p:clrMapOvr>
+  <p:transition xmlns:p14="http://schemas.microsoft.com/office/powerpoint/2010/main" spd="med" advClick="1"/>
+</p:sld>
+</file>
+
+<file path=ppt/slides/slide14.xml><?xml version="1.0" encoding="utf-8"?>
+<p:sld xmlns:a="http://schemas.openxmlformats.org/drawingml/2006/main" xmlns:r="http://schemas.openxmlformats.org/officeDocument/2006/relationships" xmlns:p="http://schemas.openxmlformats.org/presentationml/2006/main" showMasterSp="1" showMasterPhAnim="1">
+  <p:cSld>
+    <p:spTree>
+      <p:nvGrpSpPr>
+        <p:cNvPr id="1" name=""/>
+        <p:cNvGrpSpPr/>
+        <p:nvPr/>
+      </p:nvGrpSpPr>
+      <p:grpSpPr>
+        <a:xfrm>
+          <a:off x="0" y="0"/>
+          <a:ext cx="0" cy="0"/>
+          <a:chOff x="0" y="0"/>
+          <a:chExt cx="0" cy="0"/>
+        </a:xfrm>
+      </p:grpSpPr>
+      <p:sp>
+        <p:nvSpPr>
+          <p:cNvPr id="186" name="Try now to predict 1 year"/>
+          <p:cNvSpPr txBox="1"/>
+          <p:nvPr>
+            <p:ph type="title"/>
+          </p:nvPr>
+        </p:nvSpPr>
+        <p:spPr>
+          <a:prstGeom prst="rect">
+            <a:avLst/>
+          </a:prstGeom>
+        </p:spPr>
+        <p:txBody>
+          <a:bodyPr/>
+          <a:lstStyle/>
+          <a:p>
+            <a:pPr/>
+            <a:r>
+              <a:t>Try now to predict 1 year</a:t>
+            </a:r>
+          </a:p>
+        </p:txBody>
+      </p:sp>
+      <p:sp>
+        <p:nvSpPr>
+          <p:cNvPr id="187" name="# Set the prediction period to 365 days = 1 year…"/>
+          <p:cNvSpPr txBox="1"/>
+          <p:nvPr/>
+        </p:nvSpPr>
+        <p:spPr>
+          <a:xfrm>
+            <a:off x="1589150" y="1488818"/>
+            <a:ext cx="5965700" cy="929641"/>
+          </a:xfrm>
+          <a:prstGeom prst="rect">
+            <a:avLst/>
+          </a:prstGeom>
+          <a:ln w="12700">
+            <a:miter lim="400000"/>
+          </a:ln>
+          <a:extLst>
+            <a:ext uri="{C572A759-6A51-4108-AA02-DFA0A04FC94B}">
+              <ma14:wrappingTextBoxFlag xmlns:ma14="http://schemas.microsoft.com/office/mac/drawingml/2011/main" val="1"/>
+            </a:ext>
+          </a:extLst>
+        </p:spPr>
+        <p:txBody>
+          <a:bodyPr wrap="none" lIns="45719" rIns="45719">
+            <a:spAutoFit/>
+          </a:bodyPr>
+          <a:lstStyle/>
+          <a:p>
+            <a:pPr/>
+            <a:r>
+              <a:t># Set the prediction period to 365 days = 1 year</a:t>
+            </a:r>
+          </a:p>
+          <a:p>
+            <a:pPr/>
+            <a:r>
+              <a:t>future2=model.make_future_dataframe(periods=365,freq='D')</a:t>
+            </a:r>
+          </a:p>
+          <a:p>
+            <a:pPr/>
+            <a:r>
+              <a:t>future2.tail()</a:t>
+            </a:r>
+          </a:p>
+        </p:txBody>
+      </p:sp>
+      <p:graphicFrame>
+        <p:nvGraphicFramePr>
+          <p:cNvPr id="188" name="Table"/>
+          <p:cNvGraphicFramePr/>
+          <p:nvPr/>
+        </p:nvGraphicFramePr>
+        <p:xfrm>
+          <a:off x="3339207" y="3189726"/>
+          <a:ext cx="2540001" cy="1674318"/>
+        </p:xfrm>
+        <a:graphic xmlns:a="http://schemas.openxmlformats.org/drawingml/2006/main">
+          <a:graphicData uri="http://schemas.openxmlformats.org/drawingml/2006/table">
+            <a:tbl>
+              <a:tblPr firstCol="0" firstRow="0" lastCol="0" lastRow="0" bandCol="0" bandRow="1" rtl="0">
+                <a:tableStyleId>{4C3C2611-4C71-4FC5-86AE-919BDF0F9419}</a:tableStyleId>
+              </a:tblPr>
+              <a:tblGrid>
+                <a:gridCol w="728662"/>
+                <a:gridCol w="1736923"/>
+              </a:tblGrid>
+              <a:tr h="279052">
+                <a:tc>
+                  <a:txBody>
+                    <a:bodyPr/>
+                    <a:lstStyle/>
+                    <a:p>
+                      <a:pPr algn="l">
+                        <a:defRPr sz="1800"/>
+                      </a:pPr>
+                    </a:p>
+                  </a:txBody>
+                  <a:tcPr marL="76200" marR="76200" marT="76200" marB="76200" anchor="ctr" anchorCtr="0" horzOverflow="overflow"/>
+                </a:tc>
+                <a:tc>
+                  <a:txBody>
+                    <a:bodyPr/>
+                    <a:lstStyle/>
+                    <a:p>
+                      <a:pPr defTabSz="457200">
+                        <a:lnSpc>
+                          <a:spcPts val="2900"/>
+                        </a:lnSpc>
+                        <a:defRPr sz="1800"/>
+                      </a:pPr>
+                      <a:r>
+                        <a:rPr b="1" sz="1200">
+                          <a:latin typeface="Helvetica Neue"/>
+                          <a:ea typeface="Helvetica Neue"/>
+                          <a:cs typeface="Helvetica Neue"/>
+                          <a:sym typeface="Helvetica Neue"/>
+                        </a:rPr>
+                        <a:t>ds</a:t>
+                      </a:r>
+                    </a:p>
+                  </a:txBody>
+                  <a:tcPr marL="76200" marR="76200" marT="76200" marB="76200" anchor="ctr" anchorCtr="0" horzOverflow="overflow"/>
+                </a:tc>
+              </a:tr>
+              <a:tr h="279052">
+                <a:tc>
+                  <a:txBody>
+                    <a:bodyPr/>
+                    <a:lstStyle/>
+                    <a:p>
+                      <a:pPr defTabSz="457200">
+                        <a:lnSpc>
+                          <a:spcPts val="2900"/>
+                        </a:lnSpc>
+                        <a:defRPr sz="1800"/>
+                      </a:pPr>
+                      <a:r>
+                        <a:rPr b="1" sz="1200">
+                          <a:latin typeface="Helvetica Neue"/>
+                          <a:ea typeface="Helvetica Neue"/>
+                          <a:cs typeface="Helvetica Neue"/>
+                          <a:sym typeface="Helvetica Neue"/>
+                        </a:rPr>
+                        <a:t>26664</a:t>
+                      </a:r>
+                    </a:p>
+                  </a:txBody>
+                  <a:tcPr marL="76200" marR="76200" marT="76200" marB="76200" anchor="t" anchorCtr="0" horzOverflow="overflow">
+                    <a:solidFill>
+                      <a:srgbClr val="F5F5F5"/>
+                    </a:solidFill>
+                  </a:tcPr>
+                </a:tc>
+                <a:tc>
+                  <a:txBody>
+                    <a:bodyPr/>
+                    <a:lstStyle/>
+                    <a:p>
+                      <a:pPr defTabSz="457200">
+                        <a:lnSpc>
+                          <a:spcPts val="2800"/>
+                        </a:lnSpc>
+                        <a:defRPr sz="1800"/>
+                      </a:pPr>
+                      <a:r>
+                        <a:rPr sz="1200">
+                          <a:latin typeface="Helvetica Neue"/>
+                          <a:ea typeface="Helvetica Neue"/>
+                          <a:cs typeface="Helvetica Neue"/>
+                          <a:sym typeface="Helvetica Neue"/>
+                        </a:rPr>
+                        <a:t>2017-12-27 23:00:00</a:t>
+                      </a:r>
+                    </a:p>
+                  </a:txBody>
+                  <a:tcPr marL="76200" marR="76200" marT="76200" marB="76200" anchor="ctr" anchorCtr="0" horzOverflow="overflow">
+                    <a:solidFill>
+                      <a:srgbClr val="F5F5F5"/>
+                    </a:solidFill>
+                  </a:tcPr>
+                </a:tc>
+              </a:tr>
+              <a:tr h="279052">
+                <a:tc>
+                  <a:txBody>
+                    <a:bodyPr/>
+                    <a:lstStyle/>
+                    <a:p>
+                      <a:pPr defTabSz="457200">
+                        <a:lnSpc>
+                          <a:spcPts val="2900"/>
+                        </a:lnSpc>
+                        <a:defRPr sz="1800"/>
+                      </a:pPr>
+                      <a:r>
+                        <a:rPr b="1" sz="1200">
+                          <a:latin typeface="Helvetica Neue"/>
+                          <a:ea typeface="Helvetica Neue"/>
+                          <a:cs typeface="Helvetica Neue"/>
+                          <a:sym typeface="Helvetica Neue"/>
+                        </a:rPr>
+                        <a:t>26665</a:t>
+                      </a:r>
+                    </a:p>
+                  </a:txBody>
+                  <a:tcPr marL="76200" marR="76200" marT="76200" marB="76200" anchor="t" anchorCtr="0" horzOverflow="overflow"/>
+                </a:tc>
+                <a:tc>
+                  <a:txBody>
+                    <a:bodyPr/>
+                    <a:lstStyle/>
+                    <a:p>
+                      <a:pPr defTabSz="457200">
+                        <a:lnSpc>
+                          <a:spcPts val="2800"/>
+                        </a:lnSpc>
+                        <a:defRPr sz="1800"/>
+                      </a:pPr>
+                      <a:r>
+                        <a:rPr sz="1200">
+                          <a:latin typeface="Helvetica Neue"/>
+                          <a:ea typeface="Helvetica Neue"/>
+                          <a:cs typeface="Helvetica Neue"/>
+                          <a:sym typeface="Helvetica Neue"/>
+                        </a:rPr>
+                        <a:t>2017-12-28 23:00:00</a:t>
+                      </a:r>
+                    </a:p>
+                  </a:txBody>
+                  <a:tcPr marL="76200" marR="76200" marT="76200" marB="76200" anchor="ctr" anchorCtr="0" horzOverflow="overflow"/>
+                </a:tc>
+              </a:tr>
+              <a:tr h="279052">
+                <a:tc>
+                  <a:txBody>
+                    <a:bodyPr/>
+                    <a:lstStyle/>
+                    <a:p>
+                      <a:pPr defTabSz="457200">
+                        <a:lnSpc>
+                          <a:spcPts val="2900"/>
+                        </a:lnSpc>
+                        <a:defRPr sz="1800"/>
+                      </a:pPr>
+                      <a:r>
+                        <a:rPr b="1" sz="1200">
+                          <a:latin typeface="Helvetica Neue"/>
+                          <a:ea typeface="Helvetica Neue"/>
+                          <a:cs typeface="Helvetica Neue"/>
+                          <a:sym typeface="Helvetica Neue"/>
+                        </a:rPr>
+                        <a:t>26666</a:t>
+                      </a:r>
+                    </a:p>
+                  </a:txBody>
+                  <a:tcPr marL="76200" marR="76200" marT="76200" marB="76200" anchor="t" anchorCtr="0" horzOverflow="overflow">
+                    <a:solidFill>
+                      <a:srgbClr val="F5F5F5"/>
+                    </a:solidFill>
+                  </a:tcPr>
+                </a:tc>
+                <a:tc>
+                  <a:txBody>
+                    <a:bodyPr/>
+                    <a:lstStyle/>
+                    <a:p>
+                      <a:pPr defTabSz="457200">
+                        <a:lnSpc>
+                          <a:spcPts val="2800"/>
+                        </a:lnSpc>
+                        <a:defRPr sz="1800"/>
+                      </a:pPr>
+                      <a:r>
+                        <a:rPr sz="1200">
+                          <a:latin typeface="Helvetica Neue"/>
+                          <a:ea typeface="Helvetica Neue"/>
+                          <a:cs typeface="Helvetica Neue"/>
+                          <a:sym typeface="Helvetica Neue"/>
+                        </a:rPr>
+                        <a:t>2017-12-29 23:00:00</a:t>
+                      </a:r>
+                    </a:p>
+                  </a:txBody>
+                  <a:tcPr marL="76200" marR="76200" marT="76200" marB="76200" anchor="ctr" anchorCtr="0" horzOverflow="overflow">
+                    <a:solidFill>
+                      <a:srgbClr val="F5F5F5"/>
+                    </a:solidFill>
+                  </a:tcPr>
+                </a:tc>
+              </a:tr>
+              <a:tr h="279052">
+                <a:tc>
+                  <a:txBody>
+                    <a:bodyPr/>
+                    <a:lstStyle/>
+                    <a:p>
+                      <a:pPr defTabSz="457200">
+                        <a:lnSpc>
+                          <a:spcPts val="2900"/>
+                        </a:lnSpc>
+                        <a:defRPr sz="1800"/>
+                      </a:pPr>
+                      <a:r>
+                        <a:rPr b="1" sz="1200">
+                          <a:latin typeface="Helvetica Neue"/>
+                          <a:ea typeface="Helvetica Neue"/>
+                          <a:cs typeface="Helvetica Neue"/>
+                          <a:sym typeface="Helvetica Neue"/>
+                        </a:rPr>
+                        <a:t>26667</a:t>
+                      </a:r>
+                    </a:p>
+                  </a:txBody>
+                  <a:tcPr marL="76200" marR="76200" marT="76200" marB="76200" anchor="t" anchorCtr="0" horzOverflow="overflow"/>
+                </a:tc>
+                <a:tc>
+                  <a:txBody>
+                    <a:bodyPr/>
+                    <a:lstStyle/>
+                    <a:p>
+                      <a:pPr defTabSz="457200">
+                        <a:lnSpc>
+                          <a:spcPts val="2800"/>
+                        </a:lnSpc>
+                        <a:defRPr sz="1800"/>
+                      </a:pPr>
+                      <a:r>
+                        <a:rPr sz="1200">
+                          <a:latin typeface="Helvetica Neue"/>
+                          <a:ea typeface="Helvetica Neue"/>
+                          <a:cs typeface="Helvetica Neue"/>
+                          <a:sym typeface="Helvetica Neue"/>
+                        </a:rPr>
+                        <a:t>2017-12-30 23:00:00</a:t>
+                      </a:r>
+                    </a:p>
+                  </a:txBody>
+                  <a:tcPr marL="76200" marR="76200" marT="76200" marB="76200" anchor="ctr" anchorCtr="0" horzOverflow="overflow"/>
+                </a:tc>
+              </a:tr>
+              <a:tr h="279052">
+                <a:tc>
+                  <a:txBody>
+                    <a:bodyPr/>
+                    <a:lstStyle/>
+                    <a:p>
+                      <a:pPr defTabSz="457200">
+                        <a:lnSpc>
+                          <a:spcPts val="2900"/>
+                        </a:lnSpc>
+                        <a:defRPr sz="1800"/>
+                      </a:pPr>
+                      <a:r>
+                        <a:rPr b="1" sz="1200">
+                          <a:latin typeface="Helvetica Neue"/>
+                          <a:ea typeface="Helvetica Neue"/>
+                          <a:cs typeface="Helvetica Neue"/>
+                          <a:sym typeface="Helvetica Neue"/>
+                        </a:rPr>
+                        <a:t>26668</a:t>
+                      </a:r>
+                    </a:p>
+                  </a:txBody>
+                  <a:tcPr marL="76200" marR="76200" marT="76200" marB="76200" anchor="t" anchorCtr="0" horzOverflow="overflow">
+                    <a:solidFill>
+                      <a:srgbClr val="F5F5F5"/>
+                    </a:solidFill>
+                  </a:tcPr>
+                </a:tc>
+                <a:tc>
+                  <a:txBody>
+                    <a:bodyPr/>
+                    <a:lstStyle/>
+                    <a:p>
+                      <a:pPr defTabSz="457200">
+                        <a:lnSpc>
+                          <a:spcPts val="2800"/>
+                        </a:lnSpc>
+                        <a:defRPr sz="1800"/>
+                      </a:pPr>
+                      <a:r>
+                        <a:rPr sz="1200">
+                          <a:latin typeface="Helvetica Neue"/>
+                          <a:ea typeface="Helvetica Neue"/>
+                          <a:cs typeface="Helvetica Neue"/>
+                          <a:sym typeface="Helvetica Neue"/>
+                        </a:rPr>
+                        <a:t>2017-12-31 23:00:00</a:t>
+                      </a:r>
+                    </a:p>
+                  </a:txBody>
+                  <a:tcPr marL="76200" marR="76200" marT="76200" marB="76200" anchor="ctr" anchorCtr="0" horzOverflow="overflow">
+                    <a:solidFill>
+                      <a:srgbClr val="F5F5F5"/>
+                    </a:solidFill>
+                  </a:tcPr>
+                </a:tc>
+              </a:tr>
+            </a:tbl>
+          </a:graphicData>
+        </a:graphic>
+      </p:graphicFrame>
+    </p:spTree>
+  </p:cSld>
+  <p:clrMapOvr>
+    <a:masterClrMapping/>
+  </p:clrMapOvr>
+  <p:transition xmlns:p14="http://schemas.microsoft.com/office/powerpoint/2010/main" spd="med" advClick="1"/>
+</p:sld>
+</file>
+
+<file path=ppt/slides/slide15.xml><?xml version="1.0" encoding="utf-8"?>
+<p:sld xmlns:a="http://schemas.openxmlformats.org/drawingml/2006/main" xmlns:r="http://schemas.openxmlformats.org/officeDocument/2006/relationships" xmlns:p="http://schemas.openxmlformats.org/presentationml/2006/main" showMasterSp="1" showMasterPhAnim="1">
+  <p:cSld>
+    <p:spTree>
+      <p:nvGrpSpPr>
+        <p:cNvPr id="1" name=""/>
+        <p:cNvGrpSpPr/>
+        <p:nvPr/>
+      </p:nvGrpSpPr>
+      <p:grpSpPr>
+        <a:xfrm>
+          <a:off x="0" y="0"/>
+          <a:ext cx="0" cy="0"/>
+          <a:chOff x="0" y="0"/>
+          <a:chExt cx="0" cy="0"/>
+        </a:xfrm>
+      </p:grpSpPr>
+      <p:sp>
+        <p:nvSpPr>
+          <p:cNvPr id="192" name="Result for 1 year"/>
+          <p:cNvSpPr txBox="1"/>
+          <p:nvPr>
+            <p:ph type="title"/>
+          </p:nvPr>
+        </p:nvSpPr>
+        <p:spPr>
+          <a:prstGeom prst="rect">
+            <a:avLst/>
+          </a:prstGeom>
+        </p:spPr>
+        <p:txBody>
+          <a:bodyPr/>
+          <a:lstStyle/>
+          <a:p>
+            <a:pPr/>
+            <a:r>
+              <a:t>Result for 1 year</a:t>
+            </a:r>
+          </a:p>
+        </p:txBody>
+      </p:sp>
+      <p:sp>
+        <p:nvSpPr>
+          <p:cNvPr id="193" name="forecast2=model.predict(future2)…"/>
+          <p:cNvSpPr txBox="1"/>
+          <p:nvPr/>
+        </p:nvSpPr>
+        <p:spPr>
+          <a:xfrm>
+            <a:off x="2939933" y="1531241"/>
+            <a:ext cx="3264134" cy="650241"/>
+          </a:xfrm>
+          <a:prstGeom prst="rect">
+            <a:avLst/>
+          </a:prstGeom>
+          <a:ln w="12700">
+            <a:miter lim="400000"/>
+          </a:ln>
+          <a:extLst>
+            <a:ext uri="{C572A759-6A51-4108-AA02-DFA0A04FC94B}">
+              <ma14:wrappingTextBoxFlag xmlns:ma14="http://schemas.microsoft.com/office/mac/drawingml/2011/main" val="1"/>
+            </a:ext>
+          </a:extLst>
+        </p:spPr>
+        <p:txBody>
+          <a:bodyPr wrap="none" lIns="45719" rIns="45719">
+            <a:spAutoFit/>
+          </a:bodyPr>
+          <a:lstStyle/>
+          <a:p>
+            <a:pPr/>
+            <a:r>
+              <a:t>forecast2=model.predict(future2)</a:t>
+            </a:r>
+          </a:p>
+          <a:p>
+            <a:pPr/>
+            <a:r>
+              <a:t>model.plot(forecast2)</a:t>
+            </a:r>
+          </a:p>
+        </p:txBody>
+      </p:sp>
+      <p:pic>
+        <p:nvPicPr>
+          <p:cNvPr id="194" name="Image" descr="Image"/>
+          <p:cNvPicPr>
+            <a:picLocks noChangeAspect="1"/>
+          </p:cNvPicPr>
+          <p:nvPr/>
+        </p:nvPicPr>
+        <p:blipFill>
+          <a:blip r:embed="rId3">
+            <a:extLst/>
+          </a:blip>
+          <a:stretch>
+            <a:fillRect/>
+          </a:stretch>
+        </p:blipFill>
+        <p:spPr>
+          <a:xfrm>
+            <a:off x="1506695" y="2470588"/>
+            <a:ext cx="6130610" cy="3650813"/>
+          </a:xfrm>
+          <a:prstGeom prst="rect">
+            <a:avLst/>
+          </a:prstGeom>
+          <a:ln w="12700">
+            <a:miter lim="400000"/>
+          </a:ln>
+        </p:spPr>
+      </p:pic>
+    </p:spTree>
+  </p:cSld>
+  <p:clrMapOvr>
+    <a:masterClrMapping/>
+  </p:clrMapOvr>
+  <p:transition xmlns:p14="http://schemas.microsoft.com/office/powerpoint/2010/main" spd="med" advClick="1"/>
+</p:sld>
+</file>
+
+<file path=ppt/slides/slide16.xml><?xml version="1.0" encoding="utf-8"?>
+<p:sld xmlns:a="http://schemas.openxmlformats.org/drawingml/2006/main" xmlns:r="http://schemas.openxmlformats.org/officeDocument/2006/relationships" xmlns:p="http://schemas.openxmlformats.org/presentationml/2006/main" showMasterSp="1" showMasterPhAnim="1">
+  <p:cSld>
+    <p:spTree>
+      <p:nvGrpSpPr>
+        <p:cNvPr id="1" name=""/>
+        <p:cNvGrpSpPr/>
+        <p:nvPr/>
+      </p:nvGrpSpPr>
+      <p:grpSpPr>
+        <a:xfrm>
+          <a:off x="0" y="0"/>
+          <a:ext cx="0" cy="0"/>
+          <a:chOff x="0" y="0"/>
+          <a:chExt cx="0" cy="0"/>
+        </a:xfrm>
+      </p:grpSpPr>
+      <p:sp>
+        <p:nvSpPr>
+          <p:cNvPr id="198" name="Compare with reality"/>
+          <p:cNvSpPr txBox="1"/>
+          <p:nvPr>
+            <p:ph type="title"/>
+          </p:nvPr>
+        </p:nvSpPr>
+        <p:spPr>
+          <a:prstGeom prst="rect">
+            <a:avLst/>
+          </a:prstGeom>
+        </p:spPr>
+        <p:txBody>
+          <a:bodyPr/>
+          <a:lstStyle/>
+          <a:p>
+            <a:pPr/>
+            <a:r>
+              <a:t>Compare with reality</a:t>
+            </a:r>
+          </a:p>
+        </p:txBody>
+      </p:sp>
+      <p:sp>
+        <p:nvSpPr>
+          <p:cNvPr id="199" name="# Add 2017 to the sample…"/>
+          <p:cNvSpPr txBox="1"/>
+          <p:nvPr/>
+        </p:nvSpPr>
+        <p:spPr>
+          <a:xfrm>
+            <a:off x="1114147" y="1309126"/>
+            <a:ext cx="6915706" cy="1767841"/>
+          </a:xfrm>
+          <a:prstGeom prst="rect">
+            <a:avLst/>
+          </a:prstGeom>
+          <a:ln w="12700">
+            <a:miter lim="400000"/>
+          </a:ln>
+          <a:extLst>
+            <a:ext uri="{C572A759-6A51-4108-AA02-DFA0A04FC94B}">
+              <ma14:wrappingTextBoxFlag xmlns:ma14="http://schemas.microsoft.com/office/mac/drawingml/2011/main" val="1"/>
+            </a:ext>
+          </a:extLst>
+        </p:spPr>
+        <p:txBody>
+          <a:bodyPr wrap="none" lIns="45719" rIns="45719">
+            <a:spAutoFit/>
+          </a:bodyPr>
+          <a:lstStyle/>
+          <a:p>
+            <a:pPr/>
+            <a:r>
+              <a:t># Add 2017 to the sample</a:t>
+            </a:r>
+          </a:p>
+          <a:p>
+            <a:pPr/>
+            <a:r>
+              <a:t>df2=total[datetime(2014, 1, 1, 0, 0, 0):datetime(2017, 12, 31, 23, 59, 59)]</a:t>
+            </a:r>
+          </a:p>
+          <a:p>
+            <a:pPr/>
+            <a:r>
+              <a:t># and use only data points at every day</a:t>
+            </a:r>
+          </a:p>
+          <a:p>
+            <a:pPr/>
+            <a:r>
+              <a:t>df2=df2.resample('D').median()</a:t>
+            </a:r>
+          </a:p>
+          <a:p>
+            <a:pPr/>
+            <a:r>
+              <a:t># and plot it</a:t>
+            </a:r>
+          </a:p>
+          <a:p>
+            <a:pPr/>
+            <a:r>
+              <a:t>df2.plot(grid=True)</a:t>
+            </a:r>
+          </a:p>
+        </p:txBody>
+      </p:sp>
+      <p:pic>
+        <p:nvPicPr>
+          <p:cNvPr id="200" name="Image" descr="Image"/>
+          <p:cNvPicPr>
+            <a:picLocks noChangeAspect="1"/>
+          </p:cNvPicPr>
+          <p:nvPr/>
+        </p:nvPicPr>
+        <p:blipFill>
+          <a:blip r:embed="rId3">
+            <a:extLst/>
+          </a:blip>
+          <a:stretch>
+            <a:fillRect/>
+          </a:stretch>
+        </p:blipFill>
+        <p:spPr>
+          <a:xfrm>
+            <a:off x="1625195" y="3062996"/>
+            <a:ext cx="5256854" cy="3752889"/>
+          </a:xfrm>
+          <a:prstGeom prst="rect">
+            <a:avLst/>
+          </a:prstGeom>
+          <a:ln w="12700">
+            <a:miter lim="400000"/>
+          </a:ln>
+        </p:spPr>
+      </p:pic>
+    </p:spTree>
+  </p:cSld>
+  <p:clrMapOvr>
+    <a:masterClrMapping/>
+  </p:clrMapOvr>
+  <p:transition xmlns:p14="http://schemas.microsoft.com/office/powerpoint/2010/main" spd="med" advClick="1"/>
+</p:sld>
+</file>
+
 <file path=ppt/slides/slide2.xml><?xml version="1.0" encoding="utf-8"?>
 <p:sld xmlns:a="http://schemas.openxmlformats.org/drawingml/2006/main" xmlns:r="http://schemas.openxmlformats.org/officeDocument/2006/relationships" xmlns:p="http://schemas.openxmlformats.org/presentationml/2006/main" showMasterSp="1" showMasterPhAnim="1">
   <p:cSld>
@@ -3408,8 +5875,8 @@
         <p:txBody>
           <a:bodyPr/>
           <a:lstStyle>
-            <a:lvl1pPr defTabSz="457200">
-              <a:defRPr sz="3000">
+            <a:lvl1pPr defTabSz="512063">
+              <a:defRPr sz="3359">
                 <a:latin typeface="BankGothic Lt BT"/>
                 <a:ea typeface="BankGothic Lt BT"/>
                 <a:cs typeface="BankGothic Lt BT"/>
@@ -3420,7 +5887,7 @@
           <a:p>
             <a:pPr/>
             <a:r>
-              <a:t>Descriptive, predictive, and prescriptive analysis of Big Data</a:t>
+              <a:t>Temporal predictive analysis of Big Data</a:t>
             </a:r>
           </a:p>
         </p:txBody>
@@ -3453,7 +5920,7 @@
       </p:grpSpPr>
       <p:sp>
         <p:nvSpPr>
-          <p:cNvPr id="129" name="Lecture 4: Descriptive, predictive, and prescriptive analysis"/>
+          <p:cNvPr id="129" name="Lecture 4: Temporal predictive analysis"/>
           <p:cNvSpPr txBox="1"/>
           <p:nvPr>
             <p:ph type="title"/>
@@ -3467,14 +5934,14 @@
         <p:txBody>
           <a:bodyPr/>
           <a:lstStyle>
-            <a:lvl1pPr defTabSz="704087">
-              <a:defRPr sz="3387"/>
+            <a:lvl1pPr defTabSz="841247">
+              <a:defRPr sz="4048"/>
             </a:lvl1pPr>
           </a:lstStyle>
           <a:p>
             <a:pPr/>
             <a:r>
-              <a:t>Lecture 4: Descriptive, predictive, and prescriptive analysis</a:t>
+              <a:t>Lecture 4: Temporal predictive analysis</a:t>
             </a:r>
           </a:p>
         </p:txBody>
@@ -3504,7 +5971,7 @@
           <a:p>
             <a:pPr/>
             <a:r>
-              <a:t>Regression and prediction</a:t>
+              <a:t>Statistical prediction</a:t>
             </a:r>
           </a:p>
           <a:p>
@@ -3656,7 +6123,7 @@
       </p:sp>
       <p:sp>
         <p:nvSpPr>
-          <p:cNvPr id="136" name="Body"/>
+          <p:cNvPr id="136" name="ANOVA comes here…"/>
           <p:cNvSpPr txBox="1"/>
           <p:nvPr>
             <p:ph type="body" idx="1"/>
@@ -3672,6 +6139,9 @@
           <a:lstStyle/>
           <a:p>
             <a:pPr/>
+            <a:r>
+              <a:t>ANOVA comes here…</a:t>
+            </a:r>
           </a:p>
         </p:txBody>
       </p:sp>
@@ -3703,13 +6173,17 @@
       </p:grpSpPr>
       <p:sp>
         <p:nvSpPr>
-          <p:cNvPr id="138" name="Prophet"/>
+          <p:cNvPr id="138" name="Example of temporal IoT data: temperature…"/>
           <p:cNvSpPr txBox="1"/>
           <p:nvPr>
             <p:ph type="title"/>
           </p:nvPr>
         </p:nvSpPr>
         <p:spPr>
+          <a:xfrm>
+            <a:off x="1792288" y="4800600"/>
+            <a:ext cx="5486401" cy="804863"/>
+          </a:xfrm>
           <a:prstGeom prst="rect">
             <a:avLst/>
           </a:prstGeom>
@@ -3720,20 +6194,59 @@
           <a:p>
             <a:pPr/>
             <a:r>
-              <a:t>Prophet</a:t>
-            </a:r>
-          </a:p>
-        </p:txBody>
-      </p:sp>
-      <p:sp>
-        <p:nvSpPr>
-          <p:cNvPr id="139" name="Prophet: forecasting at scale…"/>
+              <a:t>Example of temporal IoT data: temperature</a:t>
+            </a:r>
+          </a:p>
+          <a:p>
+            <a:pPr/>
+            <a:r>
+              <a:t>Thingspeak Channel 135 (long-running, open data)</a:t>
+            </a:r>
+          </a:p>
+        </p:txBody>
+      </p:sp>
+      <p:pic>
+        <p:nvPicPr>
+          <p:cNvPr id="139" name="Picture Placeholder 2" descr="Picture Placeholder 2"/>
+          <p:cNvPicPr>
+            <a:picLocks noChangeAspect="1"/>
+          </p:cNvPicPr>
+          <p:nvPr>
+            <p:ph type="pic" idx="13"/>
+          </p:nvPr>
+        </p:nvPicPr>
+        <p:blipFill>
+          <a:blip r:embed="rId3">
+            <a:extLst/>
+          </a:blip>
+          <a:srcRect l="0" t="174" r="0" b="174"/>
+          <a:stretch>
+            <a:fillRect/>
+          </a:stretch>
+        </p:blipFill>
+        <p:spPr>
+          <a:xfrm>
+            <a:off x="1076023" y="1338733"/>
+            <a:ext cx="6918797" cy="2835198"/>
+          </a:xfrm>
+          <a:prstGeom prst="rect">
+            <a:avLst/>
+          </a:prstGeom>
+        </p:spPr>
+      </p:pic>
+      <p:sp>
+        <p:nvSpPr>
+          <p:cNvPr id="140" name="http://community.thingspeak.com/forum/announcements/thingspeak-live-chart-multi-channel-second-axis-historical-data-csv-export/"/>
           <p:cNvSpPr txBox="1"/>
           <p:nvPr>
-            <p:ph type="body" idx="1"/>
+            <p:ph type="body" sz="quarter" idx="1"/>
           </p:nvPr>
         </p:nvSpPr>
         <p:spPr>
+          <a:xfrm>
+            <a:off x="1792288" y="5761037"/>
+            <a:ext cx="5486401" cy="804863"/>
+          </a:xfrm>
           <a:prstGeom prst="rect">
             <a:avLst/>
           </a:prstGeom>
@@ -3742,369 +6255,9 @@
           <a:bodyPr/>
           <a:lstStyle/>
           <a:p>
-            <a:pPr marL="0" indent="0" defTabSz="420623">
-              <a:spcBef>
-                <a:spcPts val="0"/>
-              </a:spcBef>
-              <a:buSzTx/>
-              <a:buFontTx/>
-              <a:buNone/>
-              <a:defRPr b="1" sz="4600">
-                <a:solidFill>
-                  <a:srgbClr val="3B3B3B"/>
-                </a:solidFill>
-                <a:latin typeface="Helvetica Neue"/>
-                <a:ea typeface="Helvetica Neue"/>
-                <a:cs typeface="Helvetica Neue"/>
-                <a:sym typeface="Helvetica Neue"/>
-              </a:defRPr>
-            </a:pPr>
-            <a:r>
-              <a:t>Prophet: forecasting at scale</a:t>
-            </a:r>
-          </a:p>
-          <a:p>
-            <a:pPr marL="0" indent="0" defTabSz="420623">
-              <a:spcBef>
-                <a:spcPts val="0"/>
-              </a:spcBef>
-              <a:buSzTx/>
-              <a:buFontTx/>
-              <a:buNone/>
-              <a:defRPr b="1" sz="1288">
-                <a:solidFill>
-                  <a:srgbClr val="4E5665"/>
-                </a:solidFill>
-                <a:latin typeface="Helvetica Neue"/>
-                <a:ea typeface="Helvetica Neue"/>
-                <a:cs typeface="Helvetica Neue"/>
-                <a:sym typeface="Helvetica Neue"/>
-              </a:defRPr>
-            </a:pPr>
-            <a:r>
-              <a:rPr b="0"/>
-              <a:t>By: </a:t>
-            </a:r>
-            <a:r>
-              <a:rPr u="sng">
-                <a:solidFill>
-                  <a:srgbClr val="0000FF"/>
-                </a:solidFill>
-                <a:uFill>
-                  <a:solidFill>
-                    <a:srgbClr val="0000FF"/>
-                  </a:solidFill>
-                </a:uFill>
-                <a:hlinkClick r:id="rId2" invalidUrl="" action="" tgtFrame="" tooltip="" history="1" highlightClick="0" endSnd="0"/>
-              </a:rPr>
-              <a:t>Sean J. Taylor</a:t>
-            </a:r>
-            <a:r>
-              <a:rPr b="0"/>
-              <a:t>, </a:t>
-            </a:r>
-            <a:r>
-              <a:rPr u="sng">
-                <a:solidFill>
-                  <a:srgbClr val="0000FF"/>
-                </a:solidFill>
-                <a:uFill>
-                  <a:solidFill>
-                    <a:srgbClr val="0000FF"/>
-                  </a:solidFill>
-                </a:uFill>
-                <a:hlinkClick r:id="rId3" invalidUrl="" action="" tgtFrame="" tooltip="" history="1" highlightClick="0" endSnd="0"/>
-              </a:rPr>
-              <a:t>Ben Letham</a:t>
-            </a:r>
-          </a:p>
-          <a:p>
-            <a:pPr marL="0" indent="0" defTabSz="420623">
-              <a:spcBef>
-                <a:spcPts val="0"/>
-              </a:spcBef>
-              <a:buSzTx/>
-              <a:buFontTx/>
-              <a:buNone/>
-              <a:defRPr b="1" sz="1288">
-                <a:solidFill>
-                  <a:srgbClr val="4E5665"/>
-                </a:solidFill>
-                <a:latin typeface="Helvetica Neue"/>
-                <a:ea typeface="Helvetica Neue"/>
-                <a:cs typeface="Helvetica Neue"/>
-                <a:sym typeface="Helvetica Neue"/>
-              </a:defRPr>
-            </a:pPr>
-          </a:p>
-          <a:p>
-            <a:pPr marL="0" indent="0" defTabSz="420623">
-              <a:spcBef>
-                <a:spcPts val="0"/>
-              </a:spcBef>
-              <a:buSzTx/>
-              <a:buFontTx/>
-              <a:buNone/>
-              <a:defRPr sz="1472">
-                <a:solidFill>
-                  <a:srgbClr val="4E5665"/>
-                </a:solidFill>
-                <a:latin typeface="Helvetica Neue"/>
-                <a:ea typeface="Helvetica Neue"/>
-                <a:cs typeface="Helvetica Neue"/>
-                <a:sym typeface="Helvetica Neue"/>
-              </a:defRPr>
-            </a:pPr>
-            <a:r>
-              <a:t>Today (February 23, 2017) Facebook is </a:t>
-            </a:r>
-            <a:r>
-              <a:rPr>
-                <a:solidFill>
-                  <a:srgbClr val="4165B3"/>
-                </a:solidFill>
-                <a:hlinkClick r:id="rId4" invalidUrl="" action="" tgtFrame="" tooltip="" history="1" highlightClick="0" endSnd="0"/>
-              </a:rPr>
-              <a:t>open sourcing Prophet</a:t>
-            </a:r>
-            <a:r>
-              <a:t>, a forecasting tool available in Python and R. </a:t>
-            </a:r>
-          </a:p>
-          <a:p>
-            <a:pPr marL="0" indent="0" defTabSz="420623">
-              <a:spcBef>
-                <a:spcPts val="0"/>
-              </a:spcBef>
-              <a:buSzTx/>
-              <a:buFontTx/>
-              <a:buNone/>
-              <a:defRPr b="1" sz="3220">
-                <a:solidFill>
-                  <a:srgbClr val="3B3B3B"/>
-                </a:solidFill>
-                <a:latin typeface="Helvetica Neue"/>
-                <a:ea typeface="Helvetica Neue"/>
-                <a:cs typeface="Helvetica Neue"/>
-                <a:sym typeface="Helvetica Neue"/>
-              </a:defRPr>
-            </a:pPr>
-            <a:r>
-              <a:t>Where Prophet shines</a:t>
-            </a:r>
-          </a:p>
-          <a:p>
-            <a:pPr marL="0" indent="0" defTabSz="420623">
-              <a:spcBef>
-                <a:spcPts val="0"/>
-              </a:spcBef>
-              <a:buSzTx/>
-              <a:buFontTx/>
-              <a:buNone/>
-              <a:defRPr sz="1472">
-                <a:solidFill>
-                  <a:srgbClr val="4E5665"/>
-                </a:solidFill>
-                <a:latin typeface="Helvetica Neue"/>
-                <a:ea typeface="Helvetica Neue"/>
-                <a:cs typeface="Helvetica Neue"/>
-                <a:sym typeface="Helvetica Neue"/>
-              </a:defRPr>
-            </a:pPr>
-            <a:r>
-              <a:t>Not all forecasting problems can be solved by the same procedure. Prophet is optimized for the business forecast tasks we have encountered at Facebook, which typically have any of the following characteristics:</a:t>
-            </a:r>
-          </a:p>
-          <a:p>
-            <a:pPr marL="420623" indent="-420623" defTabSz="420623">
-              <a:spcBef>
-                <a:spcPts val="0"/>
-              </a:spcBef>
-              <a:buSzTx/>
-              <a:buFontTx/>
-              <a:buNone/>
-              <a:tabLst>
-                <a:tab pos="127000" algn="l"/>
-                <a:tab pos="419100" algn="l"/>
-              </a:tabLst>
-              <a:defRPr sz="1472">
-                <a:solidFill>
-                  <a:srgbClr val="4E5665"/>
-                </a:solidFill>
-                <a:latin typeface="Helvetica Neue"/>
-                <a:ea typeface="Helvetica Neue"/>
-                <a:cs typeface="Helvetica Neue"/>
-                <a:sym typeface="Helvetica Neue"/>
-              </a:defRPr>
-            </a:pPr>
-            <a:r>
-              <a:t>	•	hourly, daily, or weekly observations with at least a few months (preferably a year) of history</a:t>
-            </a:r>
-          </a:p>
-          <a:p>
-            <a:pPr marL="420623" indent="-420623" defTabSz="420623">
-              <a:spcBef>
-                <a:spcPts val="0"/>
-              </a:spcBef>
-              <a:buSzTx/>
-              <a:buFontTx/>
-              <a:buNone/>
-              <a:tabLst>
-                <a:tab pos="127000" algn="l"/>
-                <a:tab pos="419100" algn="l"/>
-              </a:tabLst>
-              <a:defRPr sz="1472">
-                <a:solidFill>
-                  <a:srgbClr val="4E5665"/>
-                </a:solidFill>
-                <a:latin typeface="Helvetica Neue"/>
-                <a:ea typeface="Helvetica Neue"/>
-                <a:cs typeface="Helvetica Neue"/>
-                <a:sym typeface="Helvetica Neue"/>
-              </a:defRPr>
-            </a:pPr>
-            <a:r>
-              <a:t>	•	strong multiple “human-scale” seasonalities: day of week and time of year</a:t>
-            </a:r>
-          </a:p>
-          <a:p>
-            <a:pPr marL="420623" indent="-420623" defTabSz="420623">
-              <a:spcBef>
-                <a:spcPts val="0"/>
-              </a:spcBef>
-              <a:buSzTx/>
-              <a:buFontTx/>
-              <a:buNone/>
-              <a:tabLst>
-                <a:tab pos="127000" algn="l"/>
-                <a:tab pos="419100" algn="l"/>
-              </a:tabLst>
-              <a:defRPr sz="1472">
-                <a:solidFill>
-                  <a:srgbClr val="4E5665"/>
-                </a:solidFill>
-                <a:latin typeface="Helvetica Neue"/>
-                <a:ea typeface="Helvetica Neue"/>
-                <a:cs typeface="Helvetica Neue"/>
-                <a:sym typeface="Helvetica Neue"/>
-              </a:defRPr>
-            </a:pPr>
-            <a:r>
-              <a:t>	•	important holidays that occur at irregular intervals that are known in advance (e.g. the Super Bowl)</a:t>
-            </a:r>
-          </a:p>
-          <a:p>
-            <a:pPr marL="420623" indent="-420623" defTabSz="420623">
-              <a:spcBef>
-                <a:spcPts val="0"/>
-              </a:spcBef>
-              <a:buSzTx/>
-              <a:buFontTx/>
-              <a:buNone/>
-              <a:tabLst>
-                <a:tab pos="127000" algn="l"/>
-                <a:tab pos="419100" algn="l"/>
-              </a:tabLst>
-              <a:defRPr sz="1472">
-                <a:solidFill>
-                  <a:srgbClr val="4E5665"/>
-                </a:solidFill>
-                <a:latin typeface="Helvetica Neue"/>
-                <a:ea typeface="Helvetica Neue"/>
-                <a:cs typeface="Helvetica Neue"/>
-                <a:sym typeface="Helvetica Neue"/>
-              </a:defRPr>
-            </a:pPr>
-            <a:r>
-              <a:t>	•	a reasonable number of missing observations or large outliers</a:t>
-            </a:r>
-          </a:p>
-          <a:p>
-            <a:pPr marL="420623" indent="-420623" defTabSz="420623">
-              <a:spcBef>
-                <a:spcPts val="0"/>
-              </a:spcBef>
-              <a:buSzTx/>
-              <a:buFontTx/>
-              <a:buNone/>
-              <a:tabLst>
-                <a:tab pos="127000" algn="l"/>
-                <a:tab pos="419100" algn="l"/>
-              </a:tabLst>
-              <a:defRPr sz="1472">
-                <a:solidFill>
-                  <a:srgbClr val="4E5665"/>
-                </a:solidFill>
-                <a:latin typeface="Helvetica Neue"/>
-                <a:ea typeface="Helvetica Neue"/>
-                <a:cs typeface="Helvetica Neue"/>
-                <a:sym typeface="Helvetica Neue"/>
-              </a:defRPr>
-            </a:pPr>
-            <a:r>
-              <a:t>	•	historical trend changes, for instance due to product launches or logging changes</a:t>
-            </a:r>
-          </a:p>
-          <a:p>
-            <a:pPr marL="420623" indent="-420623" defTabSz="420623">
-              <a:spcBef>
-                <a:spcPts val="0"/>
-              </a:spcBef>
-              <a:buSzTx/>
-              <a:buFontTx/>
-              <a:buNone/>
-              <a:tabLst>
-                <a:tab pos="127000" algn="l"/>
-                <a:tab pos="419100" algn="l"/>
-              </a:tabLst>
-              <a:defRPr sz="1472">
-                <a:solidFill>
-                  <a:srgbClr val="4E5665"/>
-                </a:solidFill>
-                <a:latin typeface="Helvetica Neue"/>
-                <a:ea typeface="Helvetica Neue"/>
-                <a:cs typeface="Helvetica Neue"/>
-                <a:sym typeface="Helvetica Neue"/>
-              </a:defRPr>
-            </a:pPr>
-            <a:r>
-              <a:t>	•	trends that are non-linear growth curves, where a trend hits a natural limit or saturates</a:t>
-            </a:r>
-          </a:p>
-        </p:txBody>
-      </p:sp>
-      <p:sp>
-        <p:nvSpPr>
-          <p:cNvPr id="140" name="https://research.fb.com/prophet-forecasting-at-scale/"/>
-          <p:cNvSpPr txBox="1"/>
-          <p:nvPr/>
-        </p:nvSpPr>
-        <p:spPr>
-          <a:xfrm>
-            <a:off x="524812" y="5961379"/>
-            <a:ext cx="5097176" cy="370841"/>
-          </a:xfrm>
-          <a:prstGeom prst="rect">
-            <a:avLst/>
-          </a:prstGeom>
-          <a:ln w="12700">
-            <a:miter lim="400000"/>
-          </a:ln>
-          <a:extLst>
-            <a:ext uri="{C572A759-6A51-4108-AA02-DFA0A04FC94B}">
-              <ma14:wrappingTextBoxFlag xmlns:ma14="http://schemas.microsoft.com/office/mac/drawingml/2011/main" val="1"/>
-            </a:ext>
-          </a:extLst>
-        </p:spPr>
-        <p:txBody>
-          <a:bodyPr wrap="none" lIns="45719" rIns="45719">
-            <a:spAutoFit/>
-          </a:bodyPr>
-          <a:lstStyle/>
-          <a:p>
-            <a:pPr/>
-            <a:r>
-              <a:t>https://research.fb.com/prophet-forecasting-at-scale/</a:t>
+            <a:pPr/>
+            <a:r>
+              <a:t>http://community.thingspeak.com/forum/announcements/thingspeak-live-chart-multi-channel-second-axis-historical-data-csv-export/</a:t>
             </a:r>
           </a:p>
         </p:txBody>
@@ -4137,7 +6290,7 @@
       </p:grpSpPr>
       <p:sp>
         <p:nvSpPr>
-          <p:cNvPr id="142" name="Example of temporal IoT data: temperature"/>
+          <p:cNvPr id="144" name="Prophet"/>
           <p:cNvSpPr txBox="1"/>
           <p:nvPr>
             <p:ph type="title"/>
@@ -4154,46 +6307,17 @@
           <a:p>
             <a:pPr/>
             <a:r>
-              <a:t>Example of temporal IoT data: temperature</a:t>
-            </a:r>
-          </a:p>
-        </p:txBody>
-      </p:sp>
-      <p:pic>
-        <p:nvPicPr>
-          <p:cNvPr id="143" name="Picture Placeholder 2" descr="Picture Placeholder 2"/>
-          <p:cNvPicPr>
-            <a:picLocks noChangeAspect="1"/>
-          </p:cNvPicPr>
-          <p:nvPr>
-            <p:ph type="pic" idx="13"/>
-          </p:nvPr>
-        </p:nvPicPr>
-        <p:blipFill>
-          <a:blip r:embed="rId2">
-            <a:extLst/>
-          </a:blip>
-          <a:srcRect l="0" t="174" r="0" b="174"/>
-          <a:stretch>
-            <a:fillRect/>
-          </a:stretch>
-        </p:blipFill>
-        <p:spPr>
-          <a:xfrm>
-            <a:off x="1800677" y="1549499"/>
-            <a:ext cx="5469622" cy="2241352"/>
-          </a:xfrm>
-          <a:prstGeom prst="rect">
-            <a:avLst/>
-          </a:prstGeom>
-        </p:spPr>
-      </p:pic>
-      <p:sp>
-        <p:nvSpPr>
-          <p:cNvPr id="144" name="http://community.thingspeak.com/forum/announcements/thingspeak-live-chart-multi-channel-second-axis-historical-data-csv-export/"/>
+              <a:t>Prophet</a:t>
+            </a:r>
+          </a:p>
+        </p:txBody>
+      </p:sp>
+      <p:sp>
+        <p:nvSpPr>
+          <p:cNvPr id="145" name="Prophet: forecasting at scale…"/>
           <p:cNvSpPr txBox="1"/>
           <p:nvPr>
-            <p:ph type="body" sz="quarter" idx="1"/>
+            <p:ph type="body" idx="1"/>
           </p:nvPr>
         </p:nvSpPr>
         <p:spPr>
@@ -4205,9 +6329,369 @@
           <a:bodyPr/>
           <a:lstStyle/>
           <a:p>
-            <a:pPr/>
-            <a:r>
-              <a:t>http://community.thingspeak.com/forum/announcements/thingspeak-live-chart-multi-channel-second-axis-historical-data-csv-export/</a:t>
+            <a:pPr marL="0" indent="0" defTabSz="420623">
+              <a:spcBef>
+                <a:spcPts val="0"/>
+              </a:spcBef>
+              <a:buSzTx/>
+              <a:buFontTx/>
+              <a:buNone/>
+              <a:defRPr b="1" sz="4600">
+                <a:solidFill>
+                  <a:srgbClr val="3B3B3B"/>
+                </a:solidFill>
+                <a:latin typeface="Helvetica Neue"/>
+                <a:ea typeface="Helvetica Neue"/>
+                <a:cs typeface="Helvetica Neue"/>
+                <a:sym typeface="Helvetica Neue"/>
+              </a:defRPr>
+            </a:pPr>
+            <a:r>
+              <a:t>Prophet: forecasting at scale</a:t>
+            </a:r>
+          </a:p>
+          <a:p>
+            <a:pPr marL="0" indent="0" defTabSz="420623">
+              <a:spcBef>
+                <a:spcPts val="0"/>
+              </a:spcBef>
+              <a:buSzTx/>
+              <a:buFontTx/>
+              <a:buNone/>
+              <a:defRPr b="1" sz="1288">
+                <a:solidFill>
+                  <a:srgbClr val="4E5665"/>
+                </a:solidFill>
+                <a:latin typeface="Helvetica Neue"/>
+                <a:ea typeface="Helvetica Neue"/>
+                <a:cs typeface="Helvetica Neue"/>
+                <a:sym typeface="Helvetica Neue"/>
+              </a:defRPr>
+            </a:pPr>
+            <a:r>
+              <a:rPr b="0"/>
+              <a:t>By: </a:t>
+            </a:r>
+            <a:r>
+              <a:rPr u="sng">
+                <a:solidFill>
+                  <a:srgbClr val="0000FF"/>
+                </a:solidFill>
+                <a:uFill>
+                  <a:solidFill>
+                    <a:srgbClr val="0000FF"/>
+                  </a:solidFill>
+                </a:uFill>
+                <a:hlinkClick r:id="rId3" invalidUrl="" action="" tgtFrame="" tooltip="" history="1" highlightClick="0" endSnd="0"/>
+              </a:rPr>
+              <a:t>Sean J. Taylor</a:t>
+            </a:r>
+            <a:r>
+              <a:rPr b="0"/>
+              <a:t>, </a:t>
+            </a:r>
+            <a:r>
+              <a:rPr u="sng">
+                <a:solidFill>
+                  <a:srgbClr val="0000FF"/>
+                </a:solidFill>
+                <a:uFill>
+                  <a:solidFill>
+                    <a:srgbClr val="0000FF"/>
+                  </a:solidFill>
+                </a:uFill>
+                <a:hlinkClick r:id="rId4" invalidUrl="" action="" tgtFrame="" tooltip="" history="1" highlightClick="0" endSnd="0"/>
+              </a:rPr>
+              <a:t>Ben Letham</a:t>
+            </a:r>
+          </a:p>
+          <a:p>
+            <a:pPr marL="0" indent="0" defTabSz="420623">
+              <a:spcBef>
+                <a:spcPts val="0"/>
+              </a:spcBef>
+              <a:buSzTx/>
+              <a:buFontTx/>
+              <a:buNone/>
+              <a:defRPr b="1" sz="1288">
+                <a:solidFill>
+                  <a:srgbClr val="4E5665"/>
+                </a:solidFill>
+                <a:latin typeface="Helvetica Neue"/>
+                <a:ea typeface="Helvetica Neue"/>
+                <a:cs typeface="Helvetica Neue"/>
+                <a:sym typeface="Helvetica Neue"/>
+              </a:defRPr>
+            </a:pPr>
+          </a:p>
+          <a:p>
+            <a:pPr marL="0" indent="0" defTabSz="420623">
+              <a:spcBef>
+                <a:spcPts val="0"/>
+              </a:spcBef>
+              <a:buSzTx/>
+              <a:buFontTx/>
+              <a:buNone/>
+              <a:defRPr sz="1472">
+                <a:solidFill>
+                  <a:srgbClr val="4E5665"/>
+                </a:solidFill>
+                <a:latin typeface="Helvetica Neue"/>
+                <a:ea typeface="Helvetica Neue"/>
+                <a:cs typeface="Helvetica Neue"/>
+                <a:sym typeface="Helvetica Neue"/>
+              </a:defRPr>
+            </a:pPr>
+            <a:r>
+              <a:t>Today (February 23, 2017) Facebook is </a:t>
+            </a:r>
+            <a:r>
+              <a:rPr>
+                <a:solidFill>
+                  <a:srgbClr val="4165B3"/>
+                </a:solidFill>
+                <a:hlinkClick r:id="rId5" invalidUrl="" action="" tgtFrame="" tooltip="" history="1" highlightClick="0" endSnd="0"/>
+              </a:rPr>
+              <a:t>open sourcing Prophet</a:t>
+            </a:r>
+            <a:r>
+              <a:t>, a forecasting tool available in Python and R. </a:t>
+            </a:r>
+          </a:p>
+          <a:p>
+            <a:pPr marL="0" indent="0" defTabSz="420623">
+              <a:spcBef>
+                <a:spcPts val="0"/>
+              </a:spcBef>
+              <a:buSzTx/>
+              <a:buFontTx/>
+              <a:buNone/>
+              <a:defRPr b="1" sz="3220">
+                <a:solidFill>
+                  <a:srgbClr val="3B3B3B"/>
+                </a:solidFill>
+                <a:latin typeface="Helvetica Neue"/>
+                <a:ea typeface="Helvetica Neue"/>
+                <a:cs typeface="Helvetica Neue"/>
+                <a:sym typeface="Helvetica Neue"/>
+              </a:defRPr>
+            </a:pPr>
+            <a:r>
+              <a:t>Where Prophet shines</a:t>
+            </a:r>
+          </a:p>
+          <a:p>
+            <a:pPr marL="0" indent="0" defTabSz="420623">
+              <a:spcBef>
+                <a:spcPts val="0"/>
+              </a:spcBef>
+              <a:buSzTx/>
+              <a:buFontTx/>
+              <a:buNone/>
+              <a:defRPr sz="1472">
+                <a:solidFill>
+                  <a:srgbClr val="4E5665"/>
+                </a:solidFill>
+                <a:latin typeface="Helvetica Neue"/>
+                <a:ea typeface="Helvetica Neue"/>
+                <a:cs typeface="Helvetica Neue"/>
+                <a:sym typeface="Helvetica Neue"/>
+              </a:defRPr>
+            </a:pPr>
+            <a:r>
+              <a:t>Not all forecasting problems can be solved by the same procedure. Prophet is optimized for the business forecast tasks we have encountered at Facebook, which typically have any of the following characteristics:</a:t>
+            </a:r>
+          </a:p>
+          <a:p>
+            <a:pPr marL="420623" indent="-420623" defTabSz="420623">
+              <a:spcBef>
+                <a:spcPts val="0"/>
+              </a:spcBef>
+              <a:buSzTx/>
+              <a:buFontTx/>
+              <a:buNone/>
+              <a:tabLst>
+                <a:tab pos="127000" algn="l"/>
+                <a:tab pos="419100" algn="l"/>
+              </a:tabLst>
+              <a:defRPr sz="1472">
+                <a:solidFill>
+                  <a:srgbClr val="4E5665"/>
+                </a:solidFill>
+                <a:latin typeface="Helvetica Neue"/>
+                <a:ea typeface="Helvetica Neue"/>
+                <a:cs typeface="Helvetica Neue"/>
+                <a:sym typeface="Helvetica Neue"/>
+              </a:defRPr>
+            </a:pPr>
+            <a:r>
+              <a:t>	•	hourly, daily, or weekly observations with at least a few months (preferably a year) of history</a:t>
+            </a:r>
+          </a:p>
+          <a:p>
+            <a:pPr marL="420623" indent="-420623" defTabSz="420623">
+              <a:spcBef>
+                <a:spcPts val="0"/>
+              </a:spcBef>
+              <a:buSzTx/>
+              <a:buFontTx/>
+              <a:buNone/>
+              <a:tabLst>
+                <a:tab pos="127000" algn="l"/>
+                <a:tab pos="419100" algn="l"/>
+              </a:tabLst>
+              <a:defRPr sz="1472">
+                <a:solidFill>
+                  <a:srgbClr val="4E5665"/>
+                </a:solidFill>
+                <a:latin typeface="Helvetica Neue"/>
+                <a:ea typeface="Helvetica Neue"/>
+                <a:cs typeface="Helvetica Neue"/>
+                <a:sym typeface="Helvetica Neue"/>
+              </a:defRPr>
+            </a:pPr>
+            <a:r>
+              <a:t>	•	strong multiple “human-scale” seasonalities: day of week and time of year</a:t>
+            </a:r>
+          </a:p>
+          <a:p>
+            <a:pPr marL="420623" indent="-420623" defTabSz="420623">
+              <a:spcBef>
+                <a:spcPts val="0"/>
+              </a:spcBef>
+              <a:buSzTx/>
+              <a:buFontTx/>
+              <a:buNone/>
+              <a:tabLst>
+                <a:tab pos="127000" algn="l"/>
+                <a:tab pos="419100" algn="l"/>
+              </a:tabLst>
+              <a:defRPr sz="1472">
+                <a:solidFill>
+                  <a:srgbClr val="4E5665"/>
+                </a:solidFill>
+                <a:latin typeface="Helvetica Neue"/>
+                <a:ea typeface="Helvetica Neue"/>
+                <a:cs typeface="Helvetica Neue"/>
+                <a:sym typeface="Helvetica Neue"/>
+              </a:defRPr>
+            </a:pPr>
+            <a:r>
+              <a:t>	•	important holidays that occur at irregular intervals that are known in advance (e.g. the Super Bowl)</a:t>
+            </a:r>
+          </a:p>
+          <a:p>
+            <a:pPr marL="420623" indent="-420623" defTabSz="420623">
+              <a:spcBef>
+                <a:spcPts val="0"/>
+              </a:spcBef>
+              <a:buSzTx/>
+              <a:buFontTx/>
+              <a:buNone/>
+              <a:tabLst>
+                <a:tab pos="127000" algn="l"/>
+                <a:tab pos="419100" algn="l"/>
+              </a:tabLst>
+              <a:defRPr sz="1472">
+                <a:solidFill>
+                  <a:srgbClr val="4E5665"/>
+                </a:solidFill>
+                <a:latin typeface="Helvetica Neue"/>
+                <a:ea typeface="Helvetica Neue"/>
+                <a:cs typeface="Helvetica Neue"/>
+                <a:sym typeface="Helvetica Neue"/>
+              </a:defRPr>
+            </a:pPr>
+            <a:r>
+              <a:t>	•	a reasonable number of missing observations or large outliers</a:t>
+            </a:r>
+          </a:p>
+          <a:p>
+            <a:pPr marL="420623" indent="-420623" defTabSz="420623">
+              <a:spcBef>
+                <a:spcPts val="0"/>
+              </a:spcBef>
+              <a:buSzTx/>
+              <a:buFontTx/>
+              <a:buNone/>
+              <a:tabLst>
+                <a:tab pos="127000" algn="l"/>
+                <a:tab pos="419100" algn="l"/>
+              </a:tabLst>
+              <a:defRPr sz="1472">
+                <a:solidFill>
+                  <a:srgbClr val="4E5665"/>
+                </a:solidFill>
+                <a:latin typeface="Helvetica Neue"/>
+                <a:ea typeface="Helvetica Neue"/>
+                <a:cs typeface="Helvetica Neue"/>
+                <a:sym typeface="Helvetica Neue"/>
+              </a:defRPr>
+            </a:pPr>
+            <a:r>
+              <a:t>	•	historical trend changes, for instance due to product launches or logging changes</a:t>
+            </a:r>
+          </a:p>
+          <a:p>
+            <a:pPr marL="420623" indent="-420623" defTabSz="420623">
+              <a:spcBef>
+                <a:spcPts val="0"/>
+              </a:spcBef>
+              <a:buSzTx/>
+              <a:buFontTx/>
+              <a:buNone/>
+              <a:tabLst>
+                <a:tab pos="127000" algn="l"/>
+                <a:tab pos="419100" algn="l"/>
+              </a:tabLst>
+              <a:defRPr sz="1472">
+                <a:solidFill>
+                  <a:srgbClr val="4E5665"/>
+                </a:solidFill>
+                <a:latin typeface="Helvetica Neue"/>
+                <a:ea typeface="Helvetica Neue"/>
+                <a:cs typeface="Helvetica Neue"/>
+                <a:sym typeface="Helvetica Neue"/>
+              </a:defRPr>
+            </a:pPr>
+            <a:r>
+              <a:t>	•	trends that are non-linear growth curves, where a trend hits a natural limit or saturates</a:t>
+            </a:r>
+          </a:p>
+        </p:txBody>
+      </p:sp>
+      <p:sp>
+        <p:nvSpPr>
+          <p:cNvPr id="146" name="https://research.fb.com/prophet-forecasting-at-scale/"/>
+          <p:cNvSpPr txBox="1"/>
+          <p:nvPr/>
+        </p:nvSpPr>
+        <p:spPr>
+          <a:xfrm>
+            <a:off x="524812" y="5961379"/>
+            <a:ext cx="5097176" cy="370841"/>
+          </a:xfrm>
+          <a:prstGeom prst="rect">
+            <a:avLst/>
+          </a:prstGeom>
+          <a:ln w="12700">
+            <a:miter lim="400000"/>
+          </a:ln>
+          <a:extLst>
+            <a:ext uri="{C572A759-6A51-4108-AA02-DFA0A04FC94B}">
+              <ma14:wrappingTextBoxFlag xmlns:ma14="http://schemas.microsoft.com/office/mac/drawingml/2011/main" val="1"/>
+            </a:ext>
+          </a:extLst>
+        </p:spPr>
+        <p:txBody>
+          <a:bodyPr wrap="none" lIns="45719" rIns="45719">
+            <a:spAutoFit/>
+          </a:bodyPr>
+          <a:lstStyle/>
+          <a:p>
+            <a:pPr/>
+            <a:r>
+              <a:t>https://research.fb.com/prophet-forecasting-at-scale/</a:t>
             </a:r>
           </a:p>
         </p:txBody>
@@ -4224,17 +6708,6 @@
 <file path=ppt/slides/slide8.xml><?xml version="1.0" encoding="utf-8"?>
 <p:sld xmlns:a="http://schemas.openxmlformats.org/drawingml/2006/main" xmlns:r="http://schemas.openxmlformats.org/officeDocument/2006/relationships" xmlns:p="http://schemas.openxmlformats.org/presentationml/2006/main" showMasterSp="1" showMasterPhAnim="1">
   <p:cSld>
-    <p:bg>
-      <p:bgPr>
-        <a:blipFill rotWithShape="1">
-          <a:blip r:embed="rId2"/>
-          <a:srcRect l="0" t="0" r="0" b="0"/>
-          <a:stretch>
-            <a:fillRect/>
-          </a:stretch>
-        </a:blipFill>
-      </p:bgPr>
-    </p:bg>
     <p:spTree>
       <p:nvGrpSpPr>
         <p:cNvPr id="1" name=""/>
@@ -4249,6 +6722,333 @@
           <a:chExt cx="0" cy="0"/>
         </a:xfrm>
       </p:grpSpPr>
+      <p:sp>
+        <p:nvSpPr>
+          <p:cNvPr id="150" name="Open the datafile with Pandas"/>
+          <p:cNvSpPr txBox="1"/>
+          <p:nvPr>
+            <p:ph type="title"/>
+          </p:nvPr>
+        </p:nvSpPr>
+        <p:spPr>
+          <a:prstGeom prst="rect">
+            <a:avLst/>
+          </a:prstGeom>
+        </p:spPr>
+        <p:txBody>
+          <a:bodyPr/>
+          <a:lstStyle/>
+          <a:p>
+            <a:pPr/>
+            <a:r>
+              <a:t>Open the datafile with Pandas</a:t>
+            </a:r>
+          </a:p>
+        </p:txBody>
+      </p:sp>
+      <p:sp>
+        <p:nvSpPr>
+          <p:cNvPr id="151" name="import pandas as pd…"/>
+          <p:cNvSpPr txBox="1"/>
+          <p:nvPr/>
+        </p:nvSpPr>
+        <p:spPr>
+          <a:xfrm>
+            <a:off x="1544061" y="1275080"/>
+            <a:ext cx="6055877" cy="4917440"/>
+          </a:xfrm>
+          <a:prstGeom prst="rect">
+            <a:avLst/>
+          </a:prstGeom>
+          <a:ln w="12700">
+            <a:miter lim="400000"/>
+          </a:ln>
+          <a:extLst>
+            <a:ext uri="{C572A759-6A51-4108-AA02-DFA0A04FC94B}">
+              <ma14:wrappingTextBoxFlag xmlns:ma14="http://schemas.microsoft.com/office/mac/drawingml/2011/main" val="1"/>
+            </a:ext>
+          </a:extLst>
+        </p:spPr>
+        <p:txBody>
+          <a:bodyPr wrap="none" lIns="45719" rIns="45719">
+            <a:spAutoFit/>
+          </a:bodyPr>
+          <a:lstStyle/>
+          <a:p>
+            <a:pPr>
+              <a:defRPr sz="1600"/>
+            </a:pPr>
+            <a:r>
+              <a:t>import pandas as pd</a:t>
+            </a:r>
+          </a:p>
+          <a:p>
+            <a:pPr>
+              <a:defRPr sz="1600"/>
+            </a:pPr>
+            <a:r>
+              <a:t>import numpy as np</a:t>
+            </a:r>
+          </a:p>
+          <a:p>
+            <a:pPr>
+              <a:defRPr sz="1600"/>
+            </a:pPr>
+            <a:r>
+              <a:t>from fbprophet import Prophet</a:t>
+            </a:r>
+          </a:p>
+          <a:p>
+            <a:pPr>
+              <a:defRPr sz="1600"/>
+            </a:pPr>
+            <a:r>
+              <a:t>from datetime import datetime</a:t>
+            </a:r>
+          </a:p>
+          <a:p>
+            <a:pPr>
+              <a:defRPr sz="1600"/>
+            </a:pPr>
+          </a:p>
+          <a:p>
+            <a:pPr>
+              <a:defRPr sz="1600"/>
+            </a:pPr>
+            <a:r>
+              <a:t># Get the Thingspeak temperature data set</a:t>
+            </a:r>
+          </a:p>
+          <a:p>
+            <a:pPr>
+              <a:defRPr sz="1600"/>
+            </a:pPr>
+            <a:r>
+              <a:t>total = pd.read_csv('temp.csv') </a:t>
+            </a:r>
+          </a:p>
+          <a:p>
+            <a:pPr>
+              <a:defRPr sz="1600"/>
+            </a:pPr>
+            <a:r>
+              <a:t>total.index = pd.DatetimeIndex(total['created_at'])</a:t>
+            </a:r>
+          </a:p>
+          <a:p>
+            <a:pPr>
+              <a:defRPr sz="1600"/>
+            </a:pPr>
+          </a:p>
+          <a:p>
+            <a:pPr>
+              <a:defRPr sz="1600"/>
+            </a:pPr>
+            <a:r>
+              <a:t># Just use two years </a:t>
+            </a:r>
+          </a:p>
+          <a:p>
+            <a:pPr>
+              <a:defRPr sz="1600"/>
+            </a:pPr>
+            <a:r>
+              <a:t>df=total[datetime(2014, 1, 1, 0, 0, 0):datetime(2016, 12, 31, 23, 59, 59)]</a:t>
+            </a:r>
+          </a:p>
+          <a:p>
+            <a:pPr>
+              <a:defRPr sz="1600"/>
+            </a:pPr>
+          </a:p>
+          <a:p>
+            <a:pPr>
+              <a:defRPr sz="1600"/>
+            </a:pPr>
+            <a:r>
+              <a:t># and use only data points at every hour</a:t>
+            </a:r>
+          </a:p>
+          <a:p>
+            <a:pPr>
+              <a:defRPr sz="1600"/>
+            </a:pPr>
+            <a:r>
+              <a:t>df=df.resample('H').median()</a:t>
+            </a:r>
+          </a:p>
+          <a:p>
+            <a:pPr>
+              <a:defRPr sz="1600"/>
+            </a:pPr>
+          </a:p>
+          <a:p>
+            <a:pPr>
+              <a:defRPr sz="1600"/>
+            </a:pPr>
+            <a:r>
+              <a:t># Prophet requires the independent variable called "ds"</a:t>
+            </a:r>
+          </a:p>
+          <a:p>
+            <a:pPr>
+              <a:defRPr sz="1600"/>
+            </a:pPr>
+            <a:r>
+              <a:t>df['ds'] = df.index</a:t>
+            </a:r>
+          </a:p>
+          <a:p>
+            <a:pPr>
+              <a:defRPr sz="1600"/>
+            </a:pPr>
+          </a:p>
+          <a:p>
+            <a:pPr>
+              <a:defRPr sz="1600"/>
+            </a:pPr>
+            <a:r>
+              <a:t># and the dependent variable called "y"</a:t>
+            </a:r>
+          </a:p>
+          <a:p>
+            <a:pPr>
+              <a:defRPr sz="1600"/>
+            </a:pPr>
+            <a:r>
+              <a:t>df['y'] = df['Temperature']</a:t>
+            </a:r>
+          </a:p>
+        </p:txBody>
+      </p:sp>
+    </p:spTree>
+  </p:cSld>
+  <p:clrMapOvr>
+    <a:masterClrMapping/>
+  </p:clrMapOvr>
+  <p:transition xmlns:p14="http://schemas.microsoft.com/office/powerpoint/2010/main" spd="med" advClick="1"/>
+</p:sld>
+</file>
+
+<file path=ppt/slides/slide9.xml><?xml version="1.0" encoding="utf-8"?>
+<p:sld xmlns:a="http://schemas.openxmlformats.org/drawingml/2006/main" xmlns:r="http://schemas.openxmlformats.org/officeDocument/2006/relationships" xmlns:p="http://schemas.openxmlformats.org/presentationml/2006/main" showMasterSp="1" showMasterPhAnim="1">
+  <p:cSld>
+    <p:spTree>
+      <p:nvGrpSpPr>
+        <p:cNvPr id="1" name=""/>
+        <p:cNvGrpSpPr/>
+        <p:nvPr/>
+      </p:nvGrpSpPr>
+      <p:grpSpPr>
+        <a:xfrm>
+          <a:off x="0" y="0"/>
+          <a:ext cx="0" cy="0"/>
+          <a:chOff x="0" y="0"/>
+          <a:chExt cx="0" cy="0"/>
+        </a:xfrm>
+      </p:grpSpPr>
+      <p:sp>
+        <p:nvSpPr>
+          <p:cNvPr id="155" name="First confirm the contents of data"/>
+          <p:cNvSpPr txBox="1"/>
+          <p:nvPr>
+            <p:ph type="title"/>
+          </p:nvPr>
+        </p:nvSpPr>
+        <p:spPr>
+          <a:prstGeom prst="rect">
+            <a:avLst/>
+          </a:prstGeom>
+        </p:spPr>
+        <p:txBody>
+          <a:bodyPr/>
+          <a:lstStyle/>
+          <a:p>
+            <a:pPr/>
+            <a:r>
+              <a:t>First confirm the contents of data</a:t>
+            </a:r>
+          </a:p>
+        </p:txBody>
+      </p:sp>
+      <p:sp>
+        <p:nvSpPr>
+          <p:cNvPr id="156" name="# Take a look at the data…"/>
+          <p:cNvSpPr txBox="1"/>
+          <p:nvPr/>
+        </p:nvSpPr>
+        <p:spPr>
+          <a:xfrm>
+            <a:off x="2942054" y="1910350"/>
+            <a:ext cx="3259892" cy="929641"/>
+          </a:xfrm>
+          <a:prstGeom prst="rect">
+            <a:avLst/>
+          </a:prstGeom>
+          <a:ln w="12700">
+            <a:miter lim="400000"/>
+          </a:ln>
+          <a:extLst>
+            <a:ext uri="{C572A759-6A51-4108-AA02-DFA0A04FC94B}">
+              <ma14:wrappingTextBoxFlag xmlns:ma14="http://schemas.microsoft.com/office/mac/drawingml/2011/main" val="1"/>
+            </a:ext>
+          </a:extLst>
+        </p:spPr>
+        <p:txBody>
+          <a:bodyPr wrap="none" lIns="45719" rIns="45719">
+            <a:spAutoFit/>
+          </a:bodyPr>
+          <a:lstStyle/>
+          <a:p>
+            <a:pPr/>
+            <a:r>
+              <a:t># Take a look at the data</a:t>
+            </a:r>
+          </a:p>
+          <a:p>
+            <a:pPr/>
+            <a:r>
+              <a:t>%matplotlib inline</a:t>
+            </a:r>
+          </a:p>
+          <a:p>
+            <a:pPr/>
+            <a:r>
+              <a:t>df["Temperature"].plot(grid=True)</a:t>
+            </a:r>
+          </a:p>
+        </p:txBody>
+      </p:sp>
+      <p:pic>
+        <p:nvPicPr>
+          <p:cNvPr id="157" name="Picture Placeholder 2" descr="Picture Placeholder 2"/>
+          <p:cNvPicPr>
+            <a:picLocks noChangeAspect="1"/>
+          </p:cNvPicPr>
+          <p:nvPr/>
+        </p:nvPicPr>
+        <p:blipFill>
+          <a:blip r:embed="rId3">
+            <a:extLst/>
+          </a:blip>
+          <a:srcRect l="13" t="3936" r="13" b="0"/>
+          <a:stretch>
+            <a:fillRect/>
+          </a:stretch>
+        </p:blipFill>
+        <p:spPr>
+          <a:xfrm>
+            <a:off x="2301541" y="3138350"/>
+            <a:ext cx="4540786" cy="3260655"/>
+          </a:xfrm>
+          <a:prstGeom prst="rect">
+            <a:avLst/>
+          </a:prstGeom>
+          <a:ln w="12700">
+            <a:miter lim="400000"/>
+          </a:ln>
+        </p:spPr>
+      </p:pic>
     </p:spTree>
   </p:cSld>
   <p:clrMapOvr>

--- a/powerpoints/ITU Academy Slides AM4-04.pptx
+++ b/powerpoints/ITU Academy Slides AM4-04.pptx
@@ -24,6 +24,13 @@
     <p:sldId id="269" r:id="rId21"/>
     <p:sldId id="270" r:id="rId22"/>
     <p:sldId id="271" r:id="rId23"/>
+    <p:sldId id="272" r:id="rId24"/>
+    <p:sldId id="273" r:id="rId25"/>
+    <p:sldId id="274" r:id="rId26"/>
+    <p:sldId id="275" r:id="rId27"/>
+    <p:sldId id="276" r:id="rId28"/>
+    <p:sldId id="277" r:id="rId29"/>
+    <p:sldId id="278" r:id="rId30"/>
   </p:sldIdLst>
   <p:sldSz cx="9144000" cy="6858000"/>
   <p:notesSz cx="6858000" cy="9144000"/>
@@ -498,7 +505,7 @@
       </p:grpSpPr>
       <p:sp>
         <p:nvSpPr>
-          <p:cNvPr id="141" name="Shape 141"/>
+          <p:cNvPr id="157" name="Shape 157"/>
           <p:cNvSpPr/>
           <p:nvPr>
             <p:ph type="sldImg"/>
@@ -519,7 +526,7 @@
       </p:sp>
       <p:sp>
         <p:nvSpPr>
-          <p:cNvPr id="142" name="Shape 142"/>
+          <p:cNvPr id="158" name="Shape 158"/>
           <p:cNvSpPr/>
           <p:nvPr>
             <p:ph type="body" sz="quarter" idx="1"/>
@@ -536,7 +543,31 @@
           <a:p>
             <a:pPr/>
             <a:r>
-              <a:t>Go to Thingspeak, search for Channel 135, what info can we obtain?</a:t>
+              <a:t>Consider Prophet’s design specifications from the point of view of IoT</a:t>
+            </a:r>
+          </a:p>
+          <a:p>
+            <a:pPr/>
+            <a:r>
+              <a:t>If we have only a few days of data, can we still fit it into the Prophet model?</a:t>
+            </a:r>
+          </a:p>
+          <a:p>
+            <a:pPr/>
+            <a:r>
+              <a:t>Sensory data: when does it have daily, weekly, monthly, yearly seasonality?</a:t>
+            </a:r>
+          </a:p>
+          <a:p>
+            <a:pPr/>
+            <a:r>
+              <a:t>What if sensors are picking up human activities (driving, power use, etc.)?</a:t>
+            </a:r>
+          </a:p>
+          <a:p>
+            <a:pPr/>
+            <a:r>
+              <a:t>What Prophet strengths apply to IoT? Which do not?</a:t>
             </a:r>
           </a:p>
         </p:txBody>
@@ -568,7 +599,7 @@
       </p:grpSpPr>
       <p:sp>
         <p:nvSpPr>
-          <p:cNvPr id="195" name="Shape 195"/>
+          <p:cNvPr id="211" name="Shape 211"/>
           <p:cNvSpPr/>
           <p:nvPr>
             <p:ph type="sldImg"/>
@@ -589,7 +620,7 @@
       </p:sp>
       <p:sp>
         <p:nvSpPr>
-          <p:cNvPr id="196" name="Shape 196"/>
+          <p:cNvPr id="212" name="Shape 212"/>
           <p:cNvSpPr/>
           <p:nvPr>
             <p:ph type="body" sz="quarter" idx="1"/>
@@ -644,7 +675,7 @@
       </p:grpSpPr>
       <p:sp>
         <p:nvSpPr>
-          <p:cNvPr id="201" name="Shape 201"/>
+          <p:cNvPr id="217" name="Shape 217"/>
           <p:cNvSpPr/>
           <p:nvPr>
             <p:ph type="sldImg"/>
@@ -665,7 +696,7 @@
       </p:sp>
       <p:sp>
         <p:nvSpPr>
-          <p:cNvPr id="202" name="Shape 202"/>
+          <p:cNvPr id="218" name="Shape 218"/>
           <p:cNvSpPr/>
           <p:nvPr>
             <p:ph type="body" sz="quarter" idx="1"/>
@@ -695,6 +726,76 @@
             <a:pPr/>
             <a:r>
               <a:t>(Of course this does not mean that Global Warming is false, only a short-time, local trend)</a:t>
+            </a:r>
+          </a:p>
+        </p:txBody>
+      </p:sp>
+    </p:spTree>
+  </p:cSld>
+  <p:clrMapOvr>
+    <a:masterClrMapping/>
+  </p:clrMapOvr>
+</p:notes>
+</file>
+
+<file path=ppt/notesSlides/notesSlide12.xml><?xml version="1.0" encoding="utf-8"?>
+<p:notes xmlns:a="http://schemas.openxmlformats.org/drawingml/2006/main" xmlns:r="http://schemas.openxmlformats.org/officeDocument/2006/relationships" xmlns:p="http://schemas.openxmlformats.org/presentationml/2006/main" showMasterSp="1" showMasterPhAnim="1">
+  <p:cSld>
+    <p:spTree>
+      <p:nvGrpSpPr>
+        <p:cNvPr id="1" name=""/>
+        <p:cNvGrpSpPr/>
+        <p:nvPr/>
+      </p:nvGrpSpPr>
+      <p:grpSpPr>
+        <a:xfrm>
+          <a:off x="0" y="0"/>
+          <a:ext cx="0" cy="0"/>
+          <a:chOff x="0" y="0"/>
+          <a:chExt cx="0" cy="0"/>
+        </a:xfrm>
+      </p:grpSpPr>
+      <p:sp>
+        <p:nvSpPr>
+          <p:cNvPr id="223" name="Shape 223"/>
+          <p:cNvSpPr/>
+          <p:nvPr>
+            <p:ph type="sldImg"/>
+          </p:nvPr>
+        </p:nvSpPr>
+        <p:spPr>
+          <a:prstGeom prst="rect">
+            <a:avLst/>
+          </a:prstGeom>
+        </p:spPr>
+        <p:txBody>
+          <a:bodyPr/>
+          <a:lstStyle/>
+          <a:p>
+            <a:pPr/>
+          </a:p>
+        </p:txBody>
+      </p:sp>
+      <p:sp>
+        <p:nvSpPr>
+          <p:cNvPr id="224" name="Shape 224"/>
+          <p:cNvSpPr/>
+          <p:nvPr>
+            <p:ph type="body" sz="quarter" idx="1"/>
+          </p:nvPr>
+        </p:nvSpPr>
+        <p:spPr>
+          <a:prstGeom prst="rect">
+            <a:avLst/>
+          </a:prstGeom>
+        </p:spPr>
+        <p:txBody>
+          <a:bodyPr/>
+          <a:lstStyle/>
+          <a:p>
+            <a:pPr/>
+            <a:r>
+              <a:t>The yearly periodicity is clearly captured by Prophet; how about long-term trend, monthly variation?</a:t>
             </a:r>
           </a:p>
         </p:txBody>
@@ -726,7 +827,7 @@
       </p:grpSpPr>
       <p:sp>
         <p:nvSpPr>
-          <p:cNvPr id="147" name="Shape 147"/>
+          <p:cNvPr id="163" name="Shape 163"/>
           <p:cNvSpPr/>
           <p:nvPr>
             <p:ph type="sldImg"/>
@@ -747,7 +848,7 @@
       </p:sp>
       <p:sp>
         <p:nvSpPr>
-          <p:cNvPr id="148" name="Shape 148"/>
+          <p:cNvPr id="164" name="Shape 164"/>
           <p:cNvSpPr/>
           <p:nvPr>
             <p:ph type="body" sz="quarter" idx="1"/>
@@ -764,31 +865,7 @@
           <a:p>
             <a:pPr/>
             <a:r>
-              <a:t>Consider Prophet’s design specifications from the point of view of IoT</a:t>
-            </a:r>
-          </a:p>
-          <a:p>
-            <a:pPr/>
-            <a:r>
-              <a:t>If we have only a few days of data, can we still fit it into the Prophet model?</a:t>
-            </a:r>
-          </a:p>
-          <a:p>
-            <a:pPr/>
-            <a:r>
-              <a:t>Sensory data: when does it have daily, weekly, monthly, yearly seasonality?</a:t>
-            </a:r>
-          </a:p>
-          <a:p>
-            <a:pPr/>
-            <a:r>
-              <a:t>What if sensors are picking up human activities (driving, power use, etc.)?</a:t>
-            </a:r>
-          </a:p>
-          <a:p>
-            <a:pPr/>
-            <a:r>
-              <a:t>What Prophet strengths apply to IoT? Which do not?</a:t>
+              <a:t>Go to Thingspeak, search for Channel 135, what info can we obtain?</a:t>
             </a:r>
           </a:p>
         </p:txBody>
@@ -820,7 +897,7 @@
       </p:grpSpPr>
       <p:sp>
         <p:nvSpPr>
-          <p:cNvPr id="152" name="Shape 152"/>
+          <p:cNvPr id="168" name="Shape 168"/>
           <p:cNvSpPr/>
           <p:nvPr>
             <p:ph type="sldImg"/>
@@ -841,7 +918,7 @@
       </p:sp>
       <p:sp>
         <p:nvSpPr>
-          <p:cNvPr id="153" name="Shape 153"/>
+          <p:cNvPr id="169" name="Shape 169"/>
           <p:cNvSpPr/>
           <p:nvPr>
             <p:ph type="body" sz="quarter" idx="1"/>
@@ -899,7 +976,7 @@
       </p:grpSpPr>
       <p:sp>
         <p:nvSpPr>
-          <p:cNvPr id="158" name="Shape 158"/>
+          <p:cNvPr id="174" name="Shape 174"/>
           <p:cNvSpPr/>
           <p:nvPr>
             <p:ph type="sldImg"/>
@@ -920,7 +997,7 @@
       </p:sp>
       <p:sp>
         <p:nvSpPr>
-          <p:cNvPr id="159" name="Shape 159"/>
+          <p:cNvPr id="175" name="Shape 175"/>
           <p:cNvSpPr/>
           <p:nvPr>
             <p:ph type="body" sz="quarter" idx="1"/>
@@ -978,7 +1055,7 @@
       </p:grpSpPr>
       <p:sp>
         <p:nvSpPr>
-          <p:cNvPr id="165" name="Shape 165"/>
+          <p:cNvPr id="181" name="Shape 181"/>
           <p:cNvSpPr/>
           <p:nvPr>
             <p:ph type="sldImg"/>
@@ -999,7 +1076,7 @@
       </p:sp>
       <p:sp>
         <p:nvSpPr>
-          <p:cNvPr id="166" name="Shape 166"/>
+          <p:cNvPr id="182" name="Shape 182"/>
           <p:cNvSpPr/>
           <p:nvPr>
             <p:ph type="body" sz="quarter" idx="1"/>
@@ -1081,7 +1158,7 @@
       </p:grpSpPr>
       <p:sp>
         <p:nvSpPr>
-          <p:cNvPr id="171" name="Shape 171"/>
+          <p:cNvPr id="187" name="Shape 187"/>
           <p:cNvSpPr/>
           <p:nvPr>
             <p:ph type="sldImg"/>
@@ -1102,7 +1179,7 @@
       </p:sp>
       <p:sp>
         <p:nvSpPr>
-          <p:cNvPr id="172" name="Shape 172"/>
+          <p:cNvPr id="188" name="Shape 188"/>
           <p:cNvSpPr/>
           <p:nvPr>
             <p:ph type="body" sz="quarter" idx="1"/>
@@ -1151,7 +1228,7 @@
       </p:grpSpPr>
       <p:sp>
         <p:nvSpPr>
-          <p:cNvPr id="177" name="Shape 177"/>
+          <p:cNvPr id="193" name="Shape 193"/>
           <p:cNvSpPr/>
           <p:nvPr>
             <p:ph type="sldImg"/>
@@ -1172,7 +1249,7 @@
       </p:sp>
       <p:sp>
         <p:nvSpPr>
-          <p:cNvPr id="178" name="Shape 178"/>
+          <p:cNvPr id="194" name="Shape 194"/>
           <p:cNvSpPr/>
           <p:nvPr>
             <p:ph type="body" sz="quarter" idx="1"/>
@@ -1221,7 +1298,7 @@
       </p:grpSpPr>
       <p:sp>
         <p:nvSpPr>
-          <p:cNvPr id="183" name="Shape 183"/>
+          <p:cNvPr id="199" name="Shape 199"/>
           <p:cNvSpPr/>
           <p:nvPr>
             <p:ph type="sldImg"/>
@@ -1242,7 +1319,7 @@
       </p:sp>
       <p:sp>
         <p:nvSpPr>
-          <p:cNvPr id="184" name="Shape 184"/>
+          <p:cNvPr id="200" name="Shape 200"/>
           <p:cNvSpPr/>
           <p:nvPr>
             <p:ph type="body" sz="quarter" idx="1"/>
@@ -1297,7 +1374,7 @@
       </p:grpSpPr>
       <p:sp>
         <p:nvSpPr>
-          <p:cNvPr id="189" name="Shape 189"/>
+          <p:cNvPr id="205" name="Shape 205"/>
           <p:cNvSpPr/>
           <p:nvPr>
             <p:ph type="sldImg"/>
@@ -1318,7 +1395,7 @@
       </p:sp>
       <p:sp>
         <p:nvSpPr>
-          <p:cNvPr id="190" name="Shape 190"/>
+          <p:cNvPr id="206" name="Shape 206"/>
           <p:cNvSpPr/>
           <p:nvPr>
             <p:ph type="body" sz="quarter" idx="1"/>
@@ -4256,7 +4333,7 @@
       </p:grpSpPr>
       <p:sp>
         <p:nvSpPr>
-          <p:cNvPr id="161" name="Create and run a Prophet model"/>
+          <p:cNvPr id="154" name="Prophet"/>
           <p:cNvSpPr txBox="1"/>
           <p:nvPr>
             <p:ph type="title"/>
@@ -4273,21 +4350,369 @@
           <a:p>
             <a:pPr/>
             <a:r>
-              <a:t>Create and run a Prophet model</a:t>
-            </a:r>
-          </a:p>
-        </p:txBody>
-      </p:sp>
-      <p:sp>
-        <p:nvSpPr>
-          <p:cNvPr id="162" name="# Create a Prophet model, fit to the data…"/>
+              <a:t>Prophet</a:t>
+            </a:r>
+          </a:p>
+        </p:txBody>
+      </p:sp>
+      <p:sp>
+        <p:nvSpPr>
+          <p:cNvPr id="155" name="Prophet: forecasting at scale…"/>
+          <p:cNvSpPr txBox="1"/>
+          <p:nvPr>
+            <p:ph type="body" idx="1"/>
+          </p:nvPr>
+        </p:nvSpPr>
+        <p:spPr>
+          <a:prstGeom prst="rect">
+            <a:avLst/>
+          </a:prstGeom>
+        </p:spPr>
+        <p:txBody>
+          <a:bodyPr/>
+          <a:lstStyle/>
+          <a:p>
+            <a:pPr marL="0" indent="0" defTabSz="420623">
+              <a:spcBef>
+                <a:spcPts val="0"/>
+              </a:spcBef>
+              <a:buSzTx/>
+              <a:buFontTx/>
+              <a:buNone/>
+              <a:defRPr b="1" sz="4600">
+                <a:solidFill>
+                  <a:srgbClr val="3B3B3B"/>
+                </a:solidFill>
+                <a:latin typeface="Helvetica Neue"/>
+                <a:ea typeface="Helvetica Neue"/>
+                <a:cs typeface="Helvetica Neue"/>
+                <a:sym typeface="Helvetica Neue"/>
+              </a:defRPr>
+            </a:pPr>
+            <a:r>
+              <a:t>Prophet: forecasting at scale</a:t>
+            </a:r>
+          </a:p>
+          <a:p>
+            <a:pPr marL="0" indent="0" defTabSz="420623">
+              <a:spcBef>
+                <a:spcPts val="0"/>
+              </a:spcBef>
+              <a:buSzTx/>
+              <a:buFontTx/>
+              <a:buNone/>
+              <a:defRPr b="1" sz="1288">
+                <a:solidFill>
+                  <a:srgbClr val="4E5665"/>
+                </a:solidFill>
+                <a:latin typeface="Helvetica Neue"/>
+                <a:ea typeface="Helvetica Neue"/>
+                <a:cs typeface="Helvetica Neue"/>
+                <a:sym typeface="Helvetica Neue"/>
+              </a:defRPr>
+            </a:pPr>
+            <a:r>
+              <a:rPr b="0"/>
+              <a:t>By: </a:t>
+            </a:r>
+            <a:r>
+              <a:rPr u="sng">
+                <a:solidFill>
+                  <a:srgbClr val="0000FF"/>
+                </a:solidFill>
+                <a:uFill>
+                  <a:solidFill>
+                    <a:srgbClr val="0000FF"/>
+                  </a:solidFill>
+                </a:uFill>
+                <a:hlinkClick r:id="rId3" invalidUrl="" action="" tgtFrame="" tooltip="" history="1" highlightClick="0" endSnd="0"/>
+              </a:rPr>
+              <a:t>Sean J. Taylor</a:t>
+            </a:r>
+            <a:r>
+              <a:rPr b="0"/>
+              <a:t>, </a:t>
+            </a:r>
+            <a:r>
+              <a:rPr u="sng">
+                <a:solidFill>
+                  <a:srgbClr val="0000FF"/>
+                </a:solidFill>
+                <a:uFill>
+                  <a:solidFill>
+                    <a:srgbClr val="0000FF"/>
+                  </a:solidFill>
+                </a:uFill>
+                <a:hlinkClick r:id="rId4" invalidUrl="" action="" tgtFrame="" tooltip="" history="1" highlightClick="0" endSnd="0"/>
+              </a:rPr>
+              <a:t>Ben Letham</a:t>
+            </a:r>
+          </a:p>
+          <a:p>
+            <a:pPr marL="0" indent="0" defTabSz="420623">
+              <a:spcBef>
+                <a:spcPts val="0"/>
+              </a:spcBef>
+              <a:buSzTx/>
+              <a:buFontTx/>
+              <a:buNone/>
+              <a:defRPr b="1" sz="1288">
+                <a:solidFill>
+                  <a:srgbClr val="4E5665"/>
+                </a:solidFill>
+                <a:latin typeface="Helvetica Neue"/>
+                <a:ea typeface="Helvetica Neue"/>
+                <a:cs typeface="Helvetica Neue"/>
+                <a:sym typeface="Helvetica Neue"/>
+              </a:defRPr>
+            </a:pPr>
+          </a:p>
+          <a:p>
+            <a:pPr marL="0" indent="0" defTabSz="420623">
+              <a:spcBef>
+                <a:spcPts val="0"/>
+              </a:spcBef>
+              <a:buSzTx/>
+              <a:buFontTx/>
+              <a:buNone/>
+              <a:defRPr sz="1472">
+                <a:solidFill>
+                  <a:srgbClr val="4E5665"/>
+                </a:solidFill>
+                <a:latin typeface="Helvetica Neue"/>
+                <a:ea typeface="Helvetica Neue"/>
+                <a:cs typeface="Helvetica Neue"/>
+                <a:sym typeface="Helvetica Neue"/>
+              </a:defRPr>
+            </a:pPr>
+            <a:r>
+              <a:t>Today (February 23, 2017) Facebook is </a:t>
+            </a:r>
+            <a:r>
+              <a:rPr>
+                <a:solidFill>
+                  <a:srgbClr val="4165B3"/>
+                </a:solidFill>
+                <a:hlinkClick r:id="rId5" invalidUrl="" action="" tgtFrame="" tooltip="" history="1" highlightClick="0" endSnd="0"/>
+              </a:rPr>
+              <a:t>open sourcing Prophet</a:t>
+            </a:r>
+            <a:r>
+              <a:t>, a forecasting tool available in Python and R. </a:t>
+            </a:r>
+          </a:p>
+          <a:p>
+            <a:pPr marL="0" indent="0" defTabSz="420623">
+              <a:spcBef>
+                <a:spcPts val="0"/>
+              </a:spcBef>
+              <a:buSzTx/>
+              <a:buFontTx/>
+              <a:buNone/>
+              <a:defRPr b="1" sz="3220">
+                <a:solidFill>
+                  <a:srgbClr val="3B3B3B"/>
+                </a:solidFill>
+                <a:latin typeface="Helvetica Neue"/>
+                <a:ea typeface="Helvetica Neue"/>
+                <a:cs typeface="Helvetica Neue"/>
+                <a:sym typeface="Helvetica Neue"/>
+              </a:defRPr>
+            </a:pPr>
+            <a:r>
+              <a:t>Where Prophet shines</a:t>
+            </a:r>
+          </a:p>
+          <a:p>
+            <a:pPr marL="0" indent="0" defTabSz="420623">
+              <a:spcBef>
+                <a:spcPts val="0"/>
+              </a:spcBef>
+              <a:buSzTx/>
+              <a:buFontTx/>
+              <a:buNone/>
+              <a:defRPr sz="1472">
+                <a:solidFill>
+                  <a:srgbClr val="4E5665"/>
+                </a:solidFill>
+                <a:latin typeface="Helvetica Neue"/>
+                <a:ea typeface="Helvetica Neue"/>
+                <a:cs typeface="Helvetica Neue"/>
+                <a:sym typeface="Helvetica Neue"/>
+              </a:defRPr>
+            </a:pPr>
+            <a:r>
+              <a:t>Not all forecasting problems can be solved by the same procedure. Prophet is optimized for the business forecast tasks we have encountered at Facebook, which typically have any of the following characteristics:</a:t>
+            </a:r>
+          </a:p>
+          <a:p>
+            <a:pPr marL="420623" indent="-420623" defTabSz="420623">
+              <a:spcBef>
+                <a:spcPts val="0"/>
+              </a:spcBef>
+              <a:buSzTx/>
+              <a:buFontTx/>
+              <a:buNone/>
+              <a:tabLst>
+                <a:tab pos="127000" algn="l"/>
+                <a:tab pos="419100" algn="l"/>
+              </a:tabLst>
+              <a:defRPr sz="1472">
+                <a:solidFill>
+                  <a:srgbClr val="4E5665"/>
+                </a:solidFill>
+                <a:latin typeface="Helvetica Neue"/>
+                <a:ea typeface="Helvetica Neue"/>
+                <a:cs typeface="Helvetica Neue"/>
+                <a:sym typeface="Helvetica Neue"/>
+              </a:defRPr>
+            </a:pPr>
+            <a:r>
+              <a:t>	•	hourly, daily, or weekly observations with at least a few months (preferably a year) of history</a:t>
+            </a:r>
+          </a:p>
+          <a:p>
+            <a:pPr marL="420623" indent="-420623" defTabSz="420623">
+              <a:spcBef>
+                <a:spcPts val="0"/>
+              </a:spcBef>
+              <a:buSzTx/>
+              <a:buFontTx/>
+              <a:buNone/>
+              <a:tabLst>
+                <a:tab pos="127000" algn="l"/>
+                <a:tab pos="419100" algn="l"/>
+              </a:tabLst>
+              <a:defRPr sz="1472">
+                <a:solidFill>
+                  <a:srgbClr val="4E5665"/>
+                </a:solidFill>
+                <a:latin typeface="Helvetica Neue"/>
+                <a:ea typeface="Helvetica Neue"/>
+                <a:cs typeface="Helvetica Neue"/>
+                <a:sym typeface="Helvetica Neue"/>
+              </a:defRPr>
+            </a:pPr>
+            <a:r>
+              <a:t>	•	strong multiple “human-scale” seasonalities: day of week and time of year</a:t>
+            </a:r>
+          </a:p>
+          <a:p>
+            <a:pPr marL="420623" indent="-420623" defTabSz="420623">
+              <a:spcBef>
+                <a:spcPts val="0"/>
+              </a:spcBef>
+              <a:buSzTx/>
+              <a:buFontTx/>
+              <a:buNone/>
+              <a:tabLst>
+                <a:tab pos="127000" algn="l"/>
+                <a:tab pos="419100" algn="l"/>
+              </a:tabLst>
+              <a:defRPr sz="1472">
+                <a:solidFill>
+                  <a:srgbClr val="4E5665"/>
+                </a:solidFill>
+                <a:latin typeface="Helvetica Neue"/>
+                <a:ea typeface="Helvetica Neue"/>
+                <a:cs typeface="Helvetica Neue"/>
+                <a:sym typeface="Helvetica Neue"/>
+              </a:defRPr>
+            </a:pPr>
+            <a:r>
+              <a:t>	•	important holidays that occur at irregular intervals that are known in advance (e.g. the Super Bowl)</a:t>
+            </a:r>
+          </a:p>
+          <a:p>
+            <a:pPr marL="420623" indent="-420623" defTabSz="420623">
+              <a:spcBef>
+                <a:spcPts val="0"/>
+              </a:spcBef>
+              <a:buSzTx/>
+              <a:buFontTx/>
+              <a:buNone/>
+              <a:tabLst>
+                <a:tab pos="127000" algn="l"/>
+                <a:tab pos="419100" algn="l"/>
+              </a:tabLst>
+              <a:defRPr sz="1472">
+                <a:solidFill>
+                  <a:srgbClr val="4E5665"/>
+                </a:solidFill>
+                <a:latin typeface="Helvetica Neue"/>
+                <a:ea typeface="Helvetica Neue"/>
+                <a:cs typeface="Helvetica Neue"/>
+                <a:sym typeface="Helvetica Neue"/>
+              </a:defRPr>
+            </a:pPr>
+            <a:r>
+              <a:t>	•	a reasonable number of missing observations or large outliers</a:t>
+            </a:r>
+          </a:p>
+          <a:p>
+            <a:pPr marL="420623" indent="-420623" defTabSz="420623">
+              <a:spcBef>
+                <a:spcPts val="0"/>
+              </a:spcBef>
+              <a:buSzTx/>
+              <a:buFontTx/>
+              <a:buNone/>
+              <a:tabLst>
+                <a:tab pos="127000" algn="l"/>
+                <a:tab pos="419100" algn="l"/>
+              </a:tabLst>
+              <a:defRPr sz="1472">
+                <a:solidFill>
+                  <a:srgbClr val="4E5665"/>
+                </a:solidFill>
+                <a:latin typeface="Helvetica Neue"/>
+                <a:ea typeface="Helvetica Neue"/>
+                <a:cs typeface="Helvetica Neue"/>
+                <a:sym typeface="Helvetica Neue"/>
+              </a:defRPr>
+            </a:pPr>
+            <a:r>
+              <a:t>	•	historical trend changes, for instance due to product launches or logging changes</a:t>
+            </a:r>
+          </a:p>
+          <a:p>
+            <a:pPr marL="420623" indent="-420623" defTabSz="420623">
+              <a:spcBef>
+                <a:spcPts val="0"/>
+              </a:spcBef>
+              <a:buSzTx/>
+              <a:buFontTx/>
+              <a:buNone/>
+              <a:tabLst>
+                <a:tab pos="127000" algn="l"/>
+                <a:tab pos="419100" algn="l"/>
+              </a:tabLst>
+              <a:defRPr sz="1472">
+                <a:solidFill>
+                  <a:srgbClr val="4E5665"/>
+                </a:solidFill>
+                <a:latin typeface="Helvetica Neue"/>
+                <a:ea typeface="Helvetica Neue"/>
+                <a:cs typeface="Helvetica Neue"/>
+                <a:sym typeface="Helvetica Neue"/>
+              </a:defRPr>
+            </a:pPr>
+            <a:r>
+              <a:t>	•	trends that are non-linear growth curves, where a trend hits a natural limit or saturates</a:t>
+            </a:r>
+          </a:p>
+        </p:txBody>
+      </p:sp>
+      <p:sp>
+        <p:nvSpPr>
+          <p:cNvPr id="156" name="https://research.fb.com/prophet-forecasting-at-scale/"/>
           <p:cNvSpPr txBox="1"/>
           <p:nvPr/>
         </p:nvSpPr>
         <p:spPr>
           <a:xfrm>
-            <a:off x="1665665" y="1592309"/>
-            <a:ext cx="5812670" cy="1488441"/>
+            <a:off x="524812" y="5961379"/>
+            <a:ext cx="5097176" cy="370841"/>
           </a:xfrm>
           <a:prstGeom prst="rect">
             <a:avLst/>
@@ -4302,46 +4727,199 @@
           </a:extLst>
         </p:spPr>
         <p:txBody>
-          <a:bodyPr lIns="45719" rIns="45719">
+          <a:bodyPr wrap="none" lIns="45719" rIns="45719">
             <a:spAutoFit/>
           </a:bodyPr>
           <a:lstStyle/>
           <a:p>
             <a:pPr/>
             <a:r>
-              <a:t># Create a Prophet model, fit to the data</a:t>
-            </a:r>
-          </a:p>
-          <a:p>
-            <a:pPr/>
-            <a:r>
-              <a:t>model=Prophet(yearly_seasonality=True,\</a:t>
-            </a:r>
-          </a:p>
-          <a:p>
-            <a:pPr/>
-            <a:r>
-              <a:t>             weekly_seasonality=False,daily_seasonality=False )</a:t>
-            </a:r>
-          </a:p>
-          <a:p>
-            <a:pPr/>
-            <a:r>
-              <a:t>model.fit(df)</a:t>
-            </a:r>
-          </a:p>
-        </p:txBody>
-      </p:sp>
-      <p:sp>
-        <p:nvSpPr>
-          <p:cNvPr id="163" name="# Set the prediction period to 7 days = 7*24 houra…"/>
+              <a:t>https://research.fb.com/prophet-forecasting-at-scale/</a:t>
+            </a:r>
+          </a:p>
+        </p:txBody>
+      </p:sp>
+    </p:spTree>
+  </p:cSld>
+  <p:clrMapOvr>
+    <a:masterClrMapping/>
+  </p:clrMapOvr>
+  <p:transition xmlns:p14="http://schemas.microsoft.com/office/powerpoint/2010/main" spd="med" advClick="1"/>
+</p:sld>
+</file>
+
+<file path=ppt/slides/slide11.xml><?xml version="1.0" encoding="utf-8"?>
+<p:sld xmlns:a="http://schemas.openxmlformats.org/drawingml/2006/main" xmlns:r="http://schemas.openxmlformats.org/officeDocument/2006/relationships" xmlns:p="http://schemas.openxmlformats.org/presentationml/2006/main" showMasterSp="1" showMasterPhAnim="1">
+  <p:cSld>
+    <p:spTree>
+      <p:nvGrpSpPr>
+        <p:cNvPr id="1" name=""/>
+        <p:cNvGrpSpPr/>
+        <p:nvPr/>
+      </p:nvGrpSpPr>
+      <p:grpSpPr>
+        <a:xfrm>
+          <a:off x="0" y="0"/>
+          <a:ext cx="0" cy="0"/>
+          <a:chOff x="0" y="0"/>
+          <a:chExt cx="0" cy="0"/>
+        </a:xfrm>
+      </p:grpSpPr>
+      <p:sp>
+        <p:nvSpPr>
+          <p:cNvPr id="160" name="Example of another temporal IoT data: temperature…"/>
+          <p:cNvSpPr txBox="1"/>
+          <p:nvPr>
+            <p:ph type="title"/>
+          </p:nvPr>
+        </p:nvSpPr>
+        <p:spPr>
+          <a:xfrm>
+            <a:off x="1792288" y="4800600"/>
+            <a:ext cx="5486401" cy="804863"/>
+          </a:xfrm>
+          <a:prstGeom prst="rect">
+            <a:avLst/>
+          </a:prstGeom>
+        </p:spPr>
+        <p:txBody>
+          <a:bodyPr/>
+          <a:lstStyle/>
+          <a:p>
+            <a:pPr defTabSz="877823">
+              <a:defRPr sz="1919"/>
+            </a:pPr>
+            <a:r>
+              <a:t>Example of another temporal IoT data: temperature</a:t>
+            </a:r>
+          </a:p>
+          <a:p>
+            <a:pPr defTabSz="877823">
+              <a:defRPr sz="1919"/>
+            </a:pPr>
+            <a:r>
+              <a:t>in Thingspeak Channel 135 (long-running, open data)</a:t>
+            </a:r>
+          </a:p>
+        </p:txBody>
+      </p:sp>
+      <p:pic>
+        <p:nvPicPr>
+          <p:cNvPr id="161" name="Picture Placeholder 2" descr="Picture Placeholder 2"/>
+          <p:cNvPicPr>
+            <a:picLocks noChangeAspect="1"/>
+          </p:cNvPicPr>
+          <p:nvPr>
+            <p:ph type="pic" idx="13"/>
+          </p:nvPr>
+        </p:nvPicPr>
+        <p:blipFill>
+          <a:blip r:embed="rId3">
+            <a:extLst/>
+          </a:blip>
+          <a:srcRect l="0" t="174" r="0" b="174"/>
+          <a:stretch>
+            <a:fillRect/>
+          </a:stretch>
+        </p:blipFill>
+        <p:spPr>
+          <a:xfrm>
+            <a:off x="1076023" y="1338733"/>
+            <a:ext cx="6918797" cy="2835198"/>
+          </a:xfrm>
+          <a:prstGeom prst="rect">
+            <a:avLst/>
+          </a:prstGeom>
+        </p:spPr>
+      </p:pic>
+      <p:sp>
+        <p:nvSpPr>
+          <p:cNvPr id="162" name="http://community.thingspeak.com/forum/announcements/thingspeak-live-chart-multi-channel-second-axis-historical-data-csv-export/"/>
+          <p:cNvSpPr txBox="1"/>
+          <p:nvPr>
+            <p:ph type="body" sz="quarter" idx="1"/>
+          </p:nvPr>
+        </p:nvSpPr>
+        <p:spPr>
+          <a:xfrm>
+            <a:off x="1792288" y="5761037"/>
+            <a:ext cx="5486401" cy="804863"/>
+          </a:xfrm>
+          <a:prstGeom prst="rect">
+            <a:avLst/>
+          </a:prstGeom>
+        </p:spPr>
+        <p:txBody>
+          <a:bodyPr/>
+          <a:lstStyle/>
+          <a:p>
+            <a:pPr/>
+            <a:r>
+              <a:t>http://community.thingspeak.com/forum/announcements/thingspeak-live-chart-multi-channel-second-axis-historical-data-csv-export/</a:t>
+            </a:r>
+          </a:p>
+        </p:txBody>
+      </p:sp>
+    </p:spTree>
+  </p:cSld>
+  <p:clrMapOvr>
+    <a:masterClrMapping/>
+  </p:clrMapOvr>
+  <p:transition xmlns:p14="http://schemas.microsoft.com/office/powerpoint/2010/main" spd="med" advClick="1"/>
+</p:sld>
+</file>
+
+<file path=ppt/slides/slide12.xml><?xml version="1.0" encoding="utf-8"?>
+<p:sld xmlns:a="http://schemas.openxmlformats.org/drawingml/2006/main" xmlns:r="http://schemas.openxmlformats.org/officeDocument/2006/relationships" xmlns:p="http://schemas.openxmlformats.org/presentationml/2006/main" showMasterSp="1" showMasterPhAnim="1">
+  <p:cSld>
+    <p:spTree>
+      <p:nvGrpSpPr>
+        <p:cNvPr id="1" name=""/>
+        <p:cNvGrpSpPr/>
+        <p:nvPr/>
+      </p:nvGrpSpPr>
+      <p:grpSpPr>
+        <a:xfrm>
+          <a:off x="0" y="0"/>
+          <a:ext cx="0" cy="0"/>
+          <a:chOff x="0" y="0"/>
+          <a:chExt cx="0" cy="0"/>
+        </a:xfrm>
+      </p:grpSpPr>
+      <p:sp>
+        <p:nvSpPr>
+          <p:cNvPr id="166" name="Open the datafile with Pandas"/>
+          <p:cNvSpPr txBox="1"/>
+          <p:nvPr>
+            <p:ph type="title"/>
+          </p:nvPr>
+        </p:nvSpPr>
+        <p:spPr>
+          <a:prstGeom prst="rect">
+            <a:avLst/>
+          </a:prstGeom>
+        </p:spPr>
+        <p:txBody>
+          <a:bodyPr/>
+          <a:lstStyle/>
+          <a:p>
+            <a:pPr/>
+            <a:r>
+              <a:t>Open the datafile with Pandas</a:t>
+            </a:r>
+          </a:p>
+        </p:txBody>
+      </p:sp>
+      <p:sp>
+        <p:nvSpPr>
+          <p:cNvPr id="167" name="import pandas as pd…"/>
           <p:cNvSpPr txBox="1"/>
           <p:nvPr/>
         </p:nvSpPr>
         <p:spPr>
           <a:xfrm>
-            <a:off x="1589262" y="2964180"/>
-            <a:ext cx="5965476" cy="929640"/>
+            <a:off x="1544061" y="1275080"/>
+            <a:ext cx="6055877" cy="4917440"/>
           </a:xfrm>
           <a:prstGeom prst="rect">
             <a:avLst/>
@@ -4361,6 +4939,413 @@
           </a:bodyPr>
           <a:lstStyle/>
           <a:p>
+            <a:pPr>
+              <a:defRPr sz="1600"/>
+            </a:pPr>
+            <a:r>
+              <a:t>import pandas as pd</a:t>
+            </a:r>
+          </a:p>
+          <a:p>
+            <a:pPr>
+              <a:defRPr sz="1600"/>
+            </a:pPr>
+            <a:r>
+              <a:t>import numpy as np</a:t>
+            </a:r>
+          </a:p>
+          <a:p>
+            <a:pPr>
+              <a:defRPr sz="1600"/>
+            </a:pPr>
+            <a:r>
+              <a:t>from fbprophet import Prophet</a:t>
+            </a:r>
+          </a:p>
+          <a:p>
+            <a:pPr>
+              <a:defRPr sz="1600"/>
+            </a:pPr>
+            <a:r>
+              <a:t>from datetime import datetime</a:t>
+            </a:r>
+          </a:p>
+          <a:p>
+            <a:pPr>
+              <a:defRPr sz="1600"/>
+            </a:pPr>
+          </a:p>
+          <a:p>
+            <a:pPr>
+              <a:defRPr sz="1600"/>
+            </a:pPr>
+            <a:r>
+              <a:t># Get the Thingspeak temperature data set</a:t>
+            </a:r>
+          </a:p>
+          <a:p>
+            <a:pPr>
+              <a:defRPr sz="1600"/>
+            </a:pPr>
+            <a:r>
+              <a:t>total = pd.read_csv('temp.csv') </a:t>
+            </a:r>
+          </a:p>
+          <a:p>
+            <a:pPr>
+              <a:defRPr sz="1600"/>
+            </a:pPr>
+            <a:r>
+              <a:t>total.index = pd.DatetimeIndex(total['created_at'])</a:t>
+            </a:r>
+          </a:p>
+          <a:p>
+            <a:pPr>
+              <a:defRPr sz="1600"/>
+            </a:pPr>
+          </a:p>
+          <a:p>
+            <a:pPr>
+              <a:defRPr sz="1600"/>
+            </a:pPr>
+            <a:r>
+              <a:t># Just use two years </a:t>
+            </a:r>
+          </a:p>
+          <a:p>
+            <a:pPr>
+              <a:defRPr sz="1600"/>
+            </a:pPr>
+            <a:r>
+              <a:t>df=total[datetime(2014, 1, 1, 0, 0, 0):datetime(2016, 12, 31, 23, 59, 59)]</a:t>
+            </a:r>
+          </a:p>
+          <a:p>
+            <a:pPr>
+              <a:defRPr sz="1600"/>
+            </a:pPr>
+          </a:p>
+          <a:p>
+            <a:pPr>
+              <a:defRPr sz="1600"/>
+            </a:pPr>
+            <a:r>
+              <a:t># and use only data points at every hour</a:t>
+            </a:r>
+          </a:p>
+          <a:p>
+            <a:pPr>
+              <a:defRPr sz="1600"/>
+            </a:pPr>
+            <a:r>
+              <a:t>df=df.resample('H').median()</a:t>
+            </a:r>
+          </a:p>
+          <a:p>
+            <a:pPr>
+              <a:defRPr sz="1600"/>
+            </a:pPr>
+          </a:p>
+          <a:p>
+            <a:pPr>
+              <a:defRPr sz="1600"/>
+            </a:pPr>
+            <a:r>
+              <a:t># Prophet requires the independent variable called "ds"</a:t>
+            </a:r>
+          </a:p>
+          <a:p>
+            <a:pPr>
+              <a:defRPr sz="1600"/>
+            </a:pPr>
+            <a:r>
+              <a:t>df['ds'] = df.index</a:t>
+            </a:r>
+          </a:p>
+          <a:p>
+            <a:pPr>
+              <a:defRPr sz="1600"/>
+            </a:pPr>
+          </a:p>
+          <a:p>
+            <a:pPr>
+              <a:defRPr sz="1600"/>
+            </a:pPr>
+            <a:r>
+              <a:t># and the dependent variable called "y"</a:t>
+            </a:r>
+          </a:p>
+          <a:p>
+            <a:pPr>
+              <a:defRPr sz="1600"/>
+            </a:pPr>
+            <a:r>
+              <a:t>df['y'] = df['Temperature']</a:t>
+            </a:r>
+          </a:p>
+        </p:txBody>
+      </p:sp>
+    </p:spTree>
+  </p:cSld>
+  <p:clrMapOvr>
+    <a:masterClrMapping/>
+  </p:clrMapOvr>
+  <p:transition xmlns:p14="http://schemas.microsoft.com/office/powerpoint/2010/main" spd="med" advClick="1"/>
+</p:sld>
+</file>
+
+<file path=ppt/slides/slide13.xml><?xml version="1.0" encoding="utf-8"?>
+<p:sld xmlns:a="http://schemas.openxmlformats.org/drawingml/2006/main" xmlns:r="http://schemas.openxmlformats.org/officeDocument/2006/relationships" xmlns:p="http://schemas.openxmlformats.org/presentationml/2006/main" showMasterSp="1" showMasterPhAnim="1">
+  <p:cSld>
+    <p:spTree>
+      <p:nvGrpSpPr>
+        <p:cNvPr id="1" name=""/>
+        <p:cNvGrpSpPr/>
+        <p:nvPr/>
+      </p:nvGrpSpPr>
+      <p:grpSpPr>
+        <a:xfrm>
+          <a:off x="0" y="0"/>
+          <a:ext cx="0" cy="0"/>
+          <a:chOff x="0" y="0"/>
+          <a:chExt cx="0" cy="0"/>
+        </a:xfrm>
+      </p:grpSpPr>
+      <p:sp>
+        <p:nvSpPr>
+          <p:cNvPr id="171" name="First confirm the contents of data"/>
+          <p:cNvSpPr txBox="1"/>
+          <p:nvPr>
+            <p:ph type="title"/>
+          </p:nvPr>
+        </p:nvSpPr>
+        <p:spPr>
+          <a:prstGeom prst="rect">
+            <a:avLst/>
+          </a:prstGeom>
+        </p:spPr>
+        <p:txBody>
+          <a:bodyPr/>
+          <a:lstStyle/>
+          <a:p>
+            <a:pPr/>
+            <a:r>
+              <a:t>First confirm the contents of data</a:t>
+            </a:r>
+          </a:p>
+        </p:txBody>
+      </p:sp>
+      <p:sp>
+        <p:nvSpPr>
+          <p:cNvPr id="172" name="# Take a look at the data…"/>
+          <p:cNvSpPr txBox="1"/>
+          <p:nvPr/>
+        </p:nvSpPr>
+        <p:spPr>
+          <a:xfrm>
+            <a:off x="2942054" y="1910350"/>
+            <a:ext cx="3259892" cy="929641"/>
+          </a:xfrm>
+          <a:prstGeom prst="rect">
+            <a:avLst/>
+          </a:prstGeom>
+          <a:ln w="12700">
+            <a:miter lim="400000"/>
+          </a:ln>
+          <a:extLst>
+            <a:ext uri="{C572A759-6A51-4108-AA02-DFA0A04FC94B}">
+              <ma14:wrappingTextBoxFlag xmlns:ma14="http://schemas.microsoft.com/office/mac/drawingml/2011/main" val="1"/>
+            </a:ext>
+          </a:extLst>
+        </p:spPr>
+        <p:txBody>
+          <a:bodyPr wrap="none" lIns="45719" rIns="45719">
+            <a:spAutoFit/>
+          </a:bodyPr>
+          <a:lstStyle/>
+          <a:p>
+            <a:pPr/>
+            <a:r>
+              <a:t># Take a look at the data</a:t>
+            </a:r>
+          </a:p>
+          <a:p>
+            <a:pPr/>
+            <a:r>
+              <a:t>%matplotlib inline</a:t>
+            </a:r>
+          </a:p>
+          <a:p>
+            <a:pPr/>
+            <a:r>
+              <a:t>df["Temperature"].plot(grid=True)</a:t>
+            </a:r>
+          </a:p>
+        </p:txBody>
+      </p:sp>
+      <p:pic>
+        <p:nvPicPr>
+          <p:cNvPr id="173" name="Picture Placeholder 2" descr="Picture Placeholder 2"/>
+          <p:cNvPicPr>
+            <a:picLocks noChangeAspect="1"/>
+          </p:cNvPicPr>
+          <p:nvPr/>
+        </p:nvPicPr>
+        <p:blipFill>
+          <a:blip r:embed="rId3">
+            <a:extLst/>
+          </a:blip>
+          <a:srcRect l="13" t="3936" r="13" b="0"/>
+          <a:stretch>
+            <a:fillRect/>
+          </a:stretch>
+        </p:blipFill>
+        <p:spPr>
+          <a:xfrm>
+            <a:off x="2301541" y="3138350"/>
+            <a:ext cx="4540786" cy="3260655"/>
+          </a:xfrm>
+          <a:prstGeom prst="rect">
+            <a:avLst/>
+          </a:prstGeom>
+          <a:ln w="12700">
+            <a:miter lim="400000"/>
+          </a:ln>
+        </p:spPr>
+      </p:pic>
+    </p:spTree>
+  </p:cSld>
+  <p:clrMapOvr>
+    <a:masterClrMapping/>
+  </p:clrMapOvr>
+  <p:transition xmlns:p14="http://schemas.microsoft.com/office/powerpoint/2010/main" spd="med" advClick="1"/>
+</p:sld>
+</file>
+
+<file path=ppt/slides/slide14.xml><?xml version="1.0" encoding="utf-8"?>
+<p:sld xmlns:a="http://schemas.openxmlformats.org/drawingml/2006/main" xmlns:r="http://schemas.openxmlformats.org/officeDocument/2006/relationships" xmlns:p="http://schemas.openxmlformats.org/presentationml/2006/main" showMasterSp="1" showMasterPhAnim="1">
+  <p:cSld>
+    <p:spTree>
+      <p:nvGrpSpPr>
+        <p:cNvPr id="1" name=""/>
+        <p:cNvGrpSpPr/>
+        <p:nvPr/>
+      </p:nvGrpSpPr>
+      <p:grpSpPr>
+        <a:xfrm>
+          <a:off x="0" y="0"/>
+          <a:ext cx="0" cy="0"/>
+          <a:chOff x="0" y="0"/>
+          <a:chExt cx="0" cy="0"/>
+        </a:xfrm>
+      </p:grpSpPr>
+      <p:sp>
+        <p:nvSpPr>
+          <p:cNvPr id="177" name="Create and run a Prophet model"/>
+          <p:cNvSpPr txBox="1"/>
+          <p:nvPr>
+            <p:ph type="title"/>
+          </p:nvPr>
+        </p:nvSpPr>
+        <p:spPr>
+          <a:prstGeom prst="rect">
+            <a:avLst/>
+          </a:prstGeom>
+        </p:spPr>
+        <p:txBody>
+          <a:bodyPr/>
+          <a:lstStyle/>
+          <a:p>
+            <a:pPr/>
+            <a:r>
+              <a:t>Create and run a Prophet model</a:t>
+            </a:r>
+          </a:p>
+        </p:txBody>
+      </p:sp>
+      <p:sp>
+        <p:nvSpPr>
+          <p:cNvPr id="178" name="# Create a Prophet model, fit to the data…"/>
+          <p:cNvSpPr txBox="1"/>
+          <p:nvPr/>
+        </p:nvSpPr>
+        <p:spPr>
+          <a:xfrm>
+            <a:off x="1665665" y="1592309"/>
+            <a:ext cx="5812670" cy="1488441"/>
+          </a:xfrm>
+          <a:prstGeom prst="rect">
+            <a:avLst/>
+          </a:prstGeom>
+          <a:ln w="12700">
+            <a:miter lim="400000"/>
+          </a:ln>
+          <a:extLst>
+            <a:ext uri="{C572A759-6A51-4108-AA02-DFA0A04FC94B}">
+              <ma14:wrappingTextBoxFlag xmlns:ma14="http://schemas.microsoft.com/office/mac/drawingml/2011/main" val="1"/>
+            </a:ext>
+          </a:extLst>
+        </p:spPr>
+        <p:txBody>
+          <a:bodyPr lIns="45719" rIns="45719">
+            <a:spAutoFit/>
+          </a:bodyPr>
+          <a:lstStyle/>
+          <a:p>
+            <a:pPr/>
+            <a:r>
+              <a:t># Create a Prophet model, fit to the data</a:t>
+            </a:r>
+          </a:p>
+          <a:p>
+            <a:pPr/>
+            <a:r>
+              <a:t>model=Prophet(yearly_seasonality=True,\</a:t>
+            </a:r>
+          </a:p>
+          <a:p>
+            <a:pPr/>
+            <a:r>
+              <a:t>             weekly_seasonality=False,daily_seasonality=False )</a:t>
+            </a:r>
+          </a:p>
+          <a:p>
+            <a:pPr/>
+            <a:r>
+              <a:t>model.fit(df)</a:t>
+            </a:r>
+          </a:p>
+        </p:txBody>
+      </p:sp>
+      <p:sp>
+        <p:nvSpPr>
+          <p:cNvPr id="179" name="# Set the prediction period to 7 days = 7*24 houra…"/>
+          <p:cNvSpPr txBox="1"/>
+          <p:nvPr/>
+        </p:nvSpPr>
+        <p:spPr>
+          <a:xfrm>
+            <a:off x="1589262" y="2964180"/>
+            <a:ext cx="5965476" cy="929640"/>
+          </a:xfrm>
+          <a:prstGeom prst="rect">
+            <a:avLst/>
+          </a:prstGeom>
+          <a:ln w="12700">
+            <a:miter lim="400000"/>
+          </a:ln>
+          <a:extLst>
+            <a:ext uri="{C572A759-6A51-4108-AA02-DFA0A04FC94B}">
+              <ma14:wrappingTextBoxFlag xmlns:ma14="http://schemas.microsoft.com/office/mac/drawingml/2011/main" val="1"/>
+            </a:ext>
+          </a:extLst>
+        </p:spPr>
+        <p:txBody>
+          <a:bodyPr wrap="none" lIns="45719" rIns="45719">
+            <a:spAutoFit/>
+          </a:bodyPr>
+          <a:lstStyle/>
+          <a:p>
             <a:pPr/>
             <a:r>
               <a:t># Set the prediction period to 7 days = 7*24 houra</a:t>
@@ -4382,7 +5367,7 @@
       </p:sp>
       <p:graphicFrame>
         <p:nvGraphicFramePr>
-          <p:cNvPr id="164" name="Table 1"/>
+          <p:cNvPr id="180" name="Table 1"/>
           <p:cNvGraphicFramePr/>
           <p:nvPr/>
         </p:nvGraphicFramePr>
@@ -4746,7 +5731,7 @@
 </p:sld>
 </file>
 
-<file path=ppt/slides/slide11.xml><?xml version="1.0" encoding="utf-8"?>
+<file path=ppt/slides/slide15.xml><?xml version="1.0" encoding="utf-8"?>
 <p:sld xmlns:a="http://schemas.openxmlformats.org/drawingml/2006/main" xmlns:r="http://schemas.openxmlformats.org/officeDocument/2006/relationships" xmlns:p="http://schemas.openxmlformats.org/presentationml/2006/main" showMasterSp="1" showMasterPhAnim="1">
   <p:cSld>
     <p:spTree>
@@ -4765,7 +5750,7 @@
       </p:grpSpPr>
       <p:sp>
         <p:nvSpPr>
-          <p:cNvPr id="168" name="Let’s see a forecast!"/>
+          <p:cNvPr id="184" name="Let’s see a forecast!"/>
           <p:cNvSpPr txBox="1"/>
           <p:nvPr>
             <p:ph type="title"/>
@@ -4789,7 +5774,7 @@
       </p:sp>
       <p:sp>
         <p:nvSpPr>
-          <p:cNvPr id="169" name="forecast=model.predict(future)…"/>
+          <p:cNvPr id="185" name="forecast=model.predict(future)…"/>
           <p:cNvSpPr txBox="1"/>
           <p:nvPr/>
         </p:nvSpPr>
@@ -4831,7 +5816,7 @@
       </p:sp>
       <p:pic>
         <p:nvPicPr>
-          <p:cNvPr id="170" name="Image" descr="Image"/>
+          <p:cNvPr id="186" name="Image" descr="Image"/>
           <p:cNvPicPr>
             <a:picLocks noChangeAspect="1"/>
           </p:cNvPicPr>
@@ -4867,7 +5852,7 @@
 </p:sld>
 </file>
 
-<file path=ppt/slides/slide12.xml><?xml version="1.0" encoding="utf-8"?>
+<file path=ppt/slides/slide16.xml><?xml version="1.0" encoding="utf-8"?>
 <p:sld xmlns:a="http://schemas.openxmlformats.org/drawingml/2006/main" xmlns:r="http://schemas.openxmlformats.org/officeDocument/2006/relationships" xmlns:p="http://schemas.openxmlformats.org/presentationml/2006/main" showMasterSp="1" showMasterPhAnim="1">
   <p:cSld>
     <p:spTree>
@@ -4886,7 +5871,7 @@
       </p:grpSpPr>
       <p:sp>
         <p:nvSpPr>
-          <p:cNvPr id="174" name="Compare forecast and reality"/>
+          <p:cNvPr id="190" name="Compare forecast and reality"/>
           <p:cNvSpPr txBox="1"/>
           <p:nvPr>
             <p:ph type="title"/>
@@ -4910,7 +5895,7 @@
       </p:sp>
       <p:sp>
         <p:nvSpPr>
-          <p:cNvPr id="175" name="# Plot the actual measured temperature for the predicted week…"/>
+          <p:cNvPr id="191" name="# Plot the actual measured temperature for the predicted week…"/>
           <p:cNvSpPr txBox="1"/>
           <p:nvPr/>
         </p:nvSpPr>
@@ -4967,7 +5952,7 @@
       </p:sp>
       <p:pic>
         <p:nvPicPr>
-          <p:cNvPr id="176" name="Image" descr="Image"/>
+          <p:cNvPr id="192" name="Image" descr="Image"/>
           <p:cNvPicPr>
             <a:picLocks noChangeAspect="1"/>
           </p:cNvPicPr>
@@ -5003,7 +5988,7 @@
 </p:sld>
 </file>
 
-<file path=ppt/slides/slide13.xml><?xml version="1.0" encoding="utf-8"?>
+<file path=ppt/slides/slide17.xml><?xml version="1.0" encoding="utf-8"?>
 <p:sld xmlns:a="http://schemas.openxmlformats.org/drawingml/2006/main" xmlns:r="http://schemas.openxmlformats.org/officeDocument/2006/relationships" xmlns:p="http://schemas.openxmlformats.org/presentationml/2006/main" showMasterSp="1" showMasterPhAnim="1">
   <p:cSld>
     <p:spTree>
@@ -5022,7 +6007,7 @@
       </p:grpSpPr>
       <p:sp>
         <p:nvSpPr>
-          <p:cNvPr id="180" name="Compare forecast and reality"/>
+          <p:cNvPr id="196" name="Compare forecast and reality"/>
           <p:cNvSpPr txBox="1"/>
           <p:nvPr>
             <p:ph type="title"/>
@@ -5046,7 +6031,7 @@
       </p:sp>
       <p:sp>
         <p:nvSpPr>
-          <p:cNvPr id="181" name="# Plot the predicted temperature for that week…"/>
+          <p:cNvPr id="197" name="# Plot the predicted temperature for that week…"/>
           <p:cNvSpPr txBox="1"/>
           <p:nvPr/>
         </p:nvSpPr>
@@ -5091,7 +6076,7 @@
       </p:sp>
       <p:pic>
         <p:nvPicPr>
-          <p:cNvPr id="182" name="Image" descr="Image"/>
+          <p:cNvPr id="198" name="Image" descr="Image"/>
           <p:cNvPicPr>
             <a:picLocks noChangeAspect="1"/>
           </p:cNvPicPr>
@@ -5127,7 +6112,7 @@
 </p:sld>
 </file>
 
-<file path=ppt/slides/slide14.xml><?xml version="1.0" encoding="utf-8"?>
+<file path=ppt/slides/slide18.xml><?xml version="1.0" encoding="utf-8"?>
 <p:sld xmlns:a="http://schemas.openxmlformats.org/drawingml/2006/main" xmlns:r="http://schemas.openxmlformats.org/officeDocument/2006/relationships" xmlns:p="http://schemas.openxmlformats.org/presentationml/2006/main" showMasterSp="1" showMasterPhAnim="1">
   <p:cSld>
     <p:spTree>
@@ -5146,7 +6131,7 @@
       </p:grpSpPr>
       <p:sp>
         <p:nvSpPr>
-          <p:cNvPr id="186" name="Try now to predict 1 year"/>
+          <p:cNvPr id="202" name="Try now to predict 1 year"/>
           <p:cNvSpPr txBox="1"/>
           <p:nvPr>
             <p:ph type="title"/>
@@ -5170,7 +6155,7 @@
       </p:sp>
       <p:sp>
         <p:nvSpPr>
-          <p:cNvPr id="187" name="# Set the prediction period to 365 days = 1 year…"/>
+          <p:cNvPr id="203" name="# Set the prediction period to 365 days = 1 year…"/>
           <p:cNvSpPr txBox="1"/>
           <p:nvPr/>
         </p:nvSpPr>
@@ -5218,7 +6203,7 @@
       </p:sp>
       <p:graphicFrame>
         <p:nvGraphicFramePr>
-          <p:cNvPr id="188" name="Table"/>
+          <p:cNvPr id="204" name="Table"/>
           <p:cNvGraphicFramePr/>
           <p:nvPr/>
         </p:nvGraphicFramePr>
@@ -5561,7 +6546,7 @@
 </p:sld>
 </file>
 
-<file path=ppt/slides/slide15.xml><?xml version="1.0" encoding="utf-8"?>
+<file path=ppt/slides/slide19.xml><?xml version="1.0" encoding="utf-8"?>
 <p:sld xmlns:a="http://schemas.openxmlformats.org/drawingml/2006/main" xmlns:r="http://schemas.openxmlformats.org/officeDocument/2006/relationships" xmlns:p="http://schemas.openxmlformats.org/presentationml/2006/main" showMasterSp="1" showMasterPhAnim="1">
   <p:cSld>
     <p:spTree>
@@ -5580,7 +6565,7 @@
       </p:grpSpPr>
       <p:sp>
         <p:nvSpPr>
-          <p:cNvPr id="192" name="Result for 1 year"/>
+          <p:cNvPr id="208" name="Result for 1 year"/>
           <p:cNvSpPr txBox="1"/>
           <p:nvPr>
             <p:ph type="title"/>
@@ -5604,7 +6589,7 @@
       </p:sp>
       <p:sp>
         <p:nvSpPr>
-          <p:cNvPr id="193" name="forecast2=model.predict(future2)…"/>
+          <p:cNvPr id="209" name="forecast2=model.predict(future2)…"/>
           <p:cNvSpPr txBox="1"/>
           <p:nvPr/>
         </p:nvSpPr>
@@ -5646,7 +6631,7 @@
       </p:sp>
       <p:pic>
         <p:nvPicPr>
-          <p:cNvPr id="194" name="Image" descr="Image"/>
+          <p:cNvPr id="210" name="Image" descr="Image"/>
           <p:cNvPicPr>
             <a:picLocks noChangeAspect="1"/>
           </p:cNvPicPr>
@@ -5664,151 +6649,6 @@
           <a:xfrm>
             <a:off x="1506695" y="2470588"/>
             <a:ext cx="6130610" cy="3650813"/>
-          </a:xfrm>
-          <a:prstGeom prst="rect">
-            <a:avLst/>
-          </a:prstGeom>
-          <a:ln w="12700">
-            <a:miter lim="400000"/>
-          </a:ln>
-        </p:spPr>
-      </p:pic>
-    </p:spTree>
-  </p:cSld>
-  <p:clrMapOvr>
-    <a:masterClrMapping/>
-  </p:clrMapOvr>
-  <p:transition xmlns:p14="http://schemas.microsoft.com/office/powerpoint/2010/main" spd="med" advClick="1"/>
-</p:sld>
-</file>
-
-<file path=ppt/slides/slide16.xml><?xml version="1.0" encoding="utf-8"?>
-<p:sld xmlns:a="http://schemas.openxmlformats.org/drawingml/2006/main" xmlns:r="http://schemas.openxmlformats.org/officeDocument/2006/relationships" xmlns:p="http://schemas.openxmlformats.org/presentationml/2006/main" showMasterSp="1" showMasterPhAnim="1">
-  <p:cSld>
-    <p:spTree>
-      <p:nvGrpSpPr>
-        <p:cNvPr id="1" name=""/>
-        <p:cNvGrpSpPr/>
-        <p:nvPr/>
-      </p:nvGrpSpPr>
-      <p:grpSpPr>
-        <a:xfrm>
-          <a:off x="0" y="0"/>
-          <a:ext cx="0" cy="0"/>
-          <a:chOff x="0" y="0"/>
-          <a:chExt cx="0" cy="0"/>
-        </a:xfrm>
-      </p:grpSpPr>
-      <p:sp>
-        <p:nvSpPr>
-          <p:cNvPr id="198" name="Compare with reality"/>
-          <p:cNvSpPr txBox="1"/>
-          <p:nvPr>
-            <p:ph type="title"/>
-          </p:nvPr>
-        </p:nvSpPr>
-        <p:spPr>
-          <a:prstGeom prst="rect">
-            <a:avLst/>
-          </a:prstGeom>
-        </p:spPr>
-        <p:txBody>
-          <a:bodyPr/>
-          <a:lstStyle/>
-          <a:p>
-            <a:pPr/>
-            <a:r>
-              <a:t>Compare with reality</a:t>
-            </a:r>
-          </a:p>
-        </p:txBody>
-      </p:sp>
-      <p:sp>
-        <p:nvSpPr>
-          <p:cNvPr id="199" name="# Add 2017 to the sample…"/>
-          <p:cNvSpPr txBox="1"/>
-          <p:nvPr/>
-        </p:nvSpPr>
-        <p:spPr>
-          <a:xfrm>
-            <a:off x="1114147" y="1309126"/>
-            <a:ext cx="6915706" cy="1767841"/>
-          </a:xfrm>
-          <a:prstGeom prst="rect">
-            <a:avLst/>
-          </a:prstGeom>
-          <a:ln w="12700">
-            <a:miter lim="400000"/>
-          </a:ln>
-          <a:extLst>
-            <a:ext uri="{C572A759-6A51-4108-AA02-DFA0A04FC94B}">
-              <ma14:wrappingTextBoxFlag xmlns:ma14="http://schemas.microsoft.com/office/mac/drawingml/2011/main" val="1"/>
-            </a:ext>
-          </a:extLst>
-        </p:spPr>
-        <p:txBody>
-          <a:bodyPr wrap="none" lIns="45719" rIns="45719">
-            <a:spAutoFit/>
-          </a:bodyPr>
-          <a:lstStyle/>
-          <a:p>
-            <a:pPr/>
-            <a:r>
-              <a:t># Add 2017 to the sample</a:t>
-            </a:r>
-          </a:p>
-          <a:p>
-            <a:pPr/>
-            <a:r>
-              <a:t>df2=total[datetime(2014, 1, 1, 0, 0, 0):datetime(2017, 12, 31, 23, 59, 59)]</a:t>
-            </a:r>
-          </a:p>
-          <a:p>
-            <a:pPr/>
-            <a:r>
-              <a:t># and use only data points at every day</a:t>
-            </a:r>
-          </a:p>
-          <a:p>
-            <a:pPr/>
-            <a:r>
-              <a:t>df2=df2.resample('D').median()</a:t>
-            </a:r>
-          </a:p>
-          <a:p>
-            <a:pPr/>
-            <a:r>
-              <a:t># and plot it</a:t>
-            </a:r>
-          </a:p>
-          <a:p>
-            <a:pPr/>
-            <a:r>
-              <a:t>df2.plot(grid=True)</a:t>
-            </a:r>
-          </a:p>
-        </p:txBody>
-      </p:sp>
-      <p:pic>
-        <p:nvPicPr>
-          <p:cNvPr id="200" name="Image" descr="Image"/>
-          <p:cNvPicPr>
-            <a:picLocks noChangeAspect="1"/>
-          </p:cNvPicPr>
-          <p:nvPr/>
-        </p:nvPicPr>
-        <p:blipFill>
-          <a:blip r:embed="rId3">
-            <a:extLst/>
-          </a:blip>
-          <a:stretch>
-            <a:fillRect/>
-          </a:stretch>
-        </p:blipFill>
-        <p:spPr>
-          <a:xfrm>
-            <a:off x="1625195" y="3062996"/>
-            <a:ext cx="5256854" cy="3752889"/>
           </a:xfrm>
           <a:prstGeom prst="rect">
             <a:avLst/>
@@ -5901,6 +6741,468 @@
 </p:sld>
 </file>
 
+<file path=ppt/slides/slide20.xml><?xml version="1.0" encoding="utf-8"?>
+<p:sld xmlns:a="http://schemas.openxmlformats.org/drawingml/2006/main" xmlns:r="http://schemas.openxmlformats.org/officeDocument/2006/relationships" xmlns:p="http://schemas.openxmlformats.org/presentationml/2006/main" showMasterSp="1" showMasterPhAnim="1">
+  <p:cSld>
+    <p:spTree>
+      <p:nvGrpSpPr>
+        <p:cNvPr id="1" name=""/>
+        <p:cNvGrpSpPr/>
+        <p:nvPr/>
+      </p:nvGrpSpPr>
+      <p:grpSpPr>
+        <a:xfrm>
+          <a:off x="0" y="0"/>
+          <a:ext cx="0" cy="0"/>
+          <a:chOff x="0" y="0"/>
+          <a:chExt cx="0" cy="0"/>
+        </a:xfrm>
+      </p:grpSpPr>
+      <p:sp>
+        <p:nvSpPr>
+          <p:cNvPr id="214" name="Compare with reality"/>
+          <p:cNvSpPr txBox="1"/>
+          <p:nvPr>
+            <p:ph type="title"/>
+          </p:nvPr>
+        </p:nvSpPr>
+        <p:spPr>
+          <a:prstGeom prst="rect">
+            <a:avLst/>
+          </a:prstGeom>
+        </p:spPr>
+        <p:txBody>
+          <a:bodyPr/>
+          <a:lstStyle/>
+          <a:p>
+            <a:pPr/>
+            <a:r>
+              <a:t>Compare with reality</a:t>
+            </a:r>
+          </a:p>
+        </p:txBody>
+      </p:sp>
+      <p:sp>
+        <p:nvSpPr>
+          <p:cNvPr id="215" name="# Add 2017 to the sample…"/>
+          <p:cNvSpPr txBox="1"/>
+          <p:nvPr/>
+        </p:nvSpPr>
+        <p:spPr>
+          <a:xfrm>
+            <a:off x="1114147" y="1309126"/>
+            <a:ext cx="6915706" cy="1767841"/>
+          </a:xfrm>
+          <a:prstGeom prst="rect">
+            <a:avLst/>
+          </a:prstGeom>
+          <a:ln w="12700">
+            <a:miter lim="400000"/>
+          </a:ln>
+          <a:extLst>
+            <a:ext uri="{C572A759-6A51-4108-AA02-DFA0A04FC94B}">
+              <ma14:wrappingTextBoxFlag xmlns:ma14="http://schemas.microsoft.com/office/mac/drawingml/2011/main" val="1"/>
+            </a:ext>
+          </a:extLst>
+        </p:spPr>
+        <p:txBody>
+          <a:bodyPr wrap="none" lIns="45719" rIns="45719">
+            <a:spAutoFit/>
+          </a:bodyPr>
+          <a:lstStyle/>
+          <a:p>
+            <a:pPr/>
+            <a:r>
+              <a:t># Add 2017 to the sample</a:t>
+            </a:r>
+          </a:p>
+          <a:p>
+            <a:pPr/>
+            <a:r>
+              <a:t>df2=total[datetime(2014, 1, 1, 0, 0, 0):datetime(2017, 12, 31, 23, 59, 59)]</a:t>
+            </a:r>
+          </a:p>
+          <a:p>
+            <a:pPr/>
+            <a:r>
+              <a:t># and use only data points at every day</a:t>
+            </a:r>
+          </a:p>
+          <a:p>
+            <a:pPr/>
+            <a:r>
+              <a:t>df2=df2.resample('D').median()</a:t>
+            </a:r>
+          </a:p>
+          <a:p>
+            <a:pPr/>
+            <a:r>
+              <a:t># and plot it</a:t>
+            </a:r>
+          </a:p>
+          <a:p>
+            <a:pPr/>
+            <a:r>
+              <a:t>df2.plot(grid=True)</a:t>
+            </a:r>
+          </a:p>
+        </p:txBody>
+      </p:sp>
+      <p:pic>
+        <p:nvPicPr>
+          <p:cNvPr id="216" name="Image" descr="Image"/>
+          <p:cNvPicPr>
+            <a:picLocks noChangeAspect="1"/>
+          </p:cNvPicPr>
+          <p:nvPr/>
+        </p:nvPicPr>
+        <p:blipFill>
+          <a:blip r:embed="rId3">
+            <a:extLst/>
+          </a:blip>
+          <a:stretch>
+            <a:fillRect/>
+          </a:stretch>
+        </p:blipFill>
+        <p:spPr>
+          <a:xfrm>
+            <a:off x="1625195" y="3062996"/>
+            <a:ext cx="5256854" cy="3752889"/>
+          </a:xfrm>
+          <a:prstGeom prst="rect">
+            <a:avLst/>
+          </a:prstGeom>
+          <a:ln w="12700">
+            <a:miter lim="400000"/>
+          </a:ln>
+        </p:spPr>
+      </p:pic>
+    </p:spTree>
+  </p:cSld>
+  <p:clrMapOvr>
+    <a:masterClrMapping/>
+  </p:clrMapOvr>
+  <p:transition xmlns:p14="http://schemas.microsoft.com/office/powerpoint/2010/main" spd="med" advClick="1"/>
+</p:sld>
+</file>
+
+<file path=ppt/slides/slide21.xml><?xml version="1.0" encoding="utf-8"?>
+<p:sld xmlns:a="http://schemas.openxmlformats.org/drawingml/2006/main" xmlns:r="http://schemas.openxmlformats.org/officeDocument/2006/relationships" xmlns:p="http://schemas.openxmlformats.org/presentationml/2006/main" showMasterSp="1" showMasterPhAnim="1">
+  <p:cSld>
+    <p:spTree>
+      <p:nvGrpSpPr>
+        <p:cNvPr id="1" name=""/>
+        <p:cNvGrpSpPr/>
+        <p:nvPr/>
+      </p:nvGrpSpPr>
+      <p:grpSpPr>
+        <a:xfrm>
+          <a:off x="0" y="0"/>
+          <a:ext cx="0" cy="0"/>
+          <a:chOff x="0" y="0"/>
+          <a:chExt cx="0" cy="0"/>
+        </a:xfrm>
+      </p:grpSpPr>
+      <p:sp>
+        <p:nvSpPr>
+          <p:cNvPr id="220" name="Compare the predicted year only"/>
+          <p:cNvSpPr txBox="1"/>
+          <p:nvPr>
+            <p:ph type="title"/>
+          </p:nvPr>
+        </p:nvSpPr>
+        <p:spPr>
+          <a:prstGeom prst="rect">
+            <a:avLst/>
+          </a:prstGeom>
+        </p:spPr>
+        <p:txBody>
+          <a:bodyPr/>
+          <a:lstStyle/>
+          <a:p>
+            <a:pPr/>
+            <a:r>
+              <a:t>Compare the predicted year only</a:t>
+            </a:r>
+          </a:p>
+        </p:txBody>
+      </p:sp>
+      <p:sp>
+        <p:nvSpPr>
+          <p:cNvPr id="221" name="pl.plot(np.arange(365),df2[‘Temperature’].values[-365:],'b-',\…"/>
+          <p:cNvSpPr txBox="1"/>
+          <p:nvPr/>
+        </p:nvSpPr>
+        <p:spPr>
+          <a:xfrm>
+            <a:off x="1668345" y="1622303"/>
+            <a:ext cx="5807309" cy="650241"/>
+          </a:xfrm>
+          <a:prstGeom prst="rect">
+            <a:avLst/>
+          </a:prstGeom>
+          <a:ln w="12700">
+            <a:miter lim="400000"/>
+          </a:ln>
+          <a:extLst>
+            <a:ext uri="{C572A759-6A51-4108-AA02-DFA0A04FC94B}">
+              <ma14:wrappingTextBoxFlag xmlns:ma14="http://schemas.microsoft.com/office/mac/drawingml/2011/main" val="1"/>
+            </a:ext>
+          </a:extLst>
+        </p:spPr>
+        <p:txBody>
+          <a:bodyPr wrap="none" lIns="45719" rIns="45719">
+            <a:spAutoFit/>
+          </a:bodyPr>
+          <a:lstStyle/>
+          <a:p>
+            <a:pPr/>
+            <a:r>
+              <a:t>pl.plot(np.arange(365),df2[‘Temperature’].values[-365:],'b-',\</a:t>
+            </a:r>
+          </a:p>
+          <a:p>
+            <a:pPr/>
+            <a:r>
+              <a:t>   forecast2.yhat.values[-365:],'r.')</a:t>
+            </a:r>
+          </a:p>
+        </p:txBody>
+      </p:sp>
+      <p:pic>
+        <p:nvPicPr>
+          <p:cNvPr id="222" name="Image" descr="Image"/>
+          <p:cNvPicPr>
+            <a:picLocks noChangeAspect="1"/>
+          </p:cNvPicPr>
+          <p:nvPr/>
+        </p:nvPicPr>
+        <p:blipFill>
+          <a:blip r:embed="rId3">
+            <a:extLst/>
+          </a:blip>
+          <a:stretch>
+            <a:fillRect/>
+          </a:stretch>
+        </p:blipFill>
+        <p:spPr>
+          <a:xfrm>
+            <a:off x="2197100" y="2477208"/>
+            <a:ext cx="4749801" cy="3200401"/>
+          </a:xfrm>
+          <a:prstGeom prst="rect">
+            <a:avLst/>
+          </a:prstGeom>
+          <a:ln w="12700">
+            <a:miter lim="400000"/>
+          </a:ln>
+        </p:spPr>
+      </p:pic>
+    </p:spTree>
+  </p:cSld>
+  <p:clrMapOvr>
+    <a:masterClrMapping/>
+  </p:clrMapOvr>
+  <p:transition xmlns:p14="http://schemas.microsoft.com/office/powerpoint/2010/main" spd="med" advClick="1"/>
+</p:sld>
+</file>
+
+<file path=ppt/slides/slide22.xml><?xml version="1.0" encoding="utf-8"?>
+<p:sld xmlns:a="http://schemas.openxmlformats.org/drawingml/2006/main" xmlns:r="http://schemas.openxmlformats.org/officeDocument/2006/relationships" xmlns:p="http://schemas.openxmlformats.org/presentationml/2006/main" showMasterSp="1" showMasterPhAnim="1">
+  <p:cSld>
+    <p:spTree>
+      <p:nvGrpSpPr>
+        <p:cNvPr id="1" name=""/>
+        <p:cNvGrpSpPr/>
+        <p:nvPr/>
+      </p:nvGrpSpPr>
+      <p:grpSpPr>
+        <a:xfrm>
+          <a:off x="0" y="0"/>
+          <a:ext cx="0" cy="0"/>
+          <a:chOff x="0" y="0"/>
+          <a:chExt cx="0" cy="0"/>
+        </a:xfrm>
+      </p:grpSpPr>
+      <p:sp>
+        <p:nvSpPr>
+          <p:cNvPr id="226" name="Assignment"/>
+          <p:cNvSpPr txBox="1"/>
+          <p:nvPr>
+            <p:ph type="title"/>
+          </p:nvPr>
+        </p:nvSpPr>
+        <p:spPr>
+          <a:prstGeom prst="rect">
+            <a:avLst/>
+          </a:prstGeom>
+        </p:spPr>
+        <p:txBody>
+          <a:bodyPr/>
+          <a:lstStyle/>
+          <a:p>
+            <a:pPr/>
+            <a:r>
+              <a:t>Assignment</a:t>
+            </a:r>
+          </a:p>
+        </p:txBody>
+      </p:sp>
+      <p:sp>
+        <p:nvSpPr>
+          <p:cNvPr id="227" name="Find a temporal sensory dataset…"/>
+          <p:cNvSpPr txBox="1"/>
+          <p:nvPr>
+            <p:ph type="body" idx="1"/>
+          </p:nvPr>
+        </p:nvSpPr>
+        <p:spPr>
+          <a:prstGeom prst="rect">
+            <a:avLst/>
+          </a:prstGeom>
+        </p:spPr>
+        <p:txBody>
+          <a:bodyPr/>
+          <a:lstStyle/>
+          <a:p>
+            <a:pPr/>
+            <a:r>
+              <a:t>Find a temporal sensory dataset</a:t>
+            </a:r>
+          </a:p>
+          <a:p>
+            <a:pPr/>
+            <a:r>
+              <a:t>Select one or more channels </a:t>
+            </a:r>
+          </a:p>
+          <a:p>
+            <a:pPr/>
+            <a:r>
+              <a:t>Choose a “training” and a “test” period</a:t>
+            </a:r>
+          </a:p>
+          <a:p>
+            <a:pPr/>
+            <a:r>
+              <a:t>Apply Prophet prediction over a short, medium, and long period</a:t>
+            </a:r>
+          </a:p>
+          <a:p>
+            <a:pPr/>
+            <a:r>
+              <a:t>Analyze the performance</a:t>
+            </a:r>
+          </a:p>
+          <a:p>
+            <a:pPr/>
+            <a:r>
+              <a:t>Discuss real-world applications</a:t>
+            </a:r>
+          </a:p>
+        </p:txBody>
+      </p:sp>
+    </p:spTree>
+  </p:cSld>
+  <p:clrMapOvr>
+    <a:masterClrMapping/>
+  </p:clrMapOvr>
+  <p:transition xmlns:p14="http://schemas.microsoft.com/office/powerpoint/2010/main" spd="med" advClick="1"/>
+</p:sld>
+</file>
+
+<file path=ppt/slides/slide23.xml><?xml version="1.0" encoding="utf-8"?>
+<p:sld xmlns:a="http://schemas.openxmlformats.org/drawingml/2006/main" xmlns:r="http://schemas.openxmlformats.org/officeDocument/2006/relationships" xmlns:p="http://schemas.openxmlformats.org/presentationml/2006/main" showMasterSp="1" showMasterPhAnim="1">
+  <p:cSld>
+    <p:spTree>
+      <p:nvGrpSpPr>
+        <p:cNvPr id="1" name=""/>
+        <p:cNvGrpSpPr/>
+        <p:nvPr/>
+      </p:nvGrpSpPr>
+      <p:grpSpPr>
+        <a:xfrm>
+          <a:off x="0" y="0"/>
+          <a:ext cx="0" cy="0"/>
+          <a:chOff x="0" y="0"/>
+          <a:chExt cx="0" cy="0"/>
+        </a:xfrm>
+      </p:grpSpPr>
+      <p:sp>
+        <p:nvSpPr>
+          <p:cNvPr id="229" name="Summary of the lecture"/>
+          <p:cNvSpPr txBox="1"/>
+          <p:nvPr>
+            <p:ph type="title"/>
+          </p:nvPr>
+        </p:nvSpPr>
+        <p:spPr>
+          <a:prstGeom prst="rect">
+            <a:avLst/>
+          </a:prstGeom>
+        </p:spPr>
+        <p:txBody>
+          <a:bodyPr/>
+          <a:lstStyle/>
+          <a:p>
+            <a:pPr/>
+            <a:r>
+              <a:t>Summary of the lecture</a:t>
+            </a:r>
+          </a:p>
+        </p:txBody>
+      </p:sp>
+      <p:sp>
+        <p:nvSpPr>
+          <p:cNvPr id="230" name="We have learned about using Python libraries for working with temporal data, for tasks like cleaning it and for fitting mathematical models (ARIMA) to the data for extracting descriptive parameters, and for simple prediction.…"/>
+          <p:cNvSpPr txBox="1"/>
+          <p:nvPr>
+            <p:ph type="body" idx="1"/>
+          </p:nvPr>
+        </p:nvSpPr>
+        <p:spPr>
+          <a:xfrm>
+            <a:off x="457200" y="1600200"/>
+            <a:ext cx="8229600" cy="4827758"/>
+          </a:xfrm>
+          <a:prstGeom prst="rect">
+            <a:avLst/>
+          </a:prstGeom>
+        </p:spPr>
+        <p:txBody>
+          <a:bodyPr/>
+          <a:lstStyle/>
+          <a:p>
+            <a:pPr marL="0" indent="0">
+              <a:buSzTx/>
+              <a:buFontTx/>
+              <a:buNone/>
+            </a:pPr>
+            <a:r>
+              <a:t>We have learned about using Python libraries for working with temporal data, for tasks like cleaning it and for fitting mathematical models (ARIMA) to the data for extracting descriptive parameters, and for simple prediction.</a:t>
+            </a:r>
+          </a:p>
+          <a:p>
+            <a:pPr marL="0" indent="0">
+              <a:buSzTx/>
+              <a:buFontTx/>
+              <a:buNone/>
+            </a:pPr>
+            <a:r>
+              <a:t>We have also found out about the popular predictive AI system Prophet by Facebook, and we are now ready to explore its potential and limitations for IoT data.</a:t>
+            </a:r>
+          </a:p>
+        </p:txBody>
+      </p:sp>
+    </p:spTree>
+  </p:cSld>
+  <p:clrMapOvr>
+    <a:masterClrMapping/>
+  </p:clrMapOvr>
+  <p:transition xmlns:p14="http://schemas.microsoft.com/office/powerpoint/2010/main" spd="med" advClick="1"/>
+</p:sld>
+</file>
+
 <file path=ppt/slides/slide3.xml><?xml version="1.0" encoding="utf-8"?>
 <p:sld xmlns:a="http://schemas.openxmlformats.org/drawingml/2006/main" xmlns:r="http://schemas.openxmlformats.org/officeDocument/2006/relationships" xmlns:p="http://schemas.openxmlformats.org/presentationml/2006/main" showMasterSp="1" showMasterPhAnim="1">
   <p:cSld>
@@ -5920,7 +7222,7 @@
       </p:grpSpPr>
       <p:sp>
         <p:nvSpPr>
-          <p:cNvPr id="129" name="Lecture 4: Temporal predictive analysis"/>
+          <p:cNvPr id="129" name="Outline of the lecture"/>
           <p:cNvSpPr txBox="1"/>
           <p:nvPr>
             <p:ph type="title"/>
@@ -5933,28 +7235,28 @@
         </p:spPr>
         <p:txBody>
           <a:bodyPr/>
-          <a:lstStyle>
-            <a:lvl1pPr defTabSz="841247">
-              <a:defRPr sz="4048"/>
-            </a:lvl1pPr>
-          </a:lstStyle>
-          <a:p>
-            <a:pPr/>
-            <a:r>
-              <a:t>Lecture 4: Temporal predictive analysis</a:t>
-            </a:r>
-          </a:p>
-        </p:txBody>
-      </p:sp>
-      <p:sp>
-        <p:nvSpPr>
-          <p:cNvPr id="130" name="Pulling statistics out of BD…"/>
+          <a:lstStyle/>
+          <a:p>
+            <a:pPr/>
+            <a:r>
+              <a:t>Outline of the lecture</a:t>
+            </a:r>
+          </a:p>
+        </p:txBody>
+      </p:sp>
+      <p:sp>
+        <p:nvSpPr>
+          <p:cNvPr id="130" name="IoT data very often has an important temporal component. In such cases, we want to understand how the observed processes or events evolve, and we might also want to predict the future from historical data.…"/>
           <p:cNvSpPr txBox="1"/>
           <p:nvPr>
             <p:ph type="body" idx="1"/>
           </p:nvPr>
         </p:nvSpPr>
         <p:spPr>
+          <a:xfrm>
+            <a:off x="457200" y="1600200"/>
+            <a:ext cx="8229600" cy="4796452"/>
+          </a:xfrm>
           <a:prstGeom prst="rect">
             <a:avLst/>
           </a:prstGeom>
@@ -5963,39 +7265,23 @@
           <a:bodyPr/>
           <a:lstStyle/>
           <a:p>
-            <a:pPr/>
-            <a:r>
-              <a:t>Pulling statistics out of BD</a:t>
-            </a:r>
-          </a:p>
-          <a:p>
-            <a:pPr/>
-            <a:r>
-              <a:t>Statistical prediction</a:t>
-            </a:r>
-          </a:p>
-          <a:p>
-            <a:pPr/>
-            <a:r>
-              <a:t>Temporal data processing with Prophet</a:t>
-            </a:r>
-          </a:p>
-          <a:p>
-            <a:pPr/>
-            <a:r>
-              <a:t>Pulling surprises out of BD</a:t>
-            </a:r>
-          </a:p>
-          <a:p>
-            <a:pPr/>
-            <a:r>
-              <a:t>Clusters and anomalies</a:t>
-            </a:r>
-          </a:p>
-          <a:p>
-            <a:pPr/>
-            <a:r>
-              <a:t>Insight and decisions</a:t>
+            <a:pPr marL="0" indent="0">
+              <a:buSzTx/>
+              <a:buFontTx/>
+              <a:buNone/>
+            </a:pPr>
+            <a:r>
+              <a:t>IoT data very often has an important temporal component. In such cases, we want to understand how the observed processes or events evolve, and we might also want to predict the future from historical data.</a:t>
+            </a:r>
+          </a:p>
+          <a:p>
+            <a:pPr marL="0" indent="0">
+              <a:buSzTx/>
+              <a:buFontTx/>
+              <a:buNone/>
+            </a:pPr>
+            <a:r>
+              <a:t>We will learn about processing temporal data with mathematical models and with AI techniques.</a:t>
             </a:r>
           </a:p>
         </p:txBody>
@@ -6028,7 +7314,7 @@
       </p:grpSpPr>
       <p:sp>
         <p:nvSpPr>
-          <p:cNvPr id="132" name="Statistics for Big Data"/>
+          <p:cNvPr id="132" name="Lecture 4: Temporal predictive analysis"/>
           <p:cNvSpPr txBox="1"/>
           <p:nvPr>
             <p:ph type="title"/>
@@ -6041,18 +7327,22 @@
         </p:spPr>
         <p:txBody>
           <a:bodyPr/>
-          <a:lstStyle/>
-          <a:p>
-            <a:pPr/>
-            <a:r>
-              <a:t>Statistics for Big Data</a:t>
-            </a:r>
-          </a:p>
-        </p:txBody>
-      </p:sp>
-      <p:sp>
-        <p:nvSpPr>
-          <p:cNvPr id="133" name="Body"/>
+          <a:lstStyle>
+            <a:lvl1pPr defTabSz="841247">
+              <a:defRPr sz="4048"/>
+            </a:lvl1pPr>
+          </a:lstStyle>
+          <a:p>
+            <a:pPr/>
+            <a:r>
+              <a:t>Lecture 4: Temporal predictive analysis</a:t>
+            </a:r>
+          </a:p>
+        </p:txBody>
+      </p:sp>
+      <p:sp>
+        <p:nvSpPr>
+          <p:cNvPr id="133" name="Statistical prediction with ARIMA…"/>
           <p:cNvSpPr txBox="1"/>
           <p:nvPr>
             <p:ph type="body" idx="1"/>
@@ -6068,6 +7358,45 @@
           <a:lstStyle/>
           <a:p>
             <a:pPr/>
+            <a:r>
+              <a:t>Statistical prediction with ARIMA</a:t>
+            </a:r>
+          </a:p>
+          <a:p>
+            <a:pPr/>
+            <a:r>
+              <a:t>Example: short-term prediction</a:t>
+            </a:r>
+          </a:p>
+          <a:p>
+            <a:pPr/>
+            <a:r>
+              <a:t>Confidence intervals for prediction</a:t>
+            </a:r>
+          </a:p>
+          <a:p>
+            <a:pPr/>
+            <a:r>
+              <a:t>Temporal data processing with Prophet</a:t>
+            </a:r>
+          </a:p>
+          <a:p>
+            <a:pPr/>
+            <a:r>
+              <a:t>Concepts of Prophet</a:t>
+            </a:r>
+          </a:p>
+          <a:p>
+            <a:pPr/>
+            <a:r>
+              <a:t>Application to IoT data</a:t>
+            </a:r>
+          </a:p>
+          <a:p>
+            <a:pPr/>
+            <a:r>
+              <a:t>Example: long-term prediction</a:t>
+            </a:r>
           </a:p>
         </p:txBody>
       </p:sp>
@@ -6099,7 +7428,7 @@
       </p:grpSpPr>
       <p:sp>
         <p:nvSpPr>
-          <p:cNvPr id="135" name="Regression for Big Data"/>
+          <p:cNvPr id="135" name="Temporal Prediction with ARIMA"/>
           <p:cNvSpPr txBox="1"/>
           <p:nvPr>
             <p:ph type="title"/>
@@ -6116,32 +7445,110 @@
           <a:p>
             <a:pPr/>
             <a:r>
-              <a:t>Regression for Big Data</a:t>
-            </a:r>
-          </a:p>
-        </p:txBody>
-      </p:sp>
-      <p:sp>
-        <p:nvSpPr>
-          <p:cNvPr id="136" name="ANOVA comes here…"/>
+              <a:t>Temporal Prediction with ARIMA</a:t>
+            </a:r>
+          </a:p>
+        </p:txBody>
+      </p:sp>
+      <p:sp>
+        <p:nvSpPr>
+          <p:cNvPr id="136" name="# http://www.pyflux.com…"/>
           <p:cNvSpPr txBox="1"/>
-          <p:nvPr>
-            <p:ph type="body" idx="1"/>
-          </p:nvPr>
-        </p:nvSpPr>
-        <p:spPr>
-          <a:prstGeom prst="rect">
-            <a:avLst/>
-          </a:prstGeom>
-        </p:spPr>
-        <p:txBody>
-          <a:bodyPr/>
+          <p:nvPr/>
+        </p:nvSpPr>
+        <p:spPr>
+          <a:xfrm>
+            <a:off x="2187272" y="1427480"/>
+            <a:ext cx="4769456" cy="4003040"/>
+          </a:xfrm>
+          <a:prstGeom prst="rect">
+            <a:avLst/>
+          </a:prstGeom>
+          <a:ln w="12700">
+            <a:miter lim="400000"/>
+          </a:ln>
+          <a:extLst>
+            <a:ext uri="{C572A759-6A51-4108-AA02-DFA0A04FC94B}">
+              <ma14:wrappingTextBoxFlag xmlns:ma14="http://schemas.microsoft.com/office/mac/drawingml/2011/main" val="1"/>
+            </a:ext>
+          </a:extLst>
+        </p:spPr>
+        <p:txBody>
+          <a:bodyPr wrap="none" lIns="45719" rIns="45719">
+            <a:spAutoFit/>
+          </a:bodyPr>
           <a:lstStyle/>
           <a:p>
             <a:pPr/>
             <a:r>
-              <a:t>ANOVA comes here…</a:t>
-            </a:r>
+              <a:t># http://www.pyflux.com</a:t>
+            </a:r>
+          </a:p>
+          <a:p>
+            <a:pPr/>
+            <a:r>
+              <a:t>from pandas import read_csv</a:t>
+            </a:r>
+          </a:p>
+          <a:p>
+            <a:pPr/>
+            <a:r>
+              <a:t>from pandas import datetime</a:t>
+            </a:r>
+          </a:p>
+          <a:p>
+            <a:pPr/>
+            <a:r>
+              <a:t>from pandas import DataFrame</a:t>
+            </a:r>
+          </a:p>
+          <a:p>
+            <a:pPr/>
+            <a:r>
+              <a:t>from statsmodels.tsa.arima_model import ARIMA</a:t>
+            </a:r>
+          </a:p>
+          <a:p>
+            <a:pPr/>
+          </a:p>
+          <a:p>
+            <a:pPr/>
+            <a:r>
+              <a:t>import numpy as np</a:t>
+            </a:r>
+          </a:p>
+          <a:p>
+            <a:pPr/>
+            <a:r>
+              <a:t>import pandas as pd</a:t>
+            </a:r>
+          </a:p>
+          <a:p>
+            <a:pPr/>
+            <a:r>
+              <a:t>import pyflux as pf</a:t>
+            </a:r>
+          </a:p>
+          <a:p>
+            <a:pPr/>
+            <a:r>
+              <a:t>from datetime import datetime</a:t>
+            </a:r>
+          </a:p>
+          <a:p>
+            <a:pPr/>
+            <a:r>
+              <a:t>import matplotlib.pyplot as plt</a:t>
+            </a:r>
+          </a:p>
+          <a:p>
+            <a:pPr/>
+            <a:r>
+              <a:t>%matplotlib inline </a:t>
+            </a:r>
+          </a:p>
+          <a:p>
+            <a:pPr/>
           </a:p>
         </p:txBody>
       </p:sp>
@@ -6173,17 +7580,13 @@
       </p:grpSpPr>
       <p:sp>
         <p:nvSpPr>
-          <p:cNvPr id="138" name="Example of temporal IoT data: temperature…"/>
+          <p:cNvPr id="138" name="Temporal Prediction with ARIMA"/>
           <p:cNvSpPr txBox="1"/>
           <p:nvPr>
             <p:ph type="title"/>
           </p:nvPr>
         </p:nvSpPr>
         <p:spPr>
-          <a:xfrm>
-            <a:off x="1792288" y="4800600"/>
-            <a:ext cx="5486401" cy="804863"/>
-          </a:xfrm>
           <a:prstGeom prst="rect">
             <a:avLst/>
           </a:prstGeom>
@@ -6194,74 +7597,115 @@
           <a:p>
             <a:pPr/>
             <a:r>
-              <a:t>Example of temporal IoT data: temperature</a:t>
-            </a:r>
-          </a:p>
-          <a:p>
-            <a:pPr/>
-            <a:r>
-              <a:t>Thingspeak Channel 135 (long-running, open data)</a:t>
+              <a:t>Temporal Prediction with ARIMA</a:t>
+            </a:r>
+          </a:p>
+        </p:txBody>
+      </p:sp>
+      <p:sp>
+        <p:nvSpPr>
+          <p:cNvPr id="139" name="# Get the ICTP temperature dataset…"/>
+          <p:cNvSpPr txBox="1"/>
+          <p:nvPr/>
+        </p:nvSpPr>
+        <p:spPr>
+          <a:xfrm>
+            <a:off x="2152502" y="1406403"/>
+            <a:ext cx="4838996" cy="2326641"/>
+          </a:xfrm>
+          <a:prstGeom prst="rect">
+            <a:avLst/>
+          </a:prstGeom>
+          <a:ln w="12700">
+            <a:miter lim="400000"/>
+          </a:ln>
+          <a:extLst>
+            <a:ext uri="{C572A759-6A51-4108-AA02-DFA0A04FC94B}">
+              <ma14:wrappingTextBoxFlag xmlns:ma14="http://schemas.microsoft.com/office/mac/drawingml/2011/main" val="1"/>
+            </a:ext>
+          </a:extLst>
+        </p:spPr>
+        <p:txBody>
+          <a:bodyPr wrap="none" lIns="45719" rIns="45719">
+            <a:spAutoFit/>
+          </a:bodyPr>
+          <a:lstStyle/>
+          <a:p>
+            <a:pPr/>
+            <a:r>
+              <a:t># Get the ICTP temperature dataset</a:t>
+            </a:r>
+          </a:p>
+          <a:p>
+            <a:pPr/>
+            <a:r>
+              <a:t>total = read_csv('TS_60917.csv') </a:t>
+            </a:r>
+          </a:p>
+          <a:p>
+            <a:pPr/>
+            <a:r>
+              <a:t>total.index = pd.DatetimeIndex(total['created_at'])</a:t>
+            </a:r>
+          </a:p>
+          <a:p>
+            <a:pPr/>
+          </a:p>
+          <a:p>
+            <a:pPr/>
+            <a:r>
+              <a:t>plt.figure(figsize=(15,5))</a:t>
+            </a:r>
+          </a:p>
+          <a:p>
+            <a:pPr/>
+            <a:r>
+              <a:t>plt.plot(total.index,total['Temperature'])</a:t>
+            </a:r>
+          </a:p>
+          <a:p>
+            <a:pPr/>
+            <a:r>
+              <a:t>plt.ylabel('Temperature')</a:t>
+            </a:r>
+          </a:p>
+          <a:p>
+            <a:pPr/>
+            <a:r>
+              <a:t>plt.title('Temperature at ICTP');</a:t>
             </a:r>
           </a:p>
         </p:txBody>
       </p:sp>
       <p:pic>
         <p:nvPicPr>
-          <p:cNvPr id="139" name="Picture Placeholder 2" descr="Picture Placeholder 2"/>
+          <p:cNvPr id="140" name="Image" descr="Image"/>
           <p:cNvPicPr>
             <a:picLocks noChangeAspect="1"/>
           </p:cNvPicPr>
-          <p:nvPr>
-            <p:ph type="pic" idx="13"/>
-          </p:nvPr>
+          <p:nvPr/>
         </p:nvPicPr>
         <p:blipFill>
-          <a:blip r:embed="rId3">
+          <a:blip r:embed="rId2">
             <a:extLst/>
           </a:blip>
-          <a:srcRect l="0" t="174" r="0" b="174"/>
           <a:stretch>
             <a:fillRect/>
           </a:stretch>
         </p:blipFill>
         <p:spPr>
           <a:xfrm>
-            <a:off x="1076023" y="1338733"/>
-            <a:ext cx="6918797" cy="2835198"/>
+            <a:off x="0" y="3697770"/>
+            <a:ext cx="9144001" cy="3191397"/>
           </a:xfrm>
           <a:prstGeom prst="rect">
             <a:avLst/>
           </a:prstGeom>
+          <a:ln w="12700">
+            <a:miter lim="400000"/>
+          </a:ln>
         </p:spPr>
       </p:pic>
-      <p:sp>
-        <p:nvSpPr>
-          <p:cNvPr id="140" name="http://community.thingspeak.com/forum/announcements/thingspeak-live-chart-multi-channel-second-axis-historical-data-csv-export/"/>
-          <p:cNvSpPr txBox="1"/>
-          <p:nvPr>
-            <p:ph type="body" sz="quarter" idx="1"/>
-          </p:nvPr>
-        </p:nvSpPr>
-        <p:spPr>
-          <a:xfrm>
-            <a:off x="1792288" y="5761037"/>
-            <a:ext cx="5486401" cy="804863"/>
-          </a:xfrm>
-          <a:prstGeom prst="rect">
-            <a:avLst/>
-          </a:prstGeom>
-        </p:spPr>
-        <p:txBody>
-          <a:bodyPr/>
-          <a:lstStyle/>
-          <a:p>
-            <a:pPr/>
-            <a:r>
-              <a:t>http://community.thingspeak.com/forum/announcements/thingspeak-live-chart-multi-channel-second-axis-historical-data-csv-export/</a:t>
-            </a:r>
-          </a:p>
-        </p:txBody>
-      </p:sp>
     </p:spTree>
   </p:cSld>
   <p:clrMapOvr>
@@ -6290,7 +7734,7 @@
       </p:grpSpPr>
       <p:sp>
         <p:nvSpPr>
-          <p:cNvPr id="144" name="Prophet"/>
+          <p:cNvPr id="142" name="Temporal Prediction with ARIMA"/>
           <p:cNvSpPr txBox="1"/>
           <p:nvPr>
             <p:ph type="title"/>
@@ -6307,369 +7751,21 @@
           <a:p>
             <a:pPr/>
             <a:r>
-              <a:t>Prophet</a:t>
-            </a:r>
-          </a:p>
-        </p:txBody>
-      </p:sp>
-      <p:sp>
-        <p:nvSpPr>
-          <p:cNvPr id="145" name="Prophet: forecasting at scale…"/>
-          <p:cNvSpPr txBox="1"/>
-          <p:nvPr>
-            <p:ph type="body" idx="1"/>
-          </p:nvPr>
-        </p:nvSpPr>
-        <p:spPr>
-          <a:prstGeom prst="rect">
-            <a:avLst/>
-          </a:prstGeom>
-        </p:spPr>
-        <p:txBody>
-          <a:bodyPr/>
-          <a:lstStyle/>
-          <a:p>
-            <a:pPr marL="0" indent="0" defTabSz="420623">
-              <a:spcBef>
-                <a:spcPts val="0"/>
-              </a:spcBef>
-              <a:buSzTx/>
-              <a:buFontTx/>
-              <a:buNone/>
-              <a:defRPr b="1" sz="4600">
-                <a:solidFill>
-                  <a:srgbClr val="3B3B3B"/>
-                </a:solidFill>
-                <a:latin typeface="Helvetica Neue"/>
-                <a:ea typeface="Helvetica Neue"/>
-                <a:cs typeface="Helvetica Neue"/>
-                <a:sym typeface="Helvetica Neue"/>
-              </a:defRPr>
-            </a:pPr>
-            <a:r>
-              <a:t>Prophet: forecasting at scale</a:t>
-            </a:r>
-          </a:p>
-          <a:p>
-            <a:pPr marL="0" indent="0" defTabSz="420623">
-              <a:spcBef>
-                <a:spcPts val="0"/>
-              </a:spcBef>
-              <a:buSzTx/>
-              <a:buFontTx/>
-              <a:buNone/>
-              <a:defRPr b="1" sz="1288">
-                <a:solidFill>
-                  <a:srgbClr val="4E5665"/>
-                </a:solidFill>
-                <a:latin typeface="Helvetica Neue"/>
-                <a:ea typeface="Helvetica Neue"/>
-                <a:cs typeface="Helvetica Neue"/>
-                <a:sym typeface="Helvetica Neue"/>
-              </a:defRPr>
-            </a:pPr>
-            <a:r>
-              <a:rPr b="0"/>
-              <a:t>By: </a:t>
-            </a:r>
-            <a:r>
-              <a:rPr u="sng">
-                <a:solidFill>
-                  <a:srgbClr val="0000FF"/>
-                </a:solidFill>
-                <a:uFill>
-                  <a:solidFill>
-                    <a:srgbClr val="0000FF"/>
-                  </a:solidFill>
-                </a:uFill>
-                <a:hlinkClick r:id="rId3" invalidUrl="" action="" tgtFrame="" tooltip="" history="1" highlightClick="0" endSnd="0"/>
-              </a:rPr>
-              <a:t>Sean J. Taylor</a:t>
-            </a:r>
-            <a:r>
-              <a:rPr b="0"/>
-              <a:t>, </a:t>
-            </a:r>
-            <a:r>
-              <a:rPr u="sng">
-                <a:solidFill>
-                  <a:srgbClr val="0000FF"/>
-                </a:solidFill>
-                <a:uFill>
-                  <a:solidFill>
-                    <a:srgbClr val="0000FF"/>
-                  </a:solidFill>
-                </a:uFill>
-                <a:hlinkClick r:id="rId4" invalidUrl="" action="" tgtFrame="" tooltip="" history="1" highlightClick="0" endSnd="0"/>
-              </a:rPr>
-              <a:t>Ben Letham</a:t>
-            </a:r>
-          </a:p>
-          <a:p>
-            <a:pPr marL="0" indent="0" defTabSz="420623">
-              <a:spcBef>
-                <a:spcPts val="0"/>
-              </a:spcBef>
-              <a:buSzTx/>
-              <a:buFontTx/>
-              <a:buNone/>
-              <a:defRPr b="1" sz="1288">
-                <a:solidFill>
-                  <a:srgbClr val="4E5665"/>
-                </a:solidFill>
-                <a:latin typeface="Helvetica Neue"/>
-                <a:ea typeface="Helvetica Neue"/>
-                <a:cs typeface="Helvetica Neue"/>
-                <a:sym typeface="Helvetica Neue"/>
-              </a:defRPr>
-            </a:pPr>
-          </a:p>
-          <a:p>
-            <a:pPr marL="0" indent="0" defTabSz="420623">
-              <a:spcBef>
-                <a:spcPts val="0"/>
-              </a:spcBef>
-              <a:buSzTx/>
-              <a:buFontTx/>
-              <a:buNone/>
-              <a:defRPr sz="1472">
-                <a:solidFill>
-                  <a:srgbClr val="4E5665"/>
-                </a:solidFill>
-                <a:latin typeface="Helvetica Neue"/>
-                <a:ea typeface="Helvetica Neue"/>
-                <a:cs typeface="Helvetica Neue"/>
-                <a:sym typeface="Helvetica Neue"/>
-              </a:defRPr>
-            </a:pPr>
-            <a:r>
-              <a:t>Today (February 23, 2017) Facebook is </a:t>
-            </a:r>
-            <a:r>
-              <a:rPr>
-                <a:solidFill>
-                  <a:srgbClr val="4165B3"/>
-                </a:solidFill>
-                <a:hlinkClick r:id="rId5" invalidUrl="" action="" tgtFrame="" tooltip="" history="1" highlightClick="0" endSnd="0"/>
-              </a:rPr>
-              <a:t>open sourcing Prophet</a:t>
-            </a:r>
-            <a:r>
-              <a:t>, a forecasting tool available in Python and R. </a:t>
-            </a:r>
-          </a:p>
-          <a:p>
-            <a:pPr marL="0" indent="0" defTabSz="420623">
-              <a:spcBef>
-                <a:spcPts val="0"/>
-              </a:spcBef>
-              <a:buSzTx/>
-              <a:buFontTx/>
-              <a:buNone/>
-              <a:defRPr b="1" sz="3220">
-                <a:solidFill>
-                  <a:srgbClr val="3B3B3B"/>
-                </a:solidFill>
-                <a:latin typeface="Helvetica Neue"/>
-                <a:ea typeface="Helvetica Neue"/>
-                <a:cs typeface="Helvetica Neue"/>
-                <a:sym typeface="Helvetica Neue"/>
-              </a:defRPr>
-            </a:pPr>
-            <a:r>
-              <a:t>Where Prophet shines</a:t>
-            </a:r>
-          </a:p>
-          <a:p>
-            <a:pPr marL="0" indent="0" defTabSz="420623">
-              <a:spcBef>
-                <a:spcPts val="0"/>
-              </a:spcBef>
-              <a:buSzTx/>
-              <a:buFontTx/>
-              <a:buNone/>
-              <a:defRPr sz="1472">
-                <a:solidFill>
-                  <a:srgbClr val="4E5665"/>
-                </a:solidFill>
-                <a:latin typeface="Helvetica Neue"/>
-                <a:ea typeface="Helvetica Neue"/>
-                <a:cs typeface="Helvetica Neue"/>
-                <a:sym typeface="Helvetica Neue"/>
-              </a:defRPr>
-            </a:pPr>
-            <a:r>
-              <a:t>Not all forecasting problems can be solved by the same procedure. Prophet is optimized for the business forecast tasks we have encountered at Facebook, which typically have any of the following characteristics:</a:t>
-            </a:r>
-          </a:p>
-          <a:p>
-            <a:pPr marL="420623" indent="-420623" defTabSz="420623">
-              <a:spcBef>
-                <a:spcPts val="0"/>
-              </a:spcBef>
-              <a:buSzTx/>
-              <a:buFontTx/>
-              <a:buNone/>
-              <a:tabLst>
-                <a:tab pos="127000" algn="l"/>
-                <a:tab pos="419100" algn="l"/>
-              </a:tabLst>
-              <a:defRPr sz="1472">
-                <a:solidFill>
-                  <a:srgbClr val="4E5665"/>
-                </a:solidFill>
-                <a:latin typeface="Helvetica Neue"/>
-                <a:ea typeface="Helvetica Neue"/>
-                <a:cs typeface="Helvetica Neue"/>
-                <a:sym typeface="Helvetica Neue"/>
-              </a:defRPr>
-            </a:pPr>
-            <a:r>
-              <a:t>	•	hourly, daily, or weekly observations with at least a few months (preferably a year) of history</a:t>
-            </a:r>
-          </a:p>
-          <a:p>
-            <a:pPr marL="420623" indent="-420623" defTabSz="420623">
-              <a:spcBef>
-                <a:spcPts val="0"/>
-              </a:spcBef>
-              <a:buSzTx/>
-              <a:buFontTx/>
-              <a:buNone/>
-              <a:tabLst>
-                <a:tab pos="127000" algn="l"/>
-                <a:tab pos="419100" algn="l"/>
-              </a:tabLst>
-              <a:defRPr sz="1472">
-                <a:solidFill>
-                  <a:srgbClr val="4E5665"/>
-                </a:solidFill>
-                <a:latin typeface="Helvetica Neue"/>
-                <a:ea typeface="Helvetica Neue"/>
-                <a:cs typeface="Helvetica Neue"/>
-                <a:sym typeface="Helvetica Neue"/>
-              </a:defRPr>
-            </a:pPr>
-            <a:r>
-              <a:t>	•	strong multiple “human-scale” seasonalities: day of week and time of year</a:t>
-            </a:r>
-          </a:p>
-          <a:p>
-            <a:pPr marL="420623" indent="-420623" defTabSz="420623">
-              <a:spcBef>
-                <a:spcPts val="0"/>
-              </a:spcBef>
-              <a:buSzTx/>
-              <a:buFontTx/>
-              <a:buNone/>
-              <a:tabLst>
-                <a:tab pos="127000" algn="l"/>
-                <a:tab pos="419100" algn="l"/>
-              </a:tabLst>
-              <a:defRPr sz="1472">
-                <a:solidFill>
-                  <a:srgbClr val="4E5665"/>
-                </a:solidFill>
-                <a:latin typeface="Helvetica Neue"/>
-                <a:ea typeface="Helvetica Neue"/>
-                <a:cs typeface="Helvetica Neue"/>
-                <a:sym typeface="Helvetica Neue"/>
-              </a:defRPr>
-            </a:pPr>
-            <a:r>
-              <a:t>	•	important holidays that occur at irregular intervals that are known in advance (e.g. the Super Bowl)</a:t>
-            </a:r>
-          </a:p>
-          <a:p>
-            <a:pPr marL="420623" indent="-420623" defTabSz="420623">
-              <a:spcBef>
-                <a:spcPts val="0"/>
-              </a:spcBef>
-              <a:buSzTx/>
-              <a:buFontTx/>
-              <a:buNone/>
-              <a:tabLst>
-                <a:tab pos="127000" algn="l"/>
-                <a:tab pos="419100" algn="l"/>
-              </a:tabLst>
-              <a:defRPr sz="1472">
-                <a:solidFill>
-                  <a:srgbClr val="4E5665"/>
-                </a:solidFill>
-                <a:latin typeface="Helvetica Neue"/>
-                <a:ea typeface="Helvetica Neue"/>
-                <a:cs typeface="Helvetica Neue"/>
-                <a:sym typeface="Helvetica Neue"/>
-              </a:defRPr>
-            </a:pPr>
-            <a:r>
-              <a:t>	•	a reasonable number of missing observations or large outliers</a:t>
-            </a:r>
-          </a:p>
-          <a:p>
-            <a:pPr marL="420623" indent="-420623" defTabSz="420623">
-              <a:spcBef>
-                <a:spcPts val="0"/>
-              </a:spcBef>
-              <a:buSzTx/>
-              <a:buFontTx/>
-              <a:buNone/>
-              <a:tabLst>
-                <a:tab pos="127000" algn="l"/>
-                <a:tab pos="419100" algn="l"/>
-              </a:tabLst>
-              <a:defRPr sz="1472">
-                <a:solidFill>
-                  <a:srgbClr val="4E5665"/>
-                </a:solidFill>
-                <a:latin typeface="Helvetica Neue"/>
-                <a:ea typeface="Helvetica Neue"/>
-                <a:cs typeface="Helvetica Neue"/>
-                <a:sym typeface="Helvetica Neue"/>
-              </a:defRPr>
-            </a:pPr>
-            <a:r>
-              <a:t>	•	historical trend changes, for instance due to product launches or logging changes</a:t>
-            </a:r>
-          </a:p>
-          <a:p>
-            <a:pPr marL="420623" indent="-420623" defTabSz="420623">
-              <a:spcBef>
-                <a:spcPts val="0"/>
-              </a:spcBef>
-              <a:buSzTx/>
-              <a:buFontTx/>
-              <a:buNone/>
-              <a:tabLst>
-                <a:tab pos="127000" algn="l"/>
-                <a:tab pos="419100" algn="l"/>
-              </a:tabLst>
-              <a:defRPr sz="1472">
-                <a:solidFill>
-                  <a:srgbClr val="4E5665"/>
-                </a:solidFill>
-                <a:latin typeface="Helvetica Neue"/>
-                <a:ea typeface="Helvetica Neue"/>
-                <a:cs typeface="Helvetica Neue"/>
-                <a:sym typeface="Helvetica Neue"/>
-              </a:defRPr>
-            </a:pPr>
-            <a:r>
-              <a:t>	•	trends that are non-linear growth curves, where a trend hits a natural limit or saturates</a:t>
-            </a:r>
-          </a:p>
-        </p:txBody>
-      </p:sp>
-      <p:sp>
-        <p:nvSpPr>
-          <p:cNvPr id="146" name="https://research.fb.com/prophet-forecasting-at-scale/"/>
+              <a:t>Temporal Prediction with ARIMA</a:t>
+            </a:r>
+          </a:p>
+        </p:txBody>
+      </p:sp>
+      <p:sp>
+        <p:nvSpPr>
+          <p:cNvPr id="143" name="# Just use a short sequence at year's end…"/>
           <p:cNvSpPr txBox="1"/>
           <p:nvPr/>
         </p:nvSpPr>
         <p:spPr>
           <a:xfrm>
-            <a:off x="524812" y="5961379"/>
-            <a:ext cx="5097176" cy="370841"/>
+            <a:off x="1003698" y="1282916"/>
+            <a:ext cx="7136604" cy="2606041"/>
           </a:xfrm>
           <a:prstGeom prst="rect">
             <a:avLst/>
@@ -6691,11 +7787,85 @@
           <a:p>
             <a:pPr/>
             <a:r>
-              <a:t>https://research.fb.com/prophet-forecasting-at-scale/</a:t>
-            </a:r>
-          </a:p>
-        </p:txBody>
-      </p:sp>
+              <a:t># Just use a short sequence at year's end</a:t>
+            </a:r>
+          </a:p>
+          <a:p>
+            <a:pPr/>
+            <a:r>
+              <a:t>data=total[datetime(2016, 12, 1, 0, 0, 0):datetime(2016, 12, 31, 23, 59, 59)]</a:t>
+            </a:r>
+          </a:p>
+          <a:p>
+            <a:pPr/>
+          </a:p>
+          <a:p>
+            <a:pPr/>
+            <a:r>
+              <a:t># and use only data points at every 6 hours</a:t>
+            </a:r>
+          </a:p>
+          <a:p>
+            <a:pPr/>
+            <a:r>
+              <a:t>data=data.resample('6H').median()</a:t>
+            </a:r>
+          </a:p>
+          <a:p>
+            <a:pPr/>
+            <a:r>
+              <a:t>plt.figure(figsize=(15,5))</a:t>
+            </a:r>
+          </a:p>
+          <a:p>
+            <a:pPr/>
+            <a:r>
+              <a:t>plt.plot(data.index,data['Temperature'])</a:t>
+            </a:r>
+          </a:p>
+          <a:p>
+            <a:pPr/>
+            <a:r>
+              <a:t>plt.ylabel('Temperature')</a:t>
+            </a:r>
+          </a:p>
+          <a:p>
+            <a:pPr/>
+            <a:r>
+              <a:t>plt.title('Temperature at ICTP in December 2016');</a:t>
+            </a:r>
+          </a:p>
+        </p:txBody>
+      </p:sp>
+      <p:pic>
+        <p:nvPicPr>
+          <p:cNvPr id="144" name="Image" descr="Image"/>
+          <p:cNvPicPr>
+            <a:picLocks noChangeAspect="1"/>
+          </p:cNvPicPr>
+          <p:nvPr/>
+        </p:nvPicPr>
+        <p:blipFill>
+          <a:blip r:embed="rId2">
+            <a:extLst/>
+          </a:blip>
+          <a:stretch>
+            <a:fillRect/>
+          </a:stretch>
+        </p:blipFill>
+        <p:spPr>
+          <a:xfrm>
+            <a:off x="1130675" y="3993594"/>
+            <a:ext cx="6882650" cy="2444950"/>
+          </a:xfrm>
+          <a:prstGeom prst="rect">
+            <a:avLst/>
+          </a:prstGeom>
+          <a:ln w="12700">
+            <a:miter lim="400000"/>
+          </a:ln>
+        </p:spPr>
+      </p:pic>
     </p:spTree>
   </p:cSld>
   <p:clrMapOvr>
@@ -6724,7 +7894,7 @@
       </p:grpSpPr>
       <p:sp>
         <p:nvSpPr>
-          <p:cNvPr id="150" name="Open the datafile with Pandas"/>
+          <p:cNvPr id="146" name="Temporal Prediction with ARIMA"/>
           <p:cNvSpPr txBox="1"/>
           <p:nvPr>
             <p:ph type="title"/>
@@ -6741,21 +7911,21 @@
           <a:p>
             <a:pPr/>
             <a:r>
-              <a:t>Open the datafile with Pandas</a:t>
-            </a:r>
-          </a:p>
-        </p:txBody>
-      </p:sp>
-      <p:sp>
-        <p:nvSpPr>
-          <p:cNvPr id="151" name="import pandas as pd…"/>
+              <a:t>Temporal Prediction with ARIMA</a:t>
+            </a:r>
+          </a:p>
+        </p:txBody>
+      </p:sp>
+      <p:sp>
+        <p:nvSpPr>
+          <p:cNvPr id="147" name="# Create an Auto-Regressive Integrated Moving Average model…"/>
           <p:cNvSpPr txBox="1"/>
           <p:nvPr/>
         </p:nvSpPr>
         <p:spPr>
           <a:xfrm>
-            <a:off x="1544061" y="1275080"/>
-            <a:ext cx="6055877" cy="4917440"/>
+            <a:off x="1320505" y="1377760"/>
+            <a:ext cx="6729969" cy="1767841"/>
           </a:xfrm>
           <a:prstGeom prst="rect">
             <a:avLst/>
@@ -6775,152 +7945,69 @@
           </a:bodyPr>
           <a:lstStyle/>
           <a:p>
-            <a:pPr>
-              <a:defRPr sz="1600"/>
-            </a:pPr>
-            <a:r>
-              <a:t>import pandas as pd</a:t>
-            </a:r>
-          </a:p>
-          <a:p>
-            <a:pPr>
-              <a:defRPr sz="1600"/>
-            </a:pPr>
-            <a:r>
-              <a:t>import numpy as np</a:t>
-            </a:r>
-          </a:p>
-          <a:p>
-            <a:pPr>
-              <a:defRPr sz="1600"/>
-            </a:pPr>
-            <a:r>
-              <a:t>from fbprophet import Prophet</a:t>
-            </a:r>
-          </a:p>
-          <a:p>
-            <a:pPr>
-              <a:defRPr sz="1600"/>
-            </a:pPr>
-            <a:r>
-              <a:t>from datetime import datetime</a:t>
-            </a:r>
-          </a:p>
-          <a:p>
-            <a:pPr>
-              <a:defRPr sz="1600"/>
-            </a:pPr>
-          </a:p>
-          <a:p>
-            <a:pPr>
-              <a:defRPr sz="1600"/>
-            </a:pPr>
-            <a:r>
-              <a:t># Get the Thingspeak temperature data set</a:t>
-            </a:r>
-          </a:p>
-          <a:p>
-            <a:pPr>
-              <a:defRPr sz="1600"/>
-            </a:pPr>
-            <a:r>
-              <a:t>total = pd.read_csv('temp.csv') </a:t>
-            </a:r>
-          </a:p>
-          <a:p>
-            <a:pPr>
-              <a:defRPr sz="1600"/>
-            </a:pPr>
-            <a:r>
-              <a:t>total.index = pd.DatetimeIndex(total['created_at'])</a:t>
-            </a:r>
-          </a:p>
-          <a:p>
-            <a:pPr>
-              <a:defRPr sz="1600"/>
-            </a:pPr>
-          </a:p>
-          <a:p>
-            <a:pPr>
-              <a:defRPr sz="1600"/>
-            </a:pPr>
-            <a:r>
-              <a:t># Just use two years </a:t>
-            </a:r>
-          </a:p>
-          <a:p>
-            <a:pPr>
-              <a:defRPr sz="1600"/>
-            </a:pPr>
-            <a:r>
-              <a:t>df=total[datetime(2014, 1, 1, 0, 0, 0):datetime(2016, 12, 31, 23, 59, 59)]</a:t>
-            </a:r>
-          </a:p>
-          <a:p>
-            <a:pPr>
-              <a:defRPr sz="1600"/>
-            </a:pPr>
-          </a:p>
-          <a:p>
-            <a:pPr>
-              <a:defRPr sz="1600"/>
-            </a:pPr>
-            <a:r>
-              <a:t># and use only data points at every hour</a:t>
-            </a:r>
-          </a:p>
-          <a:p>
-            <a:pPr>
-              <a:defRPr sz="1600"/>
-            </a:pPr>
-            <a:r>
-              <a:t>df=df.resample('H').median()</a:t>
-            </a:r>
-          </a:p>
-          <a:p>
-            <a:pPr>
-              <a:defRPr sz="1600"/>
-            </a:pPr>
-          </a:p>
-          <a:p>
-            <a:pPr>
-              <a:defRPr sz="1600"/>
-            </a:pPr>
-            <a:r>
-              <a:t># Prophet requires the independent variable called "ds"</a:t>
-            </a:r>
-          </a:p>
-          <a:p>
-            <a:pPr>
-              <a:defRPr sz="1600"/>
-            </a:pPr>
-            <a:r>
-              <a:t>df['ds'] = df.index</a:t>
-            </a:r>
-          </a:p>
-          <a:p>
-            <a:pPr>
-              <a:defRPr sz="1600"/>
-            </a:pPr>
-          </a:p>
-          <a:p>
-            <a:pPr>
-              <a:defRPr sz="1600"/>
-            </a:pPr>
-            <a:r>
-              <a:t># and the dependent variable called "y"</a:t>
-            </a:r>
-          </a:p>
-          <a:p>
-            <a:pPr>
-              <a:defRPr sz="1600"/>
-            </a:pPr>
-            <a:r>
-              <a:t>df['y'] = df['Temperature']</a:t>
-            </a:r>
-          </a:p>
-        </p:txBody>
-      </p:sp>
+            <a:pPr/>
+            <a:r>
+              <a:t># Create an Auto-Regressive Integrated Moving Average model</a:t>
+            </a:r>
+          </a:p>
+          <a:p>
+            <a:pPr/>
+            <a:r>
+              <a:t>model = pf.ARIMA(data=data,ar=4,ma=4,integ=0,target='Temperature')</a:t>
+            </a:r>
+          </a:p>
+          <a:p>
+            <a:pPr/>
+          </a:p>
+          <a:p>
+            <a:pPr/>
+            <a:r>
+              <a:t># Fit it</a:t>
+            </a:r>
+          </a:p>
+          <a:p>
+            <a:pPr/>
+            <a:r>
+              <a:t>x = model.fit("MLE")</a:t>
+            </a:r>
+          </a:p>
+          <a:p>
+            <a:pPr/>
+            <a:r>
+              <a:t>model.plot_fit(figsize=(15,5))</a:t>
+            </a:r>
+          </a:p>
+        </p:txBody>
+      </p:sp>
+      <p:pic>
+        <p:nvPicPr>
+          <p:cNvPr id="148" name="Image" descr="Image"/>
+          <p:cNvPicPr>
+            <a:picLocks noChangeAspect="1"/>
+          </p:cNvPicPr>
+          <p:nvPr/>
+        </p:nvPicPr>
+        <p:blipFill>
+          <a:blip r:embed="rId2">
+            <a:extLst/>
+          </a:blip>
+          <a:stretch>
+            <a:fillRect/>
+          </a:stretch>
+        </p:blipFill>
+        <p:spPr>
+          <a:xfrm>
+            <a:off x="1320505" y="3414328"/>
+            <a:ext cx="6729969" cy="2422176"/>
+          </a:xfrm>
+          <a:prstGeom prst="rect">
+            <a:avLst/>
+          </a:prstGeom>
+          <a:ln w="12700">
+            <a:miter lim="400000"/>
+          </a:ln>
+        </p:spPr>
+      </p:pic>
     </p:spTree>
   </p:cSld>
   <p:clrMapOvr>
@@ -6949,7 +8036,7 @@
       </p:grpSpPr>
       <p:sp>
         <p:nvSpPr>
-          <p:cNvPr id="155" name="First confirm the contents of data"/>
+          <p:cNvPr id="150" name="Temporal Prediction with ARIMA"/>
           <p:cNvSpPr txBox="1"/>
           <p:nvPr>
             <p:ph type="title"/>
@@ -6966,21 +8053,21 @@
           <a:p>
             <a:pPr/>
             <a:r>
-              <a:t>First confirm the contents of data</a:t>
-            </a:r>
-          </a:p>
-        </p:txBody>
-      </p:sp>
-      <p:sp>
-        <p:nvSpPr>
-          <p:cNvPr id="156" name="# Take a look at the data…"/>
+              <a:t>Temporal Prediction with ARIMA</a:t>
+            </a:r>
+          </a:p>
+        </p:txBody>
+      </p:sp>
+      <p:sp>
+        <p:nvSpPr>
+          <p:cNvPr id="151" name="# Try prediction for 2 days (8 intervals)…"/>
           <p:cNvSpPr txBox="1"/>
           <p:nvPr/>
         </p:nvSpPr>
         <p:spPr>
           <a:xfrm>
-            <a:off x="2942054" y="1910350"/>
-            <a:ext cx="3259892" cy="929641"/>
+            <a:off x="1992493" y="1498816"/>
+            <a:ext cx="5159014" cy="650241"/>
           </a:xfrm>
           <a:prstGeom prst="rect">
             <a:avLst/>
@@ -7002,44 +8089,37 @@
           <a:p>
             <a:pPr/>
             <a:r>
-              <a:t># Take a look at the data</a:t>
-            </a:r>
-          </a:p>
-          <a:p>
-            <a:pPr/>
-            <a:r>
-              <a:t>%matplotlib inline</a:t>
-            </a:r>
-          </a:p>
-          <a:p>
-            <a:pPr/>
-            <a:r>
-              <a:t>df["Temperature"].plot(grid=True)</a:t>
+              <a:t># Try prediction for 2 days (8 intervals)</a:t>
+            </a:r>
+          </a:p>
+          <a:p>
+            <a:pPr/>
+            <a:r>
+              <a:t>model.plot_predict(h=8,past_values=20,figsize=(15,5))</a:t>
             </a:r>
           </a:p>
         </p:txBody>
       </p:sp>
       <p:pic>
         <p:nvPicPr>
-          <p:cNvPr id="157" name="Picture Placeholder 2" descr="Picture Placeholder 2"/>
+          <p:cNvPr id="152" name="Image" descr="Image"/>
           <p:cNvPicPr>
             <a:picLocks noChangeAspect="1"/>
           </p:cNvPicPr>
           <p:nvPr/>
         </p:nvPicPr>
         <p:blipFill>
-          <a:blip r:embed="rId3">
+          <a:blip r:embed="rId2">
             <a:extLst/>
           </a:blip>
-          <a:srcRect l="13" t="3936" r="13" b="0"/>
           <a:stretch>
             <a:fillRect/>
           </a:stretch>
         </p:blipFill>
         <p:spPr>
           <a:xfrm>
-            <a:off x="2301541" y="3138350"/>
-            <a:ext cx="4540786" cy="3260655"/>
+            <a:off x="1335414" y="2610433"/>
+            <a:ext cx="6473172" cy="2352585"/>
           </a:xfrm>
           <a:prstGeom prst="rect">
             <a:avLst/>

--- a/powerpoints/ITU Academy Slides AM4-04.pptx
+++ b/powerpoints/ITU Academy Slides AM4-04.pptx
@@ -31,6 +31,8 @@
     <p:sldId id="276" r:id="rId28"/>
     <p:sldId id="277" r:id="rId29"/>
     <p:sldId id="278" r:id="rId30"/>
+    <p:sldId id="279" r:id="rId31"/>
+    <p:sldId id="280" r:id="rId32"/>
   </p:sldIdLst>
   <p:sldSz cx="9144000" cy="6858000"/>
   <p:notesSz cx="6858000" cy="9144000"/>
@@ -505,7 +507,7 @@
       </p:grpSpPr>
       <p:sp>
         <p:nvSpPr>
-          <p:cNvPr id="157" name="Shape 157"/>
+          <p:cNvPr id="143" name="Shape 143"/>
           <p:cNvSpPr/>
           <p:nvPr>
             <p:ph type="sldImg"/>
@@ -526,7 +528,7 @@
       </p:sp>
       <p:sp>
         <p:nvSpPr>
-          <p:cNvPr id="158" name="Shape 158"/>
+          <p:cNvPr id="144" name="Shape 144"/>
           <p:cNvSpPr/>
           <p:nvPr>
             <p:ph type="body" sz="quarter" idx="1"/>
@@ -543,31 +545,7 @@
           <a:p>
             <a:pPr/>
             <a:r>
-              <a:t>Consider Prophet’s design specifications from the point of view of IoT</a:t>
-            </a:r>
-          </a:p>
-          <a:p>
-            <a:pPr/>
-            <a:r>
-              <a:t>If we have only a few days of data, can we still fit it into the Prophet model?</a:t>
-            </a:r>
-          </a:p>
-          <a:p>
-            <a:pPr/>
-            <a:r>
-              <a:t>Sensory data: when does it have daily, weekly, monthly, yearly seasonality?</a:t>
-            </a:r>
-          </a:p>
-          <a:p>
-            <a:pPr/>
-            <a:r>
-              <a:t>What if sensors are picking up human activities (driving, power use, etc.)?</a:t>
-            </a:r>
-          </a:p>
-          <a:p>
-            <a:pPr/>
-            <a:r>
-              <a:t>What Prophet strengths apply to IoT? Which do not?</a:t>
+              <a:t>The core library here is the statsmodel that has ARIMA and many other control-theory models</a:t>
             </a:r>
           </a:p>
         </p:txBody>
@@ -599,7 +577,7 @@
       </p:grpSpPr>
       <p:sp>
         <p:nvSpPr>
-          <p:cNvPr id="211" name="Shape 211"/>
+          <p:cNvPr id="197" name="Shape 197"/>
           <p:cNvSpPr/>
           <p:nvPr>
             <p:ph type="sldImg"/>
@@ -620,7 +598,7 @@
       </p:sp>
       <p:sp>
         <p:nvSpPr>
-          <p:cNvPr id="212" name="Shape 212"/>
+          <p:cNvPr id="198" name="Shape 198"/>
           <p:cNvSpPr/>
           <p:nvPr>
             <p:ph type="body" sz="quarter" idx="1"/>
@@ -637,13 +615,40 @@
           <a:p>
             <a:pPr/>
             <a:r>
-              <a:t>The predicted coming year resembles the previous ones, obviously.</a:t>
-            </a:r>
-          </a:p>
-          <a:p>
-            <a:pPr/>
-            <a:r>
-              <a:t>But there seems to be a year-by-year decreasing trend.</a:t>
+              <a:t>The model is directed to have only yearly seasonality. </a:t>
+            </a:r>
+          </a:p>
+          <a:p>
+            <a:pPr/>
+            <a:r>
+              <a:t>Weekdays will have only slight effect on outside temperature (maybe less traffic on Sundays?)</a:t>
+            </a:r>
+          </a:p>
+          <a:p>
+            <a:pPr/>
+            <a:r>
+              <a:t>There should be a daily rhythm, but it does not seem to appear in the data.</a:t>
+            </a:r>
+          </a:p>
+          <a:p>
+            <a:pPr/>
+            <a:r>
+              <a:t>So we keep only yearly cycles.</a:t>
+            </a:r>
+          </a:p>
+          <a:p>
+            <a:pPr/>
+          </a:p>
+          <a:p>
+            <a:pPr/>
+            <a:r>
+              <a:t>First create now a new dataframe for one week into the future.</a:t>
+            </a:r>
+          </a:p>
+          <a:p>
+            <a:pPr/>
+            <a:r>
+              <a:t>Check the contents (last few records): the last hours of Jan.7</a:t>
             </a:r>
           </a:p>
         </p:txBody>
@@ -675,7 +680,7 @@
       </p:grpSpPr>
       <p:sp>
         <p:nvSpPr>
-          <p:cNvPr id="217" name="Shape 217"/>
+          <p:cNvPr id="203" name="Shape 203"/>
           <p:cNvSpPr/>
           <p:nvPr>
             <p:ph type="sldImg"/>
@@ -696,7 +701,7 @@
       </p:sp>
       <p:sp>
         <p:nvSpPr>
-          <p:cNvPr id="218" name="Shape 218"/>
+          <p:cNvPr id="204" name="Shape 204"/>
           <p:cNvSpPr/>
           <p:nvPr>
             <p:ph type="body" sz="quarter" idx="1"/>
@@ -713,19 +718,7 @@
           <a:p>
             <a:pPr/>
             <a:r>
-              <a:t>Without smoothing, direct visual comparison is difficult.</a:t>
-            </a:r>
-          </a:p>
-          <a:p>
-            <a:pPr/>
-            <a:r>
-              <a:t>However, it seems the predicted general cooling was valid.</a:t>
-            </a:r>
-          </a:p>
-          <a:p>
-            <a:pPr/>
-            <a:r>
-              <a:t>(Of course this does not mean that Global Warming is false, only a short-time, local trend)</a:t>
+              <a:t>The model (training + forecast data) is plotted as the mean and actual data.</a:t>
             </a:r>
           </a:p>
         </p:txBody>
@@ -757,7 +750,7 @@
       </p:grpSpPr>
       <p:sp>
         <p:nvSpPr>
-          <p:cNvPr id="223" name="Shape 223"/>
+          <p:cNvPr id="209" name="Shape 209"/>
           <p:cNvSpPr/>
           <p:nvPr>
             <p:ph type="sldImg"/>
@@ -778,7 +771,381 @@
       </p:sp>
       <p:sp>
         <p:nvSpPr>
-          <p:cNvPr id="224" name="Shape 224"/>
+          <p:cNvPr id="210" name="Shape 210"/>
+          <p:cNvSpPr/>
+          <p:nvPr>
+            <p:ph type="body" sz="quarter" idx="1"/>
+          </p:nvPr>
+        </p:nvSpPr>
+        <p:spPr>
+          <a:prstGeom prst="rect">
+            <a:avLst/>
+          </a:prstGeom>
+        </p:spPr>
+        <p:txBody>
+          <a:bodyPr/>
+          <a:lstStyle/>
+          <a:p>
+            <a:pPr/>
+            <a:r>
+              <a:t>The measured temperature fluctuates first around about 4 C, then goes down to around 0 C.</a:t>
+            </a:r>
+          </a:p>
+        </p:txBody>
+      </p:sp>
+    </p:spTree>
+  </p:cSld>
+  <p:clrMapOvr>
+    <a:masterClrMapping/>
+  </p:clrMapOvr>
+</p:notes>
+</file>
+
+<file path=ppt/notesSlides/notesSlide13.xml><?xml version="1.0" encoding="utf-8"?>
+<p:notes xmlns:a="http://schemas.openxmlformats.org/drawingml/2006/main" xmlns:r="http://schemas.openxmlformats.org/officeDocument/2006/relationships" xmlns:p="http://schemas.openxmlformats.org/presentationml/2006/main" showMasterSp="1" showMasterPhAnim="1">
+  <p:cSld>
+    <p:spTree>
+      <p:nvGrpSpPr>
+        <p:cNvPr id="1" name=""/>
+        <p:cNvGrpSpPr/>
+        <p:nvPr/>
+      </p:nvGrpSpPr>
+      <p:grpSpPr>
+        <a:xfrm>
+          <a:off x="0" y="0"/>
+          <a:ext cx="0" cy="0"/>
+          <a:chOff x="0" y="0"/>
+          <a:chExt cx="0" cy="0"/>
+        </a:xfrm>
+      </p:grpSpPr>
+      <p:sp>
+        <p:nvSpPr>
+          <p:cNvPr id="215" name="Shape 215"/>
+          <p:cNvSpPr/>
+          <p:nvPr>
+            <p:ph type="sldImg"/>
+          </p:nvPr>
+        </p:nvSpPr>
+        <p:spPr>
+          <a:prstGeom prst="rect">
+            <a:avLst/>
+          </a:prstGeom>
+        </p:spPr>
+        <p:txBody>
+          <a:bodyPr/>
+          <a:lstStyle/>
+          <a:p>
+            <a:pPr/>
+          </a:p>
+        </p:txBody>
+      </p:sp>
+      <p:sp>
+        <p:nvSpPr>
+          <p:cNvPr id="216" name="Shape 216"/>
+          <p:cNvSpPr/>
+          <p:nvPr>
+            <p:ph type="body" sz="quarter" idx="1"/>
+          </p:nvPr>
+        </p:nvSpPr>
+        <p:spPr>
+          <a:prstGeom prst="rect">
+            <a:avLst/>
+          </a:prstGeom>
+        </p:spPr>
+        <p:txBody>
+          <a:bodyPr/>
+          <a:lstStyle/>
+          <a:p>
+            <a:pPr/>
+            <a:r>
+              <a:t>The forecast says the temperature will go down from 2.4 C to 1.0 C in a week.</a:t>
+            </a:r>
+          </a:p>
+          <a:p>
+            <a:pPr/>
+            <a:r>
+              <a:t>This is different from what we saw in the previous figure, but perhaps acceptable.</a:t>
+            </a:r>
+          </a:p>
+        </p:txBody>
+      </p:sp>
+    </p:spTree>
+  </p:cSld>
+  <p:clrMapOvr>
+    <a:masterClrMapping/>
+  </p:clrMapOvr>
+</p:notes>
+</file>
+
+<file path=ppt/notesSlides/notesSlide14.xml><?xml version="1.0" encoding="utf-8"?>
+<p:notes xmlns:a="http://schemas.openxmlformats.org/drawingml/2006/main" xmlns:r="http://schemas.openxmlformats.org/officeDocument/2006/relationships" xmlns:p="http://schemas.openxmlformats.org/presentationml/2006/main" showMasterSp="1" showMasterPhAnim="1">
+  <p:cSld>
+    <p:spTree>
+      <p:nvGrpSpPr>
+        <p:cNvPr id="1" name=""/>
+        <p:cNvGrpSpPr/>
+        <p:nvPr/>
+      </p:nvGrpSpPr>
+      <p:grpSpPr>
+        <a:xfrm>
+          <a:off x="0" y="0"/>
+          <a:ext cx="0" cy="0"/>
+          <a:chOff x="0" y="0"/>
+          <a:chExt cx="0" cy="0"/>
+        </a:xfrm>
+      </p:grpSpPr>
+      <p:sp>
+        <p:nvSpPr>
+          <p:cNvPr id="221" name="Shape 221"/>
+          <p:cNvSpPr/>
+          <p:nvPr>
+            <p:ph type="sldImg"/>
+          </p:nvPr>
+        </p:nvSpPr>
+        <p:spPr>
+          <a:prstGeom prst="rect">
+            <a:avLst/>
+          </a:prstGeom>
+        </p:spPr>
+        <p:txBody>
+          <a:bodyPr/>
+          <a:lstStyle/>
+          <a:p>
+            <a:pPr/>
+          </a:p>
+        </p:txBody>
+      </p:sp>
+      <p:sp>
+        <p:nvSpPr>
+          <p:cNvPr id="222" name="Shape 222"/>
+          <p:cNvSpPr/>
+          <p:nvPr>
+            <p:ph type="body" sz="quarter" idx="1"/>
+          </p:nvPr>
+        </p:nvSpPr>
+        <p:spPr>
+          <a:prstGeom prst="rect">
+            <a:avLst/>
+          </a:prstGeom>
+        </p:spPr>
+        <p:txBody>
+          <a:bodyPr/>
+          <a:lstStyle/>
+          <a:p>
+            <a:pPr/>
+            <a:r>
+              <a:t>Notice the last few time stamps: the last 5 days of December. The time is arbitrary.</a:t>
+            </a:r>
+          </a:p>
+        </p:txBody>
+      </p:sp>
+    </p:spTree>
+  </p:cSld>
+  <p:clrMapOvr>
+    <a:masterClrMapping/>
+  </p:clrMapOvr>
+</p:notes>
+</file>
+
+<file path=ppt/notesSlides/notesSlide15.xml><?xml version="1.0" encoding="utf-8"?>
+<p:notes xmlns:a="http://schemas.openxmlformats.org/drawingml/2006/main" xmlns:r="http://schemas.openxmlformats.org/officeDocument/2006/relationships" xmlns:p="http://schemas.openxmlformats.org/presentationml/2006/main" showMasterSp="1" showMasterPhAnim="1">
+  <p:cSld>
+    <p:spTree>
+      <p:nvGrpSpPr>
+        <p:cNvPr id="1" name=""/>
+        <p:cNvGrpSpPr/>
+        <p:nvPr/>
+      </p:nvGrpSpPr>
+      <p:grpSpPr>
+        <a:xfrm>
+          <a:off x="0" y="0"/>
+          <a:ext cx="0" cy="0"/>
+          <a:chOff x="0" y="0"/>
+          <a:chExt cx="0" cy="0"/>
+        </a:xfrm>
+      </p:grpSpPr>
+      <p:sp>
+        <p:nvSpPr>
+          <p:cNvPr id="227" name="Shape 227"/>
+          <p:cNvSpPr/>
+          <p:nvPr>
+            <p:ph type="sldImg"/>
+          </p:nvPr>
+        </p:nvSpPr>
+        <p:spPr>
+          <a:prstGeom prst="rect">
+            <a:avLst/>
+          </a:prstGeom>
+        </p:spPr>
+        <p:txBody>
+          <a:bodyPr/>
+          <a:lstStyle/>
+          <a:p>
+            <a:pPr/>
+          </a:p>
+        </p:txBody>
+      </p:sp>
+      <p:sp>
+        <p:nvSpPr>
+          <p:cNvPr id="228" name="Shape 228"/>
+          <p:cNvSpPr/>
+          <p:nvPr>
+            <p:ph type="body" sz="quarter" idx="1"/>
+          </p:nvPr>
+        </p:nvSpPr>
+        <p:spPr>
+          <a:prstGeom prst="rect">
+            <a:avLst/>
+          </a:prstGeom>
+        </p:spPr>
+        <p:txBody>
+          <a:bodyPr/>
+          <a:lstStyle/>
+          <a:p>
+            <a:pPr/>
+            <a:r>
+              <a:t>The predicted coming year resembles the previous ones, obviously.</a:t>
+            </a:r>
+          </a:p>
+          <a:p>
+            <a:pPr/>
+            <a:r>
+              <a:t>But there seems to be a year-by-year decreasing trend.</a:t>
+            </a:r>
+          </a:p>
+        </p:txBody>
+      </p:sp>
+    </p:spTree>
+  </p:cSld>
+  <p:clrMapOvr>
+    <a:masterClrMapping/>
+  </p:clrMapOvr>
+</p:notes>
+</file>
+
+<file path=ppt/notesSlides/notesSlide16.xml><?xml version="1.0" encoding="utf-8"?>
+<p:notes xmlns:a="http://schemas.openxmlformats.org/drawingml/2006/main" xmlns:r="http://schemas.openxmlformats.org/officeDocument/2006/relationships" xmlns:p="http://schemas.openxmlformats.org/presentationml/2006/main" showMasterSp="1" showMasterPhAnim="1">
+  <p:cSld>
+    <p:spTree>
+      <p:nvGrpSpPr>
+        <p:cNvPr id="1" name=""/>
+        <p:cNvGrpSpPr/>
+        <p:nvPr/>
+      </p:nvGrpSpPr>
+      <p:grpSpPr>
+        <a:xfrm>
+          <a:off x="0" y="0"/>
+          <a:ext cx="0" cy="0"/>
+          <a:chOff x="0" y="0"/>
+          <a:chExt cx="0" cy="0"/>
+        </a:xfrm>
+      </p:grpSpPr>
+      <p:sp>
+        <p:nvSpPr>
+          <p:cNvPr id="233" name="Shape 233"/>
+          <p:cNvSpPr/>
+          <p:nvPr>
+            <p:ph type="sldImg"/>
+          </p:nvPr>
+        </p:nvSpPr>
+        <p:spPr>
+          <a:prstGeom prst="rect">
+            <a:avLst/>
+          </a:prstGeom>
+        </p:spPr>
+        <p:txBody>
+          <a:bodyPr/>
+          <a:lstStyle/>
+          <a:p>
+            <a:pPr/>
+          </a:p>
+        </p:txBody>
+      </p:sp>
+      <p:sp>
+        <p:nvSpPr>
+          <p:cNvPr id="234" name="Shape 234"/>
+          <p:cNvSpPr/>
+          <p:nvPr>
+            <p:ph type="body" sz="quarter" idx="1"/>
+          </p:nvPr>
+        </p:nvSpPr>
+        <p:spPr>
+          <a:prstGeom prst="rect">
+            <a:avLst/>
+          </a:prstGeom>
+        </p:spPr>
+        <p:txBody>
+          <a:bodyPr/>
+          <a:lstStyle/>
+          <a:p>
+            <a:pPr/>
+            <a:r>
+              <a:t>Without smoothing, direct visual comparison is difficult.</a:t>
+            </a:r>
+          </a:p>
+          <a:p>
+            <a:pPr/>
+            <a:r>
+              <a:t>However, it seems the predicted general cooling was valid.</a:t>
+            </a:r>
+          </a:p>
+          <a:p>
+            <a:pPr/>
+            <a:r>
+              <a:t>(Of course this does not mean that Global Warming is false, only a short-time, local trend)</a:t>
+            </a:r>
+          </a:p>
+        </p:txBody>
+      </p:sp>
+    </p:spTree>
+  </p:cSld>
+  <p:clrMapOvr>
+    <a:masterClrMapping/>
+  </p:clrMapOvr>
+</p:notes>
+</file>
+
+<file path=ppt/notesSlides/notesSlide17.xml><?xml version="1.0" encoding="utf-8"?>
+<p:notes xmlns:a="http://schemas.openxmlformats.org/drawingml/2006/main" xmlns:r="http://schemas.openxmlformats.org/officeDocument/2006/relationships" xmlns:p="http://schemas.openxmlformats.org/presentationml/2006/main" showMasterSp="1" showMasterPhAnim="1">
+  <p:cSld>
+    <p:spTree>
+      <p:nvGrpSpPr>
+        <p:cNvPr id="1" name=""/>
+        <p:cNvGrpSpPr/>
+        <p:nvPr/>
+      </p:nvGrpSpPr>
+      <p:grpSpPr>
+        <a:xfrm>
+          <a:off x="0" y="0"/>
+          <a:ext cx="0" cy="0"/>
+          <a:chOff x="0" y="0"/>
+          <a:chExt cx="0" cy="0"/>
+        </a:xfrm>
+      </p:grpSpPr>
+      <p:sp>
+        <p:nvSpPr>
+          <p:cNvPr id="239" name="Shape 239"/>
+          <p:cNvSpPr/>
+          <p:nvPr>
+            <p:ph type="sldImg"/>
+          </p:nvPr>
+        </p:nvSpPr>
+        <p:spPr>
+          <a:prstGeom prst="rect">
+            <a:avLst/>
+          </a:prstGeom>
+        </p:spPr>
+        <p:txBody>
+          <a:bodyPr/>
+          <a:lstStyle/>
+          <a:p>
+            <a:pPr/>
+          </a:p>
+        </p:txBody>
+      </p:sp>
+      <p:sp>
+        <p:nvSpPr>
+          <p:cNvPr id="240" name="Shape 240"/>
           <p:cNvSpPr/>
           <p:nvPr>
             <p:ph type="body" sz="quarter" idx="1"/>
@@ -827,7 +1194,7 @@
       </p:grpSpPr>
       <p:sp>
         <p:nvSpPr>
-          <p:cNvPr id="163" name="Shape 163"/>
+          <p:cNvPr id="149" name="Shape 149"/>
           <p:cNvSpPr/>
           <p:nvPr>
             <p:ph type="sldImg"/>
@@ -848,7 +1215,7 @@
       </p:sp>
       <p:sp>
         <p:nvSpPr>
-          <p:cNvPr id="164" name="Shape 164"/>
+          <p:cNvPr id="150" name="Shape 150"/>
           <p:cNvSpPr/>
           <p:nvPr>
             <p:ph type="body" sz="quarter" idx="1"/>
@@ -865,7 +1232,7 @@
           <a:p>
             <a:pPr/>
             <a:r>
-              <a:t>Go to Thingspeak, search for Channel 135, what info can we obtain?</a:t>
+              <a:t>This data has obvious outliers; how would we clean it?</a:t>
             </a:r>
           </a:p>
         </p:txBody>
@@ -897,7 +1264,7 @@
       </p:grpSpPr>
       <p:sp>
         <p:nvSpPr>
-          <p:cNvPr id="168" name="Shape 168"/>
+          <p:cNvPr id="155" name="Shape 155"/>
           <p:cNvSpPr/>
           <p:nvPr>
             <p:ph type="sldImg"/>
@@ -918,7 +1285,7 @@
       </p:sp>
       <p:sp>
         <p:nvSpPr>
-          <p:cNvPr id="169" name="Shape 169"/>
+          <p:cNvPr id="156" name="Shape 156"/>
           <p:cNvSpPr/>
           <p:nvPr>
             <p:ph type="body" sz="quarter" idx="1"/>
@@ -935,16 +1302,7 @@
           <a:p>
             <a:pPr/>
             <a:r>
-              <a:t>Introduce the accompanying Jupyter notebook.</a:t>
-            </a:r>
-          </a:p>
-          <a:p>
-            <a:pPr/>
-          </a:p>
-          <a:p>
-            <a:pPr/>
-            <a:r>
-              <a:t>We restrict the “training data” to Jan.1, 2014 - Dec.31, 2016, so we can compare forecasts with historical data from 2017.</a:t>
+              <a:t>What variations can we see in the graph?</a:t>
             </a:r>
           </a:p>
         </p:txBody>
@@ -976,7 +1334,7 @@
       </p:grpSpPr>
       <p:sp>
         <p:nvSpPr>
-          <p:cNvPr id="174" name="Shape 174"/>
+          <p:cNvPr id="161" name="Shape 161"/>
           <p:cNvSpPr/>
           <p:nvPr>
             <p:ph type="sldImg"/>
@@ -997,7 +1355,7 @@
       </p:sp>
       <p:sp>
         <p:nvSpPr>
-          <p:cNvPr id="175" name="Shape 175"/>
+          <p:cNvPr id="162" name="Shape 162"/>
           <p:cNvSpPr/>
           <p:nvPr>
             <p:ph type="body" sz="quarter" idx="1"/>
@@ -1014,16 +1372,7 @@
           <a:p>
             <a:pPr/>
             <a:r>
-              <a:t>Small tricks with Jupyter and matplotlib: need the directive to actually see the plot!</a:t>
-            </a:r>
-          </a:p>
-          <a:p>
-            <a:pPr/>
-          </a:p>
-          <a:p>
-            <a:pPr/>
-            <a:r>
-              <a:t>Notice: we are plotting against “created_at” time stamps</a:t>
+              <a:t>Discuss the effect of aggregating the data into 6 hour intervals</a:t>
             </a:r>
           </a:p>
         </p:txBody>
@@ -1055,7 +1404,7 @@
       </p:grpSpPr>
       <p:sp>
         <p:nvSpPr>
-          <p:cNvPr id="181" name="Shape 181"/>
+          <p:cNvPr id="167" name="Shape 167"/>
           <p:cNvSpPr/>
           <p:nvPr>
             <p:ph type="sldImg"/>
@@ -1076,7 +1425,7 @@
       </p:sp>
       <p:sp>
         <p:nvSpPr>
-          <p:cNvPr id="182" name="Shape 182"/>
+          <p:cNvPr id="168" name="Shape 168"/>
           <p:cNvSpPr/>
           <p:nvPr>
             <p:ph type="body" sz="quarter" idx="1"/>
@@ -1093,40 +1442,7 @@
           <a:p>
             <a:pPr/>
             <a:r>
-              <a:t>The model is directed to have only yearly seasonality. </a:t>
-            </a:r>
-          </a:p>
-          <a:p>
-            <a:pPr/>
-            <a:r>
-              <a:t>Weekdays will have only slight effect on outside temperature (maybe less traffic on Sundays?)</a:t>
-            </a:r>
-          </a:p>
-          <a:p>
-            <a:pPr/>
-            <a:r>
-              <a:t>There should be a daily rhythm, but it does not seem to appear in the data.</a:t>
-            </a:r>
-          </a:p>
-          <a:p>
-            <a:pPr/>
-            <a:r>
-              <a:t>So we keep only yearly cycles.</a:t>
-            </a:r>
-          </a:p>
-          <a:p>
-            <a:pPr/>
-          </a:p>
-          <a:p>
-            <a:pPr/>
-            <a:r>
-              <a:t>First create now a new dataframe for one week into the future.</a:t>
-            </a:r>
-          </a:p>
-          <a:p>
-            <a:pPr/>
-            <a:r>
-              <a:t>Check the contents (last few records): the last hours of Jan.7</a:t>
+              <a:t>What do we mean with “confidence interval”?</a:t>
             </a:r>
           </a:p>
         </p:txBody>
@@ -1158,7 +1474,7 @@
       </p:grpSpPr>
       <p:sp>
         <p:nvSpPr>
-          <p:cNvPr id="187" name="Shape 187"/>
+          <p:cNvPr id="173" name="Shape 173"/>
           <p:cNvSpPr/>
           <p:nvPr>
             <p:ph type="sldImg"/>
@@ -1179,7 +1495,7 @@
       </p:sp>
       <p:sp>
         <p:nvSpPr>
-          <p:cNvPr id="188" name="Shape 188"/>
+          <p:cNvPr id="174" name="Shape 174"/>
           <p:cNvSpPr/>
           <p:nvPr>
             <p:ph type="body" sz="quarter" idx="1"/>
@@ -1196,7 +1512,31 @@
           <a:p>
             <a:pPr/>
             <a:r>
-              <a:t>The model (training + forecast data) is plotted as the mean and actual data.</a:t>
+              <a:t>Consider Prophet’s design specifications from the point of view of IoT</a:t>
+            </a:r>
+          </a:p>
+          <a:p>
+            <a:pPr/>
+            <a:r>
+              <a:t>If we have only a few days of data, can we still fit it into the Prophet model?</a:t>
+            </a:r>
+          </a:p>
+          <a:p>
+            <a:pPr/>
+            <a:r>
+              <a:t>Sensory data: when does it have daily, weekly, monthly, yearly seasonality?</a:t>
+            </a:r>
+          </a:p>
+          <a:p>
+            <a:pPr/>
+            <a:r>
+              <a:t>What if sensors are picking up human activities (driving, power use, etc.)?</a:t>
+            </a:r>
+          </a:p>
+          <a:p>
+            <a:pPr/>
+            <a:r>
+              <a:t>What Prophet strengths apply to IoT? Which do not?</a:t>
             </a:r>
           </a:p>
         </p:txBody>
@@ -1228,7 +1568,7 @@
       </p:grpSpPr>
       <p:sp>
         <p:nvSpPr>
-          <p:cNvPr id="193" name="Shape 193"/>
+          <p:cNvPr id="179" name="Shape 179"/>
           <p:cNvSpPr/>
           <p:nvPr>
             <p:ph type="sldImg"/>
@@ -1249,7 +1589,7 @@
       </p:sp>
       <p:sp>
         <p:nvSpPr>
-          <p:cNvPr id="194" name="Shape 194"/>
+          <p:cNvPr id="180" name="Shape 180"/>
           <p:cNvSpPr/>
           <p:nvPr>
             <p:ph type="body" sz="quarter" idx="1"/>
@@ -1266,7 +1606,7 @@
           <a:p>
             <a:pPr/>
             <a:r>
-              <a:t>The measured temperature fluctuates first around about 4 C, then goes down to around 0 C.</a:t>
+              <a:t>Go to Thingspeak, search for Channel 135, what info can we obtain?</a:t>
             </a:r>
           </a:p>
         </p:txBody>
@@ -1298,7 +1638,7 @@
       </p:grpSpPr>
       <p:sp>
         <p:nvSpPr>
-          <p:cNvPr id="199" name="Shape 199"/>
+          <p:cNvPr id="184" name="Shape 184"/>
           <p:cNvSpPr/>
           <p:nvPr>
             <p:ph type="sldImg"/>
@@ -1319,7 +1659,7 @@
       </p:sp>
       <p:sp>
         <p:nvSpPr>
-          <p:cNvPr id="200" name="Shape 200"/>
+          <p:cNvPr id="185" name="Shape 185"/>
           <p:cNvSpPr/>
           <p:nvPr>
             <p:ph type="body" sz="quarter" idx="1"/>
@@ -1336,13 +1676,16 @@
           <a:p>
             <a:pPr/>
             <a:r>
-              <a:t>The forecast says the temperature will go down from 2.4 C to 1.0 C in a week.</a:t>
-            </a:r>
-          </a:p>
-          <a:p>
-            <a:pPr/>
-            <a:r>
-              <a:t>This is different from what we saw in the previous figure, but perhaps acceptable.</a:t>
+              <a:t>Introduce the accompanying Jupyter notebook.</a:t>
+            </a:r>
+          </a:p>
+          <a:p>
+            <a:pPr/>
+          </a:p>
+          <a:p>
+            <a:pPr/>
+            <a:r>
+              <a:t>We restrict the “training data” to Jan.1, 2014 - Dec.31, 2016, so we can compare forecasts with historical data from 2017.</a:t>
             </a:r>
           </a:p>
         </p:txBody>
@@ -1374,7 +1717,7 @@
       </p:grpSpPr>
       <p:sp>
         <p:nvSpPr>
-          <p:cNvPr id="205" name="Shape 205"/>
+          <p:cNvPr id="190" name="Shape 190"/>
           <p:cNvSpPr/>
           <p:nvPr>
             <p:ph type="sldImg"/>
@@ -1395,7 +1738,7 @@
       </p:sp>
       <p:sp>
         <p:nvSpPr>
-          <p:cNvPr id="206" name="Shape 206"/>
+          <p:cNvPr id="191" name="Shape 191"/>
           <p:cNvSpPr/>
           <p:nvPr>
             <p:ph type="body" sz="quarter" idx="1"/>
@@ -1412,7 +1755,16 @@
           <a:p>
             <a:pPr/>
             <a:r>
-              <a:t>Notice the last few time stamps: the last 5 days of December. The time is arbitrary.</a:t>
+              <a:t>Small tricks with Jupyter and matplotlib: need the directive to actually see the plot!</a:t>
+            </a:r>
+          </a:p>
+          <a:p>
+            <a:pPr/>
+          </a:p>
+          <a:p>
+            <a:pPr/>
+            <a:r>
+              <a:t>Notice: we are plotting against “created_at” time stamps</a:t>
             </a:r>
           </a:p>
         </p:txBody>
@@ -4333,7 +4685,7 @@
       </p:grpSpPr>
       <p:sp>
         <p:nvSpPr>
-          <p:cNvPr id="154" name="Prophet"/>
+          <p:cNvPr id="158" name="Temporal Prediction with ARIMA"/>
           <p:cNvSpPr txBox="1"/>
           <p:nvPr>
             <p:ph type="title"/>
@@ -4350,369 +4702,21 @@
           <a:p>
             <a:pPr/>
             <a:r>
-              <a:t>Prophet</a:t>
-            </a:r>
-          </a:p>
-        </p:txBody>
-      </p:sp>
-      <p:sp>
-        <p:nvSpPr>
-          <p:cNvPr id="155" name="Prophet: forecasting at scale…"/>
-          <p:cNvSpPr txBox="1"/>
-          <p:nvPr>
-            <p:ph type="body" idx="1"/>
-          </p:nvPr>
-        </p:nvSpPr>
-        <p:spPr>
-          <a:prstGeom prst="rect">
-            <a:avLst/>
-          </a:prstGeom>
-        </p:spPr>
-        <p:txBody>
-          <a:bodyPr/>
-          <a:lstStyle/>
-          <a:p>
-            <a:pPr marL="0" indent="0" defTabSz="420623">
-              <a:spcBef>
-                <a:spcPts val="0"/>
-              </a:spcBef>
-              <a:buSzTx/>
-              <a:buFontTx/>
-              <a:buNone/>
-              <a:defRPr b="1" sz="4600">
-                <a:solidFill>
-                  <a:srgbClr val="3B3B3B"/>
-                </a:solidFill>
-                <a:latin typeface="Helvetica Neue"/>
-                <a:ea typeface="Helvetica Neue"/>
-                <a:cs typeface="Helvetica Neue"/>
-                <a:sym typeface="Helvetica Neue"/>
-              </a:defRPr>
-            </a:pPr>
-            <a:r>
-              <a:t>Prophet: forecasting at scale</a:t>
-            </a:r>
-          </a:p>
-          <a:p>
-            <a:pPr marL="0" indent="0" defTabSz="420623">
-              <a:spcBef>
-                <a:spcPts val="0"/>
-              </a:spcBef>
-              <a:buSzTx/>
-              <a:buFontTx/>
-              <a:buNone/>
-              <a:defRPr b="1" sz="1288">
-                <a:solidFill>
-                  <a:srgbClr val="4E5665"/>
-                </a:solidFill>
-                <a:latin typeface="Helvetica Neue"/>
-                <a:ea typeface="Helvetica Neue"/>
-                <a:cs typeface="Helvetica Neue"/>
-                <a:sym typeface="Helvetica Neue"/>
-              </a:defRPr>
-            </a:pPr>
-            <a:r>
-              <a:rPr b="0"/>
-              <a:t>By: </a:t>
-            </a:r>
-            <a:r>
-              <a:rPr u="sng">
-                <a:solidFill>
-                  <a:srgbClr val="0000FF"/>
-                </a:solidFill>
-                <a:uFill>
-                  <a:solidFill>
-                    <a:srgbClr val="0000FF"/>
-                  </a:solidFill>
-                </a:uFill>
-                <a:hlinkClick r:id="rId3" invalidUrl="" action="" tgtFrame="" tooltip="" history="1" highlightClick="0" endSnd="0"/>
-              </a:rPr>
-              <a:t>Sean J. Taylor</a:t>
-            </a:r>
-            <a:r>
-              <a:rPr b="0"/>
-              <a:t>, </a:t>
-            </a:r>
-            <a:r>
-              <a:rPr u="sng">
-                <a:solidFill>
-                  <a:srgbClr val="0000FF"/>
-                </a:solidFill>
-                <a:uFill>
-                  <a:solidFill>
-                    <a:srgbClr val="0000FF"/>
-                  </a:solidFill>
-                </a:uFill>
-                <a:hlinkClick r:id="rId4" invalidUrl="" action="" tgtFrame="" tooltip="" history="1" highlightClick="0" endSnd="0"/>
-              </a:rPr>
-              <a:t>Ben Letham</a:t>
-            </a:r>
-          </a:p>
-          <a:p>
-            <a:pPr marL="0" indent="0" defTabSz="420623">
-              <a:spcBef>
-                <a:spcPts val="0"/>
-              </a:spcBef>
-              <a:buSzTx/>
-              <a:buFontTx/>
-              <a:buNone/>
-              <a:defRPr b="1" sz="1288">
-                <a:solidFill>
-                  <a:srgbClr val="4E5665"/>
-                </a:solidFill>
-                <a:latin typeface="Helvetica Neue"/>
-                <a:ea typeface="Helvetica Neue"/>
-                <a:cs typeface="Helvetica Neue"/>
-                <a:sym typeface="Helvetica Neue"/>
-              </a:defRPr>
-            </a:pPr>
-          </a:p>
-          <a:p>
-            <a:pPr marL="0" indent="0" defTabSz="420623">
-              <a:spcBef>
-                <a:spcPts val="0"/>
-              </a:spcBef>
-              <a:buSzTx/>
-              <a:buFontTx/>
-              <a:buNone/>
-              <a:defRPr sz="1472">
-                <a:solidFill>
-                  <a:srgbClr val="4E5665"/>
-                </a:solidFill>
-                <a:latin typeface="Helvetica Neue"/>
-                <a:ea typeface="Helvetica Neue"/>
-                <a:cs typeface="Helvetica Neue"/>
-                <a:sym typeface="Helvetica Neue"/>
-              </a:defRPr>
-            </a:pPr>
-            <a:r>
-              <a:t>Today (February 23, 2017) Facebook is </a:t>
-            </a:r>
-            <a:r>
-              <a:rPr>
-                <a:solidFill>
-                  <a:srgbClr val="4165B3"/>
-                </a:solidFill>
-                <a:hlinkClick r:id="rId5" invalidUrl="" action="" tgtFrame="" tooltip="" history="1" highlightClick="0" endSnd="0"/>
-              </a:rPr>
-              <a:t>open sourcing Prophet</a:t>
-            </a:r>
-            <a:r>
-              <a:t>, a forecasting tool available in Python and R. </a:t>
-            </a:r>
-          </a:p>
-          <a:p>
-            <a:pPr marL="0" indent="0" defTabSz="420623">
-              <a:spcBef>
-                <a:spcPts val="0"/>
-              </a:spcBef>
-              <a:buSzTx/>
-              <a:buFontTx/>
-              <a:buNone/>
-              <a:defRPr b="1" sz="3220">
-                <a:solidFill>
-                  <a:srgbClr val="3B3B3B"/>
-                </a:solidFill>
-                <a:latin typeface="Helvetica Neue"/>
-                <a:ea typeface="Helvetica Neue"/>
-                <a:cs typeface="Helvetica Neue"/>
-                <a:sym typeface="Helvetica Neue"/>
-              </a:defRPr>
-            </a:pPr>
-            <a:r>
-              <a:t>Where Prophet shines</a:t>
-            </a:r>
-          </a:p>
-          <a:p>
-            <a:pPr marL="0" indent="0" defTabSz="420623">
-              <a:spcBef>
-                <a:spcPts val="0"/>
-              </a:spcBef>
-              <a:buSzTx/>
-              <a:buFontTx/>
-              <a:buNone/>
-              <a:defRPr sz="1472">
-                <a:solidFill>
-                  <a:srgbClr val="4E5665"/>
-                </a:solidFill>
-                <a:latin typeface="Helvetica Neue"/>
-                <a:ea typeface="Helvetica Neue"/>
-                <a:cs typeface="Helvetica Neue"/>
-                <a:sym typeface="Helvetica Neue"/>
-              </a:defRPr>
-            </a:pPr>
-            <a:r>
-              <a:t>Not all forecasting problems can be solved by the same procedure. Prophet is optimized for the business forecast tasks we have encountered at Facebook, which typically have any of the following characteristics:</a:t>
-            </a:r>
-          </a:p>
-          <a:p>
-            <a:pPr marL="420623" indent="-420623" defTabSz="420623">
-              <a:spcBef>
-                <a:spcPts val="0"/>
-              </a:spcBef>
-              <a:buSzTx/>
-              <a:buFontTx/>
-              <a:buNone/>
-              <a:tabLst>
-                <a:tab pos="127000" algn="l"/>
-                <a:tab pos="419100" algn="l"/>
-              </a:tabLst>
-              <a:defRPr sz="1472">
-                <a:solidFill>
-                  <a:srgbClr val="4E5665"/>
-                </a:solidFill>
-                <a:latin typeface="Helvetica Neue"/>
-                <a:ea typeface="Helvetica Neue"/>
-                <a:cs typeface="Helvetica Neue"/>
-                <a:sym typeface="Helvetica Neue"/>
-              </a:defRPr>
-            </a:pPr>
-            <a:r>
-              <a:t>	•	hourly, daily, or weekly observations with at least a few months (preferably a year) of history</a:t>
-            </a:r>
-          </a:p>
-          <a:p>
-            <a:pPr marL="420623" indent="-420623" defTabSz="420623">
-              <a:spcBef>
-                <a:spcPts val="0"/>
-              </a:spcBef>
-              <a:buSzTx/>
-              <a:buFontTx/>
-              <a:buNone/>
-              <a:tabLst>
-                <a:tab pos="127000" algn="l"/>
-                <a:tab pos="419100" algn="l"/>
-              </a:tabLst>
-              <a:defRPr sz="1472">
-                <a:solidFill>
-                  <a:srgbClr val="4E5665"/>
-                </a:solidFill>
-                <a:latin typeface="Helvetica Neue"/>
-                <a:ea typeface="Helvetica Neue"/>
-                <a:cs typeface="Helvetica Neue"/>
-                <a:sym typeface="Helvetica Neue"/>
-              </a:defRPr>
-            </a:pPr>
-            <a:r>
-              <a:t>	•	strong multiple “human-scale” seasonalities: day of week and time of year</a:t>
-            </a:r>
-          </a:p>
-          <a:p>
-            <a:pPr marL="420623" indent="-420623" defTabSz="420623">
-              <a:spcBef>
-                <a:spcPts val="0"/>
-              </a:spcBef>
-              <a:buSzTx/>
-              <a:buFontTx/>
-              <a:buNone/>
-              <a:tabLst>
-                <a:tab pos="127000" algn="l"/>
-                <a:tab pos="419100" algn="l"/>
-              </a:tabLst>
-              <a:defRPr sz="1472">
-                <a:solidFill>
-                  <a:srgbClr val="4E5665"/>
-                </a:solidFill>
-                <a:latin typeface="Helvetica Neue"/>
-                <a:ea typeface="Helvetica Neue"/>
-                <a:cs typeface="Helvetica Neue"/>
-                <a:sym typeface="Helvetica Neue"/>
-              </a:defRPr>
-            </a:pPr>
-            <a:r>
-              <a:t>	•	important holidays that occur at irregular intervals that are known in advance (e.g. the Super Bowl)</a:t>
-            </a:r>
-          </a:p>
-          <a:p>
-            <a:pPr marL="420623" indent="-420623" defTabSz="420623">
-              <a:spcBef>
-                <a:spcPts val="0"/>
-              </a:spcBef>
-              <a:buSzTx/>
-              <a:buFontTx/>
-              <a:buNone/>
-              <a:tabLst>
-                <a:tab pos="127000" algn="l"/>
-                <a:tab pos="419100" algn="l"/>
-              </a:tabLst>
-              <a:defRPr sz="1472">
-                <a:solidFill>
-                  <a:srgbClr val="4E5665"/>
-                </a:solidFill>
-                <a:latin typeface="Helvetica Neue"/>
-                <a:ea typeface="Helvetica Neue"/>
-                <a:cs typeface="Helvetica Neue"/>
-                <a:sym typeface="Helvetica Neue"/>
-              </a:defRPr>
-            </a:pPr>
-            <a:r>
-              <a:t>	•	a reasonable number of missing observations or large outliers</a:t>
-            </a:r>
-          </a:p>
-          <a:p>
-            <a:pPr marL="420623" indent="-420623" defTabSz="420623">
-              <a:spcBef>
-                <a:spcPts val="0"/>
-              </a:spcBef>
-              <a:buSzTx/>
-              <a:buFontTx/>
-              <a:buNone/>
-              <a:tabLst>
-                <a:tab pos="127000" algn="l"/>
-                <a:tab pos="419100" algn="l"/>
-              </a:tabLst>
-              <a:defRPr sz="1472">
-                <a:solidFill>
-                  <a:srgbClr val="4E5665"/>
-                </a:solidFill>
-                <a:latin typeface="Helvetica Neue"/>
-                <a:ea typeface="Helvetica Neue"/>
-                <a:cs typeface="Helvetica Neue"/>
-                <a:sym typeface="Helvetica Neue"/>
-              </a:defRPr>
-            </a:pPr>
-            <a:r>
-              <a:t>	•	historical trend changes, for instance due to product launches or logging changes</a:t>
-            </a:r>
-          </a:p>
-          <a:p>
-            <a:pPr marL="420623" indent="-420623" defTabSz="420623">
-              <a:spcBef>
-                <a:spcPts val="0"/>
-              </a:spcBef>
-              <a:buSzTx/>
-              <a:buFontTx/>
-              <a:buNone/>
-              <a:tabLst>
-                <a:tab pos="127000" algn="l"/>
-                <a:tab pos="419100" algn="l"/>
-              </a:tabLst>
-              <a:defRPr sz="1472">
-                <a:solidFill>
-                  <a:srgbClr val="4E5665"/>
-                </a:solidFill>
-                <a:latin typeface="Helvetica Neue"/>
-                <a:ea typeface="Helvetica Neue"/>
-                <a:cs typeface="Helvetica Neue"/>
-                <a:sym typeface="Helvetica Neue"/>
-              </a:defRPr>
-            </a:pPr>
-            <a:r>
-              <a:t>	•	trends that are non-linear growth curves, where a trend hits a natural limit or saturates</a:t>
-            </a:r>
-          </a:p>
-        </p:txBody>
-      </p:sp>
-      <p:sp>
-        <p:nvSpPr>
-          <p:cNvPr id="156" name="https://research.fb.com/prophet-forecasting-at-scale/"/>
+              <a:t>Temporal Prediction with ARIMA</a:t>
+            </a:r>
+          </a:p>
+        </p:txBody>
+      </p:sp>
+      <p:sp>
+        <p:nvSpPr>
+          <p:cNvPr id="159" name="# Create an Auto-Regressive Integrated Moving Average model…"/>
           <p:cNvSpPr txBox="1"/>
           <p:nvPr/>
         </p:nvSpPr>
         <p:spPr>
           <a:xfrm>
-            <a:off x="524812" y="5961379"/>
-            <a:ext cx="5097176" cy="370841"/>
+            <a:off x="1320505" y="1377760"/>
+            <a:ext cx="6729969" cy="1767841"/>
           </a:xfrm>
           <a:prstGeom prst="rect">
             <a:avLst/>
@@ -4734,11 +4738,67 @@
           <a:p>
             <a:pPr/>
             <a:r>
-              <a:t>https://research.fb.com/prophet-forecasting-at-scale/</a:t>
-            </a:r>
-          </a:p>
-        </p:txBody>
-      </p:sp>
+              <a:t># Create an Auto-Regressive Integrated Moving Average model</a:t>
+            </a:r>
+          </a:p>
+          <a:p>
+            <a:pPr/>
+            <a:r>
+              <a:t>model = pf.ARIMA(data=data,ar=4,ma=4,integ=0,target='Temperature')</a:t>
+            </a:r>
+          </a:p>
+          <a:p>
+            <a:pPr/>
+          </a:p>
+          <a:p>
+            <a:pPr/>
+            <a:r>
+              <a:t># Fit it</a:t>
+            </a:r>
+          </a:p>
+          <a:p>
+            <a:pPr/>
+            <a:r>
+              <a:t>x = model.fit("MLE")</a:t>
+            </a:r>
+          </a:p>
+          <a:p>
+            <a:pPr/>
+            <a:r>
+              <a:t>model.plot_fit(figsize=(15,5))</a:t>
+            </a:r>
+          </a:p>
+        </p:txBody>
+      </p:sp>
+      <p:pic>
+        <p:nvPicPr>
+          <p:cNvPr id="160" name="Image" descr="Image"/>
+          <p:cNvPicPr>
+            <a:picLocks noChangeAspect="1"/>
+          </p:cNvPicPr>
+          <p:nvPr/>
+        </p:nvPicPr>
+        <p:blipFill>
+          <a:blip r:embed="rId3">
+            <a:extLst/>
+          </a:blip>
+          <a:stretch>
+            <a:fillRect/>
+          </a:stretch>
+        </p:blipFill>
+        <p:spPr>
+          <a:xfrm>
+            <a:off x="1320505" y="3414328"/>
+            <a:ext cx="6729969" cy="2422176"/>
+          </a:xfrm>
+          <a:prstGeom prst="rect">
+            <a:avLst/>
+          </a:prstGeom>
+          <a:ln w="12700">
+            <a:miter lim="400000"/>
+          </a:ln>
+        </p:spPr>
+      </p:pic>
     </p:spTree>
   </p:cSld>
   <p:clrMapOvr>
@@ -4767,99 +4827,99 @@
       </p:grpSpPr>
       <p:sp>
         <p:nvSpPr>
-          <p:cNvPr id="160" name="Example of another temporal IoT data: temperature…"/>
+          <p:cNvPr id="164" name="Temporal Prediction with ARIMA"/>
           <p:cNvSpPr txBox="1"/>
           <p:nvPr>
             <p:ph type="title"/>
           </p:nvPr>
         </p:nvSpPr>
         <p:spPr>
+          <a:prstGeom prst="rect">
+            <a:avLst/>
+          </a:prstGeom>
+        </p:spPr>
+        <p:txBody>
+          <a:bodyPr/>
+          <a:lstStyle/>
+          <a:p>
+            <a:pPr/>
+            <a:r>
+              <a:t>Temporal Prediction with ARIMA</a:t>
+            </a:r>
+          </a:p>
+        </p:txBody>
+      </p:sp>
+      <p:sp>
+        <p:nvSpPr>
+          <p:cNvPr id="165" name="# Try prediction for 2 days (8 intervals)…"/>
+          <p:cNvSpPr txBox="1"/>
+          <p:nvPr/>
+        </p:nvSpPr>
+        <p:spPr>
           <a:xfrm>
-            <a:off x="1792288" y="4800600"/>
-            <a:ext cx="5486401" cy="804863"/>
+            <a:off x="1992493" y="1498816"/>
+            <a:ext cx="5159014" cy="650241"/>
           </a:xfrm>
           <a:prstGeom prst="rect">
             <a:avLst/>
           </a:prstGeom>
-        </p:spPr>
-        <p:txBody>
-          <a:bodyPr/>
-          <a:lstStyle/>
-          <a:p>
-            <a:pPr defTabSz="877823">
-              <a:defRPr sz="1919"/>
-            </a:pPr>
-            <a:r>
-              <a:t>Example of another temporal IoT data: temperature</a:t>
-            </a:r>
-          </a:p>
-          <a:p>
-            <a:pPr defTabSz="877823">
-              <a:defRPr sz="1919"/>
-            </a:pPr>
-            <a:r>
-              <a:t>in Thingspeak Channel 135 (long-running, open data)</a:t>
+          <a:ln w="12700">
+            <a:miter lim="400000"/>
+          </a:ln>
+          <a:extLst>
+            <a:ext uri="{C572A759-6A51-4108-AA02-DFA0A04FC94B}">
+              <ma14:wrappingTextBoxFlag xmlns:ma14="http://schemas.microsoft.com/office/mac/drawingml/2011/main" val="1"/>
+            </a:ext>
+          </a:extLst>
+        </p:spPr>
+        <p:txBody>
+          <a:bodyPr wrap="none" lIns="45719" rIns="45719">
+            <a:spAutoFit/>
+          </a:bodyPr>
+          <a:lstStyle/>
+          <a:p>
+            <a:pPr/>
+            <a:r>
+              <a:t># Try prediction for 2 days (8 intervals)</a:t>
+            </a:r>
+          </a:p>
+          <a:p>
+            <a:pPr/>
+            <a:r>
+              <a:t>model.plot_predict(h=8,past_values=20,figsize=(15,5))</a:t>
             </a:r>
           </a:p>
         </p:txBody>
       </p:sp>
       <p:pic>
         <p:nvPicPr>
-          <p:cNvPr id="161" name="Picture Placeholder 2" descr="Picture Placeholder 2"/>
+          <p:cNvPr id="166" name="Image" descr="Image"/>
           <p:cNvPicPr>
             <a:picLocks noChangeAspect="1"/>
           </p:cNvPicPr>
-          <p:nvPr>
-            <p:ph type="pic" idx="13"/>
-          </p:nvPr>
+          <p:nvPr/>
         </p:nvPicPr>
         <p:blipFill>
           <a:blip r:embed="rId3">
             <a:extLst/>
           </a:blip>
-          <a:srcRect l="0" t="174" r="0" b="174"/>
           <a:stretch>
             <a:fillRect/>
           </a:stretch>
         </p:blipFill>
         <p:spPr>
           <a:xfrm>
-            <a:off x="1076023" y="1338733"/>
-            <a:ext cx="6918797" cy="2835198"/>
+            <a:off x="1335414" y="2610433"/>
+            <a:ext cx="6473172" cy="2352585"/>
           </a:xfrm>
           <a:prstGeom prst="rect">
             <a:avLst/>
           </a:prstGeom>
+          <a:ln w="12700">
+            <a:miter lim="400000"/>
+          </a:ln>
         </p:spPr>
       </p:pic>
-      <p:sp>
-        <p:nvSpPr>
-          <p:cNvPr id="162" name="http://community.thingspeak.com/forum/announcements/thingspeak-live-chart-multi-channel-second-axis-historical-data-csv-export/"/>
-          <p:cNvSpPr txBox="1"/>
-          <p:nvPr>
-            <p:ph type="body" sz="quarter" idx="1"/>
-          </p:nvPr>
-        </p:nvSpPr>
-        <p:spPr>
-          <a:xfrm>
-            <a:off x="1792288" y="5761037"/>
-            <a:ext cx="5486401" cy="804863"/>
-          </a:xfrm>
-          <a:prstGeom prst="rect">
-            <a:avLst/>
-          </a:prstGeom>
-        </p:spPr>
-        <p:txBody>
-          <a:bodyPr/>
-          <a:lstStyle/>
-          <a:p>
-            <a:pPr/>
-            <a:r>
-              <a:t>http://community.thingspeak.com/forum/announcements/thingspeak-live-chart-multi-channel-second-axis-historical-data-csv-export/</a:t>
-            </a:r>
-          </a:p>
-        </p:txBody>
-      </p:sp>
     </p:spTree>
   </p:cSld>
   <p:clrMapOvr>
@@ -4888,7 +4948,7 @@
       </p:grpSpPr>
       <p:sp>
         <p:nvSpPr>
-          <p:cNvPr id="166" name="Open the datafile with Pandas"/>
+          <p:cNvPr id="170" name="Prophet"/>
           <p:cNvSpPr txBox="1"/>
           <p:nvPr>
             <p:ph type="title"/>
@@ -4905,21 +4965,369 @@
           <a:p>
             <a:pPr/>
             <a:r>
-              <a:t>Open the datafile with Pandas</a:t>
-            </a:r>
-          </a:p>
-        </p:txBody>
-      </p:sp>
-      <p:sp>
-        <p:nvSpPr>
-          <p:cNvPr id="167" name="import pandas as pd…"/>
+              <a:t>Prophet</a:t>
+            </a:r>
+          </a:p>
+        </p:txBody>
+      </p:sp>
+      <p:sp>
+        <p:nvSpPr>
+          <p:cNvPr id="171" name="Prophet: forecasting at scale…"/>
+          <p:cNvSpPr txBox="1"/>
+          <p:nvPr>
+            <p:ph type="body" idx="1"/>
+          </p:nvPr>
+        </p:nvSpPr>
+        <p:spPr>
+          <a:prstGeom prst="rect">
+            <a:avLst/>
+          </a:prstGeom>
+        </p:spPr>
+        <p:txBody>
+          <a:bodyPr/>
+          <a:lstStyle/>
+          <a:p>
+            <a:pPr marL="0" indent="0" defTabSz="420623">
+              <a:spcBef>
+                <a:spcPts val="0"/>
+              </a:spcBef>
+              <a:buSzTx/>
+              <a:buFontTx/>
+              <a:buNone/>
+              <a:defRPr b="1" sz="4600">
+                <a:solidFill>
+                  <a:srgbClr val="3B3B3B"/>
+                </a:solidFill>
+                <a:latin typeface="Helvetica Neue"/>
+                <a:ea typeface="Helvetica Neue"/>
+                <a:cs typeface="Helvetica Neue"/>
+                <a:sym typeface="Helvetica Neue"/>
+              </a:defRPr>
+            </a:pPr>
+            <a:r>
+              <a:t>Prophet: forecasting at scale</a:t>
+            </a:r>
+          </a:p>
+          <a:p>
+            <a:pPr marL="0" indent="0" defTabSz="420623">
+              <a:spcBef>
+                <a:spcPts val="0"/>
+              </a:spcBef>
+              <a:buSzTx/>
+              <a:buFontTx/>
+              <a:buNone/>
+              <a:defRPr b="1" sz="1288">
+                <a:solidFill>
+                  <a:srgbClr val="4E5665"/>
+                </a:solidFill>
+                <a:latin typeface="Helvetica Neue"/>
+                <a:ea typeface="Helvetica Neue"/>
+                <a:cs typeface="Helvetica Neue"/>
+                <a:sym typeface="Helvetica Neue"/>
+              </a:defRPr>
+            </a:pPr>
+            <a:r>
+              <a:rPr b="0"/>
+              <a:t>By: </a:t>
+            </a:r>
+            <a:r>
+              <a:rPr u="sng">
+                <a:solidFill>
+                  <a:srgbClr val="0000FF"/>
+                </a:solidFill>
+                <a:uFill>
+                  <a:solidFill>
+                    <a:srgbClr val="0000FF"/>
+                  </a:solidFill>
+                </a:uFill>
+                <a:hlinkClick r:id="rId3" invalidUrl="" action="" tgtFrame="" tooltip="" history="1" highlightClick="0" endSnd="0"/>
+              </a:rPr>
+              <a:t>Sean J. Taylor</a:t>
+            </a:r>
+            <a:r>
+              <a:rPr b="0"/>
+              <a:t>, </a:t>
+            </a:r>
+            <a:r>
+              <a:rPr u="sng">
+                <a:solidFill>
+                  <a:srgbClr val="0000FF"/>
+                </a:solidFill>
+                <a:uFill>
+                  <a:solidFill>
+                    <a:srgbClr val="0000FF"/>
+                  </a:solidFill>
+                </a:uFill>
+                <a:hlinkClick r:id="rId4" invalidUrl="" action="" tgtFrame="" tooltip="" history="1" highlightClick="0" endSnd="0"/>
+              </a:rPr>
+              <a:t>Ben Letham</a:t>
+            </a:r>
+          </a:p>
+          <a:p>
+            <a:pPr marL="0" indent="0" defTabSz="420623">
+              <a:spcBef>
+                <a:spcPts val="0"/>
+              </a:spcBef>
+              <a:buSzTx/>
+              <a:buFontTx/>
+              <a:buNone/>
+              <a:defRPr b="1" sz="1288">
+                <a:solidFill>
+                  <a:srgbClr val="4E5665"/>
+                </a:solidFill>
+                <a:latin typeface="Helvetica Neue"/>
+                <a:ea typeface="Helvetica Neue"/>
+                <a:cs typeface="Helvetica Neue"/>
+                <a:sym typeface="Helvetica Neue"/>
+              </a:defRPr>
+            </a:pPr>
+          </a:p>
+          <a:p>
+            <a:pPr marL="0" indent="0" defTabSz="420623">
+              <a:spcBef>
+                <a:spcPts val="0"/>
+              </a:spcBef>
+              <a:buSzTx/>
+              <a:buFontTx/>
+              <a:buNone/>
+              <a:defRPr sz="1472">
+                <a:solidFill>
+                  <a:srgbClr val="4E5665"/>
+                </a:solidFill>
+                <a:latin typeface="Helvetica Neue"/>
+                <a:ea typeface="Helvetica Neue"/>
+                <a:cs typeface="Helvetica Neue"/>
+                <a:sym typeface="Helvetica Neue"/>
+              </a:defRPr>
+            </a:pPr>
+            <a:r>
+              <a:t>Today (February 23, 2017) Facebook is </a:t>
+            </a:r>
+            <a:r>
+              <a:rPr>
+                <a:solidFill>
+                  <a:srgbClr val="4165B3"/>
+                </a:solidFill>
+                <a:hlinkClick r:id="rId5" invalidUrl="" action="" tgtFrame="" tooltip="" history="1" highlightClick="0" endSnd="0"/>
+              </a:rPr>
+              <a:t>open sourcing Prophet</a:t>
+            </a:r>
+            <a:r>
+              <a:t>, a forecasting tool available in Python and R. </a:t>
+            </a:r>
+          </a:p>
+          <a:p>
+            <a:pPr marL="0" indent="0" defTabSz="420623">
+              <a:spcBef>
+                <a:spcPts val="0"/>
+              </a:spcBef>
+              <a:buSzTx/>
+              <a:buFontTx/>
+              <a:buNone/>
+              <a:defRPr b="1" sz="3220">
+                <a:solidFill>
+                  <a:srgbClr val="3B3B3B"/>
+                </a:solidFill>
+                <a:latin typeface="Helvetica Neue"/>
+                <a:ea typeface="Helvetica Neue"/>
+                <a:cs typeface="Helvetica Neue"/>
+                <a:sym typeface="Helvetica Neue"/>
+              </a:defRPr>
+            </a:pPr>
+            <a:r>
+              <a:t>Where Prophet shines</a:t>
+            </a:r>
+          </a:p>
+          <a:p>
+            <a:pPr marL="0" indent="0" defTabSz="420623">
+              <a:spcBef>
+                <a:spcPts val="0"/>
+              </a:spcBef>
+              <a:buSzTx/>
+              <a:buFontTx/>
+              <a:buNone/>
+              <a:defRPr sz="1472">
+                <a:solidFill>
+                  <a:srgbClr val="4E5665"/>
+                </a:solidFill>
+                <a:latin typeface="Helvetica Neue"/>
+                <a:ea typeface="Helvetica Neue"/>
+                <a:cs typeface="Helvetica Neue"/>
+                <a:sym typeface="Helvetica Neue"/>
+              </a:defRPr>
+            </a:pPr>
+            <a:r>
+              <a:t>Not all forecasting problems can be solved by the same procedure. Prophet is optimized for the business forecast tasks we have encountered at Facebook, which typically have any of the following characteristics:</a:t>
+            </a:r>
+          </a:p>
+          <a:p>
+            <a:pPr marL="420623" indent="-420623" defTabSz="420623">
+              <a:spcBef>
+                <a:spcPts val="0"/>
+              </a:spcBef>
+              <a:buSzTx/>
+              <a:buFontTx/>
+              <a:buNone/>
+              <a:tabLst>
+                <a:tab pos="127000" algn="l"/>
+                <a:tab pos="419100" algn="l"/>
+              </a:tabLst>
+              <a:defRPr sz="1472">
+                <a:solidFill>
+                  <a:srgbClr val="4E5665"/>
+                </a:solidFill>
+                <a:latin typeface="Helvetica Neue"/>
+                <a:ea typeface="Helvetica Neue"/>
+                <a:cs typeface="Helvetica Neue"/>
+                <a:sym typeface="Helvetica Neue"/>
+              </a:defRPr>
+            </a:pPr>
+            <a:r>
+              <a:t>	•	hourly, daily, or weekly observations with at least a few months (preferably a year) of history</a:t>
+            </a:r>
+          </a:p>
+          <a:p>
+            <a:pPr marL="420623" indent="-420623" defTabSz="420623">
+              <a:spcBef>
+                <a:spcPts val="0"/>
+              </a:spcBef>
+              <a:buSzTx/>
+              <a:buFontTx/>
+              <a:buNone/>
+              <a:tabLst>
+                <a:tab pos="127000" algn="l"/>
+                <a:tab pos="419100" algn="l"/>
+              </a:tabLst>
+              <a:defRPr sz="1472">
+                <a:solidFill>
+                  <a:srgbClr val="4E5665"/>
+                </a:solidFill>
+                <a:latin typeface="Helvetica Neue"/>
+                <a:ea typeface="Helvetica Neue"/>
+                <a:cs typeface="Helvetica Neue"/>
+                <a:sym typeface="Helvetica Neue"/>
+              </a:defRPr>
+            </a:pPr>
+            <a:r>
+              <a:t>	•	strong multiple “human-scale” seasonalities: day of week and time of year</a:t>
+            </a:r>
+          </a:p>
+          <a:p>
+            <a:pPr marL="420623" indent="-420623" defTabSz="420623">
+              <a:spcBef>
+                <a:spcPts val="0"/>
+              </a:spcBef>
+              <a:buSzTx/>
+              <a:buFontTx/>
+              <a:buNone/>
+              <a:tabLst>
+                <a:tab pos="127000" algn="l"/>
+                <a:tab pos="419100" algn="l"/>
+              </a:tabLst>
+              <a:defRPr sz="1472">
+                <a:solidFill>
+                  <a:srgbClr val="4E5665"/>
+                </a:solidFill>
+                <a:latin typeface="Helvetica Neue"/>
+                <a:ea typeface="Helvetica Neue"/>
+                <a:cs typeface="Helvetica Neue"/>
+                <a:sym typeface="Helvetica Neue"/>
+              </a:defRPr>
+            </a:pPr>
+            <a:r>
+              <a:t>	•	important holidays that occur at irregular intervals that are known in advance (e.g. the Super Bowl)</a:t>
+            </a:r>
+          </a:p>
+          <a:p>
+            <a:pPr marL="420623" indent="-420623" defTabSz="420623">
+              <a:spcBef>
+                <a:spcPts val="0"/>
+              </a:spcBef>
+              <a:buSzTx/>
+              <a:buFontTx/>
+              <a:buNone/>
+              <a:tabLst>
+                <a:tab pos="127000" algn="l"/>
+                <a:tab pos="419100" algn="l"/>
+              </a:tabLst>
+              <a:defRPr sz="1472">
+                <a:solidFill>
+                  <a:srgbClr val="4E5665"/>
+                </a:solidFill>
+                <a:latin typeface="Helvetica Neue"/>
+                <a:ea typeface="Helvetica Neue"/>
+                <a:cs typeface="Helvetica Neue"/>
+                <a:sym typeface="Helvetica Neue"/>
+              </a:defRPr>
+            </a:pPr>
+            <a:r>
+              <a:t>	•	a reasonable number of missing observations or large outliers</a:t>
+            </a:r>
+          </a:p>
+          <a:p>
+            <a:pPr marL="420623" indent="-420623" defTabSz="420623">
+              <a:spcBef>
+                <a:spcPts val="0"/>
+              </a:spcBef>
+              <a:buSzTx/>
+              <a:buFontTx/>
+              <a:buNone/>
+              <a:tabLst>
+                <a:tab pos="127000" algn="l"/>
+                <a:tab pos="419100" algn="l"/>
+              </a:tabLst>
+              <a:defRPr sz="1472">
+                <a:solidFill>
+                  <a:srgbClr val="4E5665"/>
+                </a:solidFill>
+                <a:latin typeface="Helvetica Neue"/>
+                <a:ea typeface="Helvetica Neue"/>
+                <a:cs typeface="Helvetica Neue"/>
+                <a:sym typeface="Helvetica Neue"/>
+              </a:defRPr>
+            </a:pPr>
+            <a:r>
+              <a:t>	•	historical trend changes, for instance due to product launches or logging changes</a:t>
+            </a:r>
+          </a:p>
+          <a:p>
+            <a:pPr marL="420623" indent="-420623" defTabSz="420623">
+              <a:spcBef>
+                <a:spcPts val="0"/>
+              </a:spcBef>
+              <a:buSzTx/>
+              <a:buFontTx/>
+              <a:buNone/>
+              <a:tabLst>
+                <a:tab pos="127000" algn="l"/>
+                <a:tab pos="419100" algn="l"/>
+              </a:tabLst>
+              <a:defRPr sz="1472">
+                <a:solidFill>
+                  <a:srgbClr val="4E5665"/>
+                </a:solidFill>
+                <a:latin typeface="Helvetica Neue"/>
+                <a:ea typeface="Helvetica Neue"/>
+                <a:cs typeface="Helvetica Neue"/>
+                <a:sym typeface="Helvetica Neue"/>
+              </a:defRPr>
+            </a:pPr>
+            <a:r>
+              <a:t>	•	trends that are non-linear growth curves, where a trend hits a natural limit or saturates</a:t>
+            </a:r>
+          </a:p>
+        </p:txBody>
+      </p:sp>
+      <p:sp>
+        <p:nvSpPr>
+          <p:cNvPr id="172" name="https://research.fb.com/prophet-forecasting-at-scale/"/>
           <p:cNvSpPr txBox="1"/>
           <p:nvPr/>
         </p:nvSpPr>
         <p:spPr>
           <a:xfrm>
-            <a:off x="1544061" y="1275080"/>
-            <a:ext cx="6055877" cy="4917440"/>
+            <a:off x="524812" y="5961379"/>
+            <a:ext cx="5097176" cy="370841"/>
           </a:xfrm>
           <a:prstGeom prst="rect">
             <a:avLst/>
@@ -4939,148 +5347,9 @@
           </a:bodyPr>
           <a:lstStyle/>
           <a:p>
-            <a:pPr>
-              <a:defRPr sz="1600"/>
-            </a:pPr>
-            <a:r>
-              <a:t>import pandas as pd</a:t>
-            </a:r>
-          </a:p>
-          <a:p>
-            <a:pPr>
-              <a:defRPr sz="1600"/>
-            </a:pPr>
-            <a:r>
-              <a:t>import numpy as np</a:t>
-            </a:r>
-          </a:p>
-          <a:p>
-            <a:pPr>
-              <a:defRPr sz="1600"/>
-            </a:pPr>
-            <a:r>
-              <a:t>from fbprophet import Prophet</a:t>
-            </a:r>
-          </a:p>
-          <a:p>
-            <a:pPr>
-              <a:defRPr sz="1600"/>
-            </a:pPr>
-            <a:r>
-              <a:t>from datetime import datetime</a:t>
-            </a:r>
-          </a:p>
-          <a:p>
-            <a:pPr>
-              <a:defRPr sz="1600"/>
-            </a:pPr>
-          </a:p>
-          <a:p>
-            <a:pPr>
-              <a:defRPr sz="1600"/>
-            </a:pPr>
-            <a:r>
-              <a:t># Get the Thingspeak temperature data set</a:t>
-            </a:r>
-          </a:p>
-          <a:p>
-            <a:pPr>
-              <a:defRPr sz="1600"/>
-            </a:pPr>
-            <a:r>
-              <a:t>total = pd.read_csv('temp.csv') </a:t>
-            </a:r>
-          </a:p>
-          <a:p>
-            <a:pPr>
-              <a:defRPr sz="1600"/>
-            </a:pPr>
-            <a:r>
-              <a:t>total.index = pd.DatetimeIndex(total['created_at'])</a:t>
-            </a:r>
-          </a:p>
-          <a:p>
-            <a:pPr>
-              <a:defRPr sz="1600"/>
-            </a:pPr>
-          </a:p>
-          <a:p>
-            <a:pPr>
-              <a:defRPr sz="1600"/>
-            </a:pPr>
-            <a:r>
-              <a:t># Just use two years </a:t>
-            </a:r>
-          </a:p>
-          <a:p>
-            <a:pPr>
-              <a:defRPr sz="1600"/>
-            </a:pPr>
-            <a:r>
-              <a:t>df=total[datetime(2014, 1, 1, 0, 0, 0):datetime(2016, 12, 31, 23, 59, 59)]</a:t>
-            </a:r>
-          </a:p>
-          <a:p>
-            <a:pPr>
-              <a:defRPr sz="1600"/>
-            </a:pPr>
-          </a:p>
-          <a:p>
-            <a:pPr>
-              <a:defRPr sz="1600"/>
-            </a:pPr>
-            <a:r>
-              <a:t># and use only data points at every hour</a:t>
-            </a:r>
-          </a:p>
-          <a:p>
-            <a:pPr>
-              <a:defRPr sz="1600"/>
-            </a:pPr>
-            <a:r>
-              <a:t>df=df.resample('H').median()</a:t>
-            </a:r>
-          </a:p>
-          <a:p>
-            <a:pPr>
-              <a:defRPr sz="1600"/>
-            </a:pPr>
-          </a:p>
-          <a:p>
-            <a:pPr>
-              <a:defRPr sz="1600"/>
-            </a:pPr>
-            <a:r>
-              <a:t># Prophet requires the independent variable called "ds"</a:t>
-            </a:r>
-          </a:p>
-          <a:p>
-            <a:pPr>
-              <a:defRPr sz="1600"/>
-            </a:pPr>
-            <a:r>
-              <a:t>df['ds'] = df.index</a:t>
-            </a:r>
-          </a:p>
-          <a:p>
-            <a:pPr>
-              <a:defRPr sz="1600"/>
-            </a:pPr>
-          </a:p>
-          <a:p>
-            <a:pPr>
-              <a:defRPr sz="1600"/>
-            </a:pPr>
-            <a:r>
-              <a:t># and the dependent variable called "y"</a:t>
-            </a:r>
-          </a:p>
-          <a:p>
-            <a:pPr>
-              <a:defRPr sz="1600"/>
-            </a:pPr>
-            <a:r>
-              <a:t>df['y'] = df['Temperature']</a:t>
+            <a:pPr/>
+            <a:r>
+              <a:t>https://research.fb.com/prophet-forecasting-at-scale/</a:t>
             </a:r>
           </a:p>
         </p:txBody>
@@ -5113,13 +5382,17 @@
       </p:grpSpPr>
       <p:sp>
         <p:nvSpPr>
-          <p:cNvPr id="171" name="First confirm the contents of data"/>
+          <p:cNvPr id="176" name="Example of another temporal IoT data: temperature…"/>
           <p:cNvSpPr txBox="1"/>
           <p:nvPr>
             <p:ph type="title"/>
           </p:nvPr>
         </p:nvSpPr>
         <p:spPr>
+          <a:xfrm>
+            <a:off x="1792288" y="4800600"/>
+            <a:ext cx="5486401" cy="804863"/>
+          </a:xfrm>
           <a:prstGeom prst="rect">
             <a:avLst/>
           </a:prstGeom>
@@ -5128,91 +5401,80 @@
           <a:bodyPr/>
           <a:lstStyle/>
           <a:p>
-            <a:pPr/>
-            <a:r>
-              <a:t>First confirm the contents of data</a:t>
-            </a:r>
-          </a:p>
-        </p:txBody>
-      </p:sp>
-      <p:sp>
-        <p:nvSpPr>
-          <p:cNvPr id="172" name="# Take a look at the data…"/>
-          <p:cNvSpPr txBox="1"/>
-          <p:nvPr/>
-        </p:nvSpPr>
-        <p:spPr>
-          <a:xfrm>
-            <a:off x="2942054" y="1910350"/>
-            <a:ext cx="3259892" cy="929641"/>
-          </a:xfrm>
-          <a:prstGeom prst="rect">
-            <a:avLst/>
-          </a:prstGeom>
-          <a:ln w="12700">
-            <a:miter lim="400000"/>
-          </a:ln>
-          <a:extLst>
-            <a:ext uri="{C572A759-6A51-4108-AA02-DFA0A04FC94B}">
-              <ma14:wrappingTextBoxFlag xmlns:ma14="http://schemas.microsoft.com/office/mac/drawingml/2011/main" val="1"/>
-            </a:ext>
-          </a:extLst>
-        </p:spPr>
-        <p:txBody>
-          <a:bodyPr wrap="none" lIns="45719" rIns="45719">
-            <a:spAutoFit/>
-          </a:bodyPr>
-          <a:lstStyle/>
-          <a:p>
-            <a:pPr/>
-            <a:r>
-              <a:t># Take a look at the data</a:t>
-            </a:r>
-          </a:p>
-          <a:p>
-            <a:pPr/>
-            <a:r>
-              <a:t>%matplotlib inline</a:t>
-            </a:r>
-          </a:p>
-          <a:p>
-            <a:pPr/>
-            <a:r>
-              <a:t>df["Temperature"].plot(grid=True)</a:t>
+            <a:pPr defTabSz="877823">
+              <a:defRPr sz="1919"/>
+            </a:pPr>
+            <a:r>
+              <a:t>Example of another temporal IoT data: temperature</a:t>
+            </a:r>
+          </a:p>
+          <a:p>
+            <a:pPr defTabSz="877823">
+              <a:defRPr sz="1919"/>
+            </a:pPr>
+            <a:r>
+              <a:t>in Thingspeak Channel 135 (long-running, open data)</a:t>
             </a:r>
           </a:p>
         </p:txBody>
       </p:sp>
       <p:pic>
         <p:nvPicPr>
-          <p:cNvPr id="173" name="Picture Placeholder 2" descr="Picture Placeholder 2"/>
+          <p:cNvPr id="177" name="Picture Placeholder 2" descr="Picture Placeholder 2"/>
           <p:cNvPicPr>
             <a:picLocks noChangeAspect="1"/>
           </p:cNvPicPr>
-          <p:nvPr/>
+          <p:nvPr>
+            <p:ph type="pic" idx="13"/>
+          </p:nvPr>
         </p:nvPicPr>
         <p:blipFill>
           <a:blip r:embed="rId3">
             <a:extLst/>
           </a:blip>
-          <a:srcRect l="13" t="3936" r="13" b="0"/>
+          <a:srcRect l="0" t="174" r="0" b="174"/>
           <a:stretch>
             <a:fillRect/>
           </a:stretch>
         </p:blipFill>
         <p:spPr>
           <a:xfrm>
-            <a:off x="2301541" y="3138350"/>
-            <a:ext cx="4540786" cy="3260655"/>
+            <a:off x="1076023" y="1338733"/>
+            <a:ext cx="6918797" cy="2835198"/>
           </a:xfrm>
           <a:prstGeom prst="rect">
             <a:avLst/>
           </a:prstGeom>
-          <a:ln w="12700">
-            <a:miter lim="400000"/>
-          </a:ln>
         </p:spPr>
       </p:pic>
+      <p:sp>
+        <p:nvSpPr>
+          <p:cNvPr id="178" name="http://community.thingspeak.com/forum/announcements/thingspeak-live-chart-multi-channel-second-axis-historical-data-csv-export/"/>
+          <p:cNvSpPr txBox="1"/>
+          <p:nvPr>
+            <p:ph type="body" sz="quarter" idx="1"/>
+          </p:nvPr>
+        </p:nvSpPr>
+        <p:spPr>
+          <a:xfrm>
+            <a:off x="1792288" y="5761037"/>
+            <a:ext cx="5486401" cy="804863"/>
+          </a:xfrm>
+          <a:prstGeom prst="rect">
+            <a:avLst/>
+          </a:prstGeom>
+        </p:spPr>
+        <p:txBody>
+          <a:bodyPr/>
+          <a:lstStyle/>
+          <a:p>
+            <a:pPr/>
+            <a:r>
+              <a:t>http://community.thingspeak.com/forum/announcements/thingspeak-live-chart-multi-channel-second-axis-historical-data-csv-export/</a:t>
+            </a:r>
+          </a:p>
+        </p:txBody>
+      </p:sp>
     </p:spTree>
   </p:cSld>
   <p:clrMapOvr>
@@ -5241,7 +5503,7 @@
       </p:grpSpPr>
       <p:sp>
         <p:nvSpPr>
-          <p:cNvPr id="177" name="Create and run a Prophet model"/>
+          <p:cNvPr id="182" name="Open the datafile with Pandas"/>
           <p:cNvSpPr txBox="1"/>
           <p:nvPr>
             <p:ph type="title"/>
@@ -5258,21 +5520,21 @@
           <a:p>
             <a:pPr/>
             <a:r>
-              <a:t>Create and run a Prophet model</a:t>
-            </a:r>
-          </a:p>
-        </p:txBody>
-      </p:sp>
-      <p:sp>
-        <p:nvSpPr>
-          <p:cNvPr id="178" name="# Create a Prophet model, fit to the data…"/>
+              <a:t>Open the datafile with Pandas</a:t>
+            </a:r>
+          </a:p>
+        </p:txBody>
+      </p:sp>
+      <p:sp>
+        <p:nvSpPr>
+          <p:cNvPr id="183" name="import pandas as pd…"/>
           <p:cNvSpPr txBox="1"/>
           <p:nvPr/>
         </p:nvSpPr>
         <p:spPr>
           <a:xfrm>
-            <a:off x="1665665" y="1592309"/>
-            <a:ext cx="5812670" cy="1488441"/>
+            <a:off x="1544061" y="1275080"/>
+            <a:ext cx="6055877" cy="4917441"/>
           </a:xfrm>
           <a:prstGeom prst="rect">
             <a:avLst/>
@@ -5287,46 +5549,217 @@
           </a:extLst>
         </p:spPr>
         <p:txBody>
-          <a:bodyPr lIns="45719" rIns="45719">
+          <a:bodyPr wrap="none" lIns="45719" rIns="45719">
             <a:spAutoFit/>
           </a:bodyPr>
           <a:lstStyle/>
           <a:p>
-            <a:pPr/>
-            <a:r>
-              <a:t># Create a Prophet model, fit to the data</a:t>
-            </a:r>
-          </a:p>
-          <a:p>
-            <a:pPr/>
-            <a:r>
-              <a:t>model=Prophet(yearly_seasonality=True,\</a:t>
-            </a:r>
-          </a:p>
-          <a:p>
-            <a:pPr/>
-            <a:r>
-              <a:t>             weekly_seasonality=False,daily_seasonality=False )</a:t>
-            </a:r>
-          </a:p>
-          <a:p>
-            <a:pPr/>
-            <a:r>
-              <a:t>model.fit(df)</a:t>
-            </a:r>
-          </a:p>
-        </p:txBody>
-      </p:sp>
-      <p:sp>
-        <p:nvSpPr>
-          <p:cNvPr id="179" name="# Set the prediction period to 7 days = 7*24 houra…"/>
+            <a:pPr>
+              <a:defRPr sz="1600"/>
+            </a:pPr>
+            <a:r>
+              <a:t>import pandas as pd</a:t>
+            </a:r>
+          </a:p>
+          <a:p>
+            <a:pPr>
+              <a:defRPr sz="1600"/>
+            </a:pPr>
+            <a:r>
+              <a:t>import numpy as np</a:t>
+            </a:r>
+          </a:p>
+          <a:p>
+            <a:pPr>
+              <a:defRPr sz="1600"/>
+            </a:pPr>
+            <a:r>
+              <a:t>from fbprophet import Prophet</a:t>
+            </a:r>
+          </a:p>
+          <a:p>
+            <a:pPr>
+              <a:defRPr sz="1600"/>
+            </a:pPr>
+            <a:r>
+              <a:t>from datetime import datetime</a:t>
+            </a:r>
+          </a:p>
+          <a:p>
+            <a:pPr>
+              <a:defRPr sz="1600"/>
+            </a:pPr>
+          </a:p>
+          <a:p>
+            <a:pPr>
+              <a:defRPr sz="1600"/>
+            </a:pPr>
+            <a:r>
+              <a:t># Get the Thingspeak temperature data set</a:t>
+            </a:r>
+          </a:p>
+          <a:p>
+            <a:pPr>
+              <a:defRPr sz="1600"/>
+            </a:pPr>
+            <a:r>
+              <a:t>total = pd.read_csv('temp.csv') </a:t>
+            </a:r>
+          </a:p>
+          <a:p>
+            <a:pPr>
+              <a:defRPr sz="1600"/>
+            </a:pPr>
+            <a:r>
+              <a:t>total.index = pd.DatetimeIndex(total['created_at'])</a:t>
+            </a:r>
+          </a:p>
+          <a:p>
+            <a:pPr>
+              <a:defRPr sz="1600"/>
+            </a:pPr>
+          </a:p>
+          <a:p>
+            <a:pPr>
+              <a:defRPr sz="1600"/>
+            </a:pPr>
+            <a:r>
+              <a:t># Just use two years </a:t>
+            </a:r>
+          </a:p>
+          <a:p>
+            <a:pPr>
+              <a:defRPr sz="1600"/>
+            </a:pPr>
+            <a:r>
+              <a:t>df=total[datetime(2014, 1, 1, 0, 0, 0):datetime(2016, 12, 31, 23, 59, 59)]</a:t>
+            </a:r>
+          </a:p>
+          <a:p>
+            <a:pPr>
+              <a:defRPr sz="1600"/>
+            </a:pPr>
+          </a:p>
+          <a:p>
+            <a:pPr>
+              <a:defRPr sz="1600"/>
+            </a:pPr>
+            <a:r>
+              <a:t># and use only data points at every hour</a:t>
+            </a:r>
+          </a:p>
+          <a:p>
+            <a:pPr>
+              <a:defRPr sz="1600"/>
+            </a:pPr>
+            <a:r>
+              <a:t>df=df.resample('H').median()</a:t>
+            </a:r>
+          </a:p>
+          <a:p>
+            <a:pPr>
+              <a:defRPr sz="1600"/>
+            </a:pPr>
+          </a:p>
+          <a:p>
+            <a:pPr>
+              <a:defRPr sz="1600"/>
+            </a:pPr>
+            <a:r>
+              <a:t># Prophet requires the independent variable called "ds"</a:t>
+            </a:r>
+          </a:p>
+          <a:p>
+            <a:pPr>
+              <a:defRPr sz="1600"/>
+            </a:pPr>
+            <a:r>
+              <a:t>df['ds'] = df.index</a:t>
+            </a:r>
+          </a:p>
+          <a:p>
+            <a:pPr>
+              <a:defRPr sz="1600"/>
+            </a:pPr>
+          </a:p>
+          <a:p>
+            <a:pPr>
+              <a:defRPr sz="1600"/>
+            </a:pPr>
+            <a:r>
+              <a:t># and the dependent variable called "y"</a:t>
+            </a:r>
+          </a:p>
+          <a:p>
+            <a:pPr>
+              <a:defRPr sz="1600"/>
+            </a:pPr>
+            <a:r>
+              <a:t>df['y'] = df['Temperature']</a:t>
+            </a:r>
+          </a:p>
+        </p:txBody>
+      </p:sp>
+    </p:spTree>
+  </p:cSld>
+  <p:clrMapOvr>
+    <a:masterClrMapping/>
+  </p:clrMapOvr>
+  <p:transition xmlns:p14="http://schemas.microsoft.com/office/powerpoint/2010/main" spd="med" advClick="1"/>
+</p:sld>
+</file>
+
+<file path=ppt/slides/slide15.xml><?xml version="1.0" encoding="utf-8"?>
+<p:sld xmlns:a="http://schemas.openxmlformats.org/drawingml/2006/main" xmlns:r="http://schemas.openxmlformats.org/officeDocument/2006/relationships" xmlns:p="http://schemas.openxmlformats.org/presentationml/2006/main" showMasterSp="1" showMasterPhAnim="1">
+  <p:cSld>
+    <p:spTree>
+      <p:nvGrpSpPr>
+        <p:cNvPr id="1" name=""/>
+        <p:cNvGrpSpPr/>
+        <p:nvPr/>
+      </p:nvGrpSpPr>
+      <p:grpSpPr>
+        <a:xfrm>
+          <a:off x="0" y="0"/>
+          <a:ext cx="0" cy="0"/>
+          <a:chOff x="0" y="0"/>
+          <a:chExt cx="0" cy="0"/>
+        </a:xfrm>
+      </p:grpSpPr>
+      <p:sp>
+        <p:nvSpPr>
+          <p:cNvPr id="187" name="First confirm the contents of data"/>
+          <p:cNvSpPr txBox="1"/>
+          <p:nvPr>
+            <p:ph type="title"/>
+          </p:nvPr>
+        </p:nvSpPr>
+        <p:spPr>
+          <a:prstGeom prst="rect">
+            <a:avLst/>
+          </a:prstGeom>
+        </p:spPr>
+        <p:txBody>
+          <a:bodyPr/>
+          <a:lstStyle/>
+          <a:p>
+            <a:pPr/>
+            <a:r>
+              <a:t>First confirm the contents of data</a:t>
+            </a:r>
+          </a:p>
+        </p:txBody>
+      </p:sp>
+      <p:sp>
+        <p:nvSpPr>
+          <p:cNvPr id="188" name="# Take a look at the data…"/>
           <p:cNvSpPr txBox="1"/>
           <p:nvPr/>
         </p:nvSpPr>
         <p:spPr>
           <a:xfrm>
-            <a:off x="1589262" y="2964180"/>
-            <a:ext cx="5965476" cy="929640"/>
+            <a:off x="2942054" y="1910350"/>
+            <a:ext cx="3259892" cy="929641"/>
           </a:xfrm>
           <a:prstGeom prst="rect">
             <a:avLst/>
@@ -5348,6 +5781,188 @@
           <a:p>
             <a:pPr/>
             <a:r>
+              <a:t># Take a look at the data</a:t>
+            </a:r>
+          </a:p>
+          <a:p>
+            <a:pPr/>
+            <a:r>
+              <a:t>%matplotlib inline</a:t>
+            </a:r>
+          </a:p>
+          <a:p>
+            <a:pPr/>
+            <a:r>
+              <a:t>df["Temperature"].plot(grid=True)</a:t>
+            </a:r>
+          </a:p>
+        </p:txBody>
+      </p:sp>
+      <p:pic>
+        <p:nvPicPr>
+          <p:cNvPr id="189" name="Picture Placeholder 2" descr="Picture Placeholder 2"/>
+          <p:cNvPicPr>
+            <a:picLocks noChangeAspect="1"/>
+          </p:cNvPicPr>
+          <p:nvPr/>
+        </p:nvPicPr>
+        <p:blipFill>
+          <a:blip r:embed="rId3">
+            <a:extLst/>
+          </a:blip>
+          <a:srcRect l="13" t="3936" r="13" b="0"/>
+          <a:stretch>
+            <a:fillRect/>
+          </a:stretch>
+        </p:blipFill>
+        <p:spPr>
+          <a:xfrm>
+            <a:off x="2301541" y="3138350"/>
+            <a:ext cx="4540786" cy="3260655"/>
+          </a:xfrm>
+          <a:prstGeom prst="rect">
+            <a:avLst/>
+          </a:prstGeom>
+          <a:ln w="12700">
+            <a:miter lim="400000"/>
+          </a:ln>
+        </p:spPr>
+      </p:pic>
+    </p:spTree>
+  </p:cSld>
+  <p:clrMapOvr>
+    <a:masterClrMapping/>
+  </p:clrMapOvr>
+  <p:transition xmlns:p14="http://schemas.microsoft.com/office/powerpoint/2010/main" spd="med" advClick="1"/>
+</p:sld>
+</file>
+
+<file path=ppt/slides/slide16.xml><?xml version="1.0" encoding="utf-8"?>
+<p:sld xmlns:a="http://schemas.openxmlformats.org/drawingml/2006/main" xmlns:r="http://schemas.openxmlformats.org/officeDocument/2006/relationships" xmlns:p="http://schemas.openxmlformats.org/presentationml/2006/main" showMasterSp="1" showMasterPhAnim="1">
+  <p:cSld>
+    <p:spTree>
+      <p:nvGrpSpPr>
+        <p:cNvPr id="1" name=""/>
+        <p:cNvGrpSpPr/>
+        <p:nvPr/>
+      </p:nvGrpSpPr>
+      <p:grpSpPr>
+        <a:xfrm>
+          <a:off x="0" y="0"/>
+          <a:ext cx="0" cy="0"/>
+          <a:chOff x="0" y="0"/>
+          <a:chExt cx="0" cy="0"/>
+        </a:xfrm>
+      </p:grpSpPr>
+      <p:sp>
+        <p:nvSpPr>
+          <p:cNvPr id="193" name="Create and run a Prophet model"/>
+          <p:cNvSpPr txBox="1"/>
+          <p:nvPr>
+            <p:ph type="title"/>
+          </p:nvPr>
+        </p:nvSpPr>
+        <p:spPr>
+          <a:prstGeom prst="rect">
+            <a:avLst/>
+          </a:prstGeom>
+        </p:spPr>
+        <p:txBody>
+          <a:bodyPr/>
+          <a:lstStyle/>
+          <a:p>
+            <a:pPr/>
+            <a:r>
+              <a:t>Create and run a Prophet model</a:t>
+            </a:r>
+          </a:p>
+        </p:txBody>
+      </p:sp>
+      <p:sp>
+        <p:nvSpPr>
+          <p:cNvPr id="194" name="# Create a Prophet model, fit to the data…"/>
+          <p:cNvSpPr txBox="1"/>
+          <p:nvPr/>
+        </p:nvSpPr>
+        <p:spPr>
+          <a:xfrm>
+            <a:off x="1665665" y="1592309"/>
+            <a:ext cx="5812670" cy="1488441"/>
+          </a:xfrm>
+          <a:prstGeom prst="rect">
+            <a:avLst/>
+          </a:prstGeom>
+          <a:ln w="12700">
+            <a:miter lim="400000"/>
+          </a:ln>
+          <a:extLst>
+            <a:ext uri="{C572A759-6A51-4108-AA02-DFA0A04FC94B}">
+              <ma14:wrappingTextBoxFlag xmlns:ma14="http://schemas.microsoft.com/office/mac/drawingml/2011/main" val="1"/>
+            </a:ext>
+          </a:extLst>
+        </p:spPr>
+        <p:txBody>
+          <a:bodyPr lIns="45719" rIns="45719">
+            <a:spAutoFit/>
+          </a:bodyPr>
+          <a:lstStyle/>
+          <a:p>
+            <a:pPr/>
+            <a:r>
+              <a:t># Create a Prophet model, fit to the data</a:t>
+            </a:r>
+          </a:p>
+          <a:p>
+            <a:pPr/>
+            <a:r>
+              <a:t>model=Prophet(yearly_seasonality=True,\</a:t>
+            </a:r>
+          </a:p>
+          <a:p>
+            <a:pPr/>
+            <a:r>
+              <a:t>             weekly_seasonality=False,daily_seasonality=False )</a:t>
+            </a:r>
+          </a:p>
+          <a:p>
+            <a:pPr/>
+            <a:r>
+              <a:t>model.fit(df)</a:t>
+            </a:r>
+          </a:p>
+        </p:txBody>
+      </p:sp>
+      <p:sp>
+        <p:nvSpPr>
+          <p:cNvPr id="195" name="# Set the prediction period to 7 days = 7*24 houra…"/>
+          <p:cNvSpPr txBox="1"/>
+          <p:nvPr/>
+        </p:nvSpPr>
+        <p:spPr>
+          <a:xfrm>
+            <a:off x="1589262" y="2964179"/>
+            <a:ext cx="5965476" cy="929641"/>
+          </a:xfrm>
+          <a:prstGeom prst="rect">
+            <a:avLst/>
+          </a:prstGeom>
+          <a:ln w="12700">
+            <a:miter lim="400000"/>
+          </a:ln>
+          <a:extLst>
+            <a:ext uri="{C572A759-6A51-4108-AA02-DFA0A04FC94B}">
+              <ma14:wrappingTextBoxFlag xmlns:ma14="http://schemas.microsoft.com/office/mac/drawingml/2011/main" val="1"/>
+            </a:ext>
+          </a:extLst>
+        </p:spPr>
+        <p:txBody>
+          <a:bodyPr wrap="none" lIns="45719" rIns="45719">
+            <a:spAutoFit/>
+          </a:bodyPr>
+          <a:lstStyle/>
+          <a:p>
+            <a:pPr/>
+            <a:r>
               <a:t># Set the prediction period to 7 days = 7*24 houra</a:t>
             </a:r>
           </a:p>
@@ -5367,7 +5982,7 @@
       </p:sp>
       <p:graphicFrame>
         <p:nvGraphicFramePr>
-          <p:cNvPr id="180" name="Table 1"/>
+          <p:cNvPr id="196" name="Table 1"/>
           <p:cNvGraphicFramePr/>
           <p:nvPr/>
         </p:nvGraphicFramePr>
@@ -5731,263 +6346,6 @@
 </p:sld>
 </file>
 
-<file path=ppt/slides/slide15.xml><?xml version="1.0" encoding="utf-8"?>
-<p:sld xmlns:a="http://schemas.openxmlformats.org/drawingml/2006/main" xmlns:r="http://schemas.openxmlformats.org/officeDocument/2006/relationships" xmlns:p="http://schemas.openxmlformats.org/presentationml/2006/main" showMasterSp="1" showMasterPhAnim="1">
-  <p:cSld>
-    <p:spTree>
-      <p:nvGrpSpPr>
-        <p:cNvPr id="1" name=""/>
-        <p:cNvGrpSpPr/>
-        <p:nvPr/>
-      </p:nvGrpSpPr>
-      <p:grpSpPr>
-        <a:xfrm>
-          <a:off x="0" y="0"/>
-          <a:ext cx="0" cy="0"/>
-          <a:chOff x="0" y="0"/>
-          <a:chExt cx="0" cy="0"/>
-        </a:xfrm>
-      </p:grpSpPr>
-      <p:sp>
-        <p:nvSpPr>
-          <p:cNvPr id="184" name="Let’s see a forecast!"/>
-          <p:cNvSpPr txBox="1"/>
-          <p:nvPr>
-            <p:ph type="title"/>
-          </p:nvPr>
-        </p:nvSpPr>
-        <p:spPr>
-          <a:prstGeom prst="rect">
-            <a:avLst/>
-          </a:prstGeom>
-        </p:spPr>
-        <p:txBody>
-          <a:bodyPr/>
-          <a:lstStyle/>
-          <a:p>
-            <a:pPr/>
-            <a:r>
-              <a:t>Let’s see a forecast!</a:t>
-            </a:r>
-          </a:p>
-        </p:txBody>
-      </p:sp>
-      <p:sp>
-        <p:nvSpPr>
-          <p:cNvPr id="185" name="forecast=model.predict(future)…"/>
-          <p:cNvSpPr txBox="1"/>
-          <p:nvPr/>
-        </p:nvSpPr>
-        <p:spPr>
-          <a:xfrm>
-            <a:off x="3055796" y="1725794"/>
-            <a:ext cx="3032408" cy="650241"/>
-          </a:xfrm>
-          <a:prstGeom prst="rect">
-            <a:avLst/>
-          </a:prstGeom>
-          <a:ln w="12700">
-            <a:miter lim="400000"/>
-          </a:ln>
-          <a:extLst>
-            <a:ext uri="{C572A759-6A51-4108-AA02-DFA0A04FC94B}">
-              <ma14:wrappingTextBoxFlag xmlns:ma14="http://schemas.microsoft.com/office/mac/drawingml/2011/main" val="1"/>
-            </a:ext>
-          </a:extLst>
-        </p:spPr>
-        <p:txBody>
-          <a:bodyPr wrap="none" lIns="45719" rIns="45719">
-            <a:spAutoFit/>
-          </a:bodyPr>
-          <a:lstStyle/>
-          <a:p>
-            <a:pPr/>
-            <a:r>
-              <a:t>forecast=model.predict(future)</a:t>
-            </a:r>
-          </a:p>
-          <a:p>
-            <a:pPr/>
-            <a:r>
-              <a:t>model.plot(forecast)</a:t>
-            </a:r>
-          </a:p>
-        </p:txBody>
-      </p:sp>
-      <p:pic>
-        <p:nvPicPr>
-          <p:cNvPr id="186" name="Image" descr="Image"/>
-          <p:cNvPicPr>
-            <a:picLocks noChangeAspect="1"/>
-          </p:cNvPicPr>
-          <p:nvPr/>
-        </p:nvPicPr>
-        <p:blipFill>
-          <a:blip r:embed="rId3">
-            <a:extLst/>
-          </a:blip>
-          <a:stretch>
-            <a:fillRect/>
-          </a:stretch>
-        </p:blipFill>
-        <p:spPr>
-          <a:xfrm>
-            <a:off x="1340098" y="2547786"/>
-            <a:ext cx="6463804" cy="3849232"/>
-          </a:xfrm>
-          <a:prstGeom prst="rect">
-            <a:avLst/>
-          </a:prstGeom>
-          <a:ln w="12700">
-            <a:miter lim="400000"/>
-          </a:ln>
-        </p:spPr>
-      </p:pic>
-    </p:spTree>
-  </p:cSld>
-  <p:clrMapOvr>
-    <a:masterClrMapping/>
-  </p:clrMapOvr>
-  <p:transition xmlns:p14="http://schemas.microsoft.com/office/powerpoint/2010/main" spd="med" advClick="1"/>
-</p:sld>
-</file>
-
-<file path=ppt/slides/slide16.xml><?xml version="1.0" encoding="utf-8"?>
-<p:sld xmlns:a="http://schemas.openxmlformats.org/drawingml/2006/main" xmlns:r="http://schemas.openxmlformats.org/officeDocument/2006/relationships" xmlns:p="http://schemas.openxmlformats.org/presentationml/2006/main" showMasterSp="1" showMasterPhAnim="1">
-  <p:cSld>
-    <p:spTree>
-      <p:nvGrpSpPr>
-        <p:cNvPr id="1" name=""/>
-        <p:cNvGrpSpPr/>
-        <p:nvPr/>
-      </p:nvGrpSpPr>
-      <p:grpSpPr>
-        <a:xfrm>
-          <a:off x="0" y="0"/>
-          <a:ext cx="0" cy="0"/>
-          <a:chOff x="0" y="0"/>
-          <a:chExt cx="0" cy="0"/>
-        </a:xfrm>
-      </p:grpSpPr>
-      <p:sp>
-        <p:nvSpPr>
-          <p:cNvPr id="190" name="Compare forecast and reality"/>
-          <p:cNvSpPr txBox="1"/>
-          <p:nvPr>
-            <p:ph type="title"/>
-          </p:nvPr>
-        </p:nvSpPr>
-        <p:spPr>
-          <a:prstGeom prst="rect">
-            <a:avLst/>
-          </a:prstGeom>
-        </p:spPr>
-        <p:txBody>
-          <a:bodyPr/>
-          <a:lstStyle/>
-          <a:p>
-            <a:pPr/>
-            <a:r>
-              <a:t>Compare forecast and reality</a:t>
-            </a:r>
-          </a:p>
-        </p:txBody>
-      </p:sp>
-      <p:sp>
-        <p:nvSpPr>
-          <p:cNvPr id="191" name="# Plot the actual measured temperature for the predicted week…"/>
-          <p:cNvSpPr txBox="1"/>
-          <p:nvPr/>
-        </p:nvSpPr>
-        <p:spPr>
-          <a:xfrm>
-            <a:off x="903573" y="1614737"/>
-            <a:ext cx="7336854" cy="1488441"/>
-          </a:xfrm>
-          <a:prstGeom prst="rect">
-            <a:avLst/>
-          </a:prstGeom>
-          <a:ln w="12700">
-            <a:miter lim="400000"/>
-          </a:ln>
-          <a:extLst>
-            <a:ext uri="{C572A759-6A51-4108-AA02-DFA0A04FC94B}">
-              <ma14:wrappingTextBoxFlag xmlns:ma14="http://schemas.microsoft.com/office/mac/drawingml/2011/main" val="1"/>
-            </a:ext>
-          </a:extLst>
-        </p:spPr>
-        <p:txBody>
-          <a:bodyPr wrap="none" lIns="45719" rIns="45719">
-            <a:spAutoFit/>
-          </a:bodyPr>
-          <a:lstStyle/>
-          <a:p>
-            <a:pPr/>
-            <a:r>
-              <a:t># Plot the actual measured temperature for the predicted week</a:t>
-            </a:r>
-          </a:p>
-          <a:p>
-            <a:pPr/>
-          </a:p>
-          <a:p>
-            <a:pPr/>
-            <a:r>
-              <a:t>tmp=total[datetime(2016, 12, 31, 23, 59, 59):datetime(2017, 1, 7, 23, 59, 59)]</a:t>
-            </a:r>
-          </a:p>
-          <a:p>
-            <a:pPr/>
-            <a:r>
-              <a:t>tmp=tmp.resample('H').median()</a:t>
-            </a:r>
-          </a:p>
-          <a:p>
-            <a:pPr/>
-            <a:r>
-              <a:t>tmp.plot(grid=True)</a:t>
-            </a:r>
-          </a:p>
-        </p:txBody>
-      </p:sp>
-      <p:pic>
-        <p:nvPicPr>
-          <p:cNvPr id="192" name="Image" descr="Image"/>
-          <p:cNvPicPr>
-            <a:picLocks noChangeAspect="1"/>
-          </p:cNvPicPr>
-          <p:nvPr/>
-        </p:nvPicPr>
-        <p:blipFill>
-          <a:blip r:embed="rId3">
-            <a:extLst/>
-          </a:blip>
-          <a:stretch>
-            <a:fillRect/>
-          </a:stretch>
-        </p:blipFill>
-        <p:spPr>
-          <a:xfrm>
-            <a:off x="2197099" y="3176351"/>
-            <a:ext cx="4749801" cy="3683001"/>
-          </a:xfrm>
-          <a:prstGeom prst="rect">
-            <a:avLst/>
-          </a:prstGeom>
-          <a:ln w="12700">
-            <a:miter lim="400000"/>
-          </a:ln>
-        </p:spPr>
-      </p:pic>
-    </p:spTree>
-  </p:cSld>
-  <p:clrMapOvr>
-    <a:masterClrMapping/>
-  </p:clrMapOvr>
-  <p:transition xmlns:p14="http://schemas.microsoft.com/office/powerpoint/2010/main" spd="med" advClick="1"/>
-</p:sld>
-</file>
-
 <file path=ppt/slides/slide17.xml><?xml version="1.0" encoding="utf-8"?>
 <p:sld xmlns:a="http://schemas.openxmlformats.org/drawingml/2006/main" xmlns:r="http://schemas.openxmlformats.org/officeDocument/2006/relationships" xmlns:p="http://schemas.openxmlformats.org/presentationml/2006/main" showMasterSp="1" showMasterPhAnim="1">
   <p:cSld>
@@ -6007,7 +6365,7 @@
       </p:grpSpPr>
       <p:sp>
         <p:nvSpPr>
-          <p:cNvPr id="196" name="Compare forecast and reality"/>
+          <p:cNvPr id="200" name="Let’s see a forecast!"/>
           <p:cNvSpPr txBox="1"/>
           <p:nvPr>
             <p:ph type="title"/>
@@ -6024,21 +6382,21 @@
           <a:p>
             <a:pPr/>
             <a:r>
-              <a:t>Compare forecast and reality</a:t>
-            </a:r>
-          </a:p>
-        </p:txBody>
-      </p:sp>
-      <p:sp>
-        <p:nvSpPr>
-          <p:cNvPr id="197" name="# Plot the predicted temperature for that week…"/>
+              <a:t>Let’s see a forecast!</a:t>
+            </a:r>
+          </a:p>
+        </p:txBody>
+      </p:sp>
+      <p:sp>
+        <p:nvSpPr>
+          <p:cNvPr id="201" name="forecast=model.predict(future)…"/>
           <p:cNvSpPr txBox="1"/>
           <p:nvPr/>
         </p:nvSpPr>
         <p:spPr>
           <a:xfrm>
-            <a:off x="2317143" y="1586094"/>
-            <a:ext cx="4509714" cy="929641"/>
+            <a:off x="3055796" y="1725794"/>
+            <a:ext cx="3032408" cy="650241"/>
           </a:xfrm>
           <a:prstGeom prst="rect">
             <a:avLst/>
@@ -6060,23 +6418,20 @@
           <a:p>
             <a:pPr/>
             <a:r>
-              <a:t># Plot the predicted temperature for that week</a:t>
-            </a:r>
-          </a:p>
-          <a:p>
-            <a:pPr/>
-          </a:p>
-          <a:p>
-            <a:pPr/>
-            <a:r>
-              <a:t>forecast['yhat'][-7*24:].plot(grid=True)</a:t>
+              <a:t>forecast=model.predict(future)</a:t>
+            </a:r>
+          </a:p>
+          <a:p>
+            <a:pPr/>
+            <a:r>
+              <a:t>model.plot(forecast)</a:t>
             </a:r>
           </a:p>
         </p:txBody>
       </p:sp>
       <p:pic>
         <p:nvPicPr>
-          <p:cNvPr id="198" name="Image" descr="Image"/>
+          <p:cNvPr id="202" name="Image" descr="Image"/>
           <p:cNvPicPr>
             <a:picLocks noChangeAspect="1"/>
           </p:cNvPicPr>
@@ -6092,8 +6447,8 @@
         </p:blipFill>
         <p:spPr>
           <a:xfrm>
-            <a:off x="2190749" y="2850204"/>
-            <a:ext cx="4762501" cy="3200401"/>
+            <a:off x="1340098" y="2547786"/>
+            <a:ext cx="6463804" cy="3849232"/>
           </a:xfrm>
           <a:prstGeom prst="rect">
             <a:avLst/>
@@ -6131,7 +6486,7 @@
       </p:grpSpPr>
       <p:sp>
         <p:nvSpPr>
-          <p:cNvPr id="202" name="Try now to predict 1 year"/>
+          <p:cNvPr id="206" name="Compare forecast and reality"/>
           <p:cNvSpPr txBox="1"/>
           <p:nvPr>
             <p:ph type="title"/>
@@ -6148,21 +6503,21 @@
           <a:p>
             <a:pPr/>
             <a:r>
-              <a:t>Try now to predict 1 year</a:t>
-            </a:r>
-          </a:p>
-        </p:txBody>
-      </p:sp>
-      <p:sp>
-        <p:nvSpPr>
-          <p:cNvPr id="203" name="# Set the prediction period to 365 days = 1 year…"/>
+              <a:t>Compare forecast and reality</a:t>
+            </a:r>
+          </a:p>
+        </p:txBody>
+      </p:sp>
+      <p:sp>
+        <p:nvSpPr>
+          <p:cNvPr id="207" name="# Plot the actual measured temperature for the predicted week…"/>
           <p:cNvSpPr txBox="1"/>
           <p:nvPr/>
         </p:nvSpPr>
         <p:spPr>
           <a:xfrm>
-            <a:off x="1589150" y="1488818"/>
-            <a:ext cx="5965700" cy="929641"/>
+            <a:off x="903574" y="1614737"/>
+            <a:ext cx="7336853" cy="1488441"/>
           </a:xfrm>
           <a:prstGeom prst="rect">
             <a:avLst/>
@@ -6184,6 +6539,340 @@
           <a:p>
             <a:pPr/>
             <a:r>
+              <a:t># Plot the actual measured temperature for the predicted week</a:t>
+            </a:r>
+          </a:p>
+          <a:p>
+            <a:pPr/>
+          </a:p>
+          <a:p>
+            <a:pPr/>
+            <a:r>
+              <a:t>tmp=total[datetime(2016, 12, 31, 23, 59, 59):datetime(2017, 1, 7, 23, 59, 59)]</a:t>
+            </a:r>
+          </a:p>
+          <a:p>
+            <a:pPr/>
+            <a:r>
+              <a:t>tmp=tmp.resample('H').median()</a:t>
+            </a:r>
+          </a:p>
+          <a:p>
+            <a:pPr/>
+            <a:r>
+              <a:t>tmp.plot(grid=True)</a:t>
+            </a:r>
+          </a:p>
+        </p:txBody>
+      </p:sp>
+      <p:pic>
+        <p:nvPicPr>
+          <p:cNvPr id="208" name="Image" descr="Image"/>
+          <p:cNvPicPr>
+            <a:picLocks noChangeAspect="1"/>
+          </p:cNvPicPr>
+          <p:nvPr/>
+        </p:nvPicPr>
+        <p:blipFill>
+          <a:blip r:embed="rId3">
+            <a:extLst/>
+          </a:blip>
+          <a:stretch>
+            <a:fillRect/>
+          </a:stretch>
+        </p:blipFill>
+        <p:spPr>
+          <a:xfrm>
+            <a:off x="2197100" y="3176351"/>
+            <a:ext cx="4749800" cy="3683001"/>
+          </a:xfrm>
+          <a:prstGeom prst="rect">
+            <a:avLst/>
+          </a:prstGeom>
+          <a:ln w="12700">
+            <a:miter lim="400000"/>
+          </a:ln>
+        </p:spPr>
+      </p:pic>
+    </p:spTree>
+  </p:cSld>
+  <p:clrMapOvr>
+    <a:masterClrMapping/>
+  </p:clrMapOvr>
+  <p:transition xmlns:p14="http://schemas.microsoft.com/office/powerpoint/2010/main" spd="med" advClick="1"/>
+</p:sld>
+</file>
+
+<file path=ppt/slides/slide19.xml><?xml version="1.0" encoding="utf-8"?>
+<p:sld xmlns:a="http://schemas.openxmlformats.org/drawingml/2006/main" xmlns:r="http://schemas.openxmlformats.org/officeDocument/2006/relationships" xmlns:p="http://schemas.openxmlformats.org/presentationml/2006/main" showMasterSp="1" showMasterPhAnim="1">
+  <p:cSld>
+    <p:spTree>
+      <p:nvGrpSpPr>
+        <p:cNvPr id="1" name=""/>
+        <p:cNvGrpSpPr/>
+        <p:nvPr/>
+      </p:nvGrpSpPr>
+      <p:grpSpPr>
+        <a:xfrm>
+          <a:off x="0" y="0"/>
+          <a:ext cx="0" cy="0"/>
+          <a:chOff x="0" y="0"/>
+          <a:chExt cx="0" cy="0"/>
+        </a:xfrm>
+      </p:grpSpPr>
+      <p:sp>
+        <p:nvSpPr>
+          <p:cNvPr id="212" name="Compare forecast and reality"/>
+          <p:cNvSpPr txBox="1"/>
+          <p:nvPr>
+            <p:ph type="title"/>
+          </p:nvPr>
+        </p:nvSpPr>
+        <p:spPr>
+          <a:prstGeom prst="rect">
+            <a:avLst/>
+          </a:prstGeom>
+        </p:spPr>
+        <p:txBody>
+          <a:bodyPr/>
+          <a:lstStyle/>
+          <a:p>
+            <a:pPr/>
+            <a:r>
+              <a:t>Compare forecast and reality</a:t>
+            </a:r>
+          </a:p>
+        </p:txBody>
+      </p:sp>
+      <p:sp>
+        <p:nvSpPr>
+          <p:cNvPr id="213" name="# Plot the predicted temperature for that week…"/>
+          <p:cNvSpPr txBox="1"/>
+          <p:nvPr/>
+        </p:nvSpPr>
+        <p:spPr>
+          <a:xfrm>
+            <a:off x="2317143" y="1586094"/>
+            <a:ext cx="4509714" cy="929641"/>
+          </a:xfrm>
+          <a:prstGeom prst="rect">
+            <a:avLst/>
+          </a:prstGeom>
+          <a:ln w="12700">
+            <a:miter lim="400000"/>
+          </a:ln>
+          <a:extLst>
+            <a:ext uri="{C572A759-6A51-4108-AA02-DFA0A04FC94B}">
+              <ma14:wrappingTextBoxFlag xmlns:ma14="http://schemas.microsoft.com/office/mac/drawingml/2011/main" val="1"/>
+            </a:ext>
+          </a:extLst>
+        </p:spPr>
+        <p:txBody>
+          <a:bodyPr wrap="none" lIns="45719" rIns="45719">
+            <a:spAutoFit/>
+          </a:bodyPr>
+          <a:lstStyle/>
+          <a:p>
+            <a:pPr/>
+            <a:r>
+              <a:t># Plot the predicted temperature for that week</a:t>
+            </a:r>
+          </a:p>
+          <a:p>
+            <a:pPr/>
+          </a:p>
+          <a:p>
+            <a:pPr/>
+            <a:r>
+              <a:t>forecast['yhat'][-7*24:].plot(grid=True)</a:t>
+            </a:r>
+          </a:p>
+        </p:txBody>
+      </p:sp>
+      <p:pic>
+        <p:nvPicPr>
+          <p:cNvPr id="214" name="Image" descr="Image"/>
+          <p:cNvPicPr>
+            <a:picLocks noChangeAspect="1"/>
+          </p:cNvPicPr>
+          <p:nvPr/>
+        </p:nvPicPr>
+        <p:blipFill>
+          <a:blip r:embed="rId3">
+            <a:extLst/>
+          </a:blip>
+          <a:stretch>
+            <a:fillRect/>
+          </a:stretch>
+        </p:blipFill>
+        <p:spPr>
+          <a:xfrm>
+            <a:off x="2190750" y="2850204"/>
+            <a:ext cx="4762500" cy="3200401"/>
+          </a:xfrm>
+          <a:prstGeom prst="rect">
+            <a:avLst/>
+          </a:prstGeom>
+          <a:ln w="12700">
+            <a:miter lim="400000"/>
+          </a:ln>
+        </p:spPr>
+      </p:pic>
+    </p:spTree>
+  </p:cSld>
+  <p:clrMapOvr>
+    <a:masterClrMapping/>
+  </p:clrMapOvr>
+  <p:transition xmlns:p14="http://schemas.microsoft.com/office/powerpoint/2010/main" spd="med" advClick="1"/>
+</p:sld>
+</file>
+
+<file path=ppt/slides/slide2.xml><?xml version="1.0" encoding="utf-8"?>
+<p:sld xmlns:a="http://schemas.openxmlformats.org/drawingml/2006/main" xmlns:r="http://schemas.openxmlformats.org/officeDocument/2006/relationships" xmlns:p="http://schemas.openxmlformats.org/presentationml/2006/main" showMasterSp="1" showMasterPhAnim="1">
+  <p:cSld>
+    <p:bg>
+      <p:bgPr>
+        <a:blipFill rotWithShape="1">
+          <a:blip r:embed="rId2"/>
+          <a:srcRect l="0" t="0" r="0" b="0"/>
+          <a:stretch>
+            <a:fillRect/>
+          </a:stretch>
+        </a:blipFill>
+      </p:bgPr>
+    </p:bg>
+    <p:spTree>
+      <p:nvGrpSpPr>
+        <p:cNvPr id="1" name=""/>
+        <p:cNvGrpSpPr/>
+        <p:nvPr/>
+      </p:nvGrpSpPr>
+      <p:grpSpPr>
+        <a:xfrm>
+          <a:off x="0" y="0"/>
+          <a:ext cx="0" cy="0"/>
+          <a:chOff x="0" y="0"/>
+          <a:chExt cx="0" cy="0"/>
+        </a:xfrm>
+      </p:grpSpPr>
+      <p:sp>
+        <p:nvSpPr>
+          <p:cNvPr id="127" name="Title 1"/>
+          <p:cNvSpPr txBox="1"/>
+          <p:nvPr>
+            <p:ph type="ctrTitle"/>
+          </p:nvPr>
+        </p:nvSpPr>
+        <p:spPr>
+          <a:xfrm>
+            <a:off x="685800" y="2130425"/>
+            <a:ext cx="7772400" cy="1010543"/>
+          </a:xfrm>
+          <a:prstGeom prst="rect">
+            <a:avLst/>
+          </a:prstGeom>
+        </p:spPr>
+        <p:txBody>
+          <a:bodyPr/>
+          <a:lstStyle>
+            <a:lvl1pPr defTabSz="512063">
+              <a:defRPr sz="3359">
+                <a:latin typeface="BankGothic Lt BT"/>
+                <a:ea typeface="BankGothic Lt BT"/>
+                <a:cs typeface="BankGothic Lt BT"/>
+                <a:sym typeface="BankGothic Lt BT"/>
+              </a:defRPr>
+            </a:lvl1pPr>
+          </a:lstStyle>
+          <a:p>
+            <a:pPr/>
+            <a:r>
+              <a:t>Temporal predictive analysis of Big Data</a:t>
+            </a:r>
+          </a:p>
+        </p:txBody>
+      </p:sp>
+    </p:spTree>
+  </p:cSld>
+  <p:clrMapOvr>
+    <a:masterClrMapping/>
+  </p:clrMapOvr>
+  <p:transition xmlns:p14="http://schemas.microsoft.com/office/powerpoint/2010/main" spd="med" advClick="1"/>
+</p:sld>
+</file>
+
+<file path=ppt/slides/slide20.xml><?xml version="1.0" encoding="utf-8"?>
+<p:sld xmlns:a="http://schemas.openxmlformats.org/drawingml/2006/main" xmlns:r="http://schemas.openxmlformats.org/officeDocument/2006/relationships" xmlns:p="http://schemas.openxmlformats.org/presentationml/2006/main" showMasterSp="1" showMasterPhAnim="1">
+  <p:cSld>
+    <p:spTree>
+      <p:nvGrpSpPr>
+        <p:cNvPr id="1" name=""/>
+        <p:cNvGrpSpPr/>
+        <p:nvPr/>
+      </p:nvGrpSpPr>
+      <p:grpSpPr>
+        <a:xfrm>
+          <a:off x="0" y="0"/>
+          <a:ext cx="0" cy="0"/>
+          <a:chOff x="0" y="0"/>
+          <a:chExt cx="0" cy="0"/>
+        </a:xfrm>
+      </p:grpSpPr>
+      <p:sp>
+        <p:nvSpPr>
+          <p:cNvPr id="218" name="Try now to predict 1 year"/>
+          <p:cNvSpPr txBox="1"/>
+          <p:nvPr>
+            <p:ph type="title"/>
+          </p:nvPr>
+        </p:nvSpPr>
+        <p:spPr>
+          <a:prstGeom prst="rect">
+            <a:avLst/>
+          </a:prstGeom>
+        </p:spPr>
+        <p:txBody>
+          <a:bodyPr/>
+          <a:lstStyle/>
+          <a:p>
+            <a:pPr/>
+            <a:r>
+              <a:t>Try now to predict 1 year</a:t>
+            </a:r>
+          </a:p>
+        </p:txBody>
+      </p:sp>
+      <p:sp>
+        <p:nvSpPr>
+          <p:cNvPr id="219" name="# Set the prediction period to 365 days = 1 year…"/>
+          <p:cNvSpPr txBox="1"/>
+          <p:nvPr/>
+        </p:nvSpPr>
+        <p:spPr>
+          <a:xfrm>
+            <a:off x="1589150" y="1488818"/>
+            <a:ext cx="5965700" cy="929641"/>
+          </a:xfrm>
+          <a:prstGeom prst="rect">
+            <a:avLst/>
+          </a:prstGeom>
+          <a:ln w="12700">
+            <a:miter lim="400000"/>
+          </a:ln>
+          <a:extLst>
+            <a:ext uri="{C572A759-6A51-4108-AA02-DFA0A04FC94B}">
+              <ma14:wrappingTextBoxFlag xmlns:ma14="http://schemas.microsoft.com/office/mac/drawingml/2011/main" val="1"/>
+            </a:ext>
+          </a:extLst>
+        </p:spPr>
+        <p:txBody>
+          <a:bodyPr wrap="none" lIns="45719" rIns="45719">
+            <a:spAutoFit/>
+          </a:bodyPr>
+          <a:lstStyle/>
+          <a:p>
+            <a:pPr/>
+            <a:r>
               <a:t># Set the prediction period to 365 days = 1 year</a:t>
             </a:r>
           </a:p>
@@ -6203,7 +6892,7 @@
       </p:sp>
       <p:graphicFrame>
         <p:nvGraphicFramePr>
-          <p:cNvPr id="204" name="Table"/>
+          <p:cNvPr id="220" name="Table"/>
           <p:cNvGraphicFramePr/>
           <p:nvPr/>
         </p:nvGraphicFramePr>
@@ -6546,346 +7235,6 @@
 </p:sld>
 </file>
 
-<file path=ppt/slides/slide19.xml><?xml version="1.0" encoding="utf-8"?>
-<p:sld xmlns:a="http://schemas.openxmlformats.org/drawingml/2006/main" xmlns:r="http://schemas.openxmlformats.org/officeDocument/2006/relationships" xmlns:p="http://schemas.openxmlformats.org/presentationml/2006/main" showMasterSp="1" showMasterPhAnim="1">
-  <p:cSld>
-    <p:spTree>
-      <p:nvGrpSpPr>
-        <p:cNvPr id="1" name=""/>
-        <p:cNvGrpSpPr/>
-        <p:nvPr/>
-      </p:nvGrpSpPr>
-      <p:grpSpPr>
-        <a:xfrm>
-          <a:off x="0" y="0"/>
-          <a:ext cx="0" cy="0"/>
-          <a:chOff x="0" y="0"/>
-          <a:chExt cx="0" cy="0"/>
-        </a:xfrm>
-      </p:grpSpPr>
-      <p:sp>
-        <p:nvSpPr>
-          <p:cNvPr id="208" name="Result for 1 year"/>
-          <p:cNvSpPr txBox="1"/>
-          <p:nvPr>
-            <p:ph type="title"/>
-          </p:nvPr>
-        </p:nvSpPr>
-        <p:spPr>
-          <a:prstGeom prst="rect">
-            <a:avLst/>
-          </a:prstGeom>
-        </p:spPr>
-        <p:txBody>
-          <a:bodyPr/>
-          <a:lstStyle/>
-          <a:p>
-            <a:pPr/>
-            <a:r>
-              <a:t>Result for 1 year</a:t>
-            </a:r>
-          </a:p>
-        </p:txBody>
-      </p:sp>
-      <p:sp>
-        <p:nvSpPr>
-          <p:cNvPr id="209" name="forecast2=model.predict(future2)…"/>
-          <p:cNvSpPr txBox="1"/>
-          <p:nvPr/>
-        </p:nvSpPr>
-        <p:spPr>
-          <a:xfrm>
-            <a:off x="2939933" y="1531241"/>
-            <a:ext cx="3264134" cy="650241"/>
-          </a:xfrm>
-          <a:prstGeom prst="rect">
-            <a:avLst/>
-          </a:prstGeom>
-          <a:ln w="12700">
-            <a:miter lim="400000"/>
-          </a:ln>
-          <a:extLst>
-            <a:ext uri="{C572A759-6A51-4108-AA02-DFA0A04FC94B}">
-              <ma14:wrappingTextBoxFlag xmlns:ma14="http://schemas.microsoft.com/office/mac/drawingml/2011/main" val="1"/>
-            </a:ext>
-          </a:extLst>
-        </p:spPr>
-        <p:txBody>
-          <a:bodyPr wrap="none" lIns="45719" rIns="45719">
-            <a:spAutoFit/>
-          </a:bodyPr>
-          <a:lstStyle/>
-          <a:p>
-            <a:pPr/>
-            <a:r>
-              <a:t>forecast2=model.predict(future2)</a:t>
-            </a:r>
-          </a:p>
-          <a:p>
-            <a:pPr/>
-            <a:r>
-              <a:t>model.plot(forecast2)</a:t>
-            </a:r>
-          </a:p>
-        </p:txBody>
-      </p:sp>
-      <p:pic>
-        <p:nvPicPr>
-          <p:cNvPr id="210" name="Image" descr="Image"/>
-          <p:cNvPicPr>
-            <a:picLocks noChangeAspect="1"/>
-          </p:cNvPicPr>
-          <p:nvPr/>
-        </p:nvPicPr>
-        <p:blipFill>
-          <a:blip r:embed="rId3">
-            <a:extLst/>
-          </a:blip>
-          <a:stretch>
-            <a:fillRect/>
-          </a:stretch>
-        </p:blipFill>
-        <p:spPr>
-          <a:xfrm>
-            <a:off x="1506695" y="2470588"/>
-            <a:ext cx="6130610" cy="3650813"/>
-          </a:xfrm>
-          <a:prstGeom prst="rect">
-            <a:avLst/>
-          </a:prstGeom>
-          <a:ln w="12700">
-            <a:miter lim="400000"/>
-          </a:ln>
-        </p:spPr>
-      </p:pic>
-    </p:spTree>
-  </p:cSld>
-  <p:clrMapOvr>
-    <a:masterClrMapping/>
-  </p:clrMapOvr>
-  <p:transition xmlns:p14="http://schemas.microsoft.com/office/powerpoint/2010/main" spd="med" advClick="1"/>
-</p:sld>
-</file>
-
-<file path=ppt/slides/slide2.xml><?xml version="1.0" encoding="utf-8"?>
-<p:sld xmlns:a="http://schemas.openxmlformats.org/drawingml/2006/main" xmlns:r="http://schemas.openxmlformats.org/officeDocument/2006/relationships" xmlns:p="http://schemas.openxmlformats.org/presentationml/2006/main" showMasterSp="1" showMasterPhAnim="1">
-  <p:cSld>
-    <p:bg>
-      <p:bgPr>
-        <a:blipFill rotWithShape="1">
-          <a:blip r:embed="rId2"/>
-          <a:srcRect l="0" t="0" r="0" b="0"/>
-          <a:stretch>
-            <a:fillRect/>
-          </a:stretch>
-        </a:blipFill>
-      </p:bgPr>
-    </p:bg>
-    <p:spTree>
-      <p:nvGrpSpPr>
-        <p:cNvPr id="1" name=""/>
-        <p:cNvGrpSpPr/>
-        <p:nvPr/>
-      </p:nvGrpSpPr>
-      <p:grpSpPr>
-        <a:xfrm>
-          <a:off x="0" y="0"/>
-          <a:ext cx="0" cy="0"/>
-          <a:chOff x="0" y="0"/>
-          <a:chExt cx="0" cy="0"/>
-        </a:xfrm>
-      </p:grpSpPr>
-      <p:sp>
-        <p:nvSpPr>
-          <p:cNvPr id="127" name="Title 1"/>
-          <p:cNvSpPr txBox="1"/>
-          <p:nvPr>
-            <p:ph type="ctrTitle"/>
-          </p:nvPr>
-        </p:nvSpPr>
-        <p:spPr>
-          <a:xfrm>
-            <a:off x="685800" y="2130425"/>
-            <a:ext cx="7772400" cy="1010543"/>
-          </a:xfrm>
-          <a:prstGeom prst="rect">
-            <a:avLst/>
-          </a:prstGeom>
-        </p:spPr>
-        <p:txBody>
-          <a:bodyPr/>
-          <a:lstStyle>
-            <a:lvl1pPr defTabSz="512063">
-              <a:defRPr sz="3359">
-                <a:latin typeface="BankGothic Lt BT"/>
-                <a:ea typeface="BankGothic Lt BT"/>
-                <a:cs typeface="BankGothic Lt BT"/>
-                <a:sym typeface="BankGothic Lt BT"/>
-              </a:defRPr>
-            </a:lvl1pPr>
-          </a:lstStyle>
-          <a:p>
-            <a:pPr/>
-            <a:r>
-              <a:t>Temporal predictive analysis of Big Data</a:t>
-            </a:r>
-          </a:p>
-        </p:txBody>
-      </p:sp>
-    </p:spTree>
-  </p:cSld>
-  <p:clrMapOvr>
-    <a:masterClrMapping/>
-  </p:clrMapOvr>
-  <p:transition xmlns:p14="http://schemas.microsoft.com/office/powerpoint/2010/main" spd="med" advClick="1"/>
-</p:sld>
-</file>
-
-<file path=ppt/slides/slide20.xml><?xml version="1.0" encoding="utf-8"?>
-<p:sld xmlns:a="http://schemas.openxmlformats.org/drawingml/2006/main" xmlns:r="http://schemas.openxmlformats.org/officeDocument/2006/relationships" xmlns:p="http://schemas.openxmlformats.org/presentationml/2006/main" showMasterSp="1" showMasterPhAnim="1">
-  <p:cSld>
-    <p:spTree>
-      <p:nvGrpSpPr>
-        <p:cNvPr id="1" name=""/>
-        <p:cNvGrpSpPr/>
-        <p:nvPr/>
-      </p:nvGrpSpPr>
-      <p:grpSpPr>
-        <a:xfrm>
-          <a:off x="0" y="0"/>
-          <a:ext cx="0" cy="0"/>
-          <a:chOff x="0" y="0"/>
-          <a:chExt cx="0" cy="0"/>
-        </a:xfrm>
-      </p:grpSpPr>
-      <p:sp>
-        <p:nvSpPr>
-          <p:cNvPr id="214" name="Compare with reality"/>
-          <p:cNvSpPr txBox="1"/>
-          <p:nvPr>
-            <p:ph type="title"/>
-          </p:nvPr>
-        </p:nvSpPr>
-        <p:spPr>
-          <a:prstGeom prst="rect">
-            <a:avLst/>
-          </a:prstGeom>
-        </p:spPr>
-        <p:txBody>
-          <a:bodyPr/>
-          <a:lstStyle/>
-          <a:p>
-            <a:pPr/>
-            <a:r>
-              <a:t>Compare with reality</a:t>
-            </a:r>
-          </a:p>
-        </p:txBody>
-      </p:sp>
-      <p:sp>
-        <p:nvSpPr>
-          <p:cNvPr id="215" name="# Add 2017 to the sample…"/>
-          <p:cNvSpPr txBox="1"/>
-          <p:nvPr/>
-        </p:nvSpPr>
-        <p:spPr>
-          <a:xfrm>
-            <a:off x="1114147" y="1309126"/>
-            <a:ext cx="6915706" cy="1767841"/>
-          </a:xfrm>
-          <a:prstGeom prst="rect">
-            <a:avLst/>
-          </a:prstGeom>
-          <a:ln w="12700">
-            <a:miter lim="400000"/>
-          </a:ln>
-          <a:extLst>
-            <a:ext uri="{C572A759-6A51-4108-AA02-DFA0A04FC94B}">
-              <ma14:wrappingTextBoxFlag xmlns:ma14="http://schemas.microsoft.com/office/mac/drawingml/2011/main" val="1"/>
-            </a:ext>
-          </a:extLst>
-        </p:spPr>
-        <p:txBody>
-          <a:bodyPr wrap="none" lIns="45719" rIns="45719">
-            <a:spAutoFit/>
-          </a:bodyPr>
-          <a:lstStyle/>
-          <a:p>
-            <a:pPr/>
-            <a:r>
-              <a:t># Add 2017 to the sample</a:t>
-            </a:r>
-          </a:p>
-          <a:p>
-            <a:pPr/>
-            <a:r>
-              <a:t>df2=total[datetime(2014, 1, 1, 0, 0, 0):datetime(2017, 12, 31, 23, 59, 59)]</a:t>
-            </a:r>
-          </a:p>
-          <a:p>
-            <a:pPr/>
-            <a:r>
-              <a:t># and use only data points at every day</a:t>
-            </a:r>
-          </a:p>
-          <a:p>
-            <a:pPr/>
-            <a:r>
-              <a:t>df2=df2.resample('D').median()</a:t>
-            </a:r>
-          </a:p>
-          <a:p>
-            <a:pPr/>
-            <a:r>
-              <a:t># and plot it</a:t>
-            </a:r>
-          </a:p>
-          <a:p>
-            <a:pPr/>
-            <a:r>
-              <a:t>df2.plot(grid=True)</a:t>
-            </a:r>
-          </a:p>
-        </p:txBody>
-      </p:sp>
-      <p:pic>
-        <p:nvPicPr>
-          <p:cNvPr id="216" name="Image" descr="Image"/>
-          <p:cNvPicPr>
-            <a:picLocks noChangeAspect="1"/>
-          </p:cNvPicPr>
-          <p:nvPr/>
-        </p:nvPicPr>
-        <p:blipFill>
-          <a:blip r:embed="rId3">
-            <a:extLst/>
-          </a:blip>
-          <a:stretch>
-            <a:fillRect/>
-          </a:stretch>
-        </p:blipFill>
-        <p:spPr>
-          <a:xfrm>
-            <a:off x="1625195" y="3062996"/>
-            <a:ext cx="5256854" cy="3752889"/>
-          </a:xfrm>
-          <a:prstGeom prst="rect">
-            <a:avLst/>
-          </a:prstGeom>
-          <a:ln w="12700">
-            <a:miter lim="400000"/>
-          </a:ln>
-        </p:spPr>
-      </p:pic>
-    </p:spTree>
-  </p:cSld>
-  <p:clrMapOvr>
-    <a:masterClrMapping/>
-  </p:clrMapOvr>
-  <p:transition xmlns:p14="http://schemas.microsoft.com/office/powerpoint/2010/main" spd="med" advClick="1"/>
-</p:sld>
-</file>
-
 <file path=ppt/slides/slide21.xml><?xml version="1.0" encoding="utf-8"?>
 <p:sld xmlns:a="http://schemas.openxmlformats.org/drawingml/2006/main" xmlns:r="http://schemas.openxmlformats.org/officeDocument/2006/relationships" xmlns:p="http://schemas.openxmlformats.org/presentationml/2006/main" showMasterSp="1" showMasterPhAnim="1">
   <p:cSld>
@@ -6905,7 +7254,7 @@
       </p:grpSpPr>
       <p:sp>
         <p:nvSpPr>
-          <p:cNvPr id="220" name="Compare the predicted year only"/>
+          <p:cNvPr id="224" name="Result for 1 year"/>
           <p:cNvSpPr txBox="1"/>
           <p:nvPr>
             <p:ph type="title"/>
@@ -6922,21 +7271,21 @@
           <a:p>
             <a:pPr/>
             <a:r>
-              <a:t>Compare the predicted year only</a:t>
-            </a:r>
-          </a:p>
-        </p:txBody>
-      </p:sp>
-      <p:sp>
-        <p:nvSpPr>
-          <p:cNvPr id="221" name="pl.plot(np.arange(365),df2[‘Temperature’].values[-365:],'b-',\…"/>
+              <a:t>Result for 1 year</a:t>
+            </a:r>
+          </a:p>
+        </p:txBody>
+      </p:sp>
+      <p:sp>
+        <p:nvSpPr>
+          <p:cNvPr id="225" name="forecast2=model.predict(future2)…"/>
           <p:cNvSpPr txBox="1"/>
           <p:nvPr/>
         </p:nvSpPr>
         <p:spPr>
           <a:xfrm>
-            <a:off x="1668345" y="1622303"/>
-            <a:ext cx="5807309" cy="650241"/>
+            <a:off x="2939933" y="1531241"/>
+            <a:ext cx="3264134" cy="650241"/>
           </a:xfrm>
           <a:prstGeom prst="rect">
             <a:avLst/>
@@ -6958,20 +7307,20 @@
           <a:p>
             <a:pPr/>
             <a:r>
-              <a:t>pl.plot(np.arange(365),df2[‘Temperature’].values[-365:],'b-',\</a:t>
-            </a:r>
-          </a:p>
-          <a:p>
-            <a:pPr/>
-            <a:r>
-              <a:t>   forecast2.yhat.values[-365:],'r.')</a:t>
+              <a:t>forecast2=model.predict(future2)</a:t>
+            </a:r>
+          </a:p>
+          <a:p>
+            <a:pPr/>
+            <a:r>
+              <a:t>model.plot(forecast2)</a:t>
             </a:r>
           </a:p>
         </p:txBody>
       </p:sp>
       <p:pic>
         <p:nvPicPr>
-          <p:cNvPr id="222" name="Image" descr="Image"/>
+          <p:cNvPr id="226" name="Image" descr="Image"/>
           <p:cNvPicPr>
             <a:picLocks noChangeAspect="1"/>
           </p:cNvPicPr>
@@ -6987,8 +7336,8 @@
         </p:blipFill>
         <p:spPr>
           <a:xfrm>
-            <a:off x="2197100" y="2477208"/>
-            <a:ext cx="4749801" cy="3200401"/>
+            <a:off x="1506695" y="2470588"/>
+            <a:ext cx="6130610" cy="3650812"/>
           </a:xfrm>
           <a:prstGeom prst="rect">
             <a:avLst/>
@@ -7026,7 +7375,7 @@
       </p:grpSpPr>
       <p:sp>
         <p:nvSpPr>
-          <p:cNvPr id="226" name="Assignment"/>
+          <p:cNvPr id="230" name="Compare with reality"/>
           <p:cNvSpPr txBox="1"/>
           <p:nvPr>
             <p:ph type="title"/>
@@ -7043,65 +7392,106 @@
           <a:p>
             <a:pPr/>
             <a:r>
-              <a:t>Assignment</a:t>
-            </a:r>
-          </a:p>
-        </p:txBody>
-      </p:sp>
-      <p:sp>
-        <p:nvSpPr>
-          <p:cNvPr id="227" name="Find a temporal sensory dataset…"/>
+              <a:t>Compare with reality</a:t>
+            </a:r>
+          </a:p>
+        </p:txBody>
+      </p:sp>
+      <p:sp>
+        <p:nvSpPr>
+          <p:cNvPr id="231" name="# Add 2017 to the sample…"/>
           <p:cNvSpPr txBox="1"/>
-          <p:nvPr>
-            <p:ph type="body" idx="1"/>
-          </p:nvPr>
-        </p:nvSpPr>
-        <p:spPr>
-          <a:prstGeom prst="rect">
-            <a:avLst/>
-          </a:prstGeom>
-        </p:spPr>
-        <p:txBody>
-          <a:bodyPr/>
-          <a:lstStyle/>
-          <a:p>
-            <a:pPr/>
-            <a:r>
-              <a:t>Find a temporal sensory dataset</a:t>
-            </a:r>
-          </a:p>
-          <a:p>
-            <a:pPr/>
-            <a:r>
-              <a:t>Select one or more channels </a:t>
-            </a:r>
-          </a:p>
-          <a:p>
-            <a:pPr/>
-            <a:r>
-              <a:t>Choose a “training” and a “test” period</a:t>
-            </a:r>
-          </a:p>
-          <a:p>
-            <a:pPr/>
-            <a:r>
-              <a:t>Apply Prophet prediction over a short, medium, and long period</a:t>
-            </a:r>
-          </a:p>
-          <a:p>
-            <a:pPr/>
-            <a:r>
-              <a:t>Analyze the performance</a:t>
-            </a:r>
-          </a:p>
-          <a:p>
-            <a:pPr/>
-            <a:r>
-              <a:t>Discuss real-world applications</a:t>
-            </a:r>
-          </a:p>
-        </p:txBody>
-      </p:sp>
+          <p:nvPr/>
+        </p:nvSpPr>
+        <p:spPr>
+          <a:xfrm>
+            <a:off x="1114147" y="1309126"/>
+            <a:ext cx="6915706" cy="1767841"/>
+          </a:xfrm>
+          <a:prstGeom prst="rect">
+            <a:avLst/>
+          </a:prstGeom>
+          <a:ln w="12700">
+            <a:miter lim="400000"/>
+          </a:ln>
+          <a:extLst>
+            <a:ext uri="{C572A759-6A51-4108-AA02-DFA0A04FC94B}">
+              <ma14:wrappingTextBoxFlag xmlns:ma14="http://schemas.microsoft.com/office/mac/drawingml/2011/main" val="1"/>
+            </a:ext>
+          </a:extLst>
+        </p:spPr>
+        <p:txBody>
+          <a:bodyPr wrap="none" lIns="45719" rIns="45719">
+            <a:spAutoFit/>
+          </a:bodyPr>
+          <a:lstStyle/>
+          <a:p>
+            <a:pPr/>
+            <a:r>
+              <a:t># Add 2017 to the sample</a:t>
+            </a:r>
+          </a:p>
+          <a:p>
+            <a:pPr/>
+            <a:r>
+              <a:t>df2=total[datetime(2014, 1, 1, 0, 0, 0):datetime(2017, 12, 31, 23, 59, 59)]</a:t>
+            </a:r>
+          </a:p>
+          <a:p>
+            <a:pPr/>
+            <a:r>
+              <a:t># and use only data points at every day</a:t>
+            </a:r>
+          </a:p>
+          <a:p>
+            <a:pPr/>
+            <a:r>
+              <a:t>df2=df2.resample('D').median()</a:t>
+            </a:r>
+          </a:p>
+          <a:p>
+            <a:pPr/>
+            <a:r>
+              <a:t># and plot it</a:t>
+            </a:r>
+          </a:p>
+          <a:p>
+            <a:pPr/>
+            <a:r>
+              <a:t>df2.plot(grid=True)</a:t>
+            </a:r>
+          </a:p>
+        </p:txBody>
+      </p:sp>
+      <p:pic>
+        <p:nvPicPr>
+          <p:cNvPr id="232" name="Image" descr="Image"/>
+          <p:cNvPicPr>
+            <a:picLocks noChangeAspect="1"/>
+          </p:cNvPicPr>
+          <p:nvPr/>
+        </p:nvPicPr>
+        <p:blipFill>
+          <a:blip r:embed="rId3">
+            <a:extLst/>
+          </a:blip>
+          <a:stretch>
+            <a:fillRect/>
+          </a:stretch>
+        </p:blipFill>
+        <p:spPr>
+          <a:xfrm>
+            <a:off x="1625195" y="3062996"/>
+            <a:ext cx="5256854" cy="3752888"/>
+          </a:xfrm>
+          <a:prstGeom prst="rect">
+            <a:avLst/>
+          </a:prstGeom>
+          <a:ln w="12700">
+            <a:miter lim="400000"/>
+          </a:ln>
+        </p:spPr>
+      </p:pic>
     </p:spTree>
   </p:cSld>
   <p:clrMapOvr>
@@ -7130,7 +7520,7 @@
       </p:grpSpPr>
       <p:sp>
         <p:nvSpPr>
-          <p:cNvPr id="229" name="Summary of the lecture"/>
+          <p:cNvPr id="236" name="Compare the predicted year only"/>
           <p:cNvSpPr txBox="1"/>
           <p:nvPr>
             <p:ph type="title"/>
@@ -7147,6 +7537,231 @@
           <a:p>
             <a:pPr/>
             <a:r>
+              <a:t>Compare the predicted year only</a:t>
+            </a:r>
+          </a:p>
+        </p:txBody>
+      </p:sp>
+      <p:sp>
+        <p:nvSpPr>
+          <p:cNvPr id="237" name="pl.plot(np.arange(365),df2[‘Temperature’].values[-365:],'b-',\…"/>
+          <p:cNvSpPr txBox="1"/>
+          <p:nvPr/>
+        </p:nvSpPr>
+        <p:spPr>
+          <a:xfrm>
+            <a:off x="1668345" y="1622303"/>
+            <a:ext cx="5807310" cy="650241"/>
+          </a:xfrm>
+          <a:prstGeom prst="rect">
+            <a:avLst/>
+          </a:prstGeom>
+          <a:ln w="12700">
+            <a:miter lim="400000"/>
+          </a:ln>
+          <a:extLst>
+            <a:ext uri="{C572A759-6A51-4108-AA02-DFA0A04FC94B}">
+              <ma14:wrappingTextBoxFlag xmlns:ma14="http://schemas.microsoft.com/office/mac/drawingml/2011/main" val="1"/>
+            </a:ext>
+          </a:extLst>
+        </p:spPr>
+        <p:txBody>
+          <a:bodyPr wrap="none" lIns="45719" rIns="45719">
+            <a:spAutoFit/>
+          </a:bodyPr>
+          <a:lstStyle/>
+          <a:p>
+            <a:pPr/>
+            <a:r>
+              <a:t>pl.plot(np.arange(365),df2[‘Temperature’].values[-365:],'b-',\</a:t>
+            </a:r>
+          </a:p>
+          <a:p>
+            <a:pPr/>
+            <a:r>
+              <a:t>   forecast2.yhat.values[-365:],'r.')</a:t>
+            </a:r>
+          </a:p>
+        </p:txBody>
+      </p:sp>
+      <p:pic>
+        <p:nvPicPr>
+          <p:cNvPr id="238" name="Image" descr="Image"/>
+          <p:cNvPicPr>
+            <a:picLocks noChangeAspect="1"/>
+          </p:cNvPicPr>
+          <p:nvPr/>
+        </p:nvPicPr>
+        <p:blipFill>
+          <a:blip r:embed="rId3">
+            <a:extLst/>
+          </a:blip>
+          <a:stretch>
+            <a:fillRect/>
+          </a:stretch>
+        </p:blipFill>
+        <p:spPr>
+          <a:xfrm>
+            <a:off x="2197100" y="2477208"/>
+            <a:ext cx="4749800" cy="3200401"/>
+          </a:xfrm>
+          <a:prstGeom prst="rect">
+            <a:avLst/>
+          </a:prstGeom>
+          <a:ln w="12700">
+            <a:miter lim="400000"/>
+          </a:ln>
+        </p:spPr>
+      </p:pic>
+    </p:spTree>
+  </p:cSld>
+  <p:clrMapOvr>
+    <a:masterClrMapping/>
+  </p:clrMapOvr>
+  <p:transition xmlns:p14="http://schemas.microsoft.com/office/powerpoint/2010/main" spd="med" advClick="1"/>
+</p:sld>
+</file>
+
+<file path=ppt/slides/slide24.xml><?xml version="1.0" encoding="utf-8"?>
+<p:sld xmlns:a="http://schemas.openxmlformats.org/drawingml/2006/main" xmlns:r="http://schemas.openxmlformats.org/officeDocument/2006/relationships" xmlns:p="http://schemas.openxmlformats.org/presentationml/2006/main" showMasterSp="1" showMasterPhAnim="1">
+  <p:cSld>
+    <p:spTree>
+      <p:nvGrpSpPr>
+        <p:cNvPr id="1" name=""/>
+        <p:cNvGrpSpPr/>
+        <p:nvPr/>
+      </p:nvGrpSpPr>
+      <p:grpSpPr>
+        <a:xfrm>
+          <a:off x="0" y="0"/>
+          <a:ext cx="0" cy="0"/>
+          <a:chOff x="0" y="0"/>
+          <a:chExt cx="0" cy="0"/>
+        </a:xfrm>
+      </p:grpSpPr>
+      <p:sp>
+        <p:nvSpPr>
+          <p:cNvPr id="242" name="Assignment"/>
+          <p:cNvSpPr txBox="1"/>
+          <p:nvPr>
+            <p:ph type="title"/>
+          </p:nvPr>
+        </p:nvSpPr>
+        <p:spPr>
+          <a:prstGeom prst="rect">
+            <a:avLst/>
+          </a:prstGeom>
+        </p:spPr>
+        <p:txBody>
+          <a:bodyPr/>
+          <a:lstStyle/>
+          <a:p>
+            <a:pPr/>
+            <a:r>
+              <a:t>Assignment</a:t>
+            </a:r>
+          </a:p>
+        </p:txBody>
+      </p:sp>
+      <p:sp>
+        <p:nvSpPr>
+          <p:cNvPr id="243" name="Find a temporal sensory dataset…"/>
+          <p:cNvSpPr txBox="1"/>
+          <p:nvPr>
+            <p:ph type="body" idx="1"/>
+          </p:nvPr>
+        </p:nvSpPr>
+        <p:spPr>
+          <a:prstGeom prst="rect">
+            <a:avLst/>
+          </a:prstGeom>
+        </p:spPr>
+        <p:txBody>
+          <a:bodyPr/>
+          <a:lstStyle/>
+          <a:p>
+            <a:pPr/>
+            <a:r>
+              <a:t>Find a temporal sensory dataset</a:t>
+            </a:r>
+          </a:p>
+          <a:p>
+            <a:pPr/>
+            <a:r>
+              <a:t>Select one or more channels </a:t>
+            </a:r>
+          </a:p>
+          <a:p>
+            <a:pPr/>
+            <a:r>
+              <a:t>Choose a “training” and a “test” period</a:t>
+            </a:r>
+          </a:p>
+          <a:p>
+            <a:pPr/>
+            <a:r>
+              <a:t>Apply Prophet prediction over a short, medium, and long period</a:t>
+            </a:r>
+          </a:p>
+          <a:p>
+            <a:pPr/>
+            <a:r>
+              <a:t>Analyze the performance</a:t>
+            </a:r>
+          </a:p>
+          <a:p>
+            <a:pPr/>
+            <a:r>
+              <a:t>Discuss real-world applications</a:t>
+            </a:r>
+          </a:p>
+        </p:txBody>
+      </p:sp>
+    </p:spTree>
+  </p:cSld>
+  <p:clrMapOvr>
+    <a:masterClrMapping/>
+  </p:clrMapOvr>
+  <p:transition xmlns:p14="http://schemas.microsoft.com/office/powerpoint/2010/main" spd="med" advClick="1"/>
+</p:sld>
+</file>
+
+<file path=ppt/slides/slide25.xml><?xml version="1.0" encoding="utf-8"?>
+<p:sld xmlns:a="http://schemas.openxmlformats.org/drawingml/2006/main" xmlns:r="http://schemas.openxmlformats.org/officeDocument/2006/relationships" xmlns:p="http://schemas.openxmlformats.org/presentationml/2006/main" showMasterSp="1" showMasterPhAnim="1">
+  <p:cSld>
+    <p:spTree>
+      <p:nvGrpSpPr>
+        <p:cNvPr id="1" name=""/>
+        <p:cNvGrpSpPr/>
+        <p:nvPr/>
+      </p:nvGrpSpPr>
+      <p:grpSpPr>
+        <a:xfrm>
+          <a:off x="0" y="0"/>
+          <a:ext cx="0" cy="0"/>
+          <a:chOff x="0" y="0"/>
+          <a:chExt cx="0" cy="0"/>
+        </a:xfrm>
+      </p:grpSpPr>
+      <p:sp>
+        <p:nvSpPr>
+          <p:cNvPr id="245" name="Summary of the lecture"/>
+          <p:cNvSpPr txBox="1"/>
+          <p:nvPr>
+            <p:ph type="title"/>
+          </p:nvPr>
+        </p:nvSpPr>
+        <p:spPr>
+          <a:prstGeom prst="rect">
+            <a:avLst/>
+          </a:prstGeom>
+        </p:spPr>
+        <p:txBody>
+          <a:bodyPr/>
+          <a:lstStyle/>
+          <a:p>
+            <a:pPr/>
+            <a:r>
               <a:t>Summary of the lecture</a:t>
             </a:r>
           </a:p>
@@ -7154,7 +7769,7 @@
       </p:sp>
       <p:sp>
         <p:nvSpPr>
-          <p:cNvPr id="230" name="We have learned about using Python libraries for working with temporal data, for tasks like cleaning it and for fitting mathematical models (ARIMA) to the data for extracting descriptive parameters, and for simple prediction.…"/>
+          <p:cNvPr id="246" name="We have learned about using Python libraries for working with temporal data, for tasks like cleaning it and for fitting mathematical models (ARIMA) to the data for extracting descriptive parameters, and for simple prediction.…"/>
           <p:cNvSpPr txBox="1"/>
           <p:nvPr>
             <p:ph type="body" idx="1"/>
@@ -7246,7 +7861,7 @@
       </p:sp>
       <p:sp>
         <p:nvSpPr>
-          <p:cNvPr id="130" name="IoT data very often has an important temporal component. In such cases, we want to understand how the observed processes or events evolve, and we might also want to predict the future from historical data.…"/>
+          <p:cNvPr id="130" name="IoT data very often has an important temporal component.…"/>
           <p:cNvSpPr txBox="1"/>
           <p:nvPr>
             <p:ph type="body" idx="1"/>
@@ -7271,7 +7886,7 @@
               <a:buNone/>
             </a:pPr>
             <a:r>
-              <a:t>IoT data very often has an important temporal component. In such cases, we want to understand how the observed processes or events evolve, and we might also want to predict the future from historical data.</a:t>
+              <a:t>IoT data very often has an important temporal component. </a:t>
             </a:r>
           </a:p>
           <a:p>
@@ -7281,7 +7896,7 @@
               <a:buNone/>
             </a:pPr>
             <a:r>
-              <a:t>We will learn about processing temporal data with mathematical models and with AI techniques.</a:t>
+              <a:t>We want to understand how the observed processes or events evolve, and we might also want to predict the future from historical data.</a:t>
             </a:r>
           </a:p>
         </p:txBody>
@@ -7314,7 +7929,7 @@
       </p:grpSpPr>
       <p:sp>
         <p:nvSpPr>
-          <p:cNvPr id="132" name="Lecture 4: Temporal predictive analysis"/>
+          <p:cNvPr id="132" name="Outline of the lecture"/>
           <p:cNvSpPr txBox="1"/>
           <p:nvPr>
             <p:ph type="title"/>
@@ -7327,28 +7942,28 @@
         </p:spPr>
         <p:txBody>
           <a:bodyPr/>
-          <a:lstStyle>
-            <a:lvl1pPr defTabSz="841247">
-              <a:defRPr sz="4048"/>
-            </a:lvl1pPr>
-          </a:lstStyle>
-          <a:p>
-            <a:pPr/>
-            <a:r>
-              <a:t>Lecture 4: Temporal predictive analysis</a:t>
-            </a:r>
-          </a:p>
-        </p:txBody>
-      </p:sp>
-      <p:sp>
-        <p:nvSpPr>
-          <p:cNvPr id="133" name="Statistical prediction with ARIMA…"/>
+          <a:lstStyle/>
+          <a:p>
+            <a:pPr/>
+            <a:r>
+              <a:t>Outline of the lecture</a:t>
+            </a:r>
+          </a:p>
+        </p:txBody>
+      </p:sp>
+      <p:sp>
+        <p:nvSpPr>
+          <p:cNvPr id="133" name="We will learn about processing temporal data with mathematical models and with AI techniques.…"/>
           <p:cNvSpPr txBox="1"/>
           <p:nvPr>
             <p:ph type="body" idx="1"/>
           </p:nvPr>
         </p:nvSpPr>
         <p:spPr>
+          <a:xfrm>
+            <a:off x="457200" y="1600200"/>
+            <a:ext cx="8229600" cy="4796452"/>
+          </a:xfrm>
           <a:prstGeom prst="rect">
             <a:avLst/>
           </a:prstGeom>
@@ -7357,45 +7972,23 @@
           <a:bodyPr/>
           <a:lstStyle/>
           <a:p>
-            <a:pPr/>
-            <a:r>
-              <a:t>Statistical prediction with ARIMA</a:t>
-            </a:r>
-          </a:p>
-          <a:p>
-            <a:pPr/>
-            <a:r>
-              <a:t>Example: short-term prediction</a:t>
-            </a:r>
-          </a:p>
-          <a:p>
-            <a:pPr/>
-            <a:r>
-              <a:t>Confidence intervals for prediction</a:t>
-            </a:r>
-          </a:p>
-          <a:p>
-            <a:pPr/>
-            <a:r>
-              <a:t>Temporal data processing with Prophet</a:t>
-            </a:r>
-          </a:p>
-          <a:p>
-            <a:pPr/>
-            <a:r>
-              <a:t>Concepts of Prophet</a:t>
-            </a:r>
-          </a:p>
-          <a:p>
-            <a:pPr/>
-            <a:r>
-              <a:t>Application to IoT data</a:t>
-            </a:r>
-          </a:p>
-          <a:p>
-            <a:pPr/>
-            <a:r>
-              <a:t>Example: long-term prediction</a:t>
+            <a:pPr marL="0" indent="0">
+              <a:buSzTx/>
+              <a:buFontTx/>
+              <a:buNone/>
+            </a:pPr>
+            <a:r>
+              <a:t>We will learn about processing temporal data with mathematical models and with AI techniques.</a:t>
+            </a:r>
+          </a:p>
+          <a:p>
+            <a:pPr marL="0" indent="0">
+              <a:buSzTx/>
+              <a:buFontTx/>
+              <a:buNone/>
+            </a:pPr>
+            <a:r>
+              <a:t>These foundations should be expanded to dealing with temporal correlations.</a:t>
             </a:r>
           </a:p>
         </p:txBody>
@@ -7428,7 +8021,7 @@
       </p:grpSpPr>
       <p:sp>
         <p:nvSpPr>
-          <p:cNvPr id="135" name="Temporal Prediction with ARIMA"/>
+          <p:cNvPr id="135" name="Where are we in the Course?"/>
           <p:cNvSpPr txBox="1"/>
           <p:nvPr>
             <p:ph type="title"/>
@@ -7445,110 +8038,70 @@
           <a:p>
             <a:pPr/>
             <a:r>
-              <a:t>Temporal Prediction with ARIMA</a:t>
-            </a:r>
-          </a:p>
-        </p:txBody>
-      </p:sp>
-      <p:sp>
-        <p:nvSpPr>
-          <p:cNvPr id="136" name="# http://www.pyflux.com…"/>
+              <a:t>Where are we in the Course?</a:t>
+            </a:r>
+          </a:p>
+        </p:txBody>
+      </p:sp>
+      <p:sp>
+        <p:nvSpPr>
+          <p:cNvPr id="136" name="Introduction: Background of IoT, Big Data, AI…"/>
           <p:cNvSpPr txBox="1"/>
-          <p:nvPr/>
-        </p:nvSpPr>
-        <p:spPr>
-          <a:xfrm>
-            <a:off x="2187272" y="1427480"/>
-            <a:ext cx="4769456" cy="4003040"/>
-          </a:xfrm>
-          <a:prstGeom prst="rect">
-            <a:avLst/>
-          </a:prstGeom>
-          <a:ln w="12700">
-            <a:miter lim="400000"/>
-          </a:ln>
-          <a:extLst>
-            <a:ext uri="{C572A759-6A51-4108-AA02-DFA0A04FC94B}">
-              <ma14:wrappingTextBoxFlag xmlns:ma14="http://schemas.microsoft.com/office/mac/drawingml/2011/main" val="1"/>
-            </a:ext>
-          </a:extLst>
-        </p:spPr>
-        <p:txBody>
-          <a:bodyPr wrap="none" lIns="45719" rIns="45719">
-            <a:spAutoFit/>
-          </a:bodyPr>
-          <a:lstStyle/>
-          <a:p>
-            <a:pPr/>
-            <a:r>
-              <a:t># http://www.pyflux.com</a:t>
-            </a:r>
-          </a:p>
-          <a:p>
-            <a:pPr/>
-            <a:r>
-              <a:t>from pandas import read_csv</a:t>
-            </a:r>
-          </a:p>
-          <a:p>
-            <a:pPr/>
-            <a:r>
-              <a:t>from pandas import datetime</a:t>
-            </a:r>
-          </a:p>
-          <a:p>
-            <a:pPr/>
-            <a:r>
-              <a:t>from pandas import DataFrame</a:t>
-            </a:r>
-          </a:p>
-          <a:p>
-            <a:pPr/>
-            <a:r>
-              <a:t>from statsmodels.tsa.arima_model import ARIMA</a:t>
-            </a:r>
-          </a:p>
-          <a:p>
-            <a:pPr/>
-          </a:p>
-          <a:p>
-            <a:pPr/>
-            <a:r>
-              <a:t>import numpy as np</a:t>
-            </a:r>
-          </a:p>
-          <a:p>
-            <a:pPr/>
-            <a:r>
-              <a:t>import pandas as pd</a:t>
-            </a:r>
-          </a:p>
-          <a:p>
-            <a:pPr/>
-            <a:r>
-              <a:t>import pyflux as pf</a:t>
-            </a:r>
-          </a:p>
-          <a:p>
-            <a:pPr/>
-            <a:r>
-              <a:t>from datetime import datetime</a:t>
-            </a:r>
-          </a:p>
-          <a:p>
-            <a:pPr/>
-            <a:r>
-              <a:t>import matplotlib.pyplot as plt</a:t>
-            </a:r>
-          </a:p>
-          <a:p>
-            <a:pPr/>
-            <a:r>
-              <a:t>%matplotlib inline </a:t>
-            </a:r>
-          </a:p>
-          <a:p>
-            <a:pPr/>
+          <p:nvPr>
+            <p:ph type="body" idx="1"/>
+          </p:nvPr>
+        </p:nvSpPr>
+        <p:spPr>
+          <a:prstGeom prst="rect">
+            <a:avLst/>
+          </a:prstGeom>
+        </p:spPr>
+        <p:txBody>
+          <a:bodyPr/>
+          <a:lstStyle/>
+          <a:p>
+            <a:pPr/>
+            <a:r>
+              <a:t>Introduction: Background of IoT, Big Data, AI</a:t>
+            </a:r>
+          </a:p>
+          <a:p>
+            <a:pPr/>
+            <a:r>
+              <a:t>Collect, analyze data from IoT on a large scale</a:t>
+            </a:r>
+          </a:p>
+          <a:p>
+            <a:pPr/>
+            <a:r>
+              <a:t>Elements and practice of statistics</a:t>
+            </a:r>
+          </a:p>
+          <a:p>
+            <a:pPr>
+              <a:defRPr b="1"/>
+            </a:pPr>
+            <a:r>
+              <a:t>AI methods for data science</a:t>
+            </a:r>
+          </a:p>
+          <a:p>
+            <a:pPr/>
+            <a:r>
+              <a:t>Practical usage of AI for Big Data from IoT</a:t>
+            </a:r>
+          </a:p>
+          <a:p>
+            <a:pPr/>
+            <a:r>
+              <a:t>Getting further with AI: internal workings</a:t>
+            </a:r>
+          </a:p>
+          <a:p>
+            <a:pPr/>
+            <a:r>
+              <a:t>Moving into the real world</a:t>
+            </a:r>
           </a:p>
         </p:txBody>
       </p:sp>
@@ -7580,7 +8133,7 @@
       </p:grpSpPr>
       <p:sp>
         <p:nvSpPr>
-          <p:cNvPr id="138" name="Temporal Prediction with ARIMA"/>
+          <p:cNvPr id="138" name="Lecture 4: Temporal predictive analysis"/>
           <p:cNvSpPr txBox="1"/>
           <p:nvPr>
             <p:ph type="title"/>
@@ -7593,119 +8146,79 @@
         </p:spPr>
         <p:txBody>
           <a:bodyPr/>
-          <a:lstStyle/>
-          <a:p>
-            <a:pPr/>
-            <a:r>
-              <a:t>Temporal Prediction with ARIMA</a:t>
-            </a:r>
-          </a:p>
-        </p:txBody>
-      </p:sp>
-      <p:sp>
-        <p:nvSpPr>
-          <p:cNvPr id="139" name="# Get the ICTP temperature dataset…"/>
+          <a:lstStyle>
+            <a:lvl1pPr defTabSz="841247">
+              <a:defRPr sz="4048"/>
+            </a:lvl1pPr>
+          </a:lstStyle>
+          <a:p>
+            <a:pPr/>
+            <a:r>
+              <a:t>Lecture 4: Temporal predictive analysis</a:t>
+            </a:r>
+          </a:p>
+        </p:txBody>
+      </p:sp>
+      <p:sp>
+        <p:nvSpPr>
+          <p:cNvPr id="139" name="Statistical prediction with ARIMA…"/>
           <p:cNvSpPr txBox="1"/>
-          <p:nvPr/>
-        </p:nvSpPr>
-        <p:spPr>
-          <a:xfrm>
-            <a:off x="2152502" y="1406403"/>
-            <a:ext cx="4838996" cy="2326641"/>
-          </a:xfrm>
-          <a:prstGeom prst="rect">
-            <a:avLst/>
-          </a:prstGeom>
-          <a:ln w="12700">
-            <a:miter lim="400000"/>
-          </a:ln>
-          <a:extLst>
-            <a:ext uri="{C572A759-6A51-4108-AA02-DFA0A04FC94B}">
-              <ma14:wrappingTextBoxFlag xmlns:ma14="http://schemas.microsoft.com/office/mac/drawingml/2011/main" val="1"/>
-            </a:ext>
-          </a:extLst>
-        </p:spPr>
-        <p:txBody>
-          <a:bodyPr wrap="none" lIns="45719" rIns="45719">
-            <a:spAutoFit/>
-          </a:bodyPr>
-          <a:lstStyle/>
-          <a:p>
-            <a:pPr/>
-            <a:r>
-              <a:t># Get the ICTP temperature dataset</a:t>
-            </a:r>
-          </a:p>
-          <a:p>
-            <a:pPr/>
-            <a:r>
-              <a:t>total = read_csv('TS_60917.csv') </a:t>
-            </a:r>
-          </a:p>
-          <a:p>
-            <a:pPr/>
-            <a:r>
-              <a:t>total.index = pd.DatetimeIndex(total['created_at'])</a:t>
-            </a:r>
-          </a:p>
-          <a:p>
-            <a:pPr/>
-          </a:p>
-          <a:p>
-            <a:pPr/>
-            <a:r>
-              <a:t>plt.figure(figsize=(15,5))</a:t>
-            </a:r>
-          </a:p>
-          <a:p>
-            <a:pPr/>
-            <a:r>
-              <a:t>plt.plot(total.index,total['Temperature'])</a:t>
-            </a:r>
-          </a:p>
-          <a:p>
-            <a:pPr/>
-            <a:r>
-              <a:t>plt.ylabel('Temperature')</a:t>
-            </a:r>
-          </a:p>
-          <a:p>
-            <a:pPr/>
-            <a:r>
-              <a:t>plt.title('Temperature at ICTP');</a:t>
-            </a:r>
-          </a:p>
-        </p:txBody>
-      </p:sp>
-      <p:pic>
-        <p:nvPicPr>
-          <p:cNvPr id="140" name="Image" descr="Image"/>
-          <p:cNvPicPr>
-            <a:picLocks noChangeAspect="1"/>
-          </p:cNvPicPr>
-          <p:nvPr/>
-        </p:nvPicPr>
-        <p:blipFill>
-          <a:blip r:embed="rId2">
-            <a:extLst/>
-          </a:blip>
-          <a:stretch>
-            <a:fillRect/>
-          </a:stretch>
-        </p:blipFill>
-        <p:spPr>
-          <a:xfrm>
-            <a:off x="0" y="3697770"/>
-            <a:ext cx="9144001" cy="3191397"/>
-          </a:xfrm>
-          <a:prstGeom prst="rect">
-            <a:avLst/>
-          </a:prstGeom>
-          <a:ln w="12700">
-            <a:miter lim="400000"/>
-          </a:ln>
-        </p:spPr>
-      </p:pic>
+          <p:nvPr>
+            <p:ph type="body" idx="1"/>
+          </p:nvPr>
+        </p:nvSpPr>
+        <p:spPr>
+          <a:prstGeom prst="rect">
+            <a:avLst/>
+          </a:prstGeom>
+        </p:spPr>
+        <p:txBody>
+          <a:bodyPr/>
+          <a:lstStyle/>
+          <a:p>
+            <a:pPr/>
+            <a:r>
+              <a:t>Statistical prediction with ARIMA</a:t>
+            </a:r>
+          </a:p>
+          <a:p>
+            <a:pPr/>
+            <a:r>
+              <a:t>Example: short-term prediction</a:t>
+            </a:r>
+          </a:p>
+          <a:p>
+            <a:pPr/>
+            <a:r>
+              <a:t>Confidence intervals for prediction</a:t>
+            </a:r>
+          </a:p>
+          <a:p>
+            <a:pPr/>
+            <a:r>
+              <a:t>Temporal data processing with Prophet</a:t>
+            </a:r>
+          </a:p>
+          <a:p>
+            <a:pPr/>
+            <a:r>
+              <a:t>Concepts of Prophet</a:t>
+            </a:r>
+          </a:p>
+          <a:p>
+            <a:pPr/>
+            <a:r>
+              <a:t>Application to IoT data</a:t>
+            </a:r>
+          </a:p>
+          <a:p>
+            <a:pPr/>
+            <a:r>
+              <a:t>Example: long-term prediction</a:t>
+            </a:r>
+          </a:p>
+        </p:txBody>
+      </p:sp>
     </p:spTree>
   </p:cSld>
   <p:clrMapOvr>
@@ -7734,7 +8247,7 @@
       </p:grpSpPr>
       <p:sp>
         <p:nvSpPr>
-          <p:cNvPr id="142" name="Temporal Prediction with ARIMA"/>
+          <p:cNvPr id="141" name="Temporal Prediction with ARIMA"/>
           <p:cNvSpPr txBox="1"/>
           <p:nvPr>
             <p:ph type="title"/>
@@ -7758,14 +8271,14 @@
       </p:sp>
       <p:sp>
         <p:nvSpPr>
-          <p:cNvPr id="143" name="# Just use a short sequence at year's end…"/>
+          <p:cNvPr id="142" name="# http://www.pyflux.com…"/>
           <p:cNvSpPr txBox="1"/>
           <p:nvPr/>
         </p:nvSpPr>
         <p:spPr>
           <a:xfrm>
-            <a:off x="1003698" y="1282916"/>
-            <a:ext cx="7136604" cy="2606041"/>
+            <a:off x="2187272" y="1427480"/>
+            <a:ext cx="4769456" cy="4003040"/>
           </a:xfrm>
           <a:prstGeom prst="rect">
             <a:avLst/>
@@ -7787,85 +8300,77 @@
           <a:p>
             <a:pPr/>
             <a:r>
-              <a:t># Just use a short sequence at year's end</a:t>
-            </a:r>
-          </a:p>
-          <a:p>
-            <a:pPr/>
-            <a:r>
-              <a:t>data=total[datetime(2016, 12, 1, 0, 0, 0):datetime(2016, 12, 31, 23, 59, 59)]</a:t>
-            </a:r>
-          </a:p>
-          <a:p>
-            <a:pPr/>
-          </a:p>
-          <a:p>
-            <a:pPr/>
-            <a:r>
-              <a:t># and use only data points at every 6 hours</a:t>
-            </a:r>
-          </a:p>
-          <a:p>
-            <a:pPr/>
-            <a:r>
-              <a:t>data=data.resample('6H').median()</a:t>
-            </a:r>
-          </a:p>
-          <a:p>
-            <a:pPr/>
-            <a:r>
-              <a:t>plt.figure(figsize=(15,5))</a:t>
-            </a:r>
-          </a:p>
-          <a:p>
-            <a:pPr/>
-            <a:r>
-              <a:t>plt.plot(data.index,data['Temperature'])</a:t>
-            </a:r>
-          </a:p>
-          <a:p>
-            <a:pPr/>
-            <a:r>
-              <a:t>plt.ylabel('Temperature')</a:t>
-            </a:r>
-          </a:p>
-          <a:p>
-            <a:pPr/>
-            <a:r>
-              <a:t>plt.title('Temperature at ICTP in December 2016');</a:t>
-            </a:r>
-          </a:p>
-        </p:txBody>
-      </p:sp>
-      <p:pic>
-        <p:nvPicPr>
-          <p:cNvPr id="144" name="Image" descr="Image"/>
-          <p:cNvPicPr>
-            <a:picLocks noChangeAspect="1"/>
-          </p:cNvPicPr>
-          <p:nvPr/>
-        </p:nvPicPr>
-        <p:blipFill>
-          <a:blip r:embed="rId2">
-            <a:extLst/>
-          </a:blip>
-          <a:stretch>
-            <a:fillRect/>
-          </a:stretch>
-        </p:blipFill>
-        <p:spPr>
-          <a:xfrm>
-            <a:off x="1130675" y="3993594"/>
-            <a:ext cx="6882650" cy="2444950"/>
-          </a:xfrm>
-          <a:prstGeom prst="rect">
-            <a:avLst/>
-          </a:prstGeom>
-          <a:ln w="12700">
-            <a:miter lim="400000"/>
-          </a:ln>
-        </p:spPr>
-      </p:pic>
+              <a:t># http://www.pyflux.com</a:t>
+            </a:r>
+          </a:p>
+          <a:p>
+            <a:pPr/>
+            <a:r>
+              <a:t>from pandas import read_csv</a:t>
+            </a:r>
+          </a:p>
+          <a:p>
+            <a:pPr/>
+            <a:r>
+              <a:t>from pandas import datetime</a:t>
+            </a:r>
+          </a:p>
+          <a:p>
+            <a:pPr/>
+            <a:r>
+              <a:t>from pandas import DataFrame</a:t>
+            </a:r>
+          </a:p>
+          <a:p>
+            <a:pPr/>
+            <a:r>
+              <a:t>from statsmodels.tsa.arima_model import ARIMA</a:t>
+            </a:r>
+          </a:p>
+          <a:p>
+            <a:pPr/>
+          </a:p>
+          <a:p>
+            <a:pPr/>
+            <a:r>
+              <a:t>import numpy as np</a:t>
+            </a:r>
+          </a:p>
+          <a:p>
+            <a:pPr/>
+            <a:r>
+              <a:t>import pandas as pd</a:t>
+            </a:r>
+          </a:p>
+          <a:p>
+            <a:pPr/>
+            <a:r>
+              <a:t>import pyflux as pf</a:t>
+            </a:r>
+          </a:p>
+          <a:p>
+            <a:pPr/>
+            <a:r>
+              <a:t>from datetime import datetime</a:t>
+            </a:r>
+          </a:p>
+          <a:p>
+            <a:pPr/>
+            <a:r>
+              <a:t>import matplotlib.pyplot as plt</a:t>
+            </a:r>
+          </a:p>
+          <a:p>
+            <a:pPr/>
+            <a:r>
+              <a:t>%matplotlib inline </a:t>
+            </a:r>
+          </a:p>
+          <a:p>
+            <a:pPr/>
+          </a:p>
+        </p:txBody>
+      </p:sp>
     </p:spTree>
   </p:cSld>
   <p:clrMapOvr>
@@ -7918,14 +8423,14 @@
       </p:sp>
       <p:sp>
         <p:nvSpPr>
-          <p:cNvPr id="147" name="# Create an Auto-Regressive Integrated Moving Average model…"/>
+          <p:cNvPr id="147" name="# Get the ICTP temperature dataset…"/>
           <p:cNvSpPr txBox="1"/>
           <p:nvPr/>
         </p:nvSpPr>
         <p:spPr>
           <a:xfrm>
-            <a:off x="1320505" y="1377760"/>
-            <a:ext cx="6729969" cy="1767841"/>
+            <a:off x="2152502" y="1406403"/>
+            <a:ext cx="4838996" cy="2326641"/>
           </a:xfrm>
           <a:prstGeom prst="rect">
             <a:avLst/>
@@ -7947,34 +8452,46 @@
           <a:p>
             <a:pPr/>
             <a:r>
-              <a:t># Create an Auto-Regressive Integrated Moving Average model</a:t>
-            </a:r>
-          </a:p>
-          <a:p>
-            <a:pPr/>
-            <a:r>
-              <a:t>model = pf.ARIMA(data=data,ar=4,ma=4,integ=0,target='Temperature')</a:t>
-            </a:r>
-          </a:p>
-          <a:p>
-            <a:pPr/>
-          </a:p>
-          <a:p>
-            <a:pPr/>
-            <a:r>
-              <a:t># Fit it</a:t>
-            </a:r>
-          </a:p>
-          <a:p>
-            <a:pPr/>
-            <a:r>
-              <a:t>x = model.fit("MLE")</a:t>
-            </a:r>
-          </a:p>
-          <a:p>
-            <a:pPr/>
-            <a:r>
-              <a:t>model.plot_fit(figsize=(15,5))</a:t>
+              <a:t># Get the ICTP temperature dataset</a:t>
+            </a:r>
+          </a:p>
+          <a:p>
+            <a:pPr/>
+            <a:r>
+              <a:t>total = read_csv('TS_60917.csv') </a:t>
+            </a:r>
+          </a:p>
+          <a:p>
+            <a:pPr/>
+            <a:r>
+              <a:t>total.index = pd.DatetimeIndex(total['created_at'])</a:t>
+            </a:r>
+          </a:p>
+          <a:p>
+            <a:pPr/>
+          </a:p>
+          <a:p>
+            <a:pPr/>
+            <a:r>
+              <a:t>plt.figure(figsize=(15,5))</a:t>
+            </a:r>
+          </a:p>
+          <a:p>
+            <a:pPr/>
+            <a:r>
+              <a:t>plt.plot(total.index,total['Temperature'])</a:t>
+            </a:r>
+          </a:p>
+          <a:p>
+            <a:pPr/>
+            <a:r>
+              <a:t>plt.ylabel('Temperature')</a:t>
+            </a:r>
+          </a:p>
+          <a:p>
+            <a:pPr/>
+            <a:r>
+              <a:t>plt.title('Temperature at ICTP');</a:t>
             </a:r>
           </a:p>
         </p:txBody>
@@ -7988,7 +8505,7 @@
           <p:nvPr/>
         </p:nvPicPr>
         <p:blipFill>
-          <a:blip r:embed="rId2">
+          <a:blip r:embed="rId3">
             <a:extLst/>
           </a:blip>
           <a:stretch>
@@ -7997,8 +8514,8 @@
         </p:blipFill>
         <p:spPr>
           <a:xfrm>
-            <a:off x="1320505" y="3414328"/>
-            <a:ext cx="6729969" cy="2422176"/>
+            <a:off x="0" y="3697770"/>
+            <a:ext cx="9144001" cy="3191397"/>
           </a:xfrm>
           <a:prstGeom prst="rect">
             <a:avLst/>
@@ -8036,7 +8553,7 @@
       </p:grpSpPr>
       <p:sp>
         <p:nvSpPr>
-          <p:cNvPr id="150" name="Temporal Prediction with ARIMA"/>
+          <p:cNvPr id="152" name="Temporal Prediction with ARIMA"/>
           <p:cNvSpPr txBox="1"/>
           <p:nvPr>
             <p:ph type="title"/>
@@ -8060,14 +8577,14 @@
       </p:sp>
       <p:sp>
         <p:nvSpPr>
-          <p:cNvPr id="151" name="# Try prediction for 2 days (8 intervals)…"/>
+          <p:cNvPr id="153" name="# Just use a short sequence at year's end…"/>
           <p:cNvSpPr txBox="1"/>
           <p:nvPr/>
         </p:nvSpPr>
         <p:spPr>
           <a:xfrm>
-            <a:off x="1992493" y="1498816"/>
-            <a:ext cx="5159014" cy="650241"/>
+            <a:off x="1003698" y="1282916"/>
+            <a:ext cx="7136604" cy="2606041"/>
           </a:xfrm>
           <a:prstGeom prst="rect">
             <a:avLst/>
@@ -8089,27 +8606,66 @@
           <a:p>
             <a:pPr/>
             <a:r>
-              <a:t># Try prediction for 2 days (8 intervals)</a:t>
-            </a:r>
-          </a:p>
-          <a:p>
-            <a:pPr/>
-            <a:r>
-              <a:t>model.plot_predict(h=8,past_values=20,figsize=(15,5))</a:t>
+              <a:t># Just use a short sequence at year's end</a:t>
+            </a:r>
+          </a:p>
+          <a:p>
+            <a:pPr/>
+            <a:r>
+              <a:t>data=total[datetime(2016, 12, 1, 0, 0, 0):datetime(2016, 12, 31, 23, 59, 59)]</a:t>
+            </a:r>
+          </a:p>
+          <a:p>
+            <a:pPr/>
+          </a:p>
+          <a:p>
+            <a:pPr/>
+            <a:r>
+              <a:t># and use only data points at every 6 hours</a:t>
+            </a:r>
+          </a:p>
+          <a:p>
+            <a:pPr/>
+            <a:r>
+              <a:t>data=data.resample('6H').median()</a:t>
+            </a:r>
+          </a:p>
+          <a:p>
+            <a:pPr/>
+            <a:r>
+              <a:t>plt.figure(figsize=(15,5))</a:t>
+            </a:r>
+          </a:p>
+          <a:p>
+            <a:pPr/>
+            <a:r>
+              <a:t>plt.plot(data.index,data['Temperature'])</a:t>
+            </a:r>
+          </a:p>
+          <a:p>
+            <a:pPr/>
+            <a:r>
+              <a:t>plt.ylabel('Temperature')</a:t>
+            </a:r>
+          </a:p>
+          <a:p>
+            <a:pPr/>
+            <a:r>
+              <a:t>plt.title('Temperature at ICTP in December 2016');</a:t>
             </a:r>
           </a:p>
         </p:txBody>
       </p:sp>
       <p:pic>
         <p:nvPicPr>
-          <p:cNvPr id="152" name="Image" descr="Image"/>
+          <p:cNvPr id="154" name="Image" descr="Image"/>
           <p:cNvPicPr>
             <a:picLocks noChangeAspect="1"/>
           </p:cNvPicPr>
           <p:nvPr/>
         </p:nvPicPr>
         <p:blipFill>
-          <a:blip r:embed="rId2">
+          <a:blip r:embed="rId3">
             <a:extLst/>
           </a:blip>
           <a:stretch>
@@ -8118,8 +8674,8 @@
         </p:blipFill>
         <p:spPr>
           <a:xfrm>
-            <a:off x="1335414" y="2610433"/>
-            <a:ext cx="6473172" cy="2352585"/>
+            <a:off x="1130675" y="3993594"/>
+            <a:ext cx="6882650" cy="2444950"/>
           </a:xfrm>
           <a:prstGeom prst="rect">
             <a:avLst/>

--- a/powerpoints/ITU Academy Slides AM4-04.pptx
+++ b/powerpoints/ITU Academy Slides AM4-04.pptx
@@ -1373,6 +1373,12 @@
             <a:pPr/>
             <a:r>
               <a:t>Discuss the effect of aggregating the data into 6 hour intervals</a:t>
+            </a:r>
+          </a:p>
+          <a:p>
+            <a:pPr/>
+            <a:r>
+              <a:t>This is actually just ARMA (integ=0), in the exercises experiment with various ar,ma,integ values</a:t>
             </a:r>
           </a:p>
         </p:txBody>
@@ -5818,7 +5824,7 @@
         <p:spPr>
           <a:xfrm>
             <a:off x="2301541" y="3138350"/>
-            <a:ext cx="4540786" cy="3260655"/>
+            <a:ext cx="4540785" cy="3260655"/>
           </a:xfrm>
           <a:prstGeom prst="rect">
             <a:avLst/>
@@ -5886,8 +5892,8 @@
         </p:nvSpPr>
         <p:spPr>
           <a:xfrm>
-            <a:off x="1665665" y="1592309"/>
-            <a:ext cx="5812670" cy="1488441"/>
+            <a:off x="1665664" y="1592309"/>
+            <a:ext cx="5812671" cy="1488441"/>
           </a:xfrm>
           <a:prstGeom prst="rect">
             <a:avLst/>
@@ -5987,8 +5993,8 @@
           <p:nvPr/>
         </p:nvGraphicFramePr>
         <p:xfrm>
-          <a:off x="3244849" y="4148576"/>
-          <a:ext cx="1270001" cy="1674318"/>
+          <a:off x="3244850" y="4148576"/>
+          <a:ext cx="1270000" cy="1674318"/>
         </p:xfrm>
         <a:graphic xmlns:a="http://schemas.openxmlformats.org/drawingml/2006/main">
           <a:graphicData uri="http://schemas.openxmlformats.org/drawingml/2006/table">
@@ -8278,7 +8284,7 @@
         <p:spPr>
           <a:xfrm>
             <a:off x="2187272" y="1427480"/>
-            <a:ext cx="4769456" cy="4003040"/>
+            <a:ext cx="4769456" cy="4003041"/>
           </a:xfrm>
           <a:prstGeom prst="rect">
             <a:avLst/>

--- a/powerpoints/ITU Academy Slides AM4-04.pptx
+++ b/powerpoints/ITU Academy Slides AM4-04.pptx
@@ -90,7 +90,7 @@
         <a:latin typeface="+mn-lt"/>
         <a:ea typeface="+mn-ea"/>
         <a:cs typeface="+mn-cs"/>
-        <a:sym typeface="Calibri"/>
+        <a:sym typeface="Arial"/>
       </a:defRPr>
     </a:lvl1pPr>
     <a:lvl2pPr marL="0" marR="0" indent="457200" algn="l" defTabSz="914400" rtl="0" fontAlgn="auto" latinLnBrk="0" hangingPunct="0">
@@ -120,7 +120,7 @@
         <a:latin typeface="+mn-lt"/>
         <a:ea typeface="+mn-ea"/>
         <a:cs typeface="+mn-cs"/>
-        <a:sym typeface="Calibri"/>
+        <a:sym typeface="Arial"/>
       </a:defRPr>
     </a:lvl2pPr>
     <a:lvl3pPr marL="0" marR="0" indent="914400" algn="l" defTabSz="914400" rtl="0" fontAlgn="auto" latinLnBrk="0" hangingPunct="0">
@@ -150,7 +150,7 @@
         <a:latin typeface="+mn-lt"/>
         <a:ea typeface="+mn-ea"/>
         <a:cs typeface="+mn-cs"/>
-        <a:sym typeface="Calibri"/>
+        <a:sym typeface="Arial"/>
       </a:defRPr>
     </a:lvl3pPr>
     <a:lvl4pPr marL="0" marR="0" indent="1371600" algn="l" defTabSz="914400" rtl="0" fontAlgn="auto" latinLnBrk="0" hangingPunct="0">
@@ -180,7 +180,7 @@
         <a:latin typeface="+mn-lt"/>
         <a:ea typeface="+mn-ea"/>
         <a:cs typeface="+mn-cs"/>
-        <a:sym typeface="Calibri"/>
+        <a:sym typeface="Arial"/>
       </a:defRPr>
     </a:lvl4pPr>
     <a:lvl5pPr marL="0" marR="0" indent="1828800" algn="l" defTabSz="914400" rtl="0" fontAlgn="auto" latinLnBrk="0" hangingPunct="0">
@@ -210,7 +210,7 @@
         <a:latin typeface="+mn-lt"/>
         <a:ea typeface="+mn-ea"/>
         <a:cs typeface="+mn-cs"/>
-        <a:sym typeface="Calibri"/>
+        <a:sym typeface="Arial"/>
       </a:defRPr>
     </a:lvl5pPr>
     <a:lvl6pPr marL="0" marR="0" indent="2286000" algn="l" defTabSz="914400" rtl="0" fontAlgn="auto" latinLnBrk="0" hangingPunct="0">
@@ -240,7 +240,7 @@
         <a:latin typeface="+mn-lt"/>
         <a:ea typeface="+mn-ea"/>
         <a:cs typeface="+mn-cs"/>
-        <a:sym typeface="Calibri"/>
+        <a:sym typeface="Arial"/>
       </a:defRPr>
     </a:lvl6pPr>
     <a:lvl7pPr marL="0" marR="0" indent="2743200" algn="l" defTabSz="914400" rtl="0" fontAlgn="auto" latinLnBrk="0" hangingPunct="0">
@@ -270,7 +270,7 @@
         <a:latin typeface="+mn-lt"/>
         <a:ea typeface="+mn-ea"/>
         <a:cs typeface="+mn-cs"/>
-        <a:sym typeface="Calibri"/>
+        <a:sym typeface="Arial"/>
       </a:defRPr>
     </a:lvl7pPr>
     <a:lvl8pPr marL="0" marR="0" indent="3200400" algn="l" defTabSz="914400" rtl="0" fontAlgn="auto" latinLnBrk="0" hangingPunct="0">
@@ -300,7 +300,7 @@
         <a:latin typeface="+mn-lt"/>
         <a:ea typeface="+mn-ea"/>
         <a:cs typeface="+mn-cs"/>
-        <a:sym typeface="Calibri"/>
+        <a:sym typeface="Arial"/>
       </a:defRPr>
     </a:lvl8pPr>
     <a:lvl9pPr marL="0" marR="0" indent="3657600" algn="l" defTabSz="914400" rtl="0" fontAlgn="auto" latinLnBrk="0" hangingPunct="0">
@@ -330,7 +330,7 @@
         <a:latin typeface="+mn-lt"/>
         <a:ea typeface="+mn-ea"/>
         <a:cs typeface="+mn-cs"/>
-        <a:sym typeface="Calibri"/>
+        <a:sym typeface="Arial"/>
       </a:defRPr>
     </a:lvl9pPr>
   </p:defaultTextStyle>
@@ -417,7 +417,7 @@
         <a:latin typeface="+mn-lt"/>
         <a:ea typeface="+mn-ea"/>
         <a:cs typeface="+mn-cs"/>
-        <a:sym typeface="Calibri"/>
+        <a:sym typeface="Arial"/>
       </a:defRPr>
     </a:lvl1pPr>
     <a:lvl2pPr indent="228600" latinLnBrk="0">
@@ -425,7 +425,7 @@
         <a:latin typeface="+mn-lt"/>
         <a:ea typeface="+mn-ea"/>
         <a:cs typeface="+mn-cs"/>
-        <a:sym typeface="Calibri"/>
+        <a:sym typeface="Arial"/>
       </a:defRPr>
     </a:lvl2pPr>
     <a:lvl3pPr indent="457200" latinLnBrk="0">
@@ -433,7 +433,7 @@
         <a:latin typeface="+mn-lt"/>
         <a:ea typeface="+mn-ea"/>
         <a:cs typeface="+mn-cs"/>
-        <a:sym typeface="Calibri"/>
+        <a:sym typeface="Arial"/>
       </a:defRPr>
     </a:lvl3pPr>
     <a:lvl4pPr indent="685800" latinLnBrk="0">
@@ -441,7 +441,7 @@
         <a:latin typeface="+mn-lt"/>
         <a:ea typeface="+mn-ea"/>
         <a:cs typeface="+mn-cs"/>
-        <a:sym typeface="Calibri"/>
+        <a:sym typeface="Arial"/>
       </a:defRPr>
     </a:lvl4pPr>
     <a:lvl5pPr indent="914400" latinLnBrk="0">
@@ -449,7 +449,7 @@
         <a:latin typeface="+mn-lt"/>
         <a:ea typeface="+mn-ea"/>
         <a:cs typeface="+mn-cs"/>
-        <a:sym typeface="Calibri"/>
+        <a:sym typeface="Arial"/>
       </a:defRPr>
     </a:lvl5pPr>
     <a:lvl6pPr indent="1143000" latinLnBrk="0">
@@ -457,7 +457,7 @@
         <a:latin typeface="+mn-lt"/>
         <a:ea typeface="+mn-ea"/>
         <a:cs typeface="+mn-cs"/>
-        <a:sym typeface="Calibri"/>
+        <a:sym typeface="Arial"/>
       </a:defRPr>
     </a:lvl6pPr>
     <a:lvl7pPr indent="1371600" latinLnBrk="0">
@@ -465,7 +465,7 @@
         <a:latin typeface="+mn-lt"/>
         <a:ea typeface="+mn-ea"/>
         <a:cs typeface="+mn-cs"/>
-        <a:sym typeface="Calibri"/>
+        <a:sym typeface="Arial"/>
       </a:defRPr>
     </a:lvl7pPr>
     <a:lvl8pPr indent="1600200" latinLnBrk="0">
@@ -473,7 +473,7 @@
         <a:latin typeface="+mn-lt"/>
         <a:ea typeface="+mn-ea"/>
         <a:cs typeface="+mn-cs"/>
-        <a:sym typeface="Calibri"/>
+        <a:sym typeface="Arial"/>
       </a:defRPr>
     </a:lvl8pPr>
     <a:lvl9pPr indent="1828800" latinLnBrk="0">
@@ -481,7 +481,7 @@
         <a:latin typeface="+mn-lt"/>
         <a:ea typeface="+mn-ea"/>
         <a:cs typeface="+mn-cs"/>
-        <a:sym typeface="Calibri"/>
+        <a:sym typeface="Arial"/>
       </a:defRPr>
     </a:lvl9pPr>
   </p:notesStyle>
@@ -3757,8 +3757,8 @@
         </p:nvSpPr>
         <p:spPr>
           <a:xfrm>
-            <a:off x="8428176" y="6404292"/>
-            <a:ext cx="258624" cy="269241"/>
+            <a:off x="8413144" y="6406785"/>
+            <a:ext cx="273657" cy="264255"/>
           </a:xfrm>
           <a:prstGeom prst="rect">
             <a:avLst/>
@@ -3832,7 +3832,7 @@
           <a:latin typeface="+mn-lt"/>
           <a:ea typeface="+mn-ea"/>
           <a:cs typeface="+mn-cs"/>
-          <a:sym typeface="Calibri"/>
+          <a:sym typeface="Arial"/>
         </a:defRPr>
       </a:lvl1pPr>
       <a:lvl2pPr marL="0" marR="0" indent="0" algn="ctr" defTabSz="914400" rtl="0" latinLnBrk="0">
@@ -3861,7 +3861,7 @@
           <a:latin typeface="+mn-lt"/>
           <a:ea typeface="+mn-ea"/>
           <a:cs typeface="+mn-cs"/>
-          <a:sym typeface="Calibri"/>
+          <a:sym typeface="Arial"/>
         </a:defRPr>
       </a:lvl2pPr>
       <a:lvl3pPr marL="0" marR="0" indent="0" algn="ctr" defTabSz="914400" rtl="0" latinLnBrk="0">
@@ -3890,7 +3890,7 @@
           <a:latin typeface="+mn-lt"/>
           <a:ea typeface="+mn-ea"/>
           <a:cs typeface="+mn-cs"/>
-          <a:sym typeface="Calibri"/>
+          <a:sym typeface="Arial"/>
         </a:defRPr>
       </a:lvl3pPr>
       <a:lvl4pPr marL="0" marR="0" indent="0" algn="ctr" defTabSz="914400" rtl="0" latinLnBrk="0">
@@ -3919,7 +3919,7 @@
           <a:latin typeface="+mn-lt"/>
           <a:ea typeface="+mn-ea"/>
           <a:cs typeface="+mn-cs"/>
-          <a:sym typeface="Calibri"/>
+          <a:sym typeface="Arial"/>
         </a:defRPr>
       </a:lvl4pPr>
       <a:lvl5pPr marL="0" marR="0" indent="0" algn="ctr" defTabSz="914400" rtl="0" latinLnBrk="0">
@@ -3948,7 +3948,7 @@
           <a:latin typeface="+mn-lt"/>
           <a:ea typeface="+mn-ea"/>
           <a:cs typeface="+mn-cs"/>
-          <a:sym typeface="Calibri"/>
+          <a:sym typeface="Arial"/>
         </a:defRPr>
       </a:lvl5pPr>
       <a:lvl6pPr marL="0" marR="0" indent="0" algn="ctr" defTabSz="914400" rtl="0" latinLnBrk="0">
@@ -3977,7 +3977,7 @@
           <a:latin typeface="+mn-lt"/>
           <a:ea typeface="+mn-ea"/>
           <a:cs typeface="+mn-cs"/>
-          <a:sym typeface="Calibri"/>
+          <a:sym typeface="Arial"/>
         </a:defRPr>
       </a:lvl6pPr>
       <a:lvl7pPr marL="0" marR="0" indent="0" algn="ctr" defTabSz="914400" rtl="0" latinLnBrk="0">
@@ -4006,7 +4006,7 @@
           <a:latin typeface="+mn-lt"/>
           <a:ea typeface="+mn-ea"/>
           <a:cs typeface="+mn-cs"/>
-          <a:sym typeface="Calibri"/>
+          <a:sym typeface="Arial"/>
         </a:defRPr>
       </a:lvl7pPr>
       <a:lvl8pPr marL="0" marR="0" indent="0" algn="ctr" defTabSz="914400" rtl="0" latinLnBrk="0">
@@ -4035,7 +4035,7 @@
           <a:latin typeface="+mn-lt"/>
           <a:ea typeface="+mn-ea"/>
           <a:cs typeface="+mn-cs"/>
-          <a:sym typeface="Calibri"/>
+          <a:sym typeface="Arial"/>
         </a:defRPr>
       </a:lvl8pPr>
       <a:lvl9pPr marL="0" marR="0" indent="0" algn="ctr" defTabSz="914400" rtl="0" latinLnBrk="0">
@@ -4064,7 +4064,7 @@
           <a:latin typeface="+mn-lt"/>
           <a:ea typeface="+mn-ea"/>
           <a:cs typeface="+mn-cs"/>
-          <a:sym typeface="Calibri"/>
+          <a:sym typeface="Arial"/>
         </a:defRPr>
       </a:lvl9pPr>
     </p:titleStyle>
@@ -4095,7 +4095,7 @@
           <a:latin typeface="+mn-lt"/>
           <a:ea typeface="+mn-ea"/>
           <a:cs typeface="+mn-cs"/>
-          <a:sym typeface="Calibri"/>
+          <a:sym typeface="Arial"/>
         </a:defRPr>
       </a:lvl1pPr>
       <a:lvl2pPr marL="783771" marR="0" indent="-326571" algn="l" defTabSz="914400" rtl="0" latinLnBrk="0">
@@ -4124,7 +4124,7 @@
           <a:latin typeface="+mn-lt"/>
           <a:ea typeface="+mn-ea"/>
           <a:cs typeface="+mn-cs"/>
-          <a:sym typeface="Calibri"/>
+          <a:sym typeface="Arial"/>
         </a:defRPr>
       </a:lvl2pPr>
       <a:lvl3pPr marL="1219200" marR="0" indent="-304800" algn="l" defTabSz="914400" rtl="0" latinLnBrk="0">
@@ -4153,7 +4153,7 @@
           <a:latin typeface="+mn-lt"/>
           <a:ea typeface="+mn-ea"/>
           <a:cs typeface="+mn-cs"/>
-          <a:sym typeface="Calibri"/>
+          <a:sym typeface="Arial"/>
         </a:defRPr>
       </a:lvl3pPr>
       <a:lvl4pPr marL="1737360" marR="0" indent="-365760" algn="l" defTabSz="914400" rtl="0" latinLnBrk="0">
@@ -4182,7 +4182,7 @@
           <a:latin typeface="+mn-lt"/>
           <a:ea typeface="+mn-ea"/>
           <a:cs typeface="+mn-cs"/>
-          <a:sym typeface="Calibri"/>
+          <a:sym typeface="Arial"/>
         </a:defRPr>
       </a:lvl4pPr>
       <a:lvl5pPr marL="2194560" marR="0" indent="-365760" algn="l" defTabSz="914400" rtl="0" latinLnBrk="0">
@@ -4211,7 +4211,7 @@
           <a:latin typeface="+mn-lt"/>
           <a:ea typeface="+mn-ea"/>
           <a:cs typeface="+mn-cs"/>
-          <a:sym typeface="Calibri"/>
+          <a:sym typeface="Arial"/>
         </a:defRPr>
       </a:lvl5pPr>
       <a:lvl6pPr marL="2651760" marR="0" indent="-365760" algn="l" defTabSz="914400" rtl="0" latinLnBrk="0">
@@ -4240,7 +4240,7 @@
           <a:latin typeface="+mn-lt"/>
           <a:ea typeface="+mn-ea"/>
           <a:cs typeface="+mn-cs"/>
-          <a:sym typeface="Calibri"/>
+          <a:sym typeface="Arial"/>
         </a:defRPr>
       </a:lvl6pPr>
       <a:lvl7pPr marL="3108960" marR="0" indent="-365760" algn="l" defTabSz="914400" rtl="0" latinLnBrk="0">
@@ -4269,7 +4269,7 @@
           <a:latin typeface="+mn-lt"/>
           <a:ea typeface="+mn-ea"/>
           <a:cs typeface="+mn-cs"/>
-          <a:sym typeface="Calibri"/>
+          <a:sym typeface="Arial"/>
         </a:defRPr>
       </a:lvl7pPr>
       <a:lvl8pPr marL="3566159" marR="0" indent="-365759" algn="l" defTabSz="914400" rtl="0" latinLnBrk="0">
@@ -4298,7 +4298,7 @@
           <a:latin typeface="+mn-lt"/>
           <a:ea typeface="+mn-ea"/>
           <a:cs typeface="+mn-cs"/>
-          <a:sym typeface="Calibri"/>
+          <a:sym typeface="Arial"/>
         </a:defRPr>
       </a:lvl8pPr>
       <a:lvl9pPr marL="4023359" marR="0" indent="-365759" algn="l" defTabSz="914400" rtl="0" latinLnBrk="0">
@@ -4327,7 +4327,7 @@
           <a:latin typeface="+mn-lt"/>
           <a:ea typeface="+mn-ea"/>
           <a:cs typeface="+mn-cs"/>
-          <a:sym typeface="Calibri"/>
+          <a:sym typeface="Arial"/>
         </a:defRPr>
       </a:lvl9pPr>
     </p:bodyStyle>
@@ -4358,7 +4358,7 @@
           <a:latin typeface="+mn-lt"/>
           <a:ea typeface="+mn-ea"/>
           <a:cs typeface="+mn-cs"/>
-          <a:sym typeface="Calibri"/>
+          <a:sym typeface="Arial"/>
         </a:defRPr>
       </a:lvl1pPr>
       <a:lvl2pPr marL="0" marR="0" indent="457200" algn="r" defTabSz="914400" rtl="0" latinLnBrk="0">
@@ -4387,7 +4387,7 @@
           <a:latin typeface="+mn-lt"/>
           <a:ea typeface="+mn-ea"/>
           <a:cs typeface="+mn-cs"/>
-          <a:sym typeface="Calibri"/>
+          <a:sym typeface="Arial"/>
         </a:defRPr>
       </a:lvl2pPr>
       <a:lvl3pPr marL="0" marR="0" indent="914400" algn="r" defTabSz="914400" rtl="0" latinLnBrk="0">
@@ -4416,7 +4416,7 @@
           <a:latin typeface="+mn-lt"/>
           <a:ea typeface="+mn-ea"/>
           <a:cs typeface="+mn-cs"/>
-          <a:sym typeface="Calibri"/>
+          <a:sym typeface="Arial"/>
         </a:defRPr>
       </a:lvl3pPr>
       <a:lvl4pPr marL="0" marR="0" indent="1371600" algn="r" defTabSz="914400" rtl="0" latinLnBrk="0">
@@ -4445,7 +4445,7 @@
           <a:latin typeface="+mn-lt"/>
           <a:ea typeface="+mn-ea"/>
           <a:cs typeface="+mn-cs"/>
-          <a:sym typeface="Calibri"/>
+          <a:sym typeface="Arial"/>
         </a:defRPr>
       </a:lvl4pPr>
       <a:lvl5pPr marL="0" marR="0" indent="1828800" algn="r" defTabSz="914400" rtl="0" latinLnBrk="0">
@@ -4474,7 +4474,7 @@
           <a:latin typeface="+mn-lt"/>
           <a:ea typeface="+mn-ea"/>
           <a:cs typeface="+mn-cs"/>
-          <a:sym typeface="Calibri"/>
+          <a:sym typeface="Arial"/>
         </a:defRPr>
       </a:lvl5pPr>
       <a:lvl6pPr marL="0" marR="0" indent="2286000" algn="r" defTabSz="914400" rtl="0" latinLnBrk="0">
@@ -4503,7 +4503,7 @@
           <a:latin typeface="+mn-lt"/>
           <a:ea typeface="+mn-ea"/>
           <a:cs typeface="+mn-cs"/>
-          <a:sym typeface="Calibri"/>
+          <a:sym typeface="Arial"/>
         </a:defRPr>
       </a:lvl6pPr>
       <a:lvl7pPr marL="0" marR="0" indent="2743200" algn="r" defTabSz="914400" rtl="0" latinLnBrk="0">
@@ -4532,7 +4532,7 @@
           <a:latin typeface="+mn-lt"/>
           <a:ea typeface="+mn-ea"/>
           <a:cs typeface="+mn-cs"/>
-          <a:sym typeface="Calibri"/>
+          <a:sym typeface="Arial"/>
         </a:defRPr>
       </a:lvl7pPr>
       <a:lvl8pPr marL="0" marR="0" indent="3200400" algn="r" defTabSz="914400" rtl="0" latinLnBrk="0">
@@ -4561,7 +4561,7 @@
           <a:latin typeface="+mn-lt"/>
           <a:ea typeface="+mn-ea"/>
           <a:cs typeface="+mn-cs"/>
-          <a:sym typeface="Calibri"/>
+          <a:sym typeface="Arial"/>
         </a:defRPr>
       </a:lvl8pPr>
       <a:lvl9pPr marL="0" marR="0" indent="3657600" algn="r" defTabSz="914400" rtl="0" latinLnBrk="0">
@@ -4590,7 +4590,7 @@
           <a:latin typeface="+mn-lt"/>
           <a:ea typeface="+mn-ea"/>
           <a:cs typeface="+mn-cs"/>
-          <a:sym typeface="Calibri"/>
+          <a:sym typeface="Arial"/>
         </a:defRPr>
       </a:lvl9pPr>
     </p:otherStyle>
@@ -4647,12 +4647,7 @@
           <a:bodyPr/>
           <a:lstStyle>
             <a:lvl1pPr defTabSz="493776">
-              <a:defRPr sz="3240">
-                <a:latin typeface="BankGothic Lt BT"/>
-                <a:ea typeface="BankGothic Lt BT"/>
-                <a:cs typeface="BankGothic Lt BT"/>
-                <a:sym typeface="BankGothic Lt BT"/>
-              </a:defRPr>
+              <a:defRPr sz="3240"/>
             </a:lvl1pPr>
           </a:lstStyle>
           <a:p>
@@ -4722,7 +4717,7 @@
         <p:spPr>
           <a:xfrm>
             <a:off x="1320505" y="1377760"/>
-            <a:ext cx="6729969" cy="1767841"/>
+            <a:ext cx="7345671" cy="1684163"/>
           </a:xfrm>
           <a:prstGeom prst="rect">
             <a:avLst/>
@@ -4864,7 +4859,7 @@
         <p:spPr>
           <a:xfrm>
             <a:off x="1992493" y="1498816"/>
-            <a:ext cx="5159014" cy="650241"/>
+            <a:ext cx="5625590" cy="617362"/>
           </a:xfrm>
           <a:prstGeom prst="rect">
             <a:avLst/>
@@ -4993,21 +4988,17 @@
           <a:bodyPr/>
           <a:lstStyle/>
           <a:p>
-            <a:pPr marL="0" indent="0" defTabSz="420623">
+            <a:pPr marL="0" indent="0" defTabSz="425195">
               <a:spcBef>
                 <a:spcPts val="0"/>
               </a:spcBef>
               <a:buSzTx/>
               <a:buFontTx/>
               <a:buNone/>
-              <a:defRPr b="1" sz="4600">
+              <a:defRPr b="1" sz="4650">
                 <a:solidFill>
                   <a:srgbClr val="3B3B3B"/>
                 </a:solidFill>
-                <a:latin typeface="Helvetica Neue"/>
-                <a:ea typeface="Helvetica Neue"/>
-                <a:cs typeface="Helvetica Neue"/>
-                <a:sym typeface="Helvetica Neue"/>
               </a:defRPr>
             </a:pPr>
             <a:r>
@@ -5015,21 +5006,17 @@
             </a:r>
           </a:p>
           <a:p>
-            <a:pPr marL="0" indent="0" defTabSz="420623">
+            <a:pPr marL="0" indent="0" defTabSz="425195">
               <a:spcBef>
                 <a:spcPts val="0"/>
               </a:spcBef>
               <a:buSzTx/>
               <a:buFontTx/>
               <a:buNone/>
-              <a:defRPr b="1" sz="1288">
+              <a:defRPr b="1" sz="1302">
                 <a:solidFill>
                   <a:srgbClr val="4E5665"/>
                 </a:solidFill>
-                <a:latin typeface="Helvetica Neue"/>
-                <a:ea typeface="Helvetica Neue"/>
-                <a:cs typeface="Helvetica Neue"/>
-                <a:sym typeface="Helvetica Neue"/>
               </a:defRPr>
             </a:pPr>
             <a:r>
@@ -5070,40 +5057,32 @@
             </a:r>
           </a:p>
           <a:p>
-            <a:pPr marL="0" indent="0" defTabSz="420623">
+            <a:pPr marL="0" indent="0" defTabSz="425195">
               <a:spcBef>
                 <a:spcPts val="0"/>
               </a:spcBef>
               <a:buSzTx/>
               <a:buFontTx/>
               <a:buNone/>
-              <a:defRPr b="1" sz="1288">
+              <a:defRPr b="1" sz="1302">
                 <a:solidFill>
                   <a:srgbClr val="4E5665"/>
                 </a:solidFill>
-                <a:latin typeface="Helvetica Neue"/>
-                <a:ea typeface="Helvetica Neue"/>
-                <a:cs typeface="Helvetica Neue"/>
-                <a:sym typeface="Helvetica Neue"/>
               </a:defRPr>
             </a:pPr>
           </a:p>
           <a:p>
-            <a:pPr marL="0" indent="0" defTabSz="420623">
+            <a:pPr marL="0" indent="0" defTabSz="425195">
               <a:spcBef>
                 <a:spcPts val="0"/>
               </a:spcBef>
               <a:buSzTx/>
               <a:buFontTx/>
               <a:buNone/>
-              <a:defRPr sz="1472">
+              <a:defRPr sz="1488">
                 <a:solidFill>
                   <a:srgbClr val="4E5665"/>
                 </a:solidFill>
-                <a:latin typeface="Helvetica Neue"/>
-                <a:ea typeface="Helvetica Neue"/>
-                <a:cs typeface="Helvetica Neue"/>
-                <a:sym typeface="Helvetica Neue"/>
               </a:defRPr>
             </a:pPr>
             <a:r>
@@ -5123,21 +5102,17 @@
             </a:r>
           </a:p>
           <a:p>
-            <a:pPr marL="0" indent="0" defTabSz="420623">
+            <a:pPr marL="0" indent="0" defTabSz="425195">
               <a:spcBef>
                 <a:spcPts val="0"/>
               </a:spcBef>
               <a:buSzTx/>
               <a:buFontTx/>
               <a:buNone/>
-              <a:defRPr b="1" sz="3220">
+              <a:defRPr b="1" sz="3255">
                 <a:solidFill>
                   <a:srgbClr val="3B3B3B"/>
                 </a:solidFill>
-                <a:latin typeface="Helvetica Neue"/>
-                <a:ea typeface="Helvetica Neue"/>
-                <a:cs typeface="Helvetica Neue"/>
-                <a:sym typeface="Helvetica Neue"/>
               </a:defRPr>
             </a:pPr>
             <a:r>
@@ -5145,21 +5120,17 @@
             </a:r>
           </a:p>
           <a:p>
-            <a:pPr marL="0" indent="0" defTabSz="420623">
+            <a:pPr marL="0" indent="0" defTabSz="425195">
               <a:spcBef>
                 <a:spcPts val="0"/>
               </a:spcBef>
               <a:buSzTx/>
               <a:buFontTx/>
               <a:buNone/>
-              <a:defRPr sz="1472">
+              <a:defRPr sz="1488">
                 <a:solidFill>
                   <a:srgbClr val="4E5665"/>
                 </a:solidFill>
-                <a:latin typeface="Helvetica Neue"/>
-                <a:ea typeface="Helvetica Neue"/>
-                <a:cs typeface="Helvetica Neue"/>
-                <a:sym typeface="Helvetica Neue"/>
               </a:defRPr>
             </a:pPr>
             <a:r>
@@ -5167,7 +5138,7 @@
             </a:r>
           </a:p>
           <a:p>
-            <a:pPr marL="420623" indent="-420623" defTabSz="420623">
+            <a:pPr marL="425195" indent="-425195" defTabSz="425195">
               <a:spcBef>
                 <a:spcPts val="0"/>
               </a:spcBef>
@@ -5178,14 +5149,10 @@
                 <a:tab pos="127000" algn="l"/>
                 <a:tab pos="419100" algn="l"/>
               </a:tabLst>
-              <a:defRPr sz="1472">
+              <a:defRPr sz="1488">
                 <a:solidFill>
                   <a:srgbClr val="4E5665"/>
                 </a:solidFill>
-                <a:latin typeface="Helvetica Neue"/>
-                <a:ea typeface="Helvetica Neue"/>
-                <a:cs typeface="Helvetica Neue"/>
-                <a:sym typeface="Helvetica Neue"/>
               </a:defRPr>
             </a:pPr>
             <a:r>
@@ -5193,7 +5160,7 @@
             </a:r>
           </a:p>
           <a:p>
-            <a:pPr marL="420623" indent="-420623" defTabSz="420623">
+            <a:pPr marL="425195" indent="-425195" defTabSz="425195">
               <a:spcBef>
                 <a:spcPts val="0"/>
               </a:spcBef>
@@ -5204,14 +5171,10 @@
                 <a:tab pos="127000" algn="l"/>
                 <a:tab pos="419100" algn="l"/>
               </a:tabLst>
-              <a:defRPr sz="1472">
+              <a:defRPr sz="1488">
                 <a:solidFill>
                   <a:srgbClr val="4E5665"/>
                 </a:solidFill>
-                <a:latin typeface="Helvetica Neue"/>
-                <a:ea typeface="Helvetica Neue"/>
-                <a:cs typeface="Helvetica Neue"/>
-                <a:sym typeface="Helvetica Neue"/>
               </a:defRPr>
             </a:pPr>
             <a:r>
@@ -5219,7 +5182,7 @@
             </a:r>
           </a:p>
           <a:p>
-            <a:pPr marL="420623" indent="-420623" defTabSz="420623">
+            <a:pPr marL="425195" indent="-425195" defTabSz="425195">
               <a:spcBef>
                 <a:spcPts val="0"/>
               </a:spcBef>
@@ -5230,14 +5193,10 @@
                 <a:tab pos="127000" algn="l"/>
                 <a:tab pos="419100" algn="l"/>
               </a:tabLst>
-              <a:defRPr sz="1472">
+              <a:defRPr sz="1488">
                 <a:solidFill>
                   <a:srgbClr val="4E5665"/>
                 </a:solidFill>
-                <a:latin typeface="Helvetica Neue"/>
-                <a:ea typeface="Helvetica Neue"/>
-                <a:cs typeface="Helvetica Neue"/>
-                <a:sym typeface="Helvetica Neue"/>
               </a:defRPr>
             </a:pPr>
             <a:r>
@@ -5245,7 +5204,7 @@
             </a:r>
           </a:p>
           <a:p>
-            <a:pPr marL="420623" indent="-420623" defTabSz="420623">
+            <a:pPr marL="425195" indent="-425195" defTabSz="425195">
               <a:spcBef>
                 <a:spcPts val="0"/>
               </a:spcBef>
@@ -5256,14 +5215,10 @@
                 <a:tab pos="127000" algn="l"/>
                 <a:tab pos="419100" algn="l"/>
               </a:tabLst>
-              <a:defRPr sz="1472">
+              <a:defRPr sz="1488">
                 <a:solidFill>
                   <a:srgbClr val="4E5665"/>
                 </a:solidFill>
-                <a:latin typeface="Helvetica Neue"/>
-                <a:ea typeface="Helvetica Neue"/>
-                <a:cs typeface="Helvetica Neue"/>
-                <a:sym typeface="Helvetica Neue"/>
               </a:defRPr>
             </a:pPr>
             <a:r>
@@ -5271,7 +5226,7 @@
             </a:r>
           </a:p>
           <a:p>
-            <a:pPr marL="420623" indent="-420623" defTabSz="420623">
+            <a:pPr marL="425195" indent="-425195" defTabSz="425195">
               <a:spcBef>
                 <a:spcPts val="0"/>
               </a:spcBef>
@@ -5282,14 +5237,10 @@
                 <a:tab pos="127000" algn="l"/>
                 <a:tab pos="419100" algn="l"/>
               </a:tabLst>
-              <a:defRPr sz="1472">
+              <a:defRPr sz="1488">
                 <a:solidFill>
                   <a:srgbClr val="4E5665"/>
                 </a:solidFill>
-                <a:latin typeface="Helvetica Neue"/>
-                <a:ea typeface="Helvetica Neue"/>
-                <a:cs typeface="Helvetica Neue"/>
-                <a:sym typeface="Helvetica Neue"/>
               </a:defRPr>
             </a:pPr>
             <a:r>
@@ -5297,7 +5248,7 @@
             </a:r>
           </a:p>
           <a:p>
-            <a:pPr marL="420623" indent="-420623" defTabSz="420623">
+            <a:pPr marL="425195" indent="-425195" defTabSz="425195">
               <a:spcBef>
                 <a:spcPts val="0"/>
               </a:spcBef>
@@ -5308,14 +5259,10 @@
                 <a:tab pos="127000" algn="l"/>
                 <a:tab pos="419100" algn="l"/>
               </a:tabLst>
-              <a:defRPr sz="1472">
+              <a:defRPr sz="1488">
                 <a:solidFill>
                   <a:srgbClr val="4E5665"/>
                 </a:solidFill>
-                <a:latin typeface="Helvetica Neue"/>
-                <a:ea typeface="Helvetica Neue"/>
-                <a:cs typeface="Helvetica Neue"/>
-                <a:sym typeface="Helvetica Neue"/>
               </a:defRPr>
             </a:pPr>
             <a:r>
@@ -5333,7 +5280,7 @@
         <p:spPr>
           <a:xfrm>
             <a:off x="524812" y="5961379"/>
-            <a:ext cx="5097176" cy="370841"/>
+            <a:ext cx="5402460" cy="350663"/>
           </a:xfrm>
           <a:prstGeom prst="rect">
             <a:avLst/>
@@ -5407,16 +5354,16 @@
           <a:bodyPr/>
           <a:lstStyle/>
           <a:p>
-            <a:pPr defTabSz="877823">
-              <a:defRPr sz="1919"/>
+            <a:pPr defTabSz="768095">
+              <a:defRPr sz="1679"/>
             </a:pPr>
             <a:r>
               <a:t>Example of another temporal IoT data: temperature</a:t>
             </a:r>
           </a:p>
           <a:p>
-            <a:pPr defTabSz="877823">
-              <a:defRPr sz="1919"/>
+            <a:pPr defTabSz="768095">
+              <a:defRPr sz="1679"/>
             </a:pPr>
             <a:r>
               <a:t>in Thingspeak Channel 135 (long-running, open data)</a:t>
@@ -5540,7 +5487,7 @@
         <p:spPr>
           <a:xfrm>
             <a:off x="1544061" y="1275080"/>
-            <a:ext cx="6055877" cy="4917441"/>
+            <a:ext cx="6559909" cy="4656793"/>
           </a:xfrm>
           <a:prstGeom prst="rect">
             <a:avLst/>
@@ -5765,7 +5712,7 @@
         <p:spPr>
           <a:xfrm>
             <a:off x="2942054" y="1910350"/>
-            <a:ext cx="3259892" cy="929641"/>
+            <a:ext cx="3427994" cy="884062"/>
           </a:xfrm>
           <a:prstGeom prst="rect">
             <a:avLst/>
@@ -5893,7 +5840,7 @@
         <p:spPr>
           <a:xfrm>
             <a:off x="1665664" y="1592309"/>
-            <a:ext cx="5812671" cy="1488441"/>
+            <a:ext cx="5812671" cy="1684163"/>
           </a:xfrm>
           <a:prstGeom prst="rect">
             <a:avLst/>
@@ -5947,7 +5894,7 @@
         <p:spPr>
           <a:xfrm>
             <a:off x="1589262" y="2964179"/>
-            <a:ext cx="5965476" cy="929641"/>
+            <a:ext cx="6348113" cy="884063"/>
           </a:xfrm>
           <a:prstGeom prst="rect">
             <a:avLst/>
@@ -6006,7 +5953,7 @@
                 <a:gridCol w="647700"/>
                 <a:gridCol w="2006600"/>
               </a:tblGrid>
-              <a:tr h="279400">
+              <a:tr h="259221">
                 <a:tc gridSpan="2">
                   <a:txBody>
                     <a:bodyPr/>
@@ -6402,7 +6349,7 @@
         <p:spPr>
           <a:xfrm>
             <a:off x="3055796" y="1725794"/>
-            <a:ext cx="3032408" cy="650241"/>
+            <a:ext cx="3223392" cy="617363"/>
           </a:xfrm>
           <a:prstGeom prst="rect">
             <a:avLst/>
@@ -6523,7 +6470,7 @@
         <p:spPr>
           <a:xfrm>
             <a:off x="903574" y="1614737"/>
-            <a:ext cx="7336853" cy="1488441"/>
+            <a:ext cx="7938713" cy="1417462"/>
           </a:xfrm>
           <a:prstGeom prst="rect">
             <a:avLst/>
@@ -6659,7 +6606,7 @@
         <p:spPr>
           <a:xfrm>
             <a:off x="2317143" y="1586094"/>
-            <a:ext cx="4509714" cy="929641"/>
+            <a:ext cx="4805733" cy="884063"/>
           </a:xfrm>
           <a:prstGeom prst="rect">
             <a:avLst/>
@@ -6782,12 +6729,7 @@
           <a:bodyPr/>
           <a:lstStyle>
             <a:lvl1pPr defTabSz="512063">
-              <a:defRPr sz="3359">
-                <a:latin typeface="BankGothic Lt BT"/>
-                <a:ea typeface="BankGothic Lt BT"/>
-                <a:cs typeface="BankGothic Lt BT"/>
-                <a:sym typeface="BankGothic Lt BT"/>
-              </a:defRPr>
+              <a:defRPr sz="3359"/>
             </a:lvl1pPr>
           </a:lstStyle>
           <a:p>
@@ -6857,7 +6799,7 @@
         <p:spPr>
           <a:xfrm>
             <a:off x="1589150" y="1488818"/>
-            <a:ext cx="5965700" cy="929641"/>
+            <a:ext cx="6386288" cy="884062"/>
           </a:xfrm>
           <a:prstGeom prst="rect">
             <a:avLst/>
@@ -6941,12 +6883,7 @@
                         <a:defRPr sz="1800"/>
                       </a:pPr>
                       <a:r>
-                        <a:rPr b="1" sz="1200">
-                          <a:latin typeface="Helvetica Neue"/>
-                          <a:ea typeface="Helvetica Neue"/>
-                          <a:cs typeface="Helvetica Neue"/>
-                          <a:sym typeface="Helvetica Neue"/>
-                        </a:rPr>
+                        <a:rPr b="1" sz="1200"/>
                         <a:t>ds</a:t>
                       </a:r>
                     </a:p>
@@ -6967,12 +6904,7 @@
                         <a:defRPr sz="1800"/>
                       </a:pPr>
                       <a:r>
-                        <a:rPr b="1" sz="1200">
-                          <a:latin typeface="Helvetica Neue"/>
-                          <a:ea typeface="Helvetica Neue"/>
-                          <a:cs typeface="Helvetica Neue"/>
-                          <a:sym typeface="Helvetica Neue"/>
-                        </a:rPr>
+                        <a:rPr b="1" sz="1200"/>
                         <a:t>26664</a:t>
                       </a:r>
                     </a:p>
@@ -6995,12 +6927,7 @@
                         <a:defRPr sz="1800"/>
                       </a:pPr>
                       <a:r>
-                        <a:rPr sz="1200">
-                          <a:latin typeface="Helvetica Neue"/>
-                          <a:ea typeface="Helvetica Neue"/>
-                          <a:cs typeface="Helvetica Neue"/>
-                          <a:sym typeface="Helvetica Neue"/>
-                        </a:rPr>
+                        <a:rPr sz="1200"/>
                         <a:t>2017-12-27 23:00:00</a:t>
                       </a:r>
                     </a:p>
@@ -7025,12 +6952,7 @@
                         <a:defRPr sz="1800"/>
                       </a:pPr>
                       <a:r>
-                        <a:rPr b="1" sz="1200">
-                          <a:latin typeface="Helvetica Neue"/>
-                          <a:ea typeface="Helvetica Neue"/>
-                          <a:cs typeface="Helvetica Neue"/>
-                          <a:sym typeface="Helvetica Neue"/>
-                        </a:rPr>
+                        <a:rPr b="1" sz="1200"/>
                         <a:t>26665</a:t>
                       </a:r>
                     </a:p>
@@ -7049,12 +6971,7 @@
                         <a:defRPr sz="1800"/>
                       </a:pPr>
                       <a:r>
-                        <a:rPr sz="1200">
-                          <a:latin typeface="Helvetica Neue"/>
-                          <a:ea typeface="Helvetica Neue"/>
-                          <a:cs typeface="Helvetica Neue"/>
-                          <a:sym typeface="Helvetica Neue"/>
-                        </a:rPr>
+                        <a:rPr sz="1200"/>
                         <a:t>2017-12-28 23:00:00</a:t>
                       </a:r>
                     </a:p>
@@ -7075,12 +6992,7 @@
                         <a:defRPr sz="1800"/>
                       </a:pPr>
                       <a:r>
-                        <a:rPr b="1" sz="1200">
-                          <a:latin typeface="Helvetica Neue"/>
-                          <a:ea typeface="Helvetica Neue"/>
-                          <a:cs typeface="Helvetica Neue"/>
-                          <a:sym typeface="Helvetica Neue"/>
-                        </a:rPr>
+                        <a:rPr b="1" sz="1200"/>
                         <a:t>26666</a:t>
                       </a:r>
                     </a:p>
@@ -7103,12 +7015,7 @@
                         <a:defRPr sz="1800"/>
                       </a:pPr>
                       <a:r>
-                        <a:rPr sz="1200">
-                          <a:latin typeface="Helvetica Neue"/>
-                          <a:ea typeface="Helvetica Neue"/>
-                          <a:cs typeface="Helvetica Neue"/>
-                          <a:sym typeface="Helvetica Neue"/>
-                        </a:rPr>
+                        <a:rPr sz="1200"/>
                         <a:t>2017-12-29 23:00:00</a:t>
                       </a:r>
                     </a:p>
@@ -7133,12 +7040,7 @@
                         <a:defRPr sz="1800"/>
                       </a:pPr>
                       <a:r>
-                        <a:rPr b="1" sz="1200">
-                          <a:latin typeface="Helvetica Neue"/>
-                          <a:ea typeface="Helvetica Neue"/>
-                          <a:cs typeface="Helvetica Neue"/>
-                          <a:sym typeface="Helvetica Neue"/>
-                        </a:rPr>
+                        <a:rPr b="1" sz="1200"/>
                         <a:t>26667</a:t>
                       </a:r>
                     </a:p>
@@ -7157,12 +7059,7 @@
                         <a:defRPr sz="1800"/>
                       </a:pPr>
                       <a:r>
-                        <a:rPr sz="1200">
-                          <a:latin typeface="Helvetica Neue"/>
-                          <a:ea typeface="Helvetica Neue"/>
-                          <a:cs typeface="Helvetica Neue"/>
-                          <a:sym typeface="Helvetica Neue"/>
-                        </a:rPr>
+                        <a:rPr sz="1200"/>
                         <a:t>2017-12-30 23:00:00</a:t>
                       </a:r>
                     </a:p>
@@ -7183,12 +7080,7 @@
                         <a:defRPr sz="1800"/>
                       </a:pPr>
                       <a:r>
-                        <a:rPr b="1" sz="1200">
-                          <a:latin typeface="Helvetica Neue"/>
-                          <a:ea typeface="Helvetica Neue"/>
-                          <a:cs typeface="Helvetica Neue"/>
-                          <a:sym typeface="Helvetica Neue"/>
-                        </a:rPr>
+                        <a:rPr b="1" sz="1200"/>
                         <a:t>26668</a:t>
                       </a:r>
                     </a:p>
@@ -7211,12 +7103,7 @@
                         <a:defRPr sz="1800"/>
                       </a:pPr>
                       <a:r>
-                        <a:rPr sz="1200">
-                          <a:latin typeface="Helvetica Neue"/>
-                          <a:ea typeface="Helvetica Neue"/>
-                          <a:cs typeface="Helvetica Neue"/>
-                          <a:sym typeface="Helvetica Neue"/>
-                        </a:rPr>
+                        <a:rPr sz="1200"/>
                         <a:t>2017-12-31 23:00:00</a:t>
                       </a:r>
                     </a:p>
@@ -7291,7 +7178,7 @@
         <p:spPr>
           <a:xfrm>
             <a:off x="2939933" y="1531241"/>
-            <a:ext cx="3264134" cy="650241"/>
+            <a:ext cx="3477665" cy="617363"/>
           </a:xfrm>
           <a:prstGeom prst="rect">
             <a:avLst/>
@@ -7412,7 +7299,7 @@
         <p:spPr>
           <a:xfrm>
             <a:off x="1114147" y="1309126"/>
-            <a:ext cx="6915706" cy="1767841"/>
+            <a:ext cx="7494015" cy="1684163"/>
           </a:xfrm>
           <a:prstGeom prst="rect">
             <a:avLst/>
@@ -7557,7 +7444,7 @@
         <p:spPr>
           <a:xfrm>
             <a:off x="1668345" y="1622303"/>
-            <a:ext cx="5807310" cy="650241"/>
+            <a:ext cx="6163716" cy="617362"/>
           </a:xfrm>
           <a:prstGeom prst="rect">
             <a:avLst/>
@@ -7794,20 +7681,22 @@
           <a:bodyPr/>
           <a:lstStyle/>
           <a:p>
-            <a:pPr marL="0" indent="0">
+            <a:pPr marL="0" indent="0" defTabSz="896111">
               <a:buSzTx/>
               <a:buFontTx/>
               <a:buNone/>
+              <a:defRPr sz="3136"/>
             </a:pPr>
             <a:r>
               <a:t>We have learned about using Python libraries for working with temporal data, for tasks like cleaning it and for fitting mathematical models (ARIMA) to the data for extracting descriptive parameters, and for simple prediction.</a:t>
             </a:r>
           </a:p>
           <a:p>
-            <a:pPr marL="0" indent="0">
+            <a:pPr marL="0" indent="0" defTabSz="896111">
               <a:buSzTx/>
               <a:buFontTx/>
               <a:buNone/>
+              <a:defRPr sz="3136"/>
             </a:pPr>
             <a:r>
               <a:t>We have also found out about the popular predictive AI system Prophet by Facebook, and we are now ready to explore its potential and limitations for IoT data.</a:t>
@@ -8066,45 +7955,57 @@
           <a:bodyPr/>
           <a:lstStyle/>
           <a:p>
-            <a:pPr/>
+            <a:pPr marL="332613" indent="-332613" defTabSz="886968">
+              <a:defRPr sz="3104"/>
+            </a:pPr>
             <a:r>
               <a:t>Introduction: Background of IoT, Big Data, AI</a:t>
             </a:r>
           </a:p>
           <a:p>
-            <a:pPr/>
+            <a:pPr marL="332613" indent="-332613" defTabSz="886968">
+              <a:defRPr sz="3104"/>
+            </a:pPr>
             <a:r>
               <a:t>Collect, analyze data from IoT on a large scale</a:t>
             </a:r>
           </a:p>
           <a:p>
-            <a:pPr/>
+            <a:pPr marL="332613" indent="-332613" defTabSz="886968">
+              <a:defRPr sz="3104"/>
+            </a:pPr>
             <a:r>
               <a:t>Elements and practice of statistics</a:t>
             </a:r>
           </a:p>
           <a:p>
-            <a:pPr>
-              <a:defRPr b="1"/>
+            <a:pPr marL="332613" indent="-332613" defTabSz="886968">
+              <a:defRPr b="1" sz="3104"/>
             </a:pPr>
             <a:r>
               <a:t>AI methods for data science</a:t>
             </a:r>
           </a:p>
           <a:p>
-            <a:pPr/>
+            <a:pPr marL="332613" indent="-332613" defTabSz="886968">
+              <a:defRPr sz="3104"/>
+            </a:pPr>
+            <a:r>
+              <a:t>Getting further with AI: internal workings</a:t>
+            </a:r>
+          </a:p>
+          <a:p>
+            <a:pPr marL="332613" indent="-332613" defTabSz="886968">
+              <a:defRPr sz="3104"/>
+            </a:pPr>
             <a:r>
               <a:t>Practical usage of AI for Big Data from IoT</a:t>
             </a:r>
           </a:p>
           <a:p>
-            <a:pPr/>
-            <a:r>
-              <a:t>Getting further with AI: internal workings</a:t>
-            </a:r>
-          </a:p>
-          <a:p>
-            <a:pPr/>
+            <a:pPr marL="332613" indent="-332613" defTabSz="886968">
+              <a:defRPr sz="3104"/>
+            </a:pPr>
             <a:r>
               <a:t>Moving into the real world</a:t>
             </a:r>
@@ -8153,8 +8054,8 @@
         <p:txBody>
           <a:bodyPr/>
           <a:lstStyle>
-            <a:lvl1pPr defTabSz="841247">
-              <a:defRPr sz="4048"/>
+            <a:lvl1pPr defTabSz="768095">
+              <a:defRPr sz="3696"/>
             </a:lvl1pPr>
           </a:lstStyle>
           <a:p>
@@ -8284,7 +8185,7 @@
         <p:spPr>
           <a:xfrm>
             <a:off x="2187272" y="1427480"/>
-            <a:ext cx="4769456" cy="4003041"/>
+            <a:ext cx="5122290" cy="3817762"/>
           </a:xfrm>
           <a:prstGeom prst="rect">
             <a:avLst/>
@@ -8436,7 +8337,7 @@
         <p:spPr>
           <a:xfrm>
             <a:off x="2152502" y="1406403"/>
-            <a:ext cx="4838996" cy="2326641"/>
+            <a:ext cx="5140931" cy="2217562"/>
           </a:xfrm>
           <a:prstGeom prst="rect">
             <a:avLst/>
@@ -8590,7 +8491,7 @@
         <p:spPr>
           <a:xfrm>
             <a:off x="1003698" y="1282916"/>
-            <a:ext cx="7136604" cy="2606041"/>
+            <a:ext cx="7748288" cy="2484262"/>
           </a:xfrm>
           <a:prstGeom prst="rect">
             <a:avLst/>
@@ -8743,14 +8644,14 @@
     </a:clrScheme>
     <a:fontScheme name="Office Theme">
       <a:majorFont>
-        <a:latin typeface="Helvetica"/>
-        <a:ea typeface="Helvetica"/>
-        <a:cs typeface="Helvetica"/>
+        <a:latin typeface="Arial"/>
+        <a:ea typeface="Arial"/>
+        <a:cs typeface="Arial"/>
       </a:majorFont>
       <a:minorFont>
-        <a:latin typeface="Calibri"/>
-        <a:ea typeface="Calibri"/>
-        <a:cs typeface="Calibri"/>
+        <a:latin typeface="Arial"/>
+        <a:ea typeface="Arial"/>
+        <a:cs typeface="Arial"/>
       </a:minorFont>
     </a:fontScheme>
     <a:fmtScheme name="Office Theme">
@@ -8958,7 +8859,7 @@
             <a:latin typeface="+mn-lt"/>
             <a:ea typeface="+mn-ea"/>
             <a:cs typeface="+mn-cs"/>
-            <a:sym typeface="Calibri"/>
+            <a:sym typeface="Arial"/>
           </a:defRPr>
         </a:defPPr>
         <a:lvl1pPr marL="0" marR="0" indent="0" algn="l" defTabSz="914400" rtl="0" fontAlgn="auto" latinLnBrk="1" hangingPunct="0">
@@ -9535,7 +9436,7 @@
             <a:latin typeface="+mn-lt"/>
             <a:ea typeface="+mn-ea"/>
             <a:cs typeface="+mn-cs"/>
-            <a:sym typeface="Calibri"/>
+            <a:sym typeface="Arial"/>
           </a:defRPr>
         </a:defPPr>
         <a:lvl1pPr marL="0" marR="0" indent="0" algn="l" defTabSz="914400" rtl="0" fontAlgn="auto" latinLnBrk="1" hangingPunct="0">
@@ -9827,14 +9728,14 @@
     </a:clrScheme>
     <a:fontScheme name="Office Theme">
       <a:majorFont>
-        <a:latin typeface="Helvetica"/>
-        <a:ea typeface="Helvetica"/>
-        <a:cs typeface="Helvetica"/>
+        <a:latin typeface="Arial"/>
+        <a:ea typeface="Arial"/>
+        <a:cs typeface="Arial"/>
       </a:majorFont>
       <a:minorFont>
-        <a:latin typeface="Calibri"/>
-        <a:ea typeface="Calibri"/>
-        <a:cs typeface="Calibri"/>
+        <a:latin typeface="Arial"/>
+        <a:ea typeface="Arial"/>
+        <a:cs typeface="Arial"/>
       </a:minorFont>
     </a:fontScheme>
     <a:fmtScheme name="Office Theme">
@@ -10042,7 +9943,7 @@
             <a:latin typeface="+mn-lt"/>
             <a:ea typeface="+mn-ea"/>
             <a:cs typeface="+mn-cs"/>
-            <a:sym typeface="Calibri"/>
+            <a:sym typeface="Arial"/>
           </a:defRPr>
         </a:defPPr>
         <a:lvl1pPr marL="0" marR="0" indent="0" algn="l" defTabSz="914400" rtl="0" fontAlgn="auto" latinLnBrk="1" hangingPunct="0">
@@ -10619,7 +10520,7 @@
             <a:latin typeface="+mn-lt"/>
             <a:ea typeface="+mn-ea"/>
             <a:cs typeface="+mn-cs"/>
-            <a:sym typeface="Calibri"/>
+            <a:sym typeface="Arial"/>
           </a:defRPr>
         </a:defPPr>
         <a:lvl1pPr marL="0" marR="0" indent="0" algn="l" defTabSz="914400" rtl="0" fontAlgn="auto" latinLnBrk="1" hangingPunct="0">
